--- a/Presentazione/Presentazione_Word_Clock.pptx
+++ b/Presentazione/Presentazione_Word_Clock.pptx
@@ -2,24 +2,31 @@
 <file path=ppt/presentation.xml><?xml version="1.0" encoding="utf-8"?>
 <p:presentation xmlns:a="http://schemas.openxmlformats.org/drawingml/2006/main" xmlns:r="http://schemas.openxmlformats.org/officeDocument/2006/relationships" xmlns:p="http://schemas.openxmlformats.org/presentationml/2006/main" saveSubsetFonts="1">
   <p:sldMasterIdLst>
-    <p:sldMasterId id="2147483660" r:id="rId1"/>
+    <p:sldMasterId id="2147483672" r:id="rId1"/>
+    <p:sldMasterId id="2147483684" r:id="rId2"/>
   </p:sldMasterIdLst>
   <p:sldIdLst>
-    <p:sldId id="256" r:id="rId2"/>
-    <p:sldId id="257" r:id="rId3"/>
-    <p:sldId id="258" r:id="rId4"/>
-    <p:sldId id="259" r:id="rId5"/>
-    <p:sldId id="260" r:id="rId6"/>
-    <p:sldId id="261" r:id="rId7"/>
-    <p:sldId id="262" r:id="rId8"/>
+    <p:sldId id="256" r:id="rId3"/>
+    <p:sldId id="257" r:id="rId4"/>
+    <p:sldId id="258" r:id="rId5"/>
+    <p:sldId id="259" r:id="rId6"/>
+    <p:sldId id="264" r:id="rId7"/>
+    <p:sldId id="267" r:id="rId8"/>
+    <p:sldId id="263" r:id="rId9"/>
+    <p:sldId id="265" r:id="rId10"/>
+    <p:sldId id="261" r:id="rId11"/>
+    <p:sldId id="266" r:id="rId12"/>
+    <p:sldId id="269" r:id="rId13"/>
+    <p:sldId id="262" r:id="rId14"/>
+    <p:sldId id="270" r:id="rId15"/>
   </p:sldIdLst>
   <p:sldSz cx="12192000" cy="6858000"/>
   <p:notesSz cx="6858000" cy="9144000"/>
   <p:defaultTextStyle>
     <a:defPPr>
-      <a:defRPr lang="en-US"/>
+      <a:defRPr lang="it-CH"/>
     </a:defPPr>
-    <a:lvl1pPr marL="0" algn="l" defTabSz="457200" rtl="0" eaLnBrk="1" latinLnBrk="0" hangingPunct="1">
+    <a:lvl1pPr marL="0" algn="l" defTabSz="914400" rtl="0" eaLnBrk="1" latinLnBrk="0" hangingPunct="1">
       <a:defRPr sz="1800" kern="1200">
         <a:solidFill>
           <a:schemeClr val="tx1"/>
@@ -29,7 +36,7 @@
         <a:cs typeface="+mn-cs"/>
       </a:defRPr>
     </a:lvl1pPr>
-    <a:lvl2pPr marL="457200" algn="l" defTabSz="457200" rtl="0" eaLnBrk="1" latinLnBrk="0" hangingPunct="1">
+    <a:lvl2pPr marL="457200" algn="l" defTabSz="914400" rtl="0" eaLnBrk="1" latinLnBrk="0" hangingPunct="1">
       <a:defRPr sz="1800" kern="1200">
         <a:solidFill>
           <a:schemeClr val="tx1"/>
@@ -39,7 +46,7 @@
         <a:cs typeface="+mn-cs"/>
       </a:defRPr>
     </a:lvl2pPr>
-    <a:lvl3pPr marL="914400" algn="l" defTabSz="457200" rtl="0" eaLnBrk="1" latinLnBrk="0" hangingPunct="1">
+    <a:lvl3pPr marL="914400" algn="l" defTabSz="914400" rtl="0" eaLnBrk="1" latinLnBrk="0" hangingPunct="1">
       <a:defRPr sz="1800" kern="1200">
         <a:solidFill>
           <a:schemeClr val="tx1"/>
@@ -49,7 +56,7 @@
         <a:cs typeface="+mn-cs"/>
       </a:defRPr>
     </a:lvl3pPr>
-    <a:lvl4pPr marL="1371600" algn="l" defTabSz="457200" rtl="0" eaLnBrk="1" latinLnBrk="0" hangingPunct="1">
+    <a:lvl4pPr marL="1371600" algn="l" defTabSz="914400" rtl="0" eaLnBrk="1" latinLnBrk="0" hangingPunct="1">
       <a:defRPr sz="1800" kern="1200">
         <a:solidFill>
           <a:schemeClr val="tx1"/>
@@ -59,7 +66,7 @@
         <a:cs typeface="+mn-cs"/>
       </a:defRPr>
     </a:lvl4pPr>
-    <a:lvl5pPr marL="1828800" algn="l" defTabSz="457200" rtl="0" eaLnBrk="1" latinLnBrk="0" hangingPunct="1">
+    <a:lvl5pPr marL="1828800" algn="l" defTabSz="914400" rtl="0" eaLnBrk="1" latinLnBrk="0" hangingPunct="1">
       <a:defRPr sz="1800" kern="1200">
         <a:solidFill>
           <a:schemeClr val="tx1"/>
@@ -69,7 +76,7 @@
         <a:cs typeface="+mn-cs"/>
       </a:defRPr>
     </a:lvl5pPr>
-    <a:lvl6pPr marL="2286000" algn="l" defTabSz="457200" rtl="0" eaLnBrk="1" latinLnBrk="0" hangingPunct="1">
+    <a:lvl6pPr marL="2286000" algn="l" defTabSz="914400" rtl="0" eaLnBrk="1" latinLnBrk="0" hangingPunct="1">
       <a:defRPr sz="1800" kern="1200">
         <a:solidFill>
           <a:schemeClr val="tx1"/>
@@ -79,7 +86,7 @@
         <a:cs typeface="+mn-cs"/>
       </a:defRPr>
     </a:lvl6pPr>
-    <a:lvl7pPr marL="2743200" algn="l" defTabSz="457200" rtl="0" eaLnBrk="1" latinLnBrk="0" hangingPunct="1">
+    <a:lvl7pPr marL="2743200" algn="l" defTabSz="914400" rtl="0" eaLnBrk="1" latinLnBrk="0" hangingPunct="1">
       <a:defRPr sz="1800" kern="1200">
         <a:solidFill>
           <a:schemeClr val="tx1"/>
@@ -89,7 +96,7 @@
         <a:cs typeface="+mn-cs"/>
       </a:defRPr>
     </a:lvl7pPr>
-    <a:lvl8pPr marL="3200400" algn="l" defTabSz="457200" rtl="0" eaLnBrk="1" latinLnBrk="0" hangingPunct="1">
+    <a:lvl8pPr marL="3200400" algn="l" defTabSz="914400" rtl="0" eaLnBrk="1" latinLnBrk="0" hangingPunct="1">
       <a:defRPr sz="1800" kern="1200">
         <a:solidFill>
           <a:schemeClr val="tx1"/>
@@ -99,7 +106,7 @@
         <a:cs typeface="+mn-cs"/>
       </a:defRPr>
     </a:lvl8pPr>
-    <a:lvl9pPr marL="3657600" algn="l" defTabSz="457200" rtl="0" eaLnBrk="1" latinLnBrk="0" hangingPunct="1">
+    <a:lvl9pPr marL="3657600" algn="l" defTabSz="914400" rtl="0" eaLnBrk="1" latinLnBrk="0" hangingPunct="1">
       <a:defRPr sz="1800" kern="1200">
         <a:solidFill>
           <a:schemeClr val="tx1"/>
@@ -110,10 +117,647 @@
       </a:defRPr>
     </a:lvl9pPr>
   </p:defaultTextStyle>
+  <p:extLst>
+    <p:ext uri="{EFAFB233-063F-42B5-8137-9DF3F51BA10A}">
+      <p15:sldGuideLst xmlns:p15="http://schemas.microsoft.com/office/powerpoint/2012/main"/>
+    </p:ext>
+  </p:extLst>
 </p:presentation>
 </file>
 
 <file path=ppt/slideLayouts/slideLayout1.xml><?xml version="1.0" encoding="utf-8"?>
+<p:sldLayout xmlns:a="http://schemas.openxmlformats.org/drawingml/2006/main" xmlns:r="http://schemas.openxmlformats.org/officeDocument/2006/relationships" xmlns:p="http://schemas.openxmlformats.org/presentationml/2006/main" type="title" preserve="1">
+  <p:cSld name="Diapositiva titolo">
+    <p:spTree>
+      <p:nvGrpSpPr>
+        <p:cNvPr id="1" name=""/>
+        <p:cNvGrpSpPr/>
+        <p:nvPr/>
+      </p:nvGrpSpPr>
+      <p:grpSpPr>
+        <a:xfrm>
+          <a:off x="0" y="0"/>
+          <a:ext cx="0" cy="0"/>
+          <a:chOff x="0" y="0"/>
+          <a:chExt cx="0" cy="0"/>
+        </a:xfrm>
+      </p:grpSpPr>
+      <p:sp>
+        <p:nvSpPr>
+          <p:cNvPr id="2" name="Titolo 1">
+            <a:extLst>
+              <a:ext uri="{FF2B5EF4-FFF2-40B4-BE49-F238E27FC236}">
+                <a16:creationId xmlns:a16="http://schemas.microsoft.com/office/drawing/2014/main" id="{51D4B596-A03A-4A42-9F21-188C42271C92}"/>
+              </a:ext>
+            </a:extLst>
+          </p:cNvPr>
+          <p:cNvSpPr>
+            <a:spLocks noGrp="1"/>
+          </p:cNvSpPr>
+          <p:nvPr>
+            <p:ph type="ctrTitle"/>
+          </p:nvPr>
+        </p:nvSpPr>
+        <p:spPr>
+          <a:xfrm>
+            <a:off x="1524000" y="1122363"/>
+            <a:ext cx="9144000" cy="2387600"/>
+          </a:xfrm>
+        </p:spPr>
+        <p:txBody>
+          <a:bodyPr anchor="b"/>
+          <a:lstStyle>
+            <a:lvl1pPr algn="ctr">
+              <a:defRPr sz="6000"/>
+            </a:lvl1pPr>
+          </a:lstStyle>
+          <a:p>
+            <a:r>
+              <a:rPr lang="it-IT"/>
+              <a:t>Fare clic per modificare lo stile del titolo dello schema</a:t>
+            </a:r>
+            <a:endParaRPr lang="it-CH"/>
+          </a:p>
+        </p:txBody>
+      </p:sp>
+      <p:sp>
+        <p:nvSpPr>
+          <p:cNvPr id="3" name="Sottotitolo 2">
+            <a:extLst>
+              <a:ext uri="{FF2B5EF4-FFF2-40B4-BE49-F238E27FC236}">
+                <a16:creationId xmlns:a16="http://schemas.microsoft.com/office/drawing/2014/main" id="{316062EE-353C-491E-A2AD-FCFD38184874}"/>
+              </a:ext>
+            </a:extLst>
+          </p:cNvPr>
+          <p:cNvSpPr>
+            <a:spLocks noGrp="1"/>
+          </p:cNvSpPr>
+          <p:nvPr>
+            <p:ph type="subTitle" idx="1"/>
+          </p:nvPr>
+        </p:nvSpPr>
+        <p:spPr>
+          <a:xfrm>
+            <a:off x="1524000" y="3602038"/>
+            <a:ext cx="9144000" cy="1655762"/>
+          </a:xfrm>
+        </p:spPr>
+        <p:txBody>
+          <a:bodyPr/>
+          <a:lstStyle>
+            <a:lvl1pPr marL="0" indent="0" algn="ctr">
+              <a:buNone/>
+              <a:defRPr sz="2400"/>
+            </a:lvl1pPr>
+            <a:lvl2pPr marL="457200" indent="0" algn="ctr">
+              <a:buNone/>
+              <a:defRPr sz="2000"/>
+            </a:lvl2pPr>
+            <a:lvl3pPr marL="914400" indent="0" algn="ctr">
+              <a:buNone/>
+              <a:defRPr sz="1800"/>
+            </a:lvl3pPr>
+            <a:lvl4pPr marL="1371600" indent="0" algn="ctr">
+              <a:buNone/>
+              <a:defRPr sz="1600"/>
+            </a:lvl4pPr>
+            <a:lvl5pPr marL="1828800" indent="0" algn="ctr">
+              <a:buNone/>
+              <a:defRPr sz="1600"/>
+            </a:lvl5pPr>
+            <a:lvl6pPr marL="2286000" indent="0" algn="ctr">
+              <a:buNone/>
+              <a:defRPr sz="1600"/>
+            </a:lvl6pPr>
+            <a:lvl7pPr marL="2743200" indent="0" algn="ctr">
+              <a:buNone/>
+              <a:defRPr sz="1600"/>
+            </a:lvl7pPr>
+            <a:lvl8pPr marL="3200400" indent="0" algn="ctr">
+              <a:buNone/>
+              <a:defRPr sz="1600"/>
+            </a:lvl8pPr>
+            <a:lvl9pPr marL="3657600" indent="0" algn="ctr">
+              <a:buNone/>
+              <a:defRPr sz="1600"/>
+            </a:lvl9pPr>
+          </a:lstStyle>
+          <a:p>
+            <a:r>
+              <a:rPr lang="it-IT"/>
+              <a:t>Fare clic per modificare lo stile del sottotitolo dello schema</a:t>
+            </a:r>
+            <a:endParaRPr lang="it-CH"/>
+          </a:p>
+        </p:txBody>
+      </p:sp>
+      <p:sp>
+        <p:nvSpPr>
+          <p:cNvPr id="4" name="Segnaposto data 3">
+            <a:extLst>
+              <a:ext uri="{FF2B5EF4-FFF2-40B4-BE49-F238E27FC236}">
+                <a16:creationId xmlns:a16="http://schemas.microsoft.com/office/drawing/2014/main" id="{0F6035D5-0EA7-4D72-B30C-AFE9D28A7F1E}"/>
+              </a:ext>
+            </a:extLst>
+          </p:cNvPr>
+          <p:cNvSpPr>
+            <a:spLocks noGrp="1"/>
+          </p:cNvSpPr>
+          <p:nvPr>
+            <p:ph type="dt" sz="half" idx="10"/>
+          </p:nvPr>
+        </p:nvSpPr>
+        <p:spPr/>
+        <p:txBody>
+          <a:bodyPr/>
+          <a:lstStyle/>
+          <a:p>
+            <a:fld id="{F7E49206-D6C0-4DB1-8B49-D64BF1AB1633}" type="datetimeFigureOut">
+              <a:rPr lang="it-CH" smtClean="0"/>
+              <a:t>22.05.2019</a:t>
+            </a:fld>
+            <a:endParaRPr lang="it-CH"/>
+          </a:p>
+        </p:txBody>
+      </p:sp>
+      <p:sp>
+        <p:nvSpPr>
+          <p:cNvPr id="5" name="Segnaposto piè di pagina 4">
+            <a:extLst>
+              <a:ext uri="{FF2B5EF4-FFF2-40B4-BE49-F238E27FC236}">
+                <a16:creationId xmlns:a16="http://schemas.microsoft.com/office/drawing/2014/main" id="{94815D07-13AA-44FE-AA07-BD44D6ABFC5F}"/>
+              </a:ext>
+            </a:extLst>
+          </p:cNvPr>
+          <p:cNvSpPr>
+            <a:spLocks noGrp="1"/>
+          </p:cNvSpPr>
+          <p:nvPr>
+            <p:ph type="ftr" sz="quarter" idx="11"/>
+          </p:nvPr>
+        </p:nvSpPr>
+        <p:spPr/>
+        <p:txBody>
+          <a:bodyPr/>
+          <a:lstStyle/>
+          <a:p>
+            <a:endParaRPr lang="it-CH"/>
+          </a:p>
+        </p:txBody>
+      </p:sp>
+      <p:sp>
+        <p:nvSpPr>
+          <p:cNvPr id="6" name="Segnaposto numero diapositiva 5">
+            <a:extLst>
+              <a:ext uri="{FF2B5EF4-FFF2-40B4-BE49-F238E27FC236}">
+                <a16:creationId xmlns:a16="http://schemas.microsoft.com/office/drawing/2014/main" id="{47909B47-E6FA-426A-BFE6-F949114F044E}"/>
+              </a:ext>
+            </a:extLst>
+          </p:cNvPr>
+          <p:cNvSpPr>
+            <a:spLocks noGrp="1"/>
+          </p:cNvSpPr>
+          <p:nvPr>
+            <p:ph type="sldNum" sz="quarter" idx="12"/>
+          </p:nvPr>
+        </p:nvSpPr>
+        <p:spPr/>
+        <p:txBody>
+          <a:bodyPr/>
+          <a:lstStyle/>
+          <a:p>
+            <a:fld id="{5DB9BA27-AEF4-4D68-AB32-9A639663B60E}" type="slidenum">
+              <a:rPr lang="it-CH" smtClean="0"/>
+              <a:t>‹N›</a:t>
+            </a:fld>
+            <a:endParaRPr lang="it-CH"/>
+          </a:p>
+        </p:txBody>
+      </p:sp>
+    </p:spTree>
+    <p:extLst>
+      <p:ext uri="{BB962C8B-B14F-4D97-AF65-F5344CB8AC3E}">
+        <p14:creationId xmlns:p14="http://schemas.microsoft.com/office/powerpoint/2010/main" val="3767062037"/>
+      </p:ext>
+    </p:extLst>
+  </p:cSld>
+  <p:clrMapOvr>
+    <a:masterClrMapping/>
+  </p:clrMapOvr>
+</p:sldLayout>
+</file>
+
+<file path=ppt/slideLayouts/slideLayout10.xml><?xml version="1.0" encoding="utf-8"?>
+<p:sldLayout xmlns:a="http://schemas.openxmlformats.org/drawingml/2006/main" xmlns:r="http://schemas.openxmlformats.org/officeDocument/2006/relationships" xmlns:p="http://schemas.openxmlformats.org/presentationml/2006/main" type="vertTx" preserve="1">
+  <p:cSld name="Titolo e testo verticale">
+    <p:spTree>
+      <p:nvGrpSpPr>
+        <p:cNvPr id="1" name=""/>
+        <p:cNvGrpSpPr/>
+        <p:nvPr/>
+      </p:nvGrpSpPr>
+      <p:grpSpPr>
+        <a:xfrm>
+          <a:off x="0" y="0"/>
+          <a:ext cx="0" cy="0"/>
+          <a:chOff x="0" y="0"/>
+          <a:chExt cx="0" cy="0"/>
+        </a:xfrm>
+      </p:grpSpPr>
+      <p:sp>
+        <p:nvSpPr>
+          <p:cNvPr id="2" name="Titolo 1">
+            <a:extLst>
+              <a:ext uri="{FF2B5EF4-FFF2-40B4-BE49-F238E27FC236}">
+                <a16:creationId xmlns:a16="http://schemas.microsoft.com/office/drawing/2014/main" id="{2B3D686D-6CA3-4C54-8AA1-003DA454A6D3}"/>
+              </a:ext>
+            </a:extLst>
+          </p:cNvPr>
+          <p:cNvSpPr>
+            <a:spLocks noGrp="1"/>
+          </p:cNvSpPr>
+          <p:nvPr>
+            <p:ph type="title"/>
+          </p:nvPr>
+        </p:nvSpPr>
+        <p:spPr/>
+        <p:txBody>
+          <a:bodyPr/>
+          <a:lstStyle/>
+          <a:p>
+            <a:r>
+              <a:rPr lang="it-IT"/>
+              <a:t>Fare clic per modificare lo stile del titolo dello schema</a:t>
+            </a:r>
+            <a:endParaRPr lang="it-CH"/>
+          </a:p>
+        </p:txBody>
+      </p:sp>
+      <p:sp>
+        <p:nvSpPr>
+          <p:cNvPr id="3" name="Segnaposto testo verticale 2">
+            <a:extLst>
+              <a:ext uri="{FF2B5EF4-FFF2-40B4-BE49-F238E27FC236}">
+                <a16:creationId xmlns:a16="http://schemas.microsoft.com/office/drawing/2014/main" id="{D74582B3-C3E5-467E-8754-09208865C9D8}"/>
+              </a:ext>
+            </a:extLst>
+          </p:cNvPr>
+          <p:cNvSpPr>
+            <a:spLocks noGrp="1"/>
+          </p:cNvSpPr>
+          <p:nvPr>
+            <p:ph type="body" orient="vert" idx="1"/>
+          </p:nvPr>
+        </p:nvSpPr>
+        <p:spPr/>
+        <p:txBody>
+          <a:bodyPr vert="eaVert"/>
+          <a:lstStyle/>
+          <a:p>
+            <a:pPr lvl="0"/>
+            <a:r>
+              <a:rPr lang="it-IT"/>
+              <a:t>Modifica gli stili del testo dello schema</a:t>
+            </a:r>
+          </a:p>
+          <a:p>
+            <a:pPr lvl="1"/>
+            <a:r>
+              <a:rPr lang="it-IT"/>
+              <a:t>Secondo livello</a:t>
+            </a:r>
+          </a:p>
+          <a:p>
+            <a:pPr lvl="2"/>
+            <a:r>
+              <a:rPr lang="it-IT"/>
+              <a:t>Terzo livello</a:t>
+            </a:r>
+          </a:p>
+          <a:p>
+            <a:pPr lvl="3"/>
+            <a:r>
+              <a:rPr lang="it-IT"/>
+              <a:t>Quarto livello</a:t>
+            </a:r>
+          </a:p>
+          <a:p>
+            <a:pPr lvl="4"/>
+            <a:r>
+              <a:rPr lang="it-IT"/>
+              <a:t>Quinto livello</a:t>
+            </a:r>
+            <a:endParaRPr lang="it-CH"/>
+          </a:p>
+        </p:txBody>
+      </p:sp>
+      <p:sp>
+        <p:nvSpPr>
+          <p:cNvPr id="4" name="Segnaposto data 3">
+            <a:extLst>
+              <a:ext uri="{FF2B5EF4-FFF2-40B4-BE49-F238E27FC236}">
+                <a16:creationId xmlns:a16="http://schemas.microsoft.com/office/drawing/2014/main" id="{96C888D7-936A-4D88-BF7A-0D83C7F0B06A}"/>
+              </a:ext>
+            </a:extLst>
+          </p:cNvPr>
+          <p:cNvSpPr>
+            <a:spLocks noGrp="1"/>
+          </p:cNvSpPr>
+          <p:nvPr>
+            <p:ph type="dt" sz="half" idx="10"/>
+          </p:nvPr>
+        </p:nvSpPr>
+        <p:spPr/>
+        <p:txBody>
+          <a:bodyPr/>
+          <a:lstStyle/>
+          <a:p>
+            <a:fld id="{F7E49206-D6C0-4DB1-8B49-D64BF1AB1633}" type="datetimeFigureOut">
+              <a:rPr lang="it-CH" smtClean="0"/>
+              <a:t>22.05.2019</a:t>
+            </a:fld>
+            <a:endParaRPr lang="it-CH"/>
+          </a:p>
+        </p:txBody>
+      </p:sp>
+      <p:sp>
+        <p:nvSpPr>
+          <p:cNvPr id="5" name="Segnaposto piè di pagina 4">
+            <a:extLst>
+              <a:ext uri="{FF2B5EF4-FFF2-40B4-BE49-F238E27FC236}">
+                <a16:creationId xmlns:a16="http://schemas.microsoft.com/office/drawing/2014/main" id="{DCCF7342-EFB6-4166-93F9-69FF4EEC01F2}"/>
+              </a:ext>
+            </a:extLst>
+          </p:cNvPr>
+          <p:cNvSpPr>
+            <a:spLocks noGrp="1"/>
+          </p:cNvSpPr>
+          <p:nvPr>
+            <p:ph type="ftr" sz="quarter" idx="11"/>
+          </p:nvPr>
+        </p:nvSpPr>
+        <p:spPr/>
+        <p:txBody>
+          <a:bodyPr/>
+          <a:lstStyle/>
+          <a:p>
+            <a:endParaRPr lang="it-CH"/>
+          </a:p>
+        </p:txBody>
+      </p:sp>
+      <p:sp>
+        <p:nvSpPr>
+          <p:cNvPr id="6" name="Segnaposto numero diapositiva 5">
+            <a:extLst>
+              <a:ext uri="{FF2B5EF4-FFF2-40B4-BE49-F238E27FC236}">
+                <a16:creationId xmlns:a16="http://schemas.microsoft.com/office/drawing/2014/main" id="{5B7899BA-A832-4696-8143-73278BE1BF38}"/>
+              </a:ext>
+            </a:extLst>
+          </p:cNvPr>
+          <p:cNvSpPr>
+            <a:spLocks noGrp="1"/>
+          </p:cNvSpPr>
+          <p:nvPr>
+            <p:ph type="sldNum" sz="quarter" idx="12"/>
+          </p:nvPr>
+        </p:nvSpPr>
+        <p:spPr/>
+        <p:txBody>
+          <a:bodyPr/>
+          <a:lstStyle/>
+          <a:p>
+            <a:fld id="{5DB9BA27-AEF4-4D68-AB32-9A639663B60E}" type="slidenum">
+              <a:rPr lang="it-CH" smtClean="0"/>
+              <a:t>‹N›</a:t>
+            </a:fld>
+            <a:endParaRPr lang="it-CH"/>
+          </a:p>
+        </p:txBody>
+      </p:sp>
+    </p:spTree>
+    <p:extLst>
+      <p:ext uri="{BB962C8B-B14F-4D97-AF65-F5344CB8AC3E}">
+        <p14:creationId xmlns:p14="http://schemas.microsoft.com/office/powerpoint/2010/main" val="3878225976"/>
+      </p:ext>
+    </p:extLst>
+  </p:cSld>
+  <p:clrMapOvr>
+    <a:masterClrMapping/>
+  </p:clrMapOvr>
+</p:sldLayout>
+</file>
+
+<file path=ppt/slideLayouts/slideLayout11.xml><?xml version="1.0" encoding="utf-8"?>
+<p:sldLayout xmlns:a="http://schemas.openxmlformats.org/drawingml/2006/main" xmlns:r="http://schemas.openxmlformats.org/officeDocument/2006/relationships" xmlns:p="http://schemas.openxmlformats.org/presentationml/2006/main" type="vertTitleAndTx" preserve="1">
+  <p:cSld name="1_Titolo e testo verticale">
+    <p:spTree>
+      <p:nvGrpSpPr>
+        <p:cNvPr id="1" name=""/>
+        <p:cNvGrpSpPr/>
+        <p:nvPr/>
+      </p:nvGrpSpPr>
+      <p:grpSpPr>
+        <a:xfrm>
+          <a:off x="0" y="0"/>
+          <a:ext cx="0" cy="0"/>
+          <a:chOff x="0" y="0"/>
+          <a:chExt cx="0" cy="0"/>
+        </a:xfrm>
+      </p:grpSpPr>
+      <p:sp>
+        <p:nvSpPr>
+          <p:cNvPr id="2" name="Titolo verticale 1">
+            <a:extLst>
+              <a:ext uri="{FF2B5EF4-FFF2-40B4-BE49-F238E27FC236}">
+                <a16:creationId xmlns:a16="http://schemas.microsoft.com/office/drawing/2014/main" id="{162E866A-B850-4A9E-9994-F94FC8B08F31}"/>
+              </a:ext>
+            </a:extLst>
+          </p:cNvPr>
+          <p:cNvSpPr>
+            <a:spLocks noGrp="1"/>
+          </p:cNvSpPr>
+          <p:nvPr>
+            <p:ph type="title" orient="vert"/>
+          </p:nvPr>
+        </p:nvSpPr>
+        <p:spPr>
+          <a:xfrm>
+            <a:off x="8724900" y="365125"/>
+            <a:ext cx="2628900" cy="5811838"/>
+          </a:xfrm>
+        </p:spPr>
+        <p:txBody>
+          <a:bodyPr vert="eaVert"/>
+          <a:lstStyle/>
+          <a:p>
+            <a:r>
+              <a:rPr lang="it-IT"/>
+              <a:t>Fare clic per modificare lo stile del titolo dello schema</a:t>
+            </a:r>
+            <a:endParaRPr lang="it-CH"/>
+          </a:p>
+        </p:txBody>
+      </p:sp>
+      <p:sp>
+        <p:nvSpPr>
+          <p:cNvPr id="3" name="Segnaposto testo verticale 2">
+            <a:extLst>
+              <a:ext uri="{FF2B5EF4-FFF2-40B4-BE49-F238E27FC236}">
+                <a16:creationId xmlns:a16="http://schemas.microsoft.com/office/drawing/2014/main" id="{12A8C755-E6A9-4435-9E2D-9021448B88FE}"/>
+              </a:ext>
+            </a:extLst>
+          </p:cNvPr>
+          <p:cNvSpPr>
+            <a:spLocks noGrp="1"/>
+          </p:cNvSpPr>
+          <p:nvPr>
+            <p:ph type="body" orient="vert" idx="1"/>
+          </p:nvPr>
+        </p:nvSpPr>
+        <p:spPr>
+          <a:xfrm>
+            <a:off x="838200" y="365125"/>
+            <a:ext cx="7734300" cy="5811838"/>
+          </a:xfrm>
+        </p:spPr>
+        <p:txBody>
+          <a:bodyPr vert="eaVert"/>
+          <a:lstStyle/>
+          <a:p>
+            <a:pPr lvl="0"/>
+            <a:r>
+              <a:rPr lang="it-IT"/>
+              <a:t>Modifica gli stili del testo dello schema</a:t>
+            </a:r>
+          </a:p>
+          <a:p>
+            <a:pPr lvl="1"/>
+            <a:r>
+              <a:rPr lang="it-IT"/>
+              <a:t>Secondo livello</a:t>
+            </a:r>
+          </a:p>
+          <a:p>
+            <a:pPr lvl="2"/>
+            <a:r>
+              <a:rPr lang="it-IT"/>
+              <a:t>Terzo livello</a:t>
+            </a:r>
+          </a:p>
+          <a:p>
+            <a:pPr lvl="3"/>
+            <a:r>
+              <a:rPr lang="it-IT"/>
+              <a:t>Quarto livello</a:t>
+            </a:r>
+          </a:p>
+          <a:p>
+            <a:pPr lvl="4"/>
+            <a:r>
+              <a:rPr lang="it-IT"/>
+              <a:t>Quinto livello</a:t>
+            </a:r>
+            <a:endParaRPr lang="it-CH"/>
+          </a:p>
+        </p:txBody>
+      </p:sp>
+      <p:sp>
+        <p:nvSpPr>
+          <p:cNvPr id="4" name="Segnaposto data 3">
+            <a:extLst>
+              <a:ext uri="{FF2B5EF4-FFF2-40B4-BE49-F238E27FC236}">
+                <a16:creationId xmlns:a16="http://schemas.microsoft.com/office/drawing/2014/main" id="{4C5F8A6E-2FA7-426F-9198-2A59CD7E2432}"/>
+              </a:ext>
+            </a:extLst>
+          </p:cNvPr>
+          <p:cNvSpPr>
+            <a:spLocks noGrp="1"/>
+          </p:cNvSpPr>
+          <p:nvPr>
+            <p:ph type="dt" sz="half" idx="10"/>
+          </p:nvPr>
+        </p:nvSpPr>
+        <p:spPr/>
+        <p:txBody>
+          <a:bodyPr/>
+          <a:lstStyle/>
+          <a:p>
+            <a:fld id="{F7E49206-D6C0-4DB1-8B49-D64BF1AB1633}" type="datetimeFigureOut">
+              <a:rPr lang="it-CH" smtClean="0"/>
+              <a:t>22.05.2019</a:t>
+            </a:fld>
+            <a:endParaRPr lang="it-CH"/>
+          </a:p>
+        </p:txBody>
+      </p:sp>
+      <p:sp>
+        <p:nvSpPr>
+          <p:cNvPr id="5" name="Segnaposto piè di pagina 4">
+            <a:extLst>
+              <a:ext uri="{FF2B5EF4-FFF2-40B4-BE49-F238E27FC236}">
+                <a16:creationId xmlns:a16="http://schemas.microsoft.com/office/drawing/2014/main" id="{91662140-B081-49F4-BC9C-66151AEE558F}"/>
+              </a:ext>
+            </a:extLst>
+          </p:cNvPr>
+          <p:cNvSpPr>
+            <a:spLocks noGrp="1"/>
+          </p:cNvSpPr>
+          <p:nvPr>
+            <p:ph type="ftr" sz="quarter" idx="11"/>
+          </p:nvPr>
+        </p:nvSpPr>
+        <p:spPr/>
+        <p:txBody>
+          <a:bodyPr/>
+          <a:lstStyle/>
+          <a:p>
+            <a:endParaRPr lang="it-CH"/>
+          </a:p>
+        </p:txBody>
+      </p:sp>
+      <p:sp>
+        <p:nvSpPr>
+          <p:cNvPr id="6" name="Segnaposto numero diapositiva 5">
+            <a:extLst>
+              <a:ext uri="{FF2B5EF4-FFF2-40B4-BE49-F238E27FC236}">
+                <a16:creationId xmlns:a16="http://schemas.microsoft.com/office/drawing/2014/main" id="{C6890577-5F68-422B-BE17-444EB9B337AF}"/>
+              </a:ext>
+            </a:extLst>
+          </p:cNvPr>
+          <p:cNvSpPr>
+            <a:spLocks noGrp="1"/>
+          </p:cNvSpPr>
+          <p:nvPr>
+            <p:ph type="sldNum" sz="quarter" idx="12"/>
+          </p:nvPr>
+        </p:nvSpPr>
+        <p:spPr/>
+        <p:txBody>
+          <a:bodyPr/>
+          <a:lstStyle/>
+          <a:p>
+            <a:fld id="{5DB9BA27-AEF4-4D68-AB32-9A639663B60E}" type="slidenum">
+              <a:rPr lang="it-CH" smtClean="0"/>
+              <a:t>‹N›</a:t>
+            </a:fld>
+            <a:endParaRPr lang="it-CH"/>
+          </a:p>
+        </p:txBody>
+      </p:sp>
+    </p:spTree>
+    <p:extLst>
+      <p:ext uri="{BB962C8B-B14F-4D97-AF65-F5344CB8AC3E}">
+        <p14:creationId xmlns:p14="http://schemas.microsoft.com/office/powerpoint/2010/main" val="3402807164"/>
+      </p:ext>
+    </p:extLst>
+  </p:cSld>
+  <p:clrMapOvr>
+    <a:masterClrMapping/>
+  </p:clrMapOvr>
+</p:sldLayout>
+</file>
+
+<file path=ppt/slideLayouts/slideLayout12.xml><?xml version="1.0" encoding="utf-8"?>
 <p:sldLayout xmlns:a="http://schemas.openxmlformats.org/drawingml/2006/main" xmlns:r="http://schemas.openxmlformats.org/officeDocument/2006/relationships" xmlns:p="http://schemas.openxmlformats.org/presentationml/2006/main" showMasterSp="0" type="title" preserve="1">
   <p:cSld name="Diapositiva titolo">
     <p:spTree>
@@ -339,7 +983,7 @@
           <a:p>
             <a:fld id="{F7E49206-D6C0-4DB1-8B49-D64BF1AB1633}" type="datetimeFigureOut">
               <a:rPr lang="it-CH" smtClean="0"/>
-              <a:t>17.05.2019</a:t>
+              <a:t>22.05.2019</a:t>
             </a:fld>
             <a:endParaRPr lang="it-CH"/>
           </a:p>
@@ -428,7 +1072,7 @@
     </p:spTree>
     <p:extLst>
       <p:ext uri="{BB962C8B-B14F-4D97-AF65-F5344CB8AC3E}">
-        <p14:creationId xmlns:p14="http://schemas.microsoft.com/office/powerpoint/2010/main" val="2048262654"/>
+        <p14:creationId xmlns:p14="http://schemas.microsoft.com/office/powerpoint/2010/main" val="2559545228"/>
       </p:ext>
     </p:extLst>
   </p:cSld>
@@ -438,9 +1082,9 @@
 </p:sldLayout>
 </file>
 
-<file path=ppt/slideLayouts/slideLayout10.xml><?xml version="1.0" encoding="utf-8"?>
-<p:sldLayout xmlns:a="http://schemas.openxmlformats.org/drawingml/2006/main" xmlns:r="http://schemas.openxmlformats.org/officeDocument/2006/relationships" xmlns:p="http://schemas.openxmlformats.org/presentationml/2006/main" type="vertTx" preserve="1">
-  <p:cSld name="Titolo e testo verticale">
+<file path=ppt/slideLayouts/slideLayout13.xml><?xml version="1.0" encoding="utf-8"?>
+<p:sldLayout xmlns:a="http://schemas.openxmlformats.org/drawingml/2006/main" xmlns:r="http://schemas.openxmlformats.org/officeDocument/2006/relationships" xmlns:p="http://schemas.openxmlformats.org/presentationml/2006/main" type="obj" preserve="1">
+  <p:cSld name="Titolo e contenuto">
     <p:spTree>
       <p:nvGrpSpPr>
         <p:cNvPr id="1" name=""/>
@@ -468,7 +1112,11 @@
         <p:spPr/>
         <p:txBody>
           <a:bodyPr/>
-          <a:lstStyle/>
+          <a:lstStyle>
+            <a:lvl1pPr marL="0">
+              <a:defRPr/>
+            </a:lvl1pPr>
+          </a:lstStyle>
           <a:p>
             <a:r>
               <a:rPr lang="it-IT"/>
@@ -480,17 +1128,17 @@
       </p:sp>
       <p:sp>
         <p:nvSpPr>
-          <p:cNvPr id="3" name="Vertical Text Placeholder 2"/>
-          <p:cNvSpPr>
-            <a:spLocks noGrp="1"/>
-          </p:cNvSpPr>
-          <p:nvPr>
-            <p:ph type="body" orient="vert" idx="1"/>
+          <p:cNvPr id="3" name="Content Placeholder 2"/>
+          <p:cNvSpPr>
+            <a:spLocks noGrp="1"/>
+          </p:cNvSpPr>
+          <p:nvPr>
+            <p:ph idx="1"/>
           </p:nvPr>
         </p:nvSpPr>
         <p:spPr/>
         <p:txBody>
-          <a:bodyPr vert="eaVert" lIns="45720" tIns="0" rIns="45720" bIns="0"/>
+          <a:bodyPr/>
           <a:lstStyle/>
           <a:p>
             <a:pPr lvl="0"/>
@@ -547,7 +1195,7 @@
           <a:p>
             <a:fld id="{F7E49206-D6C0-4DB1-8B49-D64BF1AB1633}" type="datetimeFigureOut">
               <a:rPr lang="it-CH" smtClean="0"/>
-              <a:t>17.05.2019</a:t>
+              <a:t>22.05.2019</a:t>
             </a:fld>
             <a:endParaRPr lang="it-CH"/>
           </a:p>
@@ -598,7 +1246,7 @@
     </p:spTree>
     <p:extLst>
       <p:ext uri="{BB962C8B-B14F-4D97-AF65-F5344CB8AC3E}">
-        <p14:creationId xmlns:p14="http://schemas.microsoft.com/office/powerpoint/2010/main" val="3419693294"/>
+        <p14:creationId xmlns:p14="http://schemas.microsoft.com/office/powerpoint/2010/main" val="3107850422"/>
       </p:ext>
     </p:extLst>
   </p:cSld>
@@ -608,9 +1256,17 @@
 </p:sldLayout>
 </file>
 
-<file path=ppt/slideLayouts/slideLayout11.xml><?xml version="1.0" encoding="utf-8"?>
-<p:sldLayout xmlns:a="http://schemas.openxmlformats.org/drawingml/2006/main" xmlns:r="http://schemas.openxmlformats.org/officeDocument/2006/relationships" xmlns:p="http://schemas.openxmlformats.org/presentationml/2006/main" showMasterSp="0" type="vertTitleAndTx" preserve="1">
-  <p:cSld name="1_Titolo e testo verticale">
+<file path=ppt/slideLayouts/slideLayout14.xml><?xml version="1.0" encoding="utf-8"?>
+<p:sldLayout xmlns:a="http://schemas.openxmlformats.org/drawingml/2006/main" xmlns:r="http://schemas.openxmlformats.org/officeDocument/2006/relationships" xmlns:p="http://schemas.openxmlformats.org/presentationml/2006/main" showMasterSp="0" type="secHead" preserve="1">
+  <p:cSld name="Intestazione sezione">
+    <p:bg>
+      <p:bgPr>
+        <a:solidFill>
+          <a:schemeClr val="bg1"/>
+        </a:solidFill>
+        <a:effectLst/>
+      </p:bgPr>
+    </p:bg>
     <p:spTree>
       <p:nvGrpSpPr>
         <p:cNvPr id="1" name=""/>
@@ -703,444 +1359,6 @@
       </p:sp>
       <p:sp>
         <p:nvSpPr>
-          <p:cNvPr id="2" name="Vertical Title 1"/>
-          <p:cNvSpPr>
-            <a:spLocks noGrp="1"/>
-          </p:cNvSpPr>
-          <p:nvPr>
-            <p:ph type="title" orient="vert"/>
-          </p:nvPr>
-        </p:nvSpPr>
-        <p:spPr>
-          <a:xfrm>
-            <a:off x="8724900" y="414778"/>
-            <a:ext cx="2628900" cy="5757421"/>
-          </a:xfrm>
-        </p:spPr>
-        <p:txBody>
-          <a:bodyPr vert="eaVert"/>
-          <a:lstStyle/>
-          <a:p>
-            <a:r>
-              <a:rPr lang="it-IT"/>
-              <a:t>Fare clic per modificare lo stile del titolo dello schema</a:t>
-            </a:r>
-            <a:endParaRPr lang="en-US" dirty="0"/>
-          </a:p>
-        </p:txBody>
-      </p:sp>
-      <p:sp>
-        <p:nvSpPr>
-          <p:cNvPr id="3" name="Vertical Text Placeholder 2"/>
-          <p:cNvSpPr>
-            <a:spLocks noGrp="1"/>
-          </p:cNvSpPr>
-          <p:nvPr>
-            <p:ph type="body" orient="vert" idx="1"/>
-          </p:nvPr>
-        </p:nvSpPr>
-        <p:spPr>
-          <a:xfrm>
-            <a:off x="838200" y="414778"/>
-            <a:ext cx="7734300" cy="5757422"/>
-          </a:xfrm>
-        </p:spPr>
-        <p:txBody>
-          <a:bodyPr vert="eaVert" lIns="45720" tIns="0" rIns="45720" bIns="0"/>
-          <a:lstStyle/>
-          <a:p>
-            <a:pPr lvl="0"/>
-            <a:r>
-              <a:rPr lang="it-IT"/>
-              <a:t>Modifica gli stili del testo dello schema</a:t>
-            </a:r>
-          </a:p>
-          <a:p>
-            <a:pPr lvl="1"/>
-            <a:r>
-              <a:rPr lang="it-IT"/>
-              <a:t>Secondo livello</a:t>
-            </a:r>
-          </a:p>
-          <a:p>
-            <a:pPr lvl="2"/>
-            <a:r>
-              <a:rPr lang="it-IT"/>
-              <a:t>Terzo livello</a:t>
-            </a:r>
-          </a:p>
-          <a:p>
-            <a:pPr lvl="3"/>
-            <a:r>
-              <a:rPr lang="it-IT"/>
-              <a:t>Quarto livello</a:t>
-            </a:r>
-          </a:p>
-          <a:p>
-            <a:pPr lvl="4"/>
-            <a:r>
-              <a:rPr lang="it-IT"/>
-              <a:t>Quinto livello</a:t>
-            </a:r>
-            <a:endParaRPr lang="en-US" dirty="0"/>
-          </a:p>
-        </p:txBody>
-      </p:sp>
-      <p:sp>
-        <p:nvSpPr>
-          <p:cNvPr id="4" name="Date Placeholder 3"/>
-          <p:cNvSpPr>
-            <a:spLocks noGrp="1"/>
-          </p:cNvSpPr>
-          <p:nvPr>
-            <p:ph type="dt" sz="half" idx="10"/>
-          </p:nvPr>
-        </p:nvSpPr>
-        <p:spPr/>
-        <p:txBody>
-          <a:bodyPr/>
-          <a:lstStyle/>
-          <a:p>
-            <a:fld id="{F7E49206-D6C0-4DB1-8B49-D64BF1AB1633}" type="datetimeFigureOut">
-              <a:rPr lang="it-CH" smtClean="0"/>
-              <a:t>17.05.2019</a:t>
-            </a:fld>
-            <a:endParaRPr lang="it-CH"/>
-          </a:p>
-        </p:txBody>
-      </p:sp>
-      <p:sp>
-        <p:nvSpPr>
-          <p:cNvPr id="5" name="Footer Placeholder 4"/>
-          <p:cNvSpPr>
-            <a:spLocks noGrp="1"/>
-          </p:cNvSpPr>
-          <p:nvPr>
-            <p:ph type="ftr" sz="quarter" idx="11"/>
-          </p:nvPr>
-        </p:nvSpPr>
-        <p:spPr/>
-        <p:txBody>
-          <a:bodyPr/>
-          <a:lstStyle/>
-          <a:p>
-            <a:endParaRPr lang="it-CH"/>
-          </a:p>
-        </p:txBody>
-      </p:sp>
-      <p:sp>
-        <p:nvSpPr>
-          <p:cNvPr id="6" name="Slide Number Placeholder 5"/>
-          <p:cNvSpPr>
-            <a:spLocks noGrp="1"/>
-          </p:cNvSpPr>
-          <p:nvPr>
-            <p:ph type="sldNum" sz="quarter" idx="12"/>
-          </p:nvPr>
-        </p:nvSpPr>
-        <p:spPr/>
-        <p:txBody>
-          <a:bodyPr/>
-          <a:lstStyle/>
-          <a:p>
-            <a:fld id="{5DB9BA27-AEF4-4D68-AB32-9A639663B60E}" type="slidenum">
-              <a:rPr lang="it-CH" smtClean="0"/>
-              <a:t>‹N›</a:t>
-            </a:fld>
-            <a:endParaRPr lang="it-CH"/>
-          </a:p>
-        </p:txBody>
-      </p:sp>
-    </p:spTree>
-    <p:extLst>
-      <p:ext uri="{BB962C8B-B14F-4D97-AF65-F5344CB8AC3E}">
-        <p14:creationId xmlns:p14="http://schemas.microsoft.com/office/powerpoint/2010/main" val="3023163989"/>
-      </p:ext>
-    </p:extLst>
-  </p:cSld>
-  <p:clrMapOvr>
-    <a:masterClrMapping/>
-  </p:clrMapOvr>
-</p:sldLayout>
-</file>
-
-<file path=ppt/slideLayouts/slideLayout2.xml><?xml version="1.0" encoding="utf-8"?>
-<p:sldLayout xmlns:a="http://schemas.openxmlformats.org/drawingml/2006/main" xmlns:r="http://schemas.openxmlformats.org/officeDocument/2006/relationships" xmlns:p="http://schemas.openxmlformats.org/presentationml/2006/main" type="obj" preserve="1">
-  <p:cSld name="Titolo e contenuto">
-    <p:spTree>
-      <p:nvGrpSpPr>
-        <p:cNvPr id="1" name=""/>
-        <p:cNvGrpSpPr/>
-        <p:nvPr/>
-      </p:nvGrpSpPr>
-      <p:grpSpPr>
-        <a:xfrm>
-          <a:off x="0" y="0"/>
-          <a:ext cx="0" cy="0"/>
-          <a:chOff x="0" y="0"/>
-          <a:chExt cx="0" cy="0"/>
-        </a:xfrm>
-      </p:grpSpPr>
-      <p:sp>
-        <p:nvSpPr>
-          <p:cNvPr id="2" name="Title 1"/>
-          <p:cNvSpPr>
-            <a:spLocks noGrp="1"/>
-          </p:cNvSpPr>
-          <p:nvPr>
-            <p:ph type="title"/>
-          </p:nvPr>
-        </p:nvSpPr>
-        <p:spPr/>
-        <p:txBody>
-          <a:bodyPr/>
-          <a:lstStyle>
-            <a:lvl1pPr marL="0">
-              <a:defRPr/>
-            </a:lvl1pPr>
-          </a:lstStyle>
-          <a:p>
-            <a:r>
-              <a:rPr lang="it-IT"/>
-              <a:t>Fare clic per modificare lo stile del titolo dello schema</a:t>
-            </a:r>
-            <a:endParaRPr lang="en-US" dirty="0"/>
-          </a:p>
-        </p:txBody>
-      </p:sp>
-      <p:sp>
-        <p:nvSpPr>
-          <p:cNvPr id="3" name="Content Placeholder 2"/>
-          <p:cNvSpPr>
-            <a:spLocks noGrp="1"/>
-          </p:cNvSpPr>
-          <p:nvPr>
-            <p:ph idx="1"/>
-          </p:nvPr>
-        </p:nvSpPr>
-        <p:spPr/>
-        <p:txBody>
-          <a:bodyPr/>
-          <a:lstStyle/>
-          <a:p>
-            <a:pPr lvl="0"/>
-            <a:r>
-              <a:rPr lang="it-IT"/>
-              <a:t>Modifica gli stili del testo dello schema</a:t>
-            </a:r>
-          </a:p>
-          <a:p>
-            <a:pPr lvl="1"/>
-            <a:r>
-              <a:rPr lang="it-IT"/>
-              <a:t>Secondo livello</a:t>
-            </a:r>
-          </a:p>
-          <a:p>
-            <a:pPr lvl="2"/>
-            <a:r>
-              <a:rPr lang="it-IT"/>
-              <a:t>Terzo livello</a:t>
-            </a:r>
-          </a:p>
-          <a:p>
-            <a:pPr lvl="3"/>
-            <a:r>
-              <a:rPr lang="it-IT"/>
-              <a:t>Quarto livello</a:t>
-            </a:r>
-          </a:p>
-          <a:p>
-            <a:pPr lvl="4"/>
-            <a:r>
-              <a:rPr lang="it-IT"/>
-              <a:t>Quinto livello</a:t>
-            </a:r>
-            <a:endParaRPr lang="en-US" dirty="0"/>
-          </a:p>
-        </p:txBody>
-      </p:sp>
-      <p:sp>
-        <p:nvSpPr>
-          <p:cNvPr id="4" name="Date Placeholder 3"/>
-          <p:cNvSpPr>
-            <a:spLocks noGrp="1"/>
-          </p:cNvSpPr>
-          <p:nvPr>
-            <p:ph type="dt" sz="half" idx="10"/>
-          </p:nvPr>
-        </p:nvSpPr>
-        <p:spPr/>
-        <p:txBody>
-          <a:bodyPr/>
-          <a:lstStyle/>
-          <a:p>
-            <a:fld id="{F7E49206-D6C0-4DB1-8B49-D64BF1AB1633}" type="datetimeFigureOut">
-              <a:rPr lang="it-CH" smtClean="0"/>
-              <a:t>17.05.2019</a:t>
-            </a:fld>
-            <a:endParaRPr lang="it-CH"/>
-          </a:p>
-        </p:txBody>
-      </p:sp>
-      <p:sp>
-        <p:nvSpPr>
-          <p:cNvPr id="5" name="Footer Placeholder 4"/>
-          <p:cNvSpPr>
-            <a:spLocks noGrp="1"/>
-          </p:cNvSpPr>
-          <p:nvPr>
-            <p:ph type="ftr" sz="quarter" idx="11"/>
-          </p:nvPr>
-        </p:nvSpPr>
-        <p:spPr/>
-        <p:txBody>
-          <a:bodyPr/>
-          <a:lstStyle/>
-          <a:p>
-            <a:endParaRPr lang="it-CH"/>
-          </a:p>
-        </p:txBody>
-      </p:sp>
-      <p:sp>
-        <p:nvSpPr>
-          <p:cNvPr id="6" name="Slide Number Placeholder 5"/>
-          <p:cNvSpPr>
-            <a:spLocks noGrp="1"/>
-          </p:cNvSpPr>
-          <p:nvPr>
-            <p:ph type="sldNum" sz="quarter" idx="12"/>
-          </p:nvPr>
-        </p:nvSpPr>
-        <p:spPr/>
-        <p:txBody>
-          <a:bodyPr/>
-          <a:lstStyle/>
-          <a:p>
-            <a:fld id="{5DB9BA27-AEF4-4D68-AB32-9A639663B60E}" type="slidenum">
-              <a:rPr lang="it-CH" smtClean="0"/>
-              <a:t>‹N›</a:t>
-            </a:fld>
-            <a:endParaRPr lang="it-CH"/>
-          </a:p>
-        </p:txBody>
-      </p:sp>
-    </p:spTree>
-    <p:extLst>
-      <p:ext uri="{BB962C8B-B14F-4D97-AF65-F5344CB8AC3E}">
-        <p14:creationId xmlns:p14="http://schemas.microsoft.com/office/powerpoint/2010/main" val="1851876445"/>
-      </p:ext>
-    </p:extLst>
-  </p:cSld>
-  <p:clrMapOvr>
-    <a:masterClrMapping/>
-  </p:clrMapOvr>
-</p:sldLayout>
-</file>
-
-<file path=ppt/slideLayouts/slideLayout3.xml><?xml version="1.0" encoding="utf-8"?>
-<p:sldLayout xmlns:a="http://schemas.openxmlformats.org/drawingml/2006/main" xmlns:r="http://schemas.openxmlformats.org/officeDocument/2006/relationships" xmlns:p="http://schemas.openxmlformats.org/presentationml/2006/main" showMasterSp="0" type="secHead" preserve="1">
-  <p:cSld name="Intestazione sezione">
-    <p:bg>
-      <p:bgPr>
-        <a:solidFill>
-          <a:schemeClr val="bg1"/>
-        </a:solidFill>
-        <a:effectLst/>
-      </p:bgPr>
-    </p:bg>
-    <p:spTree>
-      <p:nvGrpSpPr>
-        <p:cNvPr id="1" name=""/>
-        <p:cNvGrpSpPr/>
-        <p:nvPr/>
-      </p:nvGrpSpPr>
-      <p:grpSpPr>
-        <a:xfrm>
-          <a:off x="0" y="0"/>
-          <a:ext cx="0" cy="0"/>
-          <a:chOff x="0" y="0"/>
-          <a:chExt cx="0" cy="0"/>
-        </a:xfrm>
-      </p:grpSpPr>
-      <p:sp>
-        <p:nvSpPr>
-          <p:cNvPr id="7" name="Rectangle 6"/>
-          <p:cNvSpPr/>
-          <p:nvPr/>
-        </p:nvSpPr>
-        <p:spPr>
-          <a:xfrm>
-            <a:off x="3175" y="6400800"/>
-            <a:ext cx="12188825" cy="457200"/>
-          </a:xfrm>
-          <a:prstGeom prst="rect">
-            <a:avLst/>
-          </a:prstGeom>
-          <a:solidFill>
-            <a:schemeClr val="accent2"/>
-          </a:solidFill>
-          <a:ln>
-            <a:noFill/>
-          </a:ln>
-        </p:spPr>
-        <p:style>
-          <a:lnRef idx="2">
-            <a:schemeClr val="accent1">
-              <a:shade val="50000"/>
-            </a:schemeClr>
-          </a:lnRef>
-          <a:fillRef idx="1">
-            <a:schemeClr val="accent1"/>
-          </a:fillRef>
-          <a:effectRef idx="0">
-            <a:schemeClr val="accent1"/>
-          </a:effectRef>
-          <a:fontRef idx="minor">
-            <a:schemeClr val="lt1"/>
-          </a:fontRef>
-        </p:style>
-      </p:sp>
-      <p:sp>
-        <p:nvSpPr>
-          <p:cNvPr id="8" name="Rectangle 7"/>
-          <p:cNvSpPr/>
-          <p:nvPr/>
-        </p:nvSpPr>
-        <p:spPr>
-          <a:xfrm>
-            <a:off x="15" y="6334316"/>
-            <a:ext cx="12188825" cy="64008"/>
-          </a:xfrm>
-          <a:prstGeom prst="rect">
-            <a:avLst/>
-          </a:prstGeom>
-          <a:solidFill>
-            <a:schemeClr val="accent1"/>
-          </a:solidFill>
-          <a:ln>
-            <a:noFill/>
-          </a:ln>
-        </p:spPr>
-        <p:style>
-          <a:lnRef idx="2">
-            <a:schemeClr val="accent1">
-              <a:shade val="50000"/>
-            </a:schemeClr>
-          </a:lnRef>
-          <a:fillRef idx="1">
-            <a:schemeClr val="accent1"/>
-          </a:fillRef>
-          <a:effectRef idx="0">
-            <a:schemeClr val="accent1"/>
-          </a:effectRef>
-          <a:fontRef idx="minor">
-            <a:schemeClr val="lt1"/>
-          </a:fontRef>
-        </p:style>
-      </p:sp>
-      <p:sp>
-        <p:nvSpPr>
           <p:cNvPr id="2" name="Title 1"/>
           <p:cNvSpPr>
             <a:spLocks noGrp="1"/>
@@ -1320,7 +1538,7 @@
           <a:p>
             <a:fld id="{F7E49206-D6C0-4DB1-8B49-D64BF1AB1633}" type="datetimeFigureOut">
               <a:rPr lang="it-CH" smtClean="0"/>
-              <a:t>17.05.2019</a:t>
+              <a:t>22.05.2019</a:t>
             </a:fld>
             <a:endParaRPr lang="it-CH"/>
           </a:p>
@@ -1409,7 +1627,7 @@
     </p:spTree>
     <p:extLst>
       <p:ext uri="{BB962C8B-B14F-4D97-AF65-F5344CB8AC3E}">
-        <p14:creationId xmlns:p14="http://schemas.microsoft.com/office/powerpoint/2010/main" val="3538211573"/>
+        <p14:creationId xmlns:p14="http://schemas.microsoft.com/office/powerpoint/2010/main" val="494050701"/>
       </p:ext>
     </p:extLst>
   </p:cSld>
@@ -1419,7 +1637,7 @@
 </p:sldLayout>
 </file>
 
-<file path=ppt/slideLayouts/slideLayout4.xml><?xml version="1.0" encoding="utf-8"?>
+<file path=ppt/slideLayouts/slideLayout15.xml><?xml version="1.0" encoding="utf-8"?>
 <p:sldLayout xmlns:a="http://schemas.openxmlformats.org/drawingml/2006/main" xmlns:r="http://schemas.openxmlformats.org/officeDocument/2006/relationships" xmlns:p="http://schemas.openxmlformats.org/presentationml/2006/main" type="twoObj" preserve="1">
   <p:cSld name="Due contenuti">
     <p:spTree>
@@ -1595,7 +1813,7 @@
           <a:p>
             <a:fld id="{F7E49206-D6C0-4DB1-8B49-D64BF1AB1633}" type="datetimeFigureOut">
               <a:rPr lang="it-CH" smtClean="0"/>
-              <a:t>17.05.2019</a:t>
+              <a:t>22.05.2019</a:t>
             </a:fld>
             <a:endParaRPr lang="it-CH"/>
           </a:p>
@@ -1646,7 +1864,7 @@
     </p:spTree>
     <p:extLst>
       <p:ext uri="{BB962C8B-B14F-4D97-AF65-F5344CB8AC3E}">
-        <p14:creationId xmlns:p14="http://schemas.microsoft.com/office/powerpoint/2010/main" val="4057099914"/>
+        <p14:creationId xmlns:p14="http://schemas.microsoft.com/office/powerpoint/2010/main" val="965956321"/>
       </p:ext>
     </p:extLst>
   </p:cSld>
@@ -1656,7 +1874,7 @@
 </p:sldLayout>
 </file>
 
-<file path=ppt/slideLayouts/slideLayout5.xml><?xml version="1.0" encoding="utf-8"?>
+<file path=ppt/slideLayouts/slideLayout16.xml><?xml version="1.0" encoding="utf-8"?>
 <p:sldLayout xmlns:a="http://schemas.openxmlformats.org/drawingml/2006/main" xmlns:r="http://schemas.openxmlformats.org/officeDocument/2006/relationships" xmlns:p="http://schemas.openxmlformats.org/presentationml/2006/main" type="twoTxTwoObj" preserve="1">
   <p:cSld name="Confronto">
     <p:spTree>
@@ -1974,7 +2192,7 @@
           <a:p>
             <a:fld id="{F7E49206-D6C0-4DB1-8B49-D64BF1AB1633}" type="datetimeFigureOut">
               <a:rPr lang="it-CH" smtClean="0"/>
-              <a:t>17.05.2019</a:t>
+              <a:t>22.05.2019</a:t>
             </a:fld>
             <a:endParaRPr lang="it-CH"/>
           </a:p>
@@ -2025,7 +2243,7 @@
     </p:spTree>
     <p:extLst>
       <p:ext uri="{BB962C8B-B14F-4D97-AF65-F5344CB8AC3E}">
-        <p14:creationId xmlns:p14="http://schemas.microsoft.com/office/powerpoint/2010/main" val="3665476962"/>
+        <p14:creationId xmlns:p14="http://schemas.microsoft.com/office/powerpoint/2010/main" val="2428328297"/>
       </p:ext>
     </p:extLst>
   </p:cSld>
@@ -2035,7 +2253,7 @@
 </p:sldLayout>
 </file>
 
-<file path=ppt/slideLayouts/slideLayout6.xml><?xml version="1.0" encoding="utf-8"?>
+<file path=ppt/slideLayouts/slideLayout17.xml><?xml version="1.0" encoding="utf-8"?>
 <p:sldLayout xmlns:a="http://schemas.openxmlformats.org/drawingml/2006/main" xmlns:r="http://schemas.openxmlformats.org/officeDocument/2006/relationships" xmlns:p="http://schemas.openxmlformats.org/presentationml/2006/main" type="titleOnly" preserve="1">
   <p:cSld name="Solo titolo">
     <p:spTree>
@@ -2092,7 +2310,7 @@
           <a:p>
             <a:fld id="{F7E49206-D6C0-4DB1-8B49-D64BF1AB1633}" type="datetimeFigureOut">
               <a:rPr lang="it-CH" smtClean="0"/>
-              <a:t>17.05.2019</a:t>
+              <a:t>22.05.2019</a:t>
             </a:fld>
             <a:endParaRPr lang="it-CH"/>
           </a:p>
@@ -2143,7 +2361,7 @@
     </p:spTree>
     <p:extLst>
       <p:ext uri="{BB962C8B-B14F-4D97-AF65-F5344CB8AC3E}">
-        <p14:creationId xmlns:p14="http://schemas.microsoft.com/office/powerpoint/2010/main" val="525376265"/>
+        <p14:creationId xmlns:p14="http://schemas.microsoft.com/office/powerpoint/2010/main" val="1892575663"/>
       </p:ext>
     </p:extLst>
   </p:cSld>
@@ -2153,7 +2371,7 @@
 </p:sldLayout>
 </file>
 
-<file path=ppt/slideLayouts/slideLayout7.xml><?xml version="1.0" encoding="utf-8"?>
+<file path=ppt/slideLayouts/slideLayout18.xml><?xml version="1.0" encoding="utf-8"?>
 <p:sldLayout xmlns:a="http://schemas.openxmlformats.org/drawingml/2006/main" xmlns:r="http://schemas.openxmlformats.org/officeDocument/2006/relationships" xmlns:p="http://schemas.openxmlformats.org/presentationml/2006/main" showMasterSp="0" type="blank" preserve="1">
   <p:cSld name="Vuota">
     <p:spTree>
@@ -2263,7 +2481,7 @@
           <a:p>
             <a:fld id="{F7E49206-D6C0-4DB1-8B49-D64BF1AB1633}" type="datetimeFigureOut">
               <a:rPr lang="it-CH" smtClean="0"/>
-              <a:t>17.05.2019</a:t>
+              <a:t>22.05.2019</a:t>
             </a:fld>
             <a:endParaRPr lang="it-CH"/>
           </a:p>
@@ -2322,7 +2540,7 @@
     </p:spTree>
     <p:extLst>
       <p:ext uri="{BB962C8B-B14F-4D97-AF65-F5344CB8AC3E}">
-        <p14:creationId xmlns:p14="http://schemas.microsoft.com/office/powerpoint/2010/main" val="3247892453"/>
+        <p14:creationId xmlns:p14="http://schemas.microsoft.com/office/powerpoint/2010/main" val="2816467058"/>
       </p:ext>
     </p:extLst>
   </p:cSld>
@@ -2332,7 +2550,7 @@
 </p:sldLayout>
 </file>
 
-<file path=ppt/slideLayouts/slideLayout8.xml><?xml version="1.0" encoding="utf-8"?>
+<file path=ppt/slideLayouts/slideLayout19.xml><?xml version="1.0" encoding="utf-8"?>
 <p:sldLayout xmlns:a="http://schemas.openxmlformats.org/drawingml/2006/main" xmlns:r="http://schemas.openxmlformats.org/officeDocument/2006/relationships" xmlns:p="http://schemas.openxmlformats.org/presentationml/2006/main" showMasterSp="0" type="objTx" preserve="1">
   <p:cSld name="Contenuto con didascalia">
     <p:spTree>
@@ -2617,7 +2835,7 @@
           <a:p>
             <a:fld id="{F7E49206-D6C0-4DB1-8B49-D64BF1AB1633}" type="datetimeFigureOut">
               <a:rPr lang="it-CH" smtClean="0"/>
-              <a:t>17.05.2019</a:t>
+              <a:t>22.05.2019</a:t>
             </a:fld>
             <a:endParaRPr lang="it-CH"/>
           </a:p>
@@ -2689,7 +2907,7 @@
     </p:spTree>
     <p:extLst>
       <p:ext uri="{BB962C8B-B14F-4D97-AF65-F5344CB8AC3E}">
-        <p14:creationId xmlns:p14="http://schemas.microsoft.com/office/powerpoint/2010/main" val="32870583"/>
+        <p14:creationId xmlns:p14="http://schemas.microsoft.com/office/powerpoint/2010/main" val="3317155368"/>
       </p:ext>
     </p:extLst>
   </p:cSld>
@@ -2699,7 +2917,207 @@
 </p:sldLayout>
 </file>
 
-<file path=ppt/slideLayouts/slideLayout9.xml><?xml version="1.0" encoding="utf-8"?>
+<file path=ppt/slideLayouts/slideLayout2.xml><?xml version="1.0" encoding="utf-8"?>
+<p:sldLayout xmlns:a="http://schemas.openxmlformats.org/drawingml/2006/main" xmlns:r="http://schemas.openxmlformats.org/officeDocument/2006/relationships" xmlns:p="http://schemas.openxmlformats.org/presentationml/2006/main" type="obj" preserve="1">
+  <p:cSld name="Titolo e contenuto">
+    <p:spTree>
+      <p:nvGrpSpPr>
+        <p:cNvPr id="1" name=""/>
+        <p:cNvGrpSpPr/>
+        <p:nvPr/>
+      </p:nvGrpSpPr>
+      <p:grpSpPr>
+        <a:xfrm>
+          <a:off x="0" y="0"/>
+          <a:ext cx="0" cy="0"/>
+          <a:chOff x="0" y="0"/>
+          <a:chExt cx="0" cy="0"/>
+        </a:xfrm>
+      </p:grpSpPr>
+      <p:sp>
+        <p:nvSpPr>
+          <p:cNvPr id="2" name="Titolo 1">
+            <a:extLst>
+              <a:ext uri="{FF2B5EF4-FFF2-40B4-BE49-F238E27FC236}">
+                <a16:creationId xmlns:a16="http://schemas.microsoft.com/office/drawing/2014/main" id="{EABB39BA-A71F-4727-BDAB-8B65B8723649}"/>
+              </a:ext>
+            </a:extLst>
+          </p:cNvPr>
+          <p:cNvSpPr>
+            <a:spLocks noGrp="1"/>
+          </p:cNvSpPr>
+          <p:nvPr>
+            <p:ph type="title"/>
+          </p:nvPr>
+        </p:nvSpPr>
+        <p:spPr/>
+        <p:txBody>
+          <a:bodyPr/>
+          <a:lstStyle/>
+          <a:p>
+            <a:r>
+              <a:rPr lang="it-IT"/>
+              <a:t>Fare clic per modificare lo stile del titolo dello schema</a:t>
+            </a:r>
+            <a:endParaRPr lang="it-CH"/>
+          </a:p>
+        </p:txBody>
+      </p:sp>
+      <p:sp>
+        <p:nvSpPr>
+          <p:cNvPr id="3" name="Segnaposto contenuto 2">
+            <a:extLst>
+              <a:ext uri="{FF2B5EF4-FFF2-40B4-BE49-F238E27FC236}">
+                <a16:creationId xmlns:a16="http://schemas.microsoft.com/office/drawing/2014/main" id="{76400FA9-8AB3-4DB9-B50F-77B9F24258CC}"/>
+              </a:ext>
+            </a:extLst>
+          </p:cNvPr>
+          <p:cNvSpPr>
+            <a:spLocks noGrp="1"/>
+          </p:cNvSpPr>
+          <p:nvPr>
+            <p:ph idx="1"/>
+          </p:nvPr>
+        </p:nvSpPr>
+        <p:spPr/>
+        <p:txBody>
+          <a:bodyPr/>
+          <a:lstStyle/>
+          <a:p>
+            <a:pPr lvl="0"/>
+            <a:r>
+              <a:rPr lang="it-IT"/>
+              <a:t>Modifica gli stili del testo dello schema</a:t>
+            </a:r>
+          </a:p>
+          <a:p>
+            <a:pPr lvl="1"/>
+            <a:r>
+              <a:rPr lang="it-IT"/>
+              <a:t>Secondo livello</a:t>
+            </a:r>
+          </a:p>
+          <a:p>
+            <a:pPr lvl="2"/>
+            <a:r>
+              <a:rPr lang="it-IT"/>
+              <a:t>Terzo livello</a:t>
+            </a:r>
+          </a:p>
+          <a:p>
+            <a:pPr lvl="3"/>
+            <a:r>
+              <a:rPr lang="it-IT"/>
+              <a:t>Quarto livello</a:t>
+            </a:r>
+          </a:p>
+          <a:p>
+            <a:pPr lvl="4"/>
+            <a:r>
+              <a:rPr lang="it-IT"/>
+              <a:t>Quinto livello</a:t>
+            </a:r>
+            <a:endParaRPr lang="it-CH"/>
+          </a:p>
+        </p:txBody>
+      </p:sp>
+      <p:sp>
+        <p:nvSpPr>
+          <p:cNvPr id="4" name="Segnaposto data 3">
+            <a:extLst>
+              <a:ext uri="{FF2B5EF4-FFF2-40B4-BE49-F238E27FC236}">
+                <a16:creationId xmlns:a16="http://schemas.microsoft.com/office/drawing/2014/main" id="{6FDF725D-2707-44E6-AF73-B050E03F0B3C}"/>
+              </a:ext>
+            </a:extLst>
+          </p:cNvPr>
+          <p:cNvSpPr>
+            <a:spLocks noGrp="1"/>
+          </p:cNvSpPr>
+          <p:nvPr>
+            <p:ph type="dt" sz="half" idx="10"/>
+          </p:nvPr>
+        </p:nvSpPr>
+        <p:spPr/>
+        <p:txBody>
+          <a:bodyPr/>
+          <a:lstStyle/>
+          <a:p>
+            <a:fld id="{F7E49206-D6C0-4DB1-8B49-D64BF1AB1633}" type="datetimeFigureOut">
+              <a:rPr lang="it-CH" smtClean="0"/>
+              <a:t>22.05.2019</a:t>
+            </a:fld>
+            <a:endParaRPr lang="it-CH"/>
+          </a:p>
+        </p:txBody>
+      </p:sp>
+      <p:sp>
+        <p:nvSpPr>
+          <p:cNvPr id="5" name="Segnaposto piè di pagina 4">
+            <a:extLst>
+              <a:ext uri="{FF2B5EF4-FFF2-40B4-BE49-F238E27FC236}">
+                <a16:creationId xmlns:a16="http://schemas.microsoft.com/office/drawing/2014/main" id="{C4C3EDC9-ACD4-4068-821B-AAD3261B7C36}"/>
+              </a:ext>
+            </a:extLst>
+          </p:cNvPr>
+          <p:cNvSpPr>
+            <a:spLocks noGrp="1"/>
+          </p:cNvSpPr>
+          <p:nvPr>
+            <p:ph type="ftr" sz="quarter" idx="11"/>
+          </p:nvPr>
+        </p:nvSpPr>
+        <p:spPr/>
+        <p:txBody>
+          <a:bodyPr/>
+          <a:lstStyle/>
+          <a:p>
+            <a:endParaRPr lang="it-CH"/>
+          </a:p>
+        </p:txBody>
+      </p:sp>
+      <p:sp>
+        <p:nvSpPr>
+          <p:cNvPr id="6" name="Segnaposto numero diapositiva 5">
+            <a:extLst>
+              <a:ext uri="{FF2B5EF4-FFF2-40B4-BE49-F238E27FC236}">
+                <a16:creationId xmlns:a16="http://schemas.microsoft.com/office/drawing/2014/main" id="{D7768057-78BC-4094-BECD-923EDCAF8733}"/>
+              </a:ext>
+            </a:extLst>
+          </p:cNvPr>
+          <p:cNvSpPr>
+            <a:spLocks noGrp="1"/>
+          </p:cNvSpPr>
+          <p:nvPr>
+            <p:ph type="sldNum" sz="quarter" idx="12"/>
+          </p:nvPr>
+        </p:nvSpPr>
+        <p:spPr/>
+        <p:txBody>
+          <a:bodyPr/>
+          <a:lstStyle/>
+          <a:p>
+            <a:fld id="{5DB9BA27-AEF4-4D68-AB32-9A639663B60E}" type="slidenum">
+              <a:rPr lang="it-CH" smtClean="0"/>
+              <a:t>‹N›</a:t>
+            </a:fld>
+            <a:endParaRPr lang="it-CH"/>
+          </a:p>
+        </p:txBody>
+      </p:sp>
+    </p:spTree>
+    <p:extLst>
+      <p:ext uri="{BB962C8B-B14F-4D97-AF65-F5344CB8AC3E}">
+        <p14:creationId xmlns:p14="http://schemas.microsoft.com/office/powerpoint/2010/main" val="3868508848"/>
+      </p:ext>
+    </p:extLst>
+  </p:cSld>
+  <p:clrMapOvr>
+    <a:masterClrMapping/>
+  </p:clrMapOvr>
+</p:sldLayout>
+</file>
+
+<file path=ppt/slideLayouts/slideLayout20.xml><?xml version="1.0" encoding="utf-8"?>
 <p:sldLayout xmlns:a="http://schemas.openxmlformats.org/drawingml/2006/main" xmlns:r="http://schemas.openxmlformats.org/officeDocument/2006/relationships" xmlns:p="http://schemas.openxmlformats.org/presentationml/2006/main" showMasterSp="0" type="picTx" preserve="1">
   <p:cSld name="Immagine con didascalia">
     <p:spTree>
@@ -2999,7 +3417,7 @@
           <a:p>
             <a:fld id="{F7E49206-D6C0-4DB1-8B49-D64BF1AB1633}" type="datetimeFigureOut">
               <a:rPr lang="it-CH" smtClean="0"/>
-              <a:t>17.05.2019</a:t>
+              <a:t>22.05.2019</a:t>
             </a:fld>
             <a:endParaRPr lang="it-CH"/>
           </a:p>
@@ -3050,7 +3468,2249 @@
     </p:spTree>
     <p:extLst>
       <p:ext uri="{BB962C8B-B14F-4D97-AF65-F5344CB8AC3E}">
-        <p14:creationId xmlns:p14="http://schemas.microsoft.com/office/powerpoint/2010/main" val="143508086"/>
+        <p14:creationId xmlns:p14="http://schemas.microsoft.com/office/powerpoint/2010/main" val="793286024"/>
+      </p:ext>
+    </p:extLst>
+  </p:cSld>
+  <p:clrMapOvr>
+    <a:masterClrMapping/>
+  </p:clrMapOvr>
+</p:sldLayout>
+</file>
+
+<file path=ppt/slideLayouts/slideLayout21.xml><?xml version="1.0" encoding="utf-8"?>
+<p:sldLayout xmlns:a="http://schemas.openxmlformats.org/drawingml/2006/main" xmlns:r="http://schemas.openxmlformats.org/officeDocument/2006/relationships" xmlns:p="http://schemas.openxmlformats.org/presentationml/2006/main" type="vertTx" preserve="1">
+  <p:cSld name="Titolo e testo verticale">
+    <p:spTree>
+      <p:nvGrpSpPr>
+        <p:cNvPr id="1" name=""/>
+        <p:cNvGrpSpPr/>
+        <p:nvPr/>
+      </p:nvGrpSpPr>
+      <p:grpSpPr>
+        <a:xfrm>
+          <a:off x="0" y="0"/>
+          <a:ext cx="0" cy="0"/>
+          <a:chOff x="0" y="0"/>
+          <a:chExt cx="0" cy="0"/>
+        </a:xfrm>
+      </p:grpSpPr>
+      <p:sp>
+        <p:nvSpPr>
+          <p:cNvPr id="2" name="Title 1"/>
+          <p:cNvSpPr>
+            <a:spLocks noGrp="1"/>
+          </p:cNvSpPr>
+          <p:nvPr>
+            <p:ph type="title"/>
+          </p:nvPr>
+        </p:nvSpPr>
+        <p:spPr/>
+        <p:txBody>
+          <a:bodyPr/>
+          <a:lstStyle/>
+          <a:p>
+            <a:r>
+              <a:rPr lang="it-IT"/>
+              <a:t>Fare clic per modificare lo stile del titolo dello schema</a:t>
+            </a:r>
+            <a:endParaRPr lang="en-US" dirty="0"/>
+          </a:p>
+        </p:txBody>
+      </p:sp>
+      <p:sp>
+        <p:nvSpPr>
+          <p:cNvPr id="3" name="Vertical Text Placeholder 2"/>
+          <p:cNvSpPr>
+            <a:spLocks noGrp="1"/>
+          </p:cNvSpPr>
+          <p:nvPr>
+            <p:ph type="body" orient="vert" idx="1"/>
+          </p:nvPr>
+        </p:nvSpPr>
+        <p:spPr/>
+        <p:txBody>
+          <a:bodyPr vert="eaVert" lIns="45720" tIns="0" rIns="45720" bIns="0"/>
+          <a:lstStyle/>
+          <a:p>
+            <a:pPr lvl="0"/>
+            <a:r>
+              <a:rPr lang="it-IT"/>
+              <a:t>Modifica gli stili del testo dello schema</a:t>
+            </a:r>
+          </a:p>
+          <a:p>
+            <a:pPr lvl="1"/>
+            <a:r>
+              <a:rPr lang="it-IT"/>
+              <a:t>Secondo livello</a:t>
+            </a:r>
+          </a:p>
+          <a:p>
+            <a:pPr lvl="2"/>
+            <a:r>
+              <a:rPr lang="it-IT"/>
+              <a:t>Terzo livello</a:t>
+            </a:r>
+          </a:p>
+          <a:p>
+            <a:pPr lvl="3"/>
+            <a:r>
+              <a:rPr lang="it-IT"/>
+              <a:t>Quarto livello</a:t>
+            </a:r>
+          </a:p>
+          <a:p>
+            <a:pPr lvl="4"/>
+            <a:r>
+              <a:rPr lang="it-IT"/>
+              <a:t>Quinto livello</a:t>
+            </a:r>
+            <a:endParaRPr lang="en-US" dirty="0"/>
+          </a:p>
+        </p:txBody>
+      </p:sp>
+      <p:sp>
+        <p:nvSpPr>
+          <p:cNvPr id="4" name="Date Placeholder 3"/>
+          <p:cNvSpPr>
+            <a:spLocks noGrp="1"/>
+          </p:cNvSpPr>
+          <p:nvPr>
+            <p:ph type="dt" sz="half" idx="10"/>
+          </p:nvPr>
+        </p:nvSpPr>
+        <p:spPr/>
+        <p:txBody>
+          <a:bodyPr/>
+          <a:lstStyle/>
+          <a:p>
+            <a:fld id="{F7E49206-D6C0-4DB1-8B49-D64BF1AB1633}" type="datetimeFigureOut">
+              <a:rPr lang="it-CH" smtClean="0"/>
+              <a:t>22.05.2019</a:t>
+            </a:fld>
+            <a:endParaRPr lang="it-CH"/>
+          </a:p>
+        </p:txBody>
+      </p:sp>
+      <p:sp>
+        <p:nvSpPr>
+          <p:cNvPr id="5" name="Footer Placeholder 4"/>
+          <p:cNvSpPr>
+            <a:spLocks noGrp="1"/>
+          </p:cNvSpPr>
+          <p:nvPr>
+            <p:ph type="ftr" sz="quarter" idx="11"/>
+          </p:nvPr>
+        </p:nvSpPr>
+        <p:spPr/>
+        <p:txBody>
+          <a:bodyPr/>
+          <a:lstStyle/>
+          <a:p>
+            <a:endParaRPr lang="it-CH"/>
+          </a:p>
+        </p:txBody>
+      </p:sp>
+      <p:sp>
+        <p:nvSpPr>
+          <p:cNvPr id="6" name="Slide Number Placeholder 5"/>
+          <p:cNvSpPr>
+            <a:spLocks noGrp="1"/>
+          </p:cNvSpPr>
+          <p:nvPr>
+            <p:ph type="sldNum" sz="quarter" idx="12"/>
+          </p:nvPr>
+        </p:nvSpPr>
+        <p:spPr/>
+        <p:txBody>
+          <a:bodyPr/>
+          <a:lstStyle/>
+          <a:p>
+            <a:fld id="{5DB9BA27-AEF4-4D68-AB32-9A639663B60E}" type="slidenum">
+              <a:rPr lang="it-CH" smtClean="0"/>
+              <a:t>‹N›</a:t>
+            </a:fld>
+            <a:endParaRPr lang="it-CH"/>
+          </a:p>
+        </p:txBody>
+      </p:sp>
+    </p:spTree>
+    <p:extLst>
+      <p:ext uri="{BB962C8B-B14F-4D97-AF65-F5344CB8AC3E}">
+        <p14:creationId xmlns:p14="http://schemas.microsoft.com/office/powerpoint/2010/main" val="2977607999"/>
+      </p:ext>
+    </p:extLst>
+  </p:cSld>
+  <p:clrMapOvr>
+    <a:masterClrMapping/>
+  </p:clrMapOvr>
+</p:sldLayout>
+</file>
+
+<file path=ppt/slideLayouts/slideLayout22.xml><?xml version="1.0" encoding="utf-8"?>
+<p:sldLayout xmlns:a="http://schemas.openxmlformats.org/drawingml/2006/main" xmlns:r="http://schemas.openxmlformats.org/officeDocument/2006/relationships" xmlns:p="http://schemas.openxmlformats.org/presentationml/2006/main" showMasterSp="0" type="vertTitleAndTx" preserve="1">
+  <p:cSld name="1_Titolo e testo verticale">
+    <p:spTree>
+      <p:nvGrpSpPr>
+        <p:cNvPr id="1" name=""/>
+        <p:cNvGrpSpPr/>
+        <p:nvPr/>
+      </p:nvGrpSpPr>
+      <p:grpSpPr>
+        <a:xfrm>
+          <a:off x="0" y="0"/>
+          <a:ext cx="0" cy="0"/>
+          <a:chOff x="0" y="0"/>
+          <a:chExt cx="0" cy="0"/>
+        </a:xfrm>
+      </p:grpSpPr>
+      <p:sp>
+        <p:nvSpPr>
+          <p:cNvPr id="7" name="Rectangle 6"/>
+          <p:cNvSpPr/>
+          <p:nvPr/>
+        </p:nvSpPr>
+        <p:spPr>
+          <a:xfrm>
+            <a:off x="3175" y="6400800"/>
+            <a:ext cx="12188825" cy="457200"/>
+          </a:xfrm>
+          <a:prstGeom prst="rect">
+            <a:avLst/>
+          </a:prstGeom>
+          <a:solidFill>
+            <a:schemeClr val="accent2"/>
+          </a:solidFill>
+          <a:ln>
+            <a:noFill/>
+          </a:ln>
+        </p:spPr>
+        <p:style>
+          <a:lnRef idx="2">
+            <a:schemeClr val="accent1">
+              <a:shade val="50000"/>
+            </a:schemeClr>
+          </a:lnRef>
+          <a:fillRef idx="1">
+            <a:schemeClr val="accent1"/>
+          </a:fillRef>
+          <a:effectRef idx="0">
+            <a:schemeClr val="accent1"/>
+          </a:effectRef>
+          <a:fontRef idx="minor">
+            <a:schemeClr val="lt1"/>
+          </a:fontRef>
+        </p:style>
+      </p:sp>
+      <p:sp>
+        <p:nvSpPr>
+          <p:cNvPr id="8" name="Rectangle 7"/>
+          <p:cNvSpPr/>
+          <p:nvPr/>
+        </p:nvSpPr>
+        <p:spPr>
+          <a:xfrm>
+            <a:off x="15" y="6334316"/>
+            <a:ext cx="12188825" cy="64008"/>
+          </a:xfrm>
+          <a:prstGeom prst="rect">
+            <a:avLst/>
+          </a:prstGeom>
+          <a:solidFill>
+            <a:schemeClr val="accent1"/>
+          </a:solidFill>
+          <a:ln>
+            <a:noFill/>
+          </a:ln>
+        </p:spPr>
+        <p:style>
+          <a:lnRef idx="2">
+            <a:schemeClr val="accent1">
+              <a:shade val="50000"/>
+            </a:schemeClr>
+          </a:lnRef>
+          <a:fillRef idx="1">
+            <a:schemeClr val="accent1"/>
+          </a:fillRef>
+          <a:effectRef idx="0">
+            <a:schemeClr val="accent1"/>
+          </a:effectRef>
+          <a:fontRef idx="minor">
+            <a:schemeClr val="lt1"/>
+          </a:fontRef>
+        </p:style>
+      </p:sp>
+      <p:sp>
+        <p:nvSpPr>
+          <p:cNvPr id="2" name="Vertical Title 1"/>
+          <p:cNvSpPr>
+            <a:spLocks noGrp="1"/>
+          </p:cNvSpPr>
+          <p:nvPr>
+            <p:ph type="title" orient="vert"/>
+          </p:nvPr>
+        </p:nvSpPr>
+        <p:spPr>
+          <a:xfrm>
+            <a:off x="8724900" y="414778"/>
+            <a:ext cx="2628900" cy="5757421"/>
+          </a:xfrm>
+        </p:spPr>
+        <p:txBody>
+          <a:bodyPr vert="eaVert"/>
+          <a:lstStyle/>
+          <a:p>
+            <a:r>
+              <a:rPr lang="it-IT"/>
+              <a:t>Fare clic per modificare lo stile del titolo dello schema</a:t>
+            </a:r>
+            <a:endParaRPr lang="en-US" dirty="0"/>
+          </a:p>
+        </p:txBody>
+      </p:sp>
+      <p:sp>
+        <p:nvSpPr>
+          <p:cNvPr id="3" name="Vertical Text Placeholder 2"/>
+          <p:cNvSpPr>
+            <a:spLocks noGrp="1"/>
+          </p:cNvSpPr>
+          <p:nvPr>
+            <p:ph type="body" orient="vert" idx="1"/>
+          </p:nvPr>
+        </p:nvSpPr>
+        <p:spPr>
+          <a:xfrm>
+            <a:off x="838200" y="414778"/>
+            <a:ext cx="7734300" cy="5757422"/>
+          </a:xfrm>
+        </p:spPr>
+        <p:txBody>
+          <a:bodyPr vert="eaVert" lIns="45720" tIns="0" rIns="45720" bIns="0"/>
+          <a:lstStyle/>
+          <a:p>
+            <a:pPr lvl="0"/>
+            <a:r>
+              <a:rPr lang="it-IT"/>
+              <a:t>Modifica gli stili del testo dello schema</a:t>
+            </a:r>
+          </a:p>
+          <a:p>
+            <a:pPr lvl="1"/>
+            <a:r>
+              <a:rPr lang="it-IT"/>
+              <a:t>Secondo livello</a:t>
+            </a:r>
+          </a:p>
+          <a:p>
+            <a:pPr lvl="2"/>
+            <a:r>
+              <a:rPr lang="it-IT"/>
+              <a:t>Terzo livello</a:t>
+            </a:r>
+          </a:p>
+          <a:p>
+            <a:pPr lvl="3"/>
+            <a:r>
+              <a:rPr lang="it-IT"/>
+              <a:t>Quarto livello</a:t>
+            </a:r>
+          </a:p>
+          <a:p>
+            <a:pPr lvl="4"/>
+            <a:r>
+              <a:rPr lang="it-IT"/>
+              <a:t>Quinto livello</a:t>
+            </a:r>
+            <a:endParaRPr lang="en-US" dirty="0"/>
+          </a:p>
+        </p:txBody>
+      </p:sp>
+      <p:sp>
+        <p:nvSpPr>
+          <p:cNvPr id="4" name="Date Placeholder 3"/>
+          <p:cNvSpPr>
+            <a:spLocks noGrp="1"/>
+          </p:cNvSpPr>
+          <p:nvPr>
+            <p:ph type="dt" sz="half" idx="10"/>
+          </p:nvPr>
+        </p:nvSpPr>
+        <p:spPr/>
+        <p:txBody>
+          <a:bodyPr/>
+          <a:lstStyle/>
+          <a:p>
+            <a:fld id="{F7E49206-D6C0-4DB1-8B49-D64BF1AB1633}" type="datetimeFigureOut">
+              <a:rPr lang="it-CH" smtClean="0"/>
+              <a:t>22.05.2019</a:t>
+            </a:fld>
+            <a:endParaRPr lang="it-CH"/>
+          </a:p>
+        </p:txBody>
+      </p:sp>
+      <p:sp>
+        <p:nvSpPr>
+          <p:cNvPr id="5" name="Footer Placeholder 4"/>
+          <p:cNvSpPr>
+            <a:spLocks noGrp="1"/>
+          </p:cNvSpPr>
+          <p:nvPr>
+            <p:ph type="ftr" sz="quarter" idx="11"/>
+          </p:nvPr>
+        </p:nvSpPr>
+        <p:spPr/>
+        <p:txBody>
+          <a:bodyPr/>
+          <a:lstStyle/>
+          <a:p>
+            <a:endParaRPr lang="it-CH"/>
+          </a:p>
+        </p:txBody>
+      </p:sp>
+      <p:sp>
+        <p:nvSpPr>
+          <p:cNvPr id="6" name="Slide Number Placeholder 5"/>
+          <p:cNvSpPr>
+            <a:spLocks noGrp="1"/>
+          </p:cNvSpPr>
+          <p:nvPr>
+            <p:ph type="sldNum" sz="quarter" idx="12"/>
+          </p:nvPr>
+        </p:nvSpPr>
+        <p:spPr/>
+        <p:txBody>
+          <a:bodyPr/>
+          <a:lstStyle/>
+          <a:p>
+            <a:fld id="{5DB9BA27-AEF4-4D68-AB32-9A639663B60E}" type="slidenum">
+              <a:rPr lang="it-CH" smtClean="0"/>
+              <a:t>‹N›</a:t>
+            </a:fld>
+            <a:endParaRPr lang="it-CH"/>
+          </a:p>
+        </p:txBody>
+      </p:sp>
+    </p:spTree>
+    <p:extLst>
+      <p:ext uri="{BB962C8B-B14F-4D97-AF65-F5344CB8AC3E}">
+        <p14:creationId xmlns:p14="http://schemas.microsoft.com/office/powerpoint/2010/main" val="4153757994"/>
+      </p:ext>
+    </p:extLst>
+  </p:cSld>
+  <p:clrMapOvr>
+    <a:masterClrMapping/>
+  </p:clrMapOvr>
+</p:sldLayout>
+</file>
+
+<file path=ppt/slideLayouts/slideLayout3.xml><?xml version="1.0" encoding="utf-8"?>
+<p:sldLayout xmlns:a="http://schemas.openxmlformats.org/drawingml/2006/main" xmlns:r="http://schemas.openxmlformats.org/officeDocument/2006/relationships" xmlns:p="http://schemas.openxmlformats.org/presentationml/2006/main" type="secHead" preserve="1">
+  <p:cSld name="Intestazione sezione">
+    <p:spTree>
+      <p:nvGrpSpPr>
+        <p:cNvPr id="1" name=""/>
+        <p:cNvGrpSpPr/>
+        <p:nvPr/>
+      </p:nvGrpSpPr>
+      <p:grpSpPr>
+        <a:xfrm>
+          <a:off x="0" y="0"/>
+          <a:ext cx="0" cy="0"/>
+          <a:chOff x="0" y="0"/>
+          <a:chExt cx="0" cy="0"/>
+        </a:xfrm>
+      </p:grpSpPr>
+      <p:sp>
+        <p:nvSpPr>
+          <p:cNvPr id="2" name="Titolo 1">
+            <a:extLst>
+              <a:ext uri="{FF2B5EF4-FFF2-40B4-BE49-F238E27FC236}">
+                <a16:creationId xmlns:a16="http://schemas.microsoft.com/office/drawing/2014/main" id="{A876B806-DE4B-424B-9A01-8E5869238435}"/>
+              </a:ext>
+            </a:extLst>
+          </p:cNvPr>
+          <p:cNvSpPr>
+            <a:spLocks noGrp="1"/>
+          </p:cNvSpPr>
+          <p:nvPr>
+            <p:ph type="title"/>
+          </p:nvPr>
+        </p:nvSpPr>
+        <p:spPr>
+          <a:xfrm>
+            <a:off x="831850" y="1709738"/>
+            <a:ext cx="10515600" cy="2852737"/>
+          </a:xfrm>
+        </p:spPr>
+        <p:txBody>
+          <a:bodyPr anchor="b"/>
+          <a:lstStyle>
+            <a:lvl1pPr>
+              <a:defRPr sz="6000"/>
+            </a:lvl1pPr>
+          </a:lstStyle>
+          <a:p>
+            <a:r>
+              <a:rPr lang="it-IT"/>
+              <a:t>Fare clic per modificare lo stile del titolo dello schema</a:t>
+            </a:r>
+            <a:endParaRPr lang="it-CH"/>
+          </a:p>
+        </p:txBody>
+      </p:sp>
+      <p:sp>
+        <p:nvSpPr>
+          <p:cNvPr id="3" name="Segnaposto testo 2">
+            <a:extLst>
+              <a:ext uri="{FF2B5EF4-FFF2-40B4-BE49-F238E27FC236}">
+                <a16:creationId xmlns:a16="http://schemas.microsoft.com/office/drawing/2014/main" id="{8A24A99A-8857-4D1C-98CC-64BB757E136E}"/>
+              </a:ext>
+            </a:extLst>
+          </p:cNvPr>
+          <p:cNvSpPr>
+            <a:spLocks noGrp="1"/>
+          </p:cNvSpPr>
+          <p:nvPr>
+            <p:ph type="body" idx="1"/>
+          </p:nvPr>
+        </p:nvSpPr>
+        <p:spPr>
+          <a:xfrm>
+            <a:off x="831850" y="4589463"/>
+            <a:ext cx="10515600" cy="1500187"/>
+          </a:xfrm>
+        </p:spPr>
+        <p:txBody>
+          <a:bodyPr/>
+          <a:lstStyle>
+            <a:lvl1pPr marL="0" indent="0">
+              <a:buNone/>
+              <a:defRPr sz="2400">
+                <a:solidFill>
+                  <a:schemeClr val="tx1">
+                    <a:tint val="75000"/>
+                  </a:schemeClr>
+                </a:solidFill>
+              </a:defRPr>
+            </a:lvl1pPr>
+            <a:lvl2pPr marL="457200" indent="0">
+              <a:buNone/>
+              <a:defRPr sz="2000">
+                <a:solidFill>
+                  <a:schemeClr val="tx1">
+                    <a:tint val="75000"/>
+                  </a:schemeClr>
+                </a:solidFill>
+              </a:defRPr>
+            </a:lvl2pPr>
+            <a:lvl3pPr marL="914400" indent="0">
+              <a:buNone/>
+              <a:defRPr sz="1800">
+                <a:solidFill>
+                  <a:schemeClr val="tx1">
+                    <a:tint val="75000"/>
+                  </a:schemeClr>
+                </a:solidFill>
+              </a:defRPr>
+            </a:lvl3pPr>
+            <a:lvl4pPr marL="1371600" indent="0">
+              <a:buNone/>
+              <a:defRPr sz="1600">
+                <a:solidFill>
+                  <a:schemeClr val="tx1">
+                    <a:tint val="75000"/>
+                  </a:schemeClr>
+                </a:solidFill>
+              </a:defRPr>
+            </a:lvl4pPr>
+            <a:lvl5pPr marL="1828800" indent="0">
+              <a:buNone/>
+              <a:defRPr sz="1600">
+                <a:solidFill>
+                  <a:schemeClr val="tx1">
+                    <a:tint val="75000"/>
+                  </a:schemeClr>
+                </a:solidFill>
+              </a:defRPr>
+            </a:lvl5pPr>
+            <a:lvl6pPr marL="2286000" indent="0">
+              <a:buNone/>
+              <a:defRPr sz="1600">
+                <a:solidFill>
+                  <a:schemeClr val="tx1">
+                    <a:tint val="75000"/>
+                  </a:schemeClr>
+                </a:solidFill>
+              </a:defRPr>
+            </a:lvl6pPr>
+            <a:lvl7pPr marL="2743200" indent="0">
+              <a:buNone/>
+              <a:defRPr sz="1600">
+                <a:solidFill>
+                  <a:schemeClr val="tx1">
+                    <a:tint val="75000"/>
+                  </a:schemeClr>
+                </a:solidFill>
+              </a:defRPr>
+            </a:lvl7pPr>
+            <a:lvl8pPr marL="3200400" indent="0">
+              <a:buNone/>
+              <a:defRPr sz="1600">
+                <a:solidFill>
+                  <a:schemeClr val="tx1">
+                    <a:tint val="75000"/>
+                  </a:schemeClr>
+                </a:solidFill>
+              </a:defRPr>
+            </a:lvl8pPr>
+            <a:lvl9pPr marL="3657600" indent="0">
+              <a:buNone/>
+              <a:defRPr sz="1600">
+                <a:solidFill>
+                  <a:schemeClr val="tx1">
+                    <a:tint val="75000"/>
+                  </a:schemeClr>
+                </a:solidFill>
+              </a:defRPr>
+            </a:lvl9pPr>
+          </a:lstStyle>
+          <a:p>
+            <a:pPr lvl="0"/>
+            <a:r>
+              <a:rPr lang="it-IT"/>
+              <a:t>Modifica gli stili del testo dello schema</a:t>
+            </a:r>
+          </a:p>
+        </p:txBody>
+      </p:sp>
+      <p:sp>
+        <p:nvSpPr>
+          <p:cNvPr id="4" name="Segnaposto data 3">
+            <a:extLst>
+              <a:ext uri="{FF2B5EF4-FFF2-40B4-BE49-F238E27FC236}">
+                <a16:creationId xmlns:a16="http://schemas.microsoft.com/office/drawing/2014/main" id="{C0FF3046-10E3-45E0-A963-3BEB9B49F6DC}"/>
+              </a:ext>
+            </a:extLst>
+          </p:cNvPr>
+          <p:cNvSpPr>
+            <a:spLocks noGrp="1"/>
+          </p:cNvSpPr>
+          <p:nvPr>
+            <p:ph type="dt" sz="half" idx="10"/>
+          </p:nvPr>
+        </p:nvSpPr>
+        <p:spPr/>
+        <p:txBody>
+          <a:bodyPr/>
+          <a:lstStyle/>
+          <a:p>
+            <a:fld id="{F7E49206-D6C0-4DB1-8B49-D64BF1AB1633}" type="datetimeFigureOut">
+              <a:rPr lang="it-CH" smtClean="0"/>
+              <a:t>22.05.2019</a:t>
+            </a:fld>
+            <a:endParaRPr lang="it-CH"/>
+          </a:p>
+        </p:txBody>
+      </p:sp>
+      <p:sp>
+        <p:nvSpPr>
+          <p:cNvPr id="5" name="Segnaposto piè di pagina 4">
+            <a:extLst>
+              <a:ext uri="{FF2B5EF4-FFF2-40B4-BE49-F238E27FC236}">
+                <a16:creationId xmlns:a16="http://schemas.microsoft.com/office/drawing/2014/main" id="{3FA8AAD5-3C74-44FC-8212-0DAA601027EE}"/>
+              </a:ext>
+            </a:extLst>
+          </p:cNvPr>
+          <p:cNvSpPr>
+            <a:spLocks noGrp="1"/>
+          </p:cNvSpPr>
+          <p:nvPr>
+            <p:ph type="ftr" sz="quarter" idx="11"/>
+          </p:nvPr>
+        </p:nvSpPr>
+        <p:spPr/>
+        <p:txBody>
+          <a:bodyPr/>
+          <a:lstStyle/>
+          <a:p>
+            <a:endParaRPr lang="it-CH"/>
+          </a:p>
+        </p:txBody>
+      </p:sp>
+      <p:sp>
+        <p:nvSpPr>
+          <p:cNvPr id="6" name="Segnaposto numero diapositiva 5">
+            <a:extLst>
+              <a:ext uri="{FF2B5EF4-FFF2-40B4-BE49-F238E27FC236}">
+                <a16:creationId xmlns:a16="http://schemas.microsoft.com/office/drawing/2014/main" id="{B1C39926-FD15-4AD8-B0A9-7990FF17A70F}"/>
+              </a:ext>
+            </a:extLst>
+          </p:cNvPr>
+          <p:cNvSpPr>
+            <a:spLocks noGrp="1"/>
+          </p:cNvSpPr>
+          <p:nvPr>
+            <p:ph type="sldNum" sz="quarter" idx="12"/>
+          </p:nvPr>
+        </p:nvSpPr>
+        <p:spPr/>
+        <p:txBody>
+          <a:bodyPr/>
+          <a:lstStyle/>
+          <a:p>
+            <a:fld id="{5DB9BA27-AEF4-4D68-AB32-9A639663B60E}" type="slidenum">
+              <a:rPr lang="it-CH" smtClean="0"/>
+              <a:t>‹N›</a:t>
+            </a:fld>
+            <a:endParaRPr lang="it-CH"/>
+          </a:p>
+        </p:txBody>
+      </p:sp>
+    </p:spTree>
+    <p:extLst>
+      <p:ext uri="{BB962C8B-B14F-4D97-AF65-F5344CB8AC3E}">
+        <p14:creationId xmlns:p14="http://schemas.microsoft.com/office/powerpoint/2010/main" val="926060495"/>
+      </p:ext>
+    </p:extLst>
+  </p:cSld>
+  <p:clrMapOvr>
+    <a:masterClrMapping/>
+  </p:clrMapOvr>
+</p:sldLayout>
+</file>
+
+<file path=ppt/slideLayouts/slideLayout4.xml><?xml version="1.0" encoding="utf-8"?>
+<p:sldLayout xmlns:a="http://schemas.openxmlformats.org/drawingml/2006/main" xmlns:r="http://schemas.openxmlformats.org/officeDocument/2006/relationships" xmlns:p="http://schemas.openxmlformats.org/presentationml/2006/main" type="twoObj" preserve="1">
+  <p:cSld name="Due contenuti">
+    <p:spTree>
+      <p:nvGrpSpPr>
+        <p:cNvPr id="1" name=""/>
+        <p:cNvGrpSpPr/>
+        <p:nvPr/>
+      </p:nvGrpSpPr>
+      <p:grpSpPr>
+        <a:xfrm>
+          <a:off x="0" y="0"/>
+          <a:ext cx="0" cy="0"/>
+          <a:chOff x="0" y="0"/>
+          <a:chExt cx="0" cy="0"/>
+        </a:xfrm>
+      </p:grpSpPr>
+      <p:sp>
+        <p:nvSpPr>
+          <p:cNvPr id="2" name="Titolo 1">
+            <a:extLst>
+              <a:ext uri="{FF2B5EF4-FFF2-40B4-BE49-F238E27FC236}">
+                <a16:creationId xmlns:a16="http://schemas.microsoft.com/office/drawing/2014/main" id="{DBA7AEDC-2548-4089-AC9C-52922403CEDE}"/>
+              </a:ext>
+            </a:extLst>
+          </p:cNvPr>
+          <p:cNvSpPr>
+            <a:spLocks noGrp="1"/>
+          </p:cNvSpPr>
+          <p:nvPr>
+            <p:ph type="title"/>
+          </p:nvPr>
+        </p:nvSpPr>
+        <p:spPr/>
+        <p:txBody>
+          <a:bodyPr/>
+          <a:lstStyle/>
+          <a:p>
+            <a:r>
+              <a:rPr lang="it-IT"/>
+              <a:t>Fare clic per modificare lo stile del titolo dello schema</a:t>
+            </a:r>
+            <a:endParaRPr lang="it-CH"/>
+          </a:p>
+        </p:txBody>
+      </p:sp>
+      <p:sp>
+        <p:nvSpPr>
+          <p:cNvPr id="3" name="Segnaposto contenuto 2">
+            <a:extLst>
+              <a:ext uri="{FF2B5EF4-FFF2-40B4-BE49-F238E27FC236}">
+                <a16:creationId xmlns:a16="http://schemas.microsoft.com/office/drawing/2014/main" id="{311B130F-AC3E-4A2A-BEB4-E181E4D4F9AB}"/>
+              </a:ext>
+            </a:extLst>
+          </p:cNvPr>
+          <p:cNvSpPr>
+            <a:spLocks noGrp="1"/>
+          </p:cNvSpPr>
+          <p:nvPr>
+            <p:ph sz="half" idx="1"/>
+          </p:nvPr>
+        </p:nvSpPr>
+        <p:spPr>
+          <a:xfrm>
+            <a:off x="838200" y="1825625"/>
+            <a:ext cx="5181600" cy="4351338"/>
+          </a:xfrm>
+        </p:spPr>
+        <p:txBody>
+          <a:bodyPr/>
+          <a:lstStyle/>
+          <a:p>
+            <a:pPr lvl="0"/>
+            <a:r>
+              <a:rPr lang="it-IT"/>
+              <a:t>Modifica gli stili del testo dello schema</a:t>
+            </a:r>
+          </a:p>
+          <a:p>
+            <a:pPr lvl="1"/>
+            <a:r>
+              <a:rPr lang="it-IT"/>
+              <a:t>Secondo livello</a:t>
+            </a:r>
+          </a:p>
+          <a:p>
+            <a:pPr lvl="2"/>
+            <a:r>
+              <a:rPr lang="it-IT"/>
+              <a:t>Terzo livello</a:t>
+            </a:r>
+          </a:p>
+          <a:p>
+            <a:pPr lvl="3"/>
+            <a:r>
+              <a:rPr lang="it-IT"/>
+              <a:t>Quarto livello</a:t>
+            </a:r>
+          </a:p>
+          <a:p>
+            <a:pPr lvl="4"/>
+            <a:r>
+              <a:rPr lang="it-IT"/>
+              <a:t>Quinto livello</a:t>
+            </a:r>
+            <a:endParaRPr lang="it-CH"/>
+          </a:p>
+        </p:txBody>
+      </p:sp>
+      <p:sp>
+        <p:nvSpPr>
+          <p:cNvPr id="4" name="Segnaposto contenuto 3">
+            <a:extLst>
+              <a:ext uri="{FF2B5EF4-FFF2-40B4-BE49-F238E27FC236}">
+                <a16:creationId xmlns:a16="http://schemas.microsoft.com/office/drawing/2014/main" id="{1A5775F1-92E3-4770-8F70-0908EACDCFC7}"/>
+              </a:ext>
+            </a:extLst>
+          </p:cNvPr>
+          <p:cNvSpPr>
+            <a:spLocks noGrp="1"/>
+          </p:cNvSpPr>
+          <p:nvPr>
+            <p:ph sz="half" idx="2"/>
+          </p:nvPr>
+        </p:nvSpPr>
+        <p:spPr>
+          <a:xfrm>
+            <a:off x="6172200" y="1825625"/>
+            <a:ext cx="5181600" cy="4351338"/>
+          </a:xfrm>
+        </p:spPr>
+        <p:txBody>
+          <a:bodyPr/>
+          <a:lstStyle/>
+          <a:p>
+            <a:pPr lvl="0"/>
+            <a:r>
+              <a:rPr lang="it-IT"/>
+              <a:t>Modifica gli stili del testo dello schema</a:t>
+            </a:r>
+          </a:p>
+          <a:p>
+            <a:pPr lvl="1"/>
+            <a:r>
+              <a:rPr lang="it-IT"/>
+              <a:t>Secondo livello</a:t>
+            </a:r>
+          </a:p>
+          <a:p>
+            <a:pPr lvl="2"/>
+            <a:r>
+              <a:rPr lang="it-IT"/>
+              <a:t>Terzo livello</a:t>
+            </a:r>
+          </a:p>
+          <a:p>
+            <a:pPr lvl="3"/>
+            <a:r>
+              <a:rPr lang="it-IT"/>
+              <a:t>Quarto livello</a:t>
+            </a:r>
+          </a:p>
+          <a:p>
+            <a:pPr lvl="4"/>
+            <a:r>
+              <a:rPr lang="it-IT"/>
+              <a:t>Quinto livello</a:t>
+            </a:r>
+            <a:endParaRPr lang="it-CH"/>
+          </a:p>
+        </p:txBody>
+      </p:sp>
+      <p:sp>
+        <p:nvSpPr>
+          <p:cNvPr id="5" name="Segnaposto data 4">
+            <a:extLst>
+              <a:ext uri="{FF2B5EF4-FFF2-40B4-BE49-F238E27FC236}">
+                <a16:creationId xmlns:a16="http://schemas.microsoft.com/office/drawing/2014/main" id="{EA185EA2-B33A-4F60-B6FA-B31B8B115A6B}"/>
+              </a:ext>
+            </a:extLst>
+          </p:cNvPr>
+          <p:cNvSpPr>
+            <a:spLocks noGrp="1"/>
+          </p:cNvSpPr>
+          <p:nvPr>
+            <p:ph type="dt" sz="half" idx="10"/>
+          </p:nvPr>
+        </p:nvSpPr>
+        <p:spPr/>
+        <p:txBody>
+          <a:bodyPr/>
+          <a:lstStyle/>
+          <a:p>
+            <a:fld id="{F7E49206-D6C0-4DB1-8B49-D64BF1AB1633}" type="datetimeFigureOut">
+              <a:rPr lang="it-CH" smtClean="0"/>
+              <a:t>22.05.2019</a:t>
+            </a:fld>
+            <a:endParaRPr lang="it-CH"/>
+          </a:p>
+        </p:txBody>
+      </p:sp>
+      <p:sp>
+        <p:nvSpPr>
+          <p:cNvPr id="6" name="Segnaposto piè di pagina 5">
+            <a:extLst>
+              <a:ext uri="{FF2B5EF4-FFF2-40B4-BE49-F238E27FC236}">
+                <a16:creationId xmlns:a16="http://schemas.microsoft.com/office/drawing/2014/main" id="{49DC91C0-D39F-4E00-B881-B447E7E518C6}"/>
+              </a:ext>
+            </a:extLst>
+          </p:cNvPr>
+          <p:cNvSpPr>
+            <a:spLocks noGrp="1"/>
+          </p:cNvSpPr>
+          <p:nvPr>
+            <p:ph type="ftr" sz="quarter" idx="11"/>
+          </p:nvPr>
+        </p:nvSpPr>
+        <p:spPr/>
+        <p:txBody>
+          <a:bodyPr/>
+          <a:lstStyle/>
+          <a:p>
+            <a:endParaRPr lang="it-CH"/>
+          </a:p>
+        </p:txBody>
+      </p:sp>
+      <p:sp>
+        <p:nvSpPr>
+          <p:cNvPr id="7" name="Segnaposto numero diapositiva 6">
+            <a:extLst>
+              <a:ext uri="{FF2B5EF4-FFF2-40B4-BE49-F238E27FC236}">
+                <a16:creationId xmlns:a16="http://schemas.microsoft.com/office/drawing/2014/main" id="{0E87C539-F22E-4751-AE4D-A2F80C828C9B}"/>
+              </a:ext>
+            </a:extLst>
+          </p:cNvPr>
+          <p:cNvSpPr>
+            <a:spLocks noGrp="1"/>
+          </p:cNvSpPr>
+          <p:nvPr>
+            <p:ph type="sldNum" sz="quarter" idx="12"/>
+          </p:nvPr>
+        </p:nvSpPr>
+        <p:spPr/>
+        <p:txBody>
+          <a:bodyPr/>
+          <a:lstStyle/>
+          <a:p>
+            <a:fld id="{5DB9BA27-AEF4-4D68-AB32-9A639663B60E}" type="slidenum">
+              <a:rPr lang="it-CH" smtClean="0"/>
+              <a:t>‹N›</a:t>
+            </a:fld>
+            <a:endParaRPr lang="it-CH"/>
+          </a:p>
+        </p:txBody>
+      </p:sp>
+    </p:spTree>
+    <p:extLst>
+      <p:ext uri="{BB962C8B-B14F-4D97-AF65-F5344CB8AC3E}">
+        <p14:creationId xmlns:p14="http://schemas.microsoft.com/office/powerpoint/2010/main" val="4101479799"/>
+      </p:ext>
+    </p:extLst>
+  </p:cSld>
+  <p:clrMapOvr>
+    <a:masterClrMapping/>
+  </p:clrMapOvr>
+</p:sldLayout>
+</file>
+
+<file path=ppt/slideLayouts/slideLayout5.xml><?xml version="1.0" encoding="utf-8"?>
+<p:sldLayout xmlns:a="http://schemas.openxmlformats.org/drawingml/2006/main" xmlns:r="http://schemas.openxmlformats.org/officeDocument/2006/relationships" xmlns:p="http://schemas.openxmlformats.org/presentationml/2006/main" type="twoTxTwoObj" preserve="1">
+  <p:cSld name="Confronto">
+    <p:spTree>
+      <p:nvGrpSpPr>
+        <p:cNvPr id="1" name=""/>
+        <p:cNvGrpSpPr/>
+        <p:nvPr/>
+      </p:nvGrpSpPr>
+      <p:grpSpPr>
+        <a:xfrm>
+          <a:off x="0" y="0"/>
+          <a:ext cx="0" cy="0"/>
+          <a:chOff x="0" y="0"/>
+          <a:chExt cx="0" cy="0"/>
+        </a:xfrm>
+      </p:grpSpPr>
+      <p:sp>
+        <p:nvSpPr>
+          <p:cNvPr id="2" name="Titolo 1">
+            <a:extLst>
+              <a:ext uri="{FF2B5EF4-FFF2-40B4-BE49-F238E27FC236}">
+                <a16:creationId xmlns:a16="http://schemas.microsoft.com/office/drawing/2014/main" id="{2C0B44F5-64C9-4B93-B5D6-3DE8721947D7}"/>
+              </a:ext>
+            </a:extLst>
+          </p:cNvPr>
+          <p:cNvSpPr>
+            <a:spLocks noGrp="1"/>
+          </p:cNvSpPr>
+          <p:nvPr>
+            <p:ph type="title"/>
+          </p:nvPr>
+        </p:nvSpPr>
+        <p:spPr>
+          <a:xfrm>
+            <a:off x="839788" y="365125"/>
+            <a:ext cx="10515600" cy="1325563"/>
+          </a:xfrm>
+        </p:spPr>
+        <p:txBody>
+          <a:bodyPr/>
+          <a:lstStyle/>
+          <a:p>
+            <a:r>
+              <a:rPr lang="it-IT"/>
+              <a:t>Fare clic per modificare lo stile del titolo dello schema</a:t>
+            </a:r>
+            <a:endParaRPr lang="it-CH"/>
+          </a:p>
+        </p:txBody>
+      </p:sp>
+      <p:sp>
+        <p:nvSpPr>
+          <p:cNvPr id="3" name="Segnaposto testo 2">
+            <a:extLst>
+              <a:ext uri="{FF2B5EF4-FFF2-40B4-BE49-F238E27FC236}">
+                <a16:creationId xmlns:a16="http://schemas.microsoft.com/office/drawing/2014/main" id="{3A93213F-11A4-4A97-B6E5-A318913B7224}"/>
+              </a:ext>
+            </a:extLst>
+          </p:cNvPr>
+          <p:cNvSpPr>
+            <a:spLocks noGrp="1"/>
+          </p:cNvSpPr>
+          <p:nvPr>
+            <p:ph type="body" idx="1"/>
+          </p:nvPr>
+        </p:nvSpPr>
+        <p:spPr>
+          <a:xfrm>
+            <a:off x="839788" y="1681163"/>
+            <a:ext cx="5157787" cy="823912"/>
+          </a:xfrm>
+        </p:spPr>
+        <p:txBody>
+          <a:bodyPr anchor="b"/>
+          <a:lstStyle>
+            <a:lvl1pPr marL="0" indent="0">
+              <a:buNone/>
+              <a:defRPr sz="2400" b="1"/>
+            </a:lvl1pPr>
+            <a:lvl2pPr marL="457200" indent="0">
+              <a:buNone/>
+              <a:defRPr sz="2000" b="1"/>
+            </a:lvl2pPr>
+            <a:lvl3pPr marL="914400" indent="0">
+              <a:buNone/>
+              <a:defRPr sz="1800" b="1"/>
+            </a:lvl3pPr>
+            <a:lvl4pPr marL="1371600" indent="0">
+              <a:buNone/>
+              <a:defRPr sz="1600" b="1"/>
+            </a:lvl4pPr>
+            <a:lvl5pPr marL="1828800" indent="0">
+              <a:buNone/>
+              <a:defRPr sz="1600" b="1"/>
+            </a:lvl5pPr>
+            <a:lvl6pPr marL="2286000" indent="0">
+              <a:buNone/>
+              <a:defRPr sz="1600" b="1"/>
+            </a:lvl6pPr>
+            <a:lvl7pPr marL="2743200" indent="0">
+              <a:buNone/>
+              <a:defRPr sz="1600" b="1"/>
+            </a:lvl7pPr>
+            <a:lvl8pPr marL="3200400" indent="0">
+              <a:buNone/>
+              <a:defRPr sz="1600" b="1"/>
+            </a:lvl8pPr>
+            <a:lvl9pPr marL="3657600" indent="0">
+              <a:buNone/>
+              <a:defRPr sz="1600" b="1"/>
+            </a:lvl9pPr>
+          </a:lstStyle>
+          <a:p>
+            <a:pPr lvl="0"/>
+            <a:r>
+              <a:rPr lang="it-IT"/>
+              <a:t>Modifica gli stili del testo dello schema</a:t>
+            </a:r>
+          </a:p>
+        </p:txBody>
+      </p:sp>
+      <p:sp>
+        <p:nvSpPr>
+          <p:cNvPr id="4" name="Segnaposto contenuto 3">
+            <a:extLst>
+              <a:ext uri="{FF2B5EF4-FFF2-40B4-BE49-F238E27FC236}">
+                <a16:creationId xmlns:a16="http://schemas.microsoft.com/office/drawing/2014/main" id="{BD79F62F-967E-497E-867D-7137DD9B96F8}"/>
+              </a:ext>
+            </a:extLst>
+          </p:cNvPr>
+          <p:cNvSpPr>
+            <a:spLocks noGrp="1"/>
+          </p:cNvSpPr>
+          <p:nvPr>
+            <p:ph sz="half" idx="2"/>
+          </p:nvPr>
+        </p:nvSpPr>
+        <p:spPr>
+          <a:xfrm>
+            <a:off x="839788" y="2505075"/>
+            <a:ext cx="5157787" cy="3684588"/>
+          </a:xfrm>
+        </p:spPr>
+        <p:txBody>
+          <a:bodyPr/>
+          <a:lstStyle/>
+          <a:p>
+            <a:pPr lvl="0"/>
+            <a:r>
+              <a:rPr lang="it-IT"/>
+              <a:t>Modifica gli stili del testo dello schema</a:t>
+            </a:r>
+          </a:p>
+          <a:p>
+            <a:pPr lvl="1"/>
+            <a:r>
+              <a:rPr lang="it-IT"/>
+              <a:t>Secondo livello</a:t>
+            </a:r>
+          </a:p>
+          <a:p>
+            <a:pPr lvl="2"/>
+            <a:r>
+              <a:rPr lang="it-IT"/>
+              <a:t>Terzo livello</a:t>
+            </a:r>
+          </a:p>
+          <a:p>
+            <a:pPr lvl="3"/>
+            <a:r>
+              <a:rPr lang="it-IT"/>
+              <a:t>Quarto livello</a:t>
+            </a:r>
+          </a:p>
+          <a:p>
+            <a:pPr lvl="4"/>
+            <a:r>
+              <a:rPr lang="it-IT"/>
+              <a:t>Quinto livello</a:t>
+            </a:r>
+            <a:endParaRPr lang="it-CH"/>
+          </a:p>
+        </p:txBody>
+      </p:sp>
+      <p:sp>
+        <p:nvSpPr>
+          <p:cNvPr id="5" name="Segnaposto testo 4">
+            <a:extLst>
+              <a:ext uri="{FF2B5EF4-FFF2-40B4-BE49-F238E27FC236}">
+                <a16:creationId xmlns:a16="http://schemas.microsoft.com/office/drawing/2014/main" id="{05E00D3F-985E-4C9A-B8FF-22571FDEFDE2}"/>
+              </a:ext>
+            </a:extLst>
+          </p:cNvPr>
+          <p:cNvSpPr>
+            <a:spLocks noGrp="1"/>
+          </p:cNvSpPr>
+          <p:nvPr>
+            <p:ph type="body" sz="quarter" idx="3"/>
+          </p:nvPr>
+        </p:nvSpPr>
+        <p:spPr>
+          <a:xfrm>
+            <a:off x="6172200" y="1681163"/>
+            <a:ext cx="5183188" cy="823912"/>
+          </a:xfrm>
+        </p:spPr>
+        <p:txBody>
+          <a:bodyPr anchor="b"/>
+          <a:lstStyle>
+            <a:lvl1pPr marL="0" indent="0">
+              <a:buNone/>
+              <a:defRPr sz="2400" b="1"/>
+            </a:lvl1pPr>
+            <a:lvl2pPr marL="457200" indent="0">
+              <a:buNone/>
+              <a:defRPr sz="2000" b="1"/>
+            </a:lvl2pPr>
+            <a:lvl3pPr marL="914400" indent="0">
+              <a:buNone/>
+              <a:defRPr sz="1800" b="1"/>
+            </a:lvl3pPr>
+            <a:lvl4pPr marL="1371600" indent="0">
+              <a:buNone/>
+              <a:defRPr sz="1600" b="1"/>
+            </a:lvl4pPr>
+            <a:lvl5pPr marL="1828800" indent="0">
+              <a:buNone/>
+              <a:defRPr sz="1600" b="1"/>
+            </a:lvl5pPr>
+            <a:lvl6pPr marL="2286000" indent="0">
+              <a:buNone/>
+              <a:defRPr sz="1600" b="1"/>
+            </a:lvl6pPr>
+            <a:lvl7pPr marL="2743200" indent="0">
+              <a:buNone/>
+              <a:defRPr sz="1600" b="1"/>
+            </a:lvl7pPr>
+            <a:lvl8pPr marL="3200400" indent="0">
+              <a:buNone/>
+              <a:defRPr sz="1600" b="1"/>
+            </a:lvl8pPr>
+            <a:lvl9pPr marL="3657600" indent="0">
+              <a:buNone/>
+              <a:defRPr sz="1600" b="1"/>
+            </a:lvl9pPr>
+          </a:lstStyle>
+          <a:p>
+            <a:pPr lvl="0"/>
+            <a:r>
+              <a:rPr lang="it-IT"/>
+              <a:t>Modifica gli stili del testo dello schema</a:t>
+            </a:r>
+          </a:p>
+        </p:txBody>
+      </p:sp>
+      <p:sp>
+        <p:nvSpPr>
+          <p:cNvPr id="6" name="Segnaposto contenuto 5">
+            <a:extLst>
+              <a:ext uri="{FF2B5EF4-FFF2-40B4-BE49-F238E27FC236}">
+                <a16:creationId xmlns:a16="http://schemas.microsoft.com/office/drawing/2014/main" id="{9C6DA49C-2A75-4EC3-8EF0-30A9005C8FFB}"/>
+              </a:ext>
+            </a:extLst>
+          </p:cNvPr>
+          <p:cNvSpPr>
+            <a:spLocks noGrp="1"/>
+          </p:cNvSpPr>
+          <p:nvPr>
+            <p:ph sz="quarter" idx="4"/>
+          </p:nvPr>
+        </p:nvSpPr>
+        <p:spPr>
+          <a:xfrm>
+            <a:off x="6172200" y="2505075"/>
+            <a:ext cx="5183188" cy="3684588"/>
+          </a:xfrm>
+        </p:spPr>
+        <p:txBody>
+          <a:bodyPr/>
+          <a:lstStyle/>
+          <a:p>
+            <a:pPr lvl="0"/>
+            <a:r>
+              <a:rPr lang="it-IT"/>
+              <a:t>Modifica gli stili del testo dello schema</a:t>
+            </a:r>
+          </a:p>
+          <a:p>
+            <a:pPr lvl="1"/>
+            <a:r>
+              <a:rPr lang="it-IT"/>
+              <a:t>Secondo livello</a:t>
+            </a:r>
+          </a:p>
+          <a:p>
+            <a:pPr lvl="2"/>
+            <a:r>
+              <a:rPr lang="it-IT"/>
+              <a:t>Terzo livello</a:t>
+            </a:r>
+          </a:p>
+          <a:p>
+            <a:pPr lvl="3"/>
+            <a:r>
+              <a:rPr lang="it-IT"/>
+              <a:t>Quarto livello</a:t>
+            </a:r>
+          </a:p>
+          <a:p>
+            <a:pPr lvl="4"/>
+            <a:r>
+              <a:rPr lang="it-IT"/>
+              <a:t>Quinto livello</a:t>
+            </a:r>
+            <a:endParaRPr lang="it-CH"/>
+          </a:p>
+        </p:txBody>
+      </p:sp>
+      <p:sp>
+        <p:nvSpPr>
+          <p:cNvPr id="7" name="Segnaposto data 6">
+            <a:extLst>
+              <a:ext uri="{FF2B5EF4-FFF2-40B4-BE49-F238E27FC236}">
+                <a16:creationId xmlns:a16="http://schemas.microsoft.com/office/drawing/2014/main" id="{BCEC3287-C888-4B44-AB68-188C031CF123}"/>
+              </a:ext>
+            </a:extLst>
+          </p:cNvPr>
+          <p:cNvSpPr>
+            <a:spLocks noGrp="1"/>
+          </p:cNvSpPr>
+          <p:nvPr>
+            <p:ph type="dt" sz="half" idx="10"/>
+          </p:nvPr>
+        </p:nvSpPr>
+        <p:spPr/>
+        <p:txBody>
+          <a:bodyPr/>
+          <a:lstStyle/>
+          <a:p>
+            <a:fld id="{F7E49206-D6C0-4DB1-8B49-D64BF1AB1633}" type="datetimeFigureOut">
+              <a:rPr lang="it-CH" smtClean="0"/>
+              <a:t>22.05.2019</a:t>
+            </a:fld>
+            <a:endParaRPr lang="it-CH"/>
+          </a:p>
+        </p:txBody>
+      </p:sp>
+      <p:sp>
+        <p:nvSpPr>
+          <p:cNvPr id="8" name="Segnaposto piè di pagina 7">
+            <a:extLst>
+              <a:ext uri="{FF2B5EF4-FFF2-40B4-BE49-F238E27FC236}">
+                <a16:creationId xmlns:a16="http://schemas.microsoft.com/office/drawing/2014/main" id="{FE3503FA-60D4-4AF3-9C16-6EBCB51023C8}"/>
+              </a:ext>
+            </a:extLst>
+          </p:cNvPr>
+          <p:cNvSpPr>
+            <a:spLocks noGrp="1"/>
+          </p:cNvSpPr>
+          <p:nvPr>
+            <p:ph type="ftr" sz="quarter" idx="11"/>
+          </p:nvPr>
+        </p:nvSpPr>
+        <p:spPr/>
+        <p:txBody>
+          <a:bodyPr/>
+          <a:lstStyle/>
+          <a:p>
+            <a:endParaRPr lang="it-CH"/>
+          </a:p>
+        </p:txBody>
+      </p:sp>
+      <p:sp>
+        <p:nvSpPr>
+          <p:cNvPr id="9" name="Segnaposto numero diapositiva 8">
+            <a:extLst>
+              <a:ext uri="{FF2B5EF4-FFF2-40B4-BE49-F238E27FC236}">
+                <a16:creationId xmlns:a16="http://schemas.microsoft.com/office/drawing/2014/main" id="{11B41FD5-76A2-4153-AE02-557AE2F39641}"/>
+              </a:ext>
+            </a:extLst>
+          </p:cNvPr>
+          <p:cNvSpPr>
+            <a:spLocks noGrp="1"/>
+          </p:cNvSpPr>
+          <p:nvPr>
+            <p:ph type="sldNum" sz="quarter" idx="12"/>
+          </p:nvPr>
+        </p:nvSpPr>
+        <p:spPr/>
+        <p:txBody>
+          <a:bodyPr/>
+          <a:lstStyle/>
+          <a:p>
+            <a:fld id="{5DB9BA27-AEF4-4D68-AB32-9A639663B60E}" type="slidenum">
+              <a:rPr lang="it-CH" smtClean="0"/>
+              <a:t>‹N›</a:t>
+            </a:fld>
+            <a:endParaRPr lang="it-CH"/>
+          </a:p>
+        </p:txBody>
+      </p:sp>
+    </p:spTree>
+    <p:extLst>
+      <p:ext uri="{BB962C8B-B14F-4D97-AF65-F5344CB8AC3E}">
+        <p14:creationId xmlns:p14="http://schemas.microsoft.com/office/powerpoint/2010/main" val="3165800811"/>
+      </p:ext>
+    </p:extLst>
+  </p:cSld>
+  <p:clrMapOvr>
+    <a:masterClrMapping/>
+  </p:clrMapOvr>
+</p:sldLayout>
+</file>
+
+<file path=ppt/slideLayouts/slideLayout6.xml><?xml version="1.0" encoding="utf-8"?>
+<p:sldLayout xmlns:a="http://schemas.openxmlformats.org/drawingml/2006/main" xmlns:r="http://schemas.openxmlformats.org/officeDocument/2006/relationships" xmlns:p="http://schemas.openxmlformats.org/presentationml/2006/main" type="titleOnly" preserve="1">
+  <p:cSld name="Solo titolo">
+    <p:spTree>
+      <p:nvGrpSpPr>
+        <p:cNvPr id="1" name=""/>
+        <p:cNvGrpSpPr/>
+        <p:nvPr/>
+      </p:nvGrpSpPr>
+      <p:grpSpPr>
+        <a:xfrm>
+          <a:off x="0" y="0"/>
+          <a:ext cx="0" cy="0"/>
+          <a:chOff x="0" y="0"/>
+          <a:chExt cx="0" cy="0"/>
+        </a:xfrm>
+      </p:grpSpPr>
+      <p:sp>
+        <p:nvSpPr>
+          <p:cNvPr id="2" name="Titolo 1">
+            <a:extLst>
+              <a:ext uri="{FF2B5EF4-FFF2-40B4-BE49-F238E27FC236}">
+                <a16:creationId xmlns:a16="http://schemas.microsoft.com/office/drawing/2014/main" id="{4E2A08E2-63D7-4419-A713-E5C456B1C52F}"/>
+              </a:ext>
+            </a:extLst>
+          </p:cNvPr>
+          <p:cNvSpPr>
+            <a:spLocks noGrp="1"/>
+          </p:cNvSpPr>
+          <p:nvPr>
+            <p:ph type="title"/>
+          </p:nvPr>
+        </p:nvSpPr>
+        <p:spPr/>
+        <p:txBody>
+          <a:bodyPr/>
+          <a:lstStyle/>
+          <a:p>
+            <a:r>
+              <a:rPr lang="it-IT"/>
+              <a:t>Fare clic per modificare lo stile del titolo dello schema</a:t>
+            </a:r>
+            <a:endParaRPr lang="it-CH"/>
+          </a:p>
+        </p:txBody>
+      </p:sp>
+      <p:sp>
+        <p:nvSpPr>
+          <p:cNvPr id="3" name="Segnaposto data 2">
+            <a:extLst>
+              <a:ext uri="{FF2B5EF4-FFF2-40B4-BE49-F238E27FC236}">
+                <a16:creationId xmlns:a16="http://schemas.microsoft.com/office/drawing/2014/main" id="{C61BA545-A3FD-49C9-B331-D5340BDA587D}"/>
+              </a:ext>
+            </a:extLst>
+          </p:cNvPr>
+          <p:cNvSpPr>
+            <a:spLocks noGrp="1"/>
+          </p:cNvSpPr>
+          <p:nvPr>
+            <p:ph type="dt" sz="half" idx="10"/>
+          </p:nvPr>
+        </p:nvSpPr>
+        <p:spPr/>
+        <p:txBody>
+          <a:bodyPr/>
+          <a:lstStyle/>
+          <a:p>
+            <a:fld id="{F7E49206-D6C0-4DB1-8B49-D64BF1AB1633}" type="datetimeFigureOut">
+              <a:rPr lang="it-CH" smtClean="0"/>
+              <a:t>22.05.2019</a:t>
+            </a:fld>
+            <a:endParaRPr lang="it-CH"/>
+          </a:p>
+        </p:txBody>
+      </p:sp>
+      <p:sp>
+        <p:nvSpPr>
+          <p:cNvPr id="4" name="Segnaposto piè di pagina 3">
+            <a:extLst>
+              <a:ext uri="{FF2B5EF4-FFF2-40B4-BE49-F238E27FC236}">
+                <a16:creationId xmlns:a16="http://schemas.microsoft.com/office/drawing/2014/main" id="{24964E19-A601-4B96-A386-C74F14EBB0BF}"/>
+              </a:ext>
+            </a:extLst>
+          </p:cNvPr>
+          <p:cNvSpPr>
+            <a:spLocks noGrp="1"/>
+          </p:cNvSpPr>
+          <p:nvPr>
+            <p:ph type="ftr" sz="quarter" idx="11"/>
+          </p:nvPr>
+        </p:nvSpPr>
+        <p:spPr/>
+        <p:txBody>
+          <a:bodyPr/>
+          <a:lstStyle/>
+          <a:p>
+            <a:endParaRPr lang="it-CH"/>
+          </a:p>
+        </p:txBody>
+      </p:sp>
+      <p:sp>
+        <p:nvSpPr>
+          <p:cNvPr id="5" name="Segnaposto numero diapositiva 4">
+            <a:extLst>
+              <a:ext uri="{FF2B5EF4-FFF2-40B4-BE49-F238E27FC236}">
+                <a16:creationId xmlns:a16="http://schemas.microsoft.com/office/drawing/2014/main" id="{6FE3FB7A-040F-4FA6-9D7D-126EFCF2F023}"/>
+              </a:ext>
+            </a:extLst>
+          </p:cNvPr>
+          <p:cNvSpPr>
+            <a:spLocks noGrp="1"/>
+          </p:cNvSpPr>
+          <p:nvPr>
+            <p:ph type="sldNum" sz="quarter" idx="12"/>
+          </p:nvPr>
+        </p:nvSpPr>
+        <p:spPr/>
+        <p:txBody>
+          <a:bodyPr/>
+          <a:lstStyle/>
+          <a:p>
+            <a:fld id="{5DB9BA27-AEF4-4D68-AB32-9A639663B60E}" type="slidenum">
+              <a:rPr lang="it-CH" smtClean="0"/>
+              <a:t>‹N›</a:t>
+            </a:fld>
+            <a:endParaRPr lang="it-CH"/>
+          </a:p>
+        </p:txBody>
+      </p:sp>
+    </p:spTree>
+    <p:extLst>
+      <p:ext uri="{BB962C8B-B14F-4D97-AF65-F5344CB8AC3E}">
+        <p14:creationId xmlns:p14="http://schemas.microsoft.com/office/powerpoint/2010/main" val="3606868051"/>
+      </p:ext>
+    </p:extLst>
+  </p:cSld>
+  <p:clrMapOvr>
+    <a:masterClrMapping/>
+  </p:clrMapOvr>
+</p:sldLayout>
+</file>
+
+<file path=ppt/slideLayouts/slideLayout7.xml><?xml version="1.0" encoding="utf-8"?>
+<p:sldLayout xmlns:a="http://schemas.openxmlformats.org/drawingml/2006/main" xmlns:r="http://schemas.openxmlformats.org/officeDocument/2006/relationships" xmlns:p="http://schemas.openxmlformats.org/presentationml/2006/main" type="blank" preserve="1">
+  <p:cSld name="Vuota">
+    <p:spTree>
+      <p:nvGrpSpPr>
+        <p:cNvPr id="1" name=""/>
+        <p:cNvGrpSpPr/>
+        <p:nvPr/>
+      </p:nvGrpSpPr>
+      <p:grpSpPr>
+        <a:xfrm>
+          <a:off x="0" y="0"/>
+          <a:ext cx="0" cy="0"/>
+          <a:chOff x="0" y="0"/>
+          <a:chExt cx="0" cy="0"/>
+        </a:xfrm>
+      </p:grpSpPr>
+      <p:sp>
+        <p:nvSpPr>
+          <p:cNvPr id="2" name="Segnaposto data 1">
+            <a:extLst>
+              <a:ext uri="{FF2B5EF4-FFF2-40B4-BE49-F238E27FC236}">
+                <a16:creationId xmlns:a16="http://schemas.microsoft.com/office/drawing/2014/main" id="{27BE61DA-29A7-47FA-BF23-689103B54131}"/>
+              </a:ext>
+            </a:extLst>
+          </p:cNvPr>
+          <p:cNvSpPr>
+            <a:spLocks noGrp="1"/>
+          </p:cNvSpPr>
+          <p:nvPr>
+            <p:ph type="dt" sz="half" idx="10"/>
+          </p:nvPr>
+        </p:nvSpPr>
+        <p:spPr/>
+        <p:txBody>
+          <a:bodyPr/>
+          <a:lstStyle/>
+          <a:p>
+            <a:fld id="{F7E49206-D6C0-4DB1-8B49-D64BF1AB1633}" type="datetimeFigureOut">
+              <a:rPr lang="it-CH" smtClean="0"/>
+              <a:t>22.05.2019</a:t>
+            </a:fld>
+            <a:endParaRPr lang="it-CH"/>
+          </a:p>
+        </p:txBody>
+      </p:sp>
+      <p:sp>
+        <p:nvSpPr>
+          <p:cNvPr id="3" name="Segnaposto piè di pagina 2">
+            <a:extLst>
+              <a:ext uri="{FF2B5EF4-FFF2-40B4-BE49-F238E27FC236}">
+                <a16:creationId xmlns:a16="http://schemas.microsoft.com/office/drawing/2014/main" id="{4A1715B5-E989-4C3D-A8B3-C3D8C7063531}"/>
+              </a:ext>
+            </a:extLst>
+          </p:cNvPr>
+          <p:cNvSpPr>
+            <a:spLocks noGrp="1"/>
+          </p:cNvSpPr>
+          <p:nvPr>
+            <p:ph type="ftr" sz="quarter" idx="11"/>
+          </p:nvPr>
+        </p:nvSpPr>
+        <p:spPr/>
+        <p:txBody>
+          <a:bodyPr/>
+          <a:lstStyle/>
+          <a:p>
+            <a:endParaRPr lang="it-CH"/>
+          </a:p>
+        </p:txBody>
+      </p:sp>
+      <p:sp>
+        <p:nvSpPr>
+          <p:cNvPr id="4" name="Segnaposto numero diapositiva 3">
+            <a:extLst>
+              <a:ext uri="{FF2B5EF4-FFF2-40B4-BE49-F238E27FC236}">
+                <a16:creationId xmlns:a16="http://schemas.microsoft.com/office/drawing/2014/main" id="{3E356350-E98F-411B-97DE-9AD07355BEBE}"/>
+              </a:ext>
+            </a:extLst>
+          </p:cNvPr>
+          <p:cNvSpPr>
+            <a:spLocks noGrp="1"/>
+          </p:cNvSpPr>
+          <p:nvPr>
+            <p:ph type="sldNum" sz="quarter" idx="12"/>
+          </p:nvPr>
+        </p:nvSpPr>
+        <p:spPr/>
+        <p:txBody>
+          <a:bodyPr/>
+          <a:lstStyle/>
+          <a:p>
+            <a:fld id="{5DB9BA27-AEF4-4D68-AB32-9A639663B60E}" type="slidenum">
+              <a:rPr lang="it-CH" smtClean="0"/>
+              <a:t>‹N›</a:t>
+            </a:fld>
+            <a:endParaRPr lang="it-CH"/>
+          </a:p>
+        </p:txBody>
+      </p:sp>
+    </p:spTree>
+    <p:extLst>
+      <p:ext uri="{BB962C8B-B14F-4D97-AF65-F5344CB8AC3E}">
+        <p14:creationId xmlns:p14="http://schemas.microsoft.com/office/powerpoint/2010/main" val="885461415"/>
+      </p:ext>
+    </p:extLst>
+  </p:cSld>
+  <p:clrMapOvr>
+    <a:masterClrMapping/>
+  </p:clrMapOvr>
+</p:sldLayout>
+</file>
+
+<file path=ppt/slideLayouts/slideLayout8.xml><?xml version="1.0" encoding="utf-8"?>
+<p:sldLayout xmlns:a="http://schemas.openxmlformats.org/drawingml/2006/main" xmlns:r="http://schemas.openxmlformats.org/officeDocument/2006/relationships" xmlns:p="http://schemas.openxmlformats.org/presentationml/2006/main" type="objTx" preserve="1">
+  <p:cSld name="Contenuto con didascalia">
+    <p:spTree>
+      <p:nvGrpSpPr>
+        <p:cNvPr id="1" name=""/>
+        <p:cNvGrpSpPr/>
+        <p:nvPr/>
+      </p:nvGrpSpPr>
+      <p:grpSpPr>
+        <a:xfrm>
+          <a:off x="0" y="0"/>
+          <a:ext cx="0" cy="0"/>
+          <a:chOff x="0" y="0"/>
+          <a:chExt cx="0" cy="0"/>
+        </a:xfrm>
+      </p:grpSpPr>
+      <p:sp>
+        <p:nvSpPr>
+          <p:cNvPr id="2" name="Titolo 1">
+            <a:extLst>
+              <a:ext uri="{FF2B5EF4-FFF2-40B4-BE49-F238E27FC236}">
+                <a16:creationId xmlns:a16="http://schemas.microsoft.com/office/drawing/2014/main" id="{6E689D46-BCFC-40E8-991A-32C5E5AC0015}"/>
+              </a:ext>
+            </a:extLst>
+          </p:cNvPr>
+          <p:cNvSpPr>
+            <a:spLocks noGrp="1"/>
+          </p:cNvSpPr>
+          <p:nvPr>
+            <p:ph type="title"/>
+          </p:nvPr>
+        </p:nvSpPr>
+        <p:spPr>
+          <a:xfrm>
+            <a:off x="839788" y="457200"/>
+            <a:ext cx="3932237" cy="1600200"/>
+          </a:xfrm>
+        </p:spPr>
+        <p:txBody>
+          <a:bodyPr anchor="b"/>
+          <a:lstStyle>
+            <a:lvl1pPr>
+              <a:defRPr sz="3200"/>
+            </a:lvl1pPr>
+          </a:lstStyle>
+          <a:p>
+            <a:r>
+              <a:rPr lang="it-IT"/>
+              <a:t>Fare clic per modificare lo stile del titolo dello schema</a:t>
+            </a:r>
+            <a:endParaRPr lang="it-CH"/>
+          </a:p>
+        </p:txBody>
+      </p:sp>
+      <p:sp>
+        <p:nvSpPr>
+          <p:cNvPr id="3" name="Segnaposto contenuto 2">
+            <a:extLst>
+              <a:ext uri="{FF2B5EF4-FFF2-40B4-BE49-F238E27FC236}">
+                <a16:creationId xmlns:a16="http://schemas.microsoft.com/office/drawing/2014/main" id="{D6E25C3D-E4F0-480A-B959-DFBCDB0760FB}"/>
+              </a:ext>
+            </a:extLst>
+          </p:cNvPr>
+          <p:cNvSpPr>
+            <a:spLocks noGrp="1"/>
+          </p:cNvSpPr>
+          <p:nvPr>
+            <p:ph idx="1"/>
+          </p:nvPr>
+        </p:nvSpPr>
+        <p:spPr>
+          <a:xfrm>
+            <a:off x="5183188" y="987425"/>
+            <a:ext cx="6172200" cy="4873625"/>
+          </a:xfrm>
+        </p:spPr>
+        <p:txBody>
+          <a:bodyPr/>
+          <a:lstStyle>
+            <a:lvl1pPr>
+              <a:defRPr sz="3200"/>
+            </a:lvl1pPr>
+            <a:lvl2pPr>
+              <a:defRPr sz="2800"/>
+            </a:lvl2pPr>
+            <a:lvl3pPr>
+              <a:defRPr sz="2400"/>
+            </a:lvl3pPr>
+            <a:lvl4pPr>
+              <a:defRPr sz="2000"/>
+            </a:lvl4pPr>
+            <a:lvl5pPr>
+              <a:defRPr sz="2000"/>
+            </a:lvl5pPr>
+            <a:lvl6pPr>
+              <a:defRPr sz="2000"/>
+            </a:lvl6pPr>
+            <a:lvl7pPr>
+              <a:defRPr sz="2000"/>
+            </a:lvl7pPr>
+            <a:lvl8pPr>
+              <a:defRPr sz="2000"/>
+            </a:lvl8pPr>
+            <a:lvl9pPr>
+              <a:defRPr sz="2000"/>
+            </a:lvl9pPr>
+          </a:lstStyle>
+          <a:p>
+            <a:pPr lvl="0"/>
+            <a:r>
+              <a:rPr lang="it-IT"/>
+              <a:t>Modifica gli stili del testo dello schema</a:t>
+            </a:r>
+          </a:p>
+          <a:p>
+            <a:pPr lvl="1"/>
+            <a:r>
+              <a:rPr lang="it-IT"/>
+              <a:t>Secondo livello</a:t>
+            </a:r>
+          </a:p>
+          <a:p>
+            <a:pPr lvl="2"/>
+            <a:r>
+              <a:rPr lang="it-IT"/>
+              <a:t>Terzo livello</a:t>
+            </a:r>
+          </a:p>
+          <a:p>
+            <a:pPr lvl="3"/>
+            <a:r>
+              <a:rPr lang="it-IT"/>
+              <a:t>Quarto livello</a:t>
+            </a:r>
+          </a:p>
+          <a:p>
+            <a:pPr lvl="4"/>
+            <a:r>
+              <a:rPr lang="it-IT"/>
+              <a:t>Quinto livello</a:t>
+            </a:r>
+            <a:endParaRPr lang="it-CH"/>
+          </a:p>
+        </p:txBody>
+      </p:sp>
+      <p:sp>
+        <p:nvSpPr>
+          <p:cNvPr id="4" name="Segnaposto testo 3">
+            <a:extLst>
+              <a:ext uri="{FF2B5EF4-FFF2-40B4-BE49-F238E27FC236}">
+                <a16:creationId xmlns:a16="http://schemas.microsoft.com/office/drawing/2014/main" id="{A1C221CD-8471-49F9-B207-7EAB0CDDF74E}"/>
+              </a:ext>
+            </a:extLst>
+          </p:cNvPr>
+          <p:cNvSpPr>
+            <a:spLocks noGrp="1"/>
+          </p:cNvSpPr>
+          <p:nvPr>
+            <p:ph type="body" sz="half" idx="2"/>
+          </p:nvPr>
+        </p:nvSpPr>
+        <p:spPr>
+          <a:xfrm>
+            <a:off x="839788" y="2057400"/>
+            <a:ext cx="3932237" cy="3811588"/>
+          </a:xfrm>
+        </p:spPr>
+        <p:txBody>
+          <a:bodyPr/>
+          <a:lstStyle>
+            <a:lvl1pPr marL="0" indent="0">
+              <a:buNone/>
+              <a:defRPr sz="1600"/>
+            </a:lvl1pPr>
+            <a:lvl2pPr marL="457200" indent="0">
+              <a:buNone/>
+              <a:defRPr sz="1400"/>
+            </a:lvl2pPr>
+            <a:lvl3pPr marL="914400" indent="0">
+              <a:buNone/>
+              <a:defRPr sz="1200"/>
+            </a:lvl3pPr>
+            <a:lvl4pPr marL="1371600" indent="0">
+              <a:buNone/>
+              <a:defRPr sz="1000"/>
+            </a:lvl4pPr>
+            <a:lvl5pPr marL="1828800" indent="0">
+              <a:buNone/>
+              <a:defRPr sz="1000"/>
+            </a:lvl5pPr>
+            <a:lvl6pPr marL="2286000" indent="0">
+              <a:buNone/>
+              <a:defRPr sz="1000"/>
+            </a:lvl6pPr>
+            <a:lvl7pPr marL="2743200" indent="0">
+              <a:buNone/>
+              <a:defRPr sz="1000"/>
+            </a:lvl7pPr>
+            <a:lvl8pPr marL="3200400" indent="0">
+              <a:buNone/>
+              <a:defRPr sz="1000"/>
+            </a:lvl8pPr>
+            <a:lvl9pPr marL="3657600" indent="0">
+              <a:buNone/>
+              <a:defRPr sz="1000"/>
+            </a:lvl9pPr>
+          </a:lstStyle>
+          <a:p>
+            <a:pPr lvl="0"/>
+            <a:r>
+              <a:rPr lang="it-IT"/>
+              <a:t>Modifica gli stili del testo dello schema</a:t>
+            </a:r>
+          </a:p>
+        </p:txBody>
+      </p:sp>
+      <p:sp>
+        <p:nvSpPr>
+          <p:cNvPr id="5" name="Segnaposto data 4">
+            <a:extLst>
+              <a:ext uri="{FF2B5EF4-FFF2-40B4-BE49-F238E27FC236}">
+                <a16:creationId xmlns:a16="http://schemas.microsoft.com/office/drawing/2014/main" id="{72E99C0D-552E-42C3-AF87-04EB808DF9F0}"/>
+              </a:ext>
+            </a:extLst>
+          </p:cNvPr>
+          <p:cNvSpPr>
+            <a:spLocks noGrp="1"/>
+          </p:cNvSpPr>
+          <p:nvPr>
+            <p:ph type="dt" sz="half" idx="10"/>
+          </p:nvPr>
+        </p:nvSpPr>
+        <p:spPr/>
+        <p:txBody>
+          <a:bodyPr/>
+          <a:lstStyle/>
+          <a:p>
+            <a:fld id="{F7E49206-D6C0-4DB1-8B49-D64BF1AB1633}" type="datetimeFigureOut">
+              <a:rPr lang="it-CH" smtClean="0"/>
+              <a:t>22.05.2019</a:t>
+            </a:fld>
+            <a:endParaRPr lang="it-CH"/>
+          </a:p>
+        </p:txBody>
+      </p:sp>
+      <p:sp>
+        <p:nvSpPr>
+          <p:cNvPr id="6" name="Segnaposto piè di pagina 5">
+            <a:extLst>
+              <a:ext uri="{FF2B5EF4-FFF2-40B4-BE49-F238E27FC236}">
+                <a16:creationId xmlns:a16="http://schemas.microsoft.com/office/drawing/2014/main" id="{8F524880-81BD-4ECB-83F8-38AC908447BA}"/>
+              </a:ext>
+            </a:extLst>
+          </p:cNvPr>
+          <p:cNvSpPr>
+            <a:spLocks noGrp="1"/>
+          </p:cNvSpPr>
+          <p:nvPr>
+            <p:ph type="ftr" sz="quarter" idx="11"/>
+          </p:nvPr>
+        </p:nvSpPr>
+        <p:spPr/>
+        <p:txBody>
+          <a:bodyPr/>
+          <a:lstStyle/>
+          <a:p>
+            <a:endParaRPr lang="it-CH"/>
+          </a:p>
+        </p:txBody>
+      </p:sp>
+      <p:sp>
+        <p:nvSpPr>
+          <p:cNvPr id="7" name="Segnaposto numero diapositiva 6">
+            <a:extLst>
+              <a:ext uri="{FF2B5EF4-FFF2-40B4-BE49-F238E27FC236}">
+                <a16:creationId xmlns:a16="http://schemas.microsoft.com/office/drawing/2014/main" id="{020F095D-7614-4C07-AE39-8331561AC463}"/>
+              </a:ext>
+            </a:extLst>
+          </p:cNvPr>
+          <p:cNvSpPr>
+            <a:spLocks noGrp="1"/>
+          </p:cNvSpPr>
+          <p:nvPr>
+            <p:ph type="sldNum" sz="quarter" idx="12"/>
+          </p:nvPr>
+        </p:nvSpPr>
+        <p:spPr/>
+        <p:txBody>
+          <a:bodyPr/>
+          <a:lstStyle/>
+          <a:p>
+            <a:fld id="{5DB9BA27-AEF4-4D68-AB32-9A639663B60E}" type="slidenum">
+              <a:rPr lang="it-CH" smtClean="0"/>
+              <a:t>‹N›</a:t>
+            </a:fld>
+            <a:endParaRPr lang="it-CH"/>
+          </a:p>
+        </p:txBody>
+      </p:sp>
+    </p:spTree>
+    <p:extLst>
+      <p:ext uri="{BB962C8B-B14F-4D97-AF65-F5344CB8AC3E}">
+        <p14:creationId xmlns:p14="http://schemas.microsoft.com/office/powerpoint/2010/main" val="1569606639"/>
+      </p:ext>
+    </p:extLst>
+  </p:cSld>
+  <p:clrMapOvr>
+    <a:masterClrMapping/>
+  </p:clrMapOvr>
+</p:sldLayout>
+</file>
+
+<file path=ppt/slideLayouts/slideLayout9.xml><?xml version="1.0" encoding="utf-8"?>
+<p:sldLayout xmlns:a="http://schemas.openxmlformats.org/drawingml/2006/main" xmlns:r="http://schemas.openxmlformats.org/officeDocument/2006/relationships" xmlns:p="http://schemas.openxmlformats.org/presentationml/2006/main" type="picTx" preserve="1">
+  <p:cSld name="Immagine con didascalia">
+    <p:spTree>
+      <p:nvGrpSpPr>
+        <p:cNvPr id="1" name=""/>
+        <p:cNvGrpSpPr/>
+        <p:nvPr/>
+      </p:nvGrpSpPr>
+      <p:grpSpPr>
+        <a:xfrm>
+          <a:off x="0" y="0"/>
+          <a:ext cx="0" cy="0"/>
+          <a:chOff x="0" y="0"/>
+          <a:chExt cx="0" cy="0"/>
+        </a:xfrm>
+      </p:grpSpPr>
+      <p:sp>
+        <p:nvSpPr>
+          <p:cNvPr id="2" name="Titolo 1">
+            <a:extLst>
+              <a:ext uri="{FF2B5EF4-FFF2-40B4-BE49-F238E27FC236}">
+                <a16:creationId xmlns:a16="http://schemas.microsoft.com/office/drawing/2014/main" id="{8B5EB03F-B629-40F7-8812-019B534BBB1C}"/>
+              </a:ext>
+            </a:extLst>
+          </p:cNvPr>
+          <p:cNvSpPr>
+            <a:spLocks noGrp="1"/>
+          </p:cNvSpPr>
+          <p:nvPr>
+            <p:ph type="title"/>
+          </p:nvPr>
+        </p:nvSpPr>
+        <p:spPr>
+          <a:xfrm>
+            <a:off x="839788" y="457200"/>
+            <a:ext cx="3932237" cy="1600200"/>
+          </a:xfrm>
+        </p:spPr>
+        <p:txBody>
+          <a:bodyPr anchor="b"/>
+          <a:lstStyle>
+            <a:lvl1pPr>
+              <a:defRPr sz="3200"/>
+            </a:lvl1pPr>
+          </a:lstStyle>
+          <a:p>
+            <a:r>
+              <a:rPr lang="it-IT"/>
+              <a:t>Fare clic per modificare lo stile del titolo dello schema</a:t>
+            </a:r>
+            <a:endParaRPr lang="it-CH"/>
+          </a:p>
+        </p:txBody>
+      </p:sp>
+      <p:sp>
+        <p:nvSpPr>
+          <p:cNvPr id="3" name="Segnaposto immagine 2">
+            <a:extLst>
+              <a:ext uri="{FF2B5EF4-FFF2-40B4-BE49-F238E27FC236}">
+                <a16:creationId xmlns:a16="http://schemas.microsoft.com/office/drawing/2014/main" id="{A29A231C-8E8F-49B9-9DFE-A65D862161EC}"/>
+              </a:ext>
+            </a:extLst>
+          </p:cNvPr>
+          <p:cNvSpPr>
+            <a:spLocks noGrp="1"/>
+          </p:cNvSpPr>
+          <p:nvPr>
+            <p:ph type="pic" idx="1"/>
+          </p:nvPr>
+        </p:nvSpPr>
+        <p:spPr>
+          <a:xfrm>
+            <a:off x="5183188" y="987425"/>
+            <a:ext cx="6172200" cy="4873625"/>
+          </a:xfrm>
+        </p:spPr>
+        <p:txBody>
+          <a:bodyPr/>
+          <a:lstStyle>
+            <a:lvl1pPr marL="0" indent="0">
+              <a:buNone/>
+              <a:defRPr sz="3200"/>
+            </a:lvl1pPr>
+            <a:lvl2pPr marL="457200" indent="0">
+              <a:buNone/>
+              <a:defRPr sz="2800"/>
+            </a:lvl2pPr>
+            <a:lvl3pPr marL="914400" indent="0">
+              <a:buNone/>
+              <a:defRPr sz="2400"/>
+            </a:lvl3pPr>
+            <a:lvl4pPr marL="1371600" indent="0">
+              <a:buNone/>
+              <a:defRPr sz="2000"/>
+            </a:lvl4pPr>
+            <a:lvl5pPr marL="1828800" indent="0">
+              <a:buNone/>
+              <a:defRPr sz="2000"/>
+            </a:lvl5pPr>
+            <a:lvl6pPr marL="2286000" indent="0">
+              <a:buNone/>
+              <a:defRPr sz="2000"/>
+            </a:lvl6pPr>
+            <a:lvl7pPr marL="2743200" indent="0">
+              <a:buNone/>
+              <a:defRPr sz="2000"/>
+            </a:lvl7pPr>
+            <a:lvl8pPr marL="3200400" indent="0">
+              <a:buNone/>
+              <a:defRPr sz="2000"/>
+            </a:lvl8pPr>
+            <a:lvl9pPr marL="3657600" indent="0">
+              <a:buNone/>
+              <a:defRPr sz="2000"/>
+            </a:lvl9pPr>
+          </a:lstStyle>
+          <a:p>
+            <a:endParaRPr lang="it-CH"/>
+          </a:p>
+        </p:txBody>
+      </p:sp>
+      <p:sp>
+        <p:nvSpPr>
+          <p:cNvPr id="4" name="Segnaposto testo 3">
+            <a:extLst>
+              <a:ext uri="{FF2B5EF4-FFF2-40B4-BE49-F238E27FC236}">
+                <a16:creationId xmlns:a16="http://schemas.microsoft.com/office/drawing/2014/main" id="{2FEB528C-EE93-4F4A-B514-2C1164C9C20B}"/>
+              </a:ext>
+            </a:extLst>
+          </p:cNvPr>
+          <p:cNvSpPr>
+            <a:spLocks noGrp="1"/>
+          </p:cNvSpPr>
+          <p:nvPr>
+            <p:ph type="body" sz="half" idx="2"/>
+          </p:nvPr>
+        </p:nvSpPr>
+        <p:spPr>
+          <a:xfrm>
+            <a:off x="839788" y="2057400"/>
+            <a:ext cx="3932237" cy="3811588"/>
+          </a:xfrm>
+        </p:spPr>
+        <p:txBody>
+          <a:bodyPr/>
+          <a:lstStyle>
+            <a:lvl1pPr marL="0" indent="0">
+              <a:buNone/>
+              <a:defRPr sz="1600"/>
+            </a:lvl1pPr>
+            <a:lvl2pPr marL="457200" indent="0">
+              <a:buNone/>
+              <a:defRPr sz="1400"/>
+            </a:lvl2pPr>
+            <a:lvl3pPr marL="914400" indent="0">
+              <a:buNone/>
+              <a:defRPr sz="1200"/>
+            </a:lvl3pPr>
+            <a:lvl4pPr marL="1371600" indent="0">
+              <a:buNone/>
+              <a:defRPr sz="1000"/>
+            </a:lvl4pPr>
+            <a:lvl5pPr marL="1828800" indent="0">
+              <a:buNone/>
+              <a:defRPr sz="1000"/>
+            </a:lvl5pPr>
+            <a:lvl6pPr marL="2286000" indent="0">
+              <a:buNone/>
+              <a:defRPr sz="1000"/>
+            </a:lvl6pPr>
+            <a:lvl7pPr marL="2743200" indent="0">
+              <a:buNone/>
+              <a:defRPr sz="1000"/>
+            </a:lvl7pPr>
+            <a:lvl8pPr marL="3200400" indent="0">
+              <a:buNone/>
+              <a:defRPr sz="1000"/>
+            </a:lvl8pPr>
+            <a:lvl9pPr marL="3657600" indent="0">
+              <a:buNone/>
+              <a:defRPr sz="1000"/>
+            </a:lvl9pPr>
+          </a:lstStyle>
+          <a:p>
+            <a:pPr lvl="0"/>
+            <a:r>
+              <a:rPr lang="it-IT"/>
+              <a:t>Modifica gli stili del testo dello schema</a:t>
+            </a:r>
+          </a:p>
+        </p:txBody>
+      </p:sp>
+      <p:sp>
+        <p:nvSpPr>
+          <p:cNvPr id="5" name="Segnaposto data 4">
+            <a:extLst>
+              <a:ext uri="{FF2B5EF4-FFF2-40B4-BE49-F238E27FC236}">
+                <a16:creationId xmlns:a16="http://schemas.microsoft.com/office/drawing/2014/main" id="{445E7531-C0B0-462E-AE7F-00EE2BBB1A86}"/>
+              </a:ext>
+            </a:extLst>
+          </p:cNvPr>
+          <p:cNvSpPr>
+            <a:spLocks noGrp="1"/>
+          </p:cNvSpPr>
+          <p:nvPr>
+            <p:ph type="dt" sz="half" idx="10"/>
+          </p:nvPr>
+        </p:nvSpPr>
+        <p:spPr/>
+        <p:txBody>
+          <a:bodyPr/>
+          <a:lstStyle/>
+          <a:p>
+            <a:fld id="{F7E49206-D6C0-4DB1-8B49-D64BF1AB1633}" type="datetimeFigureOut">
+              <a:rPr lang="it-CH" smtClean="0"/>
+              <a:t>22.05.2019</a:t>
+            </a:fld>
+            <a:endParaRPr lang="it-CH"/>
+          </a:p>
+        </p:txBody>
+      </p:sp>
+      <p:sp>
+        <p:nvSpPr>
+          <p:cNvPr id="6" name="Segnaposto piè di pagina 5">
+            <a:extLst>
+              <a:ext uri="{FF2B5EF4-FFF2-40B4-BE49-F238E27FC236}">
+                <a16:creationId xmlns:a16="http://schemas.microsoft.com/office/drawing/2014/main" id="{EBC84074-2BEB-4AA6-966F-33445B16D821}"/>
+              </a:ext>
+            </a:extLst>
+          </p:cNvPr>
+          <p:cNvSpPr>
+            <a:spLocks noGrp="1"/>
+          </p:cNvSpPr>
+          <p:nvPr>
+            <p:ph type="ftr" sz="quarter" idx="11"/>
+          </p:nvPr>
+        </p:nvSpPr>
+        <p:spPr/>
+        <p:txBody>
+          <a:bodyPr/>
+          <a:lstStyle/>
+          <a:p>
+            <a:endParaRPr lang="it-CH"/>
+          </a:p>
+        </p:txBody>
+      </p:sp>
+      <p:sp>
+        <p:nvSpPr>
+          <p:cNvPr id="7" name="Segnaposto numero diapositiva 6">
+            <a:extLst>
+              <a:ext uri="{FF2B5EF4-FFF2-40B4-BE49-F238E27FC236}">
+                <a16:creationId xmlns:a16="http://schemas.microsoft.com/office/drawing/2014/main" id="{1117CD23-9D52-4AE9-A121-6D6F48CC2E86}"/>
+              </a:ext>
+            </a:extLst>
+          </p:cNvPr>
+          <p:cNvSpPr>
+            <a:spLocks noGrp="1"/>
+          </p:cNvSpPr>
+          <p:nvPr>
+            <p:ph type="sldNum" sz="quarter" idx="12"/>
+          </p:nvPr>
+        </p:nvSpPr>
+        <p:spPr/>
+        <p:txBody>
+          <a:bodyPr/>
+          <a:lstStyle/>
+          <a:p>
+            <a:fld id="{5DB9BA27-AEF4-4D68-AB32-9A639663B60E}" type="slidenum">
+              <a:rPr lang="it-CH" smtClean="0"/>
+              <a:t>‹N›</a:t>
+            </a:fld>
+            <a:endParaRPr lang="it-CH"/>
+          </a:p>
+        </p:txBody>
+      </p:sp>
+    </p:spTree>
+    <p:extLst>
+      <p:ext uri="{BB962C8B-B14F-4D97-AF65-F5344CB8AC3E}">
+        <p14:creationId xmlns:p14="http://schemas.microsoft.com/office/powerpoint/2010/main" val="2543226582"/>
       </p:ext>
     </p:extLst>
   </p:cSld>
@@ -3084,6 +5744,576 @@
       </p:grpSpPr>
       <p:sp>
         <p:nvSpPr>
+          <p:cNvPr id="2" name="Segnaposto titolo 1">
+            <a:extLst>
+              <a:ext uri="{FF2B5EF4-FFF2-40B4-BE49-F238E27FC236}">
+                <a16:creationId xmlns:a16="http://schemas.microsoft.com/office/drawing/2014/main" id="{2E043DBE-E511-4C09-AB86-90E49FFBEE36}"/>
+              </a:ext>
+            </a:extLst>
+          </p:cNvPr>
+          <p:cNvSpPr>
+            <a:spLocks noGrp="1"/>
+          </p:cNvSpPr>
+          <p:nvPr>
+            <p:ph type="title"/>
+          </p:nvPr>
+        </p:nvSpPr>
+        <p:spPr>
+          <a:xfrm>
+            <a:off x="838200" y="365125"/>
+            <a:ext cx="10515600" cy="1325563"/>
+          </a:xfrm>
+          <a:prstGeom prst="rect">
+            <a:avLst/>
+          </a:prstGeom>
+        </p:spPr>
+        <p:txBody>
+          <a:bodyPr vert="horz" lIns="91440" tIns="45720" rIns="91440" bIns="45720" rtlCol="0" anchor="ctr">
+            <a:normAutofit/>
+          </a:bodyPr>
+          <a:lstStyle/>
+          <a:p>
+            <a:r>
+              <a:rPr lang="it-IT"/>
+              <a:t>Fare clic per modificare lo stile del titolo dello schema</a:t>
+            </a:r>
+            <a:endParaRPr lang="it-CH"/>
+          </a:p>
+        </p:txBody>
+      </p:sp>
+      <p:sp>
+        <p:nvSpPr>
+          <p:cNvPr id="3" name="Segnaposto testo 2">
+            <a:extLst>
+              <a:ext uri="{FF2B5EF4-FFF2-40B4-BE49-F238E27FC236}">
+                <a16:creationId xmlns:a16="http://schemas.microsoft.com/office/drawing/2014/main" id="{2FC62454-4906-4CD4-824A-3DEE85864ABA}"/>
+              </a:ext>
+            </a:extLst>
+          </p:cNvPr>
+          <p:cNvSpPr>
+            <a:spLocks noGrp="1"/>
+          </p:cNvSpPr>
+          <p:nvPr>
+            <p:ph type="body" idx="1"/>
+          </p:nvPr>
+        </p:nvSpPr>
+        <p:spPr>
+          <a:xfrm>
+            <a:off x="838200" y="1825625"/>
+            <a:ext cx="10515600" cy="4351338"/>
+          </a:xfrm>
+          <a:prstGeom prst="rect">
+            <a:avLst/>
+          </a:prstGeom>
+        </p:spPr>
+        <p:txBody>
+          <a:bodyPr vert="horz" lIns="91440" tIns="45720" rIns="91440" bIns="45720" rtlCol="0">
+            <a:normAutofit/>
+          </a:bodyPr>
+          <a:lstStyle/>
+          <a:p>
+            <a:pPr lvl="0"/>
+            <a:r>
+              <a:rPr lang="it-IT"/>
+              <a:t>Modifica gli stili del testo dello schema</a:t>
+            </a:r>
+          </a:p>
+          <a:p>
+            <a:pPr lvl="1"/>
+            <a:r>
+              <a:rPr lang="it-IT"/>
+              <a:t>Secondo livello</a:t>
+            </a:r>
+          </a:p>
+          <a:p>
+            <a:pPr lvl="2"/>
+            <a:r>
+              <a:rPr lang="it-IT"/>
+              <a:t>Terzo livello</a:t>
+            </a:r>
+          </a:p>
+          <a:p>
+            <a:pPr lvl="3"/>
+            <a:r>
+              <a:rPr lang="it-IT"/>
+              <a:t>Quarto livello</a:t>
+            </a:r>
+          </a:p>
+          <a:p>
+            <a:pPr lvl="4"/>
+            <a:r>
+              <a:rPr lang="it-IT"/>
+              <a:t>Quinto livello</a:t>
+            </a:r>
+            <a:endParaRPr lang="it-CH"/>
+          </a:p>
+        </p:txBody>
+      </p:sp>
+      <p:sp>
+        <p:nvSpPr>
+          <p:cNvPr id="4" name="Segnaposto data 3">
+            <a:extLst>
+              <a:ext uri="{FF2B5EF4-FFF2-40B4-BE49-F238E27FC236}">
+                <a16:creationId xmlns:a16="http://schemas.microsoft.com/office/drawing/2014/main" id="{32583E0D-9E61-44C9-B35B-EBC1E9B9184B}"/>
+              </a:ext>
+            </a:extLst>
+          </p:cNvPr>
+          <p:cNvSpPr>
+            <a:spLocks noGrp="1"/>
+          </p:cNvSpPr>
+          <p:nvPr>
+            <p:ph type="dt" sz="half" idx="2"/>
+          </p:nvPr>
+        </p:nvSpPr>
+        <p:spPr>
+          <a:xfrm>
+            <a:off x="838200" y="6356350"/>
+            <a:ext cx="2743200" cy="365125"/>
+          </a:xfrm>
+          <a:prstGeom prst="rect">
+            <a:avLst/>
+          </a:prstGeom>
+        </p:spPr>
+        <p:txBody>
+          <a:bodyPr vert="horz" lIns="91440" tIns="45720" rIns="91440" bIns="45720" rtlCol="0" anchor="ctr"/>
+          <a:lstStyle>
+            <a:lvl1pPr algn="l">
+              <a:defRPr sz="1200">
+                <a:solidFill>
+                  <a:schemeClr val="tx1">
+                    <a:tint val="75000"/>
+                  </a:schemeClr>
+                </a:solidFill>
+              </a:defRPr>
+            </a:lvl1pPr>
+          </a:lstStyle>
+          <a:p>
+            <a:fld id="{F7E49206-D6C0-4DB1-8B49-D64BF1AB1633}" type="datetimeFigureOut">
+              <a:rPr lang="it-CH" smtClean="0"/>
+              <a:t>22.05.2019</a:t>
+            </a:fld>
+            <a:endParaRPr lang="it-CH"/>
+          </a:p>
+        </p:txBody>
+      </p:sp>
+      <p:sp>
+        <p:nvSpPr>
+          <p:cNvPr id="5" name="Segnaposto piè di pagina 4">
+            <a:extLst>
+              <a:ext uri="{FF2B5EF4-FFF2-40B4-BE49-F238E27FC236}">
+                <a16:creationId xmlns:a16="http://schemas.microsoft.com/office/drawing/2014/main" id="{9EA95E93-3474-4847-BA35-B3A87B08AA88}"/>
+              </a:ext>
+            </a:extLst>
+          </p:cNvPr>
+          <p:cNvSpPr>
+            <a:spLocks noGrp="1"/>
+          </p:cNvSpPr>
+          <p:nvPr>
+            <p:ph type="ftr" sz="quarter" idx="3"/>
+          </p:nvPr>
+        </p:nvSpPr>
+        <p:spPr>
+          <a:xfrm>
+            <a:off x="4038600" y="6356350"/>
+            <a:ext cx="4114800" cy="365125"/>
+          </a:xfrm>
+          <a:prstGeom prst="rect">
+            <a:avLst/>
+          </a:prstGeom>
+        </p:spPr>
+        <p:txBody>
+          <a:bodyPr vert="horz" lIns="91440" tIns="45720" rIns="91440" bIns="45720" rtlCol="0" anchor="ctr"/>
+          <a:lstStyle>
+            <a:lvl1pPr algn="ctr">
+              <a:defRPr sz="1200">
+                <a:solidFill>
+                  <a:schemeClr val="tx1">
+                    <a:tint val="75000"/>
+                  </a:schemeClr>
+                </a:solidFill>
+              </a:defRPr>
+            </a:lvl1pPr>
+          </a:lstStyle>
+          <a:p>
+            <a:endParaRPr lang="it-CH"/>
+          </a:p>
+        </p:txBody>
+      </p:sp>
+      <p:sp>
+        <p:nvSpPr>
+          <p:cNvPr id="6" name="Segnaposto numero diapositiva 5">
+            <a:extLst>
+              <a:ext uri="{FF2B5EF4-FFF2-40B4-BE49-F238E27FC236}">
+                <a16:creationId xmlns:a16="http://schemas.microsoft.com/office/drawing/2014/main" id="{F5C439B7-18CB-4D1F-AF29-8C66BAE316D5}"/>
+              </a:ext>
+            </a:extLst>
+          </p:cNvPr>
+          <p:cNvSpPr>
+            <a:spLocks noGrp="1"/>
+          </p:cNvSpPr>
+          <p:nvPr>
+            <p:ph type="sldNum" sz="quarter" idx="4"/>
+          </p:nvPr>
+        </p:nvSpPr>
+        <p:spPr>
+          <a:xfrm>
+            <a:off x="8610600" y="6356350"/>
+            <a:ext cx="2743200" cy="365125"/>
+          </a:xfrm>
+          <a:prstGeom prst="rect">
+            <a:avLst/>
+          </a:prstGeom>
+        </p:spPr>
+        <p:txBody>
+          <a:bodyPr vert="horz" lIns="91440" tIns="45720" rIns="91440" bIns="45720" rtlCol="0" anchor="ctr"/>
+          <a:lstStyle>
+            <a:lvl1pPr algn="r">
+              <a:defRPr sz="1200">
+                <a:solidFill>
+                  <a:schemeClr val="tx1">
+                    <a:tint val="75000"/>
+                  </a:schemeClr>
+                </a:solidFill>
+              </a:defRPr>
+            </a:lvl1pPr>
+          </a:lstStyle>
+          <a:p>
+            <a:fld id="{5DB9BA27-AEF4-4D68-AB32-9A639663B60E}" type="slidenum">
+              <a:rPr lang="it-CH" smtClean="0"/>
+              <a:t>‹N›</a:t>
+            </a:fld>
+            <a:endParaRPr lang="it-CH"/>
+          </a:p>
+        </p:txBody>
+      </p:sp>
+    </p:spTree>
+    <p:extLst>
+      <p:ext uri="{BB962C8B-B14F-4D97-AF65-F5344CB8AC3E}">
+        <p14:creationId xmlns:p14="http://schemas.microsoft.com/office/powerpoint/2010/main" val="3353445832"/>
+      </p:ext>
+    </p:extLst>
+  </p:cSld>
+  <p:clrMap bg1="lt1" tx1="dk1" bg2="lt2" tx2="dk2" accent1="accent1" accent2="accent2" accent3="accent3" accent4="accent4" accent5="accent5" accent6="accent6" hlink="hlink" folHlink="folHlink"/>
+  <p:sldLayoutIdLst>
+    <p:sldLayoutId id="2147483673" r:id="rId1"/>
+    <p:sldLayoutId id="2147483674" r:id="rId2"/>
+    <p:sldLayoutId id="2147483675" r:id="rId3"/>
+    <p:sldLayoutId id="2147483676" r:id="rId4"/>
+    <p:sldLayoutId id="2147483677" r:id="rId5"/>
+    <p:sldLayoutId id="2147483678" r:id="rId6"/>
+    <p:sldLayoutId id="2147483679" r:id="rId7"/>
+    <p:sldLayoutId id="2147483680" r:id="rId8"/>
+    <p:sldLayoutId id="2147483681" r:id="rId9"/>
+    <p:sldLayoutId id="2147483682" r:id="rId10"/>
+    <p:sldLayoutId id="2147483683" r:id="rId11"/>
+  </p:sldLayoutIdLst>
+  <p:txStyles>
+    <p:titleStyle>
+      <a:lvl1pPr algn="l" defTabSz="914400" rtl="0" eaLnBrk="1" latinLnBrk="0" hangingPunct="1">
+        <a:lnSpc>
+          <a:spcPct val="90000"/>
+        </a:lnSpc>
+        <a:spcBef>
+          <a:spcPct val="0"/>
+        </a:spcBef>
+        <a:buNone/>
+        <a:defRPr sz="4400" kern="1200">
+          <a:solidFill>
+            <a:schemeClr val="tx1"/>
+          </a:solidFill>
+          <a:latin typeface="+mj-lt"/>
+          <a:ea typeface="+mj-ea"/>
+          <a:cs typeface="+mj-cs"/>
+        </a:defRPr>
+      </a:lvl1pPr>
+    </p:titleStyle>
+    <p:bodyStyle>
+      <a:lvl1pPr marL="228600" indent="-228600" algn="l" defTabSz="914400" rtl="0" eaLnBrk="1" latinLnBrk="0" hangingPunct="1">
+        <a:lnSpc>
+          <a:spcPct val="90000"/>
+        </a:lnSpc>
+        <a:spcBef>
+          <a:spcPts val="1000"/>
+        </a:spcBef>
+        <a:buFont typeface="Arial" panose="020B0604020202020204" pitchFamily="34" charset="0"/>
+        <a:buChar char="•"/>
+        <a:defRPr sz="2800" kern="1200">
+          <a:solidFill>
+            <a:schemeClr val="tx1"/>
+          </a:solidFill>
+          <a:latin typeface="+mn-lt"/>
+          <a:ea typeface="+mn-ea"/>
+          <a:cs typeface="+mn-cs"/>
+        </a:defRPr>
+      </a:lvl1pPr>
+      <a:lvl2pPr marL="685800" indent="-228600" algn="l" defTabSz="914400" rtl="0" eaLnBrk="1" latinLnBrk="0" hangingPunct="1">
+        <a:lnSpc>
+          <a:spcPct val="90000"/>
+        </a:lnSpc>
+        <a:spcBef>
+          <a:spcPts val="500"/>
+        </a:spcBef>
+        <a:buFont typeface="Arial" panose="020B0604020202020204" pitchFamily="34" charset="0"/>
+        <a:buChar char="•"/>
+        <a:defRPr sz="2400" kern="1200">
+          <a:solidFill>
+            <a:schemeClr val="tx1"/>
+          </a:solidFill>
+          <a:latin typeface="+mn-lt"/>
+          <a:ea typeface="+mn-ea"/>
+          <a:cs typeface="+mn-cs"/>
+        </a:defRPr>
+      </a:lvl2pPr>
+      <a:lvl3pPr marL="1143000" indent="-228600" algn="l" defTabSz="914400" rtl="0" eaLnBrk="1" latinLnBrk="0" hangingPunct="1">
+        <a:lnSpc>
+          <a:spcPct val="90000"/>
+        </a:lnSpc>
+        <a:spcBef>
+          <a:spcPts val="500"/>
+        </a:spcBef>
+        <a:buFont typeface="Arial" panose="020B0604020202020204" pitchFamily="34" charset="0"/>
+        <a:buChar char="•"/>
+        <a:defRPr sz="2000" kern="1200">
+          <a:solidFill>
+            <a:schemeClr val="tx1"/>
+          </a:solidFill>
+          <a:latin typeface="+mn-lt"/>
+          <a:ea typeface="+mn-ea"/>
+          <a:cs typeface="+mn-cs"/>
+        </a:defRPr>
+      </a:lvl3pPr>
+      <a:lvl4pPr marL="1600200" indent="-228600" algn="l" defTabSz="914400" rtl="0" eaLnBrk="1" latinLnBrk="0" hangingPunct="1">
+        <a:lnSpc>
+          <a:spcPct val="90000"/>
+        </a:lnSpc>
+        <a:spcBef>
+          <a:spcPts val="500"/>
+        </a:spcBef>
+        <a:buFont typeface="Arial" panose="020B0604020202020204" pitchFamily="34" charset="0"/>
+        <a:buChar char="•"/>
+        <a:defRPr sz="1800" kern="1200">
+          <a:solidFill>
+            <a:schemeClr val="tx1"/>
+          </a:solidFill>
+          <a:latin typeface="+mn-lt"/>
+          <a:ea typeface="+mn-ea"/>
+          <a:cs typeface="+mn-cs"/>
+        </a:defRPr>
+      </a:lvl4pPr>
+      <a:lvl5pPr marL="2057400" indent="-228600" algn="l" defTabSz="914400" rtl="0" eaLnBrk="1" latinLnBrk="0" hangingPunct="1">
+        <a:lnSpc>
+          <a:spcPct val="90000"/>
+        </a:lnSpc>
+        <a:spcBef>
+          <a:spcPts val="500"/>
+        </a:spcBef>
+        <a:buFont typeface="Arial" panose="020B0604020202020204" pitchFamily="34" charset="0"/>
+        <a:buChar char="•"/>
+        <a:defRPr sz="1800" kern="1200">
+          <a:solidFill>
+            <a:schemeClr val="tx1"/>
+          </a:solidFill>
+          <a:latin typeface="+mn-lt"/>
+          <a:ea typeface="+mn-ea"/>
+          <a:cs typeface="+mn-cs"/>
+        </a:defRPr>
+      </a:lvl5pPr>
+      <a:lvl6pPr marL="2514600" indent="-228600" algn="l" defTabSz="914400" rtl="0" eaLnBrk="1" latinLnBrk="0" hangingPunct="1">
+        <a:lnSpc>
+          <a:spcPct val="90000"/>
+        </a:lnSpc>
+        <a:spcBef>
+          <a:spcPts val="500"/>
+        </a:spcBef>
+        <a:buFont typeface="Arial" panose="020B0604020202020204" pitchFamily="34" charset="0"/>
+        <a:buChar char="•"/>
+        <a:defRPr sz="1800" kern="1200">
+          <a:solidFill>
+            <a:schemeClr val="tx1"/>
+          </a:solidFill>
+          <a:latin typeface="+mn-lt"/>
+          <a:ea typeface="+mn-ea"/>
+          <a:cs typeface="+mn-cs"/>
+        </a:defRPr>
+      </a:lvl6pPr>
+      <a:lvl7pPr marL="2971800" indent="-228600" algn="l" defTabSz="914400" rtl="0" eaLnBrk="1" latinLnBrk="0" hangingPunct="1">
+        <a:lnSpc>
+          <a:spcPct val="90000"/>
+        </a:lnSpc>
+        <a:spcBef>
+          <a:spcPts val="500"/>
+        </a:spcBef>
+        <a:buFont typeface="Arial" panose="020B0604020202020204" pitchFamily="34" charset="0"/>
+        <a:buChar char="•"/>
+        <a:defRPr sz="1800" kern="1200">
+          <a:solidFill>
+            <a:schemeClr val="tx1"/>
+          </a:solidFill>
+          <a:latin typeface="+mn-lt"/>
+          <a:ea typeface="+mn-ea"/>
+          <a:cs typeface="+mn-cs"/>
+        </a:defRPr>
+      </a:lvl7pPr>
+      <a:lvl8pPr marL="3429000" indent="-228600" algn="l" defTabSz="914400" rtl="0" eaLnBrk="1" latinLnBrk="0" hangingPunct="1">
+        <a:lnSpc>
+          <a:spcPct val="90000"/>
+        </a:lnSpc>
+        <a:spcBef>
+          <a:spcPts val="500"/>
+        </a:spcBef>
+        <a:buFont typeface="Arial" panose="020B0604020202020204" pitchFamily="34" charset="0"/>
+        <a:buChar char="•"/>
+        <a:defRPr sz="1800" kern="1200">
+          <a:solidFill>
+            <a:schemeClr val="tx1"/>
+          </a:solidFill>
+          <a:latin typeface="+mn-lt"/>
+          <a:ea typeface="+mn-ea"/>
+          <a:cs typeface="+mn-cs"/>
+        </a:defRPr>
+      </a:lvl8pPr>
+      <a:lvl9pPr marL="3886200" indent="-228600" algn="l" defTabSz="914400" rtl="0" eaLnBrk="1" latinLnBrk="0" hangingPunct="1">
+        <a:lnSpc>
+          <a:spcPct val="90000"/>
+        </a:lnSpc>
+        <a:spcBef>
+          <a:spcPts val="500"/>
+        </a:spcBef>
+        <a:buFont typeface="Arial" panose="020B0604020202020204" pitchFamily="34" charset="0"/>
+        <a:buChar char="•"/>
+        <a:defRPr sz="1800" kern="1200">
+          <a:solidFill>
+            <a:schemeClr val="tx1"/>
+          </a:solidFill>
+          <a:latin typeface="+mn-lt"/>
+          <a:ea typeface="+mn-ea"/>
+          <a:cs typeface="+mn-cs"/>
+        </a:defRPr>
+      </a:lvl9pPr>
+    </p:bodyStyle>
+    <p:otherStyle>
+      <a:defPPr>
+        <a:defRPr lang="it-CH"/>
+      </a:defPPr>
+      <a:lvl1pPr marL="0" algn="l" defTabSz="914400" rtl="0" eaLnBrk="1" latinLnBrk="0" hangingPunct="1">
+        <a:defRPr sz="1800" kern="1200">
+          <a:solidFill>
+            <a:schemeClr val="tx1"/>
+          </a:solidFill>
+          <a:latin typeface="+mn-lt"/>
+          <a:ea typeface="+mn-ea"/>
+          <a:cs typeface="+mn-cs"/>
+        </a:defRPr>
+      </a:lvl1pPr>
+      <a:lvl2pPr marL="457200" algn="l" defTabSz="914400" rtl="0" eaLnBrk="1" latinLnBrk="0" hangingPunct="1">
+        <a:defRPr sz="1800" kern="1200">
+          <a:solidFill>
+            <a:schemeClr val="tx1"/>
+          </a:solidFill>
+          <a:latin typeface="+mn-lt"/>
+          <a:ea typeface="+mn-ea"/>
+          <a:cs typeface="+mn-cs"/>
+        </a:defRPr>
+      </a:lvl2pPr>
+      <a:lvl3pPr marL="914400" algn="l" defTabSz="914400" rtl="0" eaLnBrk="1" latinLnBrk="0" hangingPunct="1">
+        <a:defRPr sz="1800" kern="1200">
+          <a:solidFill>
+            <a:schemeClr val="tx1"/>
+          </a:solidFill>
+          <a:latin typeface="+mn-lt"/>
+          <a:ea typeface="+mn-ea"/>
+          <a:cs typeface="+mn-cs"/>
+        </a:defRPr>
+      </a:lvl3pPr>
+      <a:lvl4pPr marL="1371600" algn="l" defTabSz="914400" rtl="0" eaLnBrk="1" latinLnBrk="0" hangingPunct="1">
+        <a:defRPr sz="1800" kern="1200">
+          <a:solidFill>
+            <a:schemeClr val="tx1"/>
+          </a:solidFill>
+          <a:latin typeface="+mn-lt"/>
+          <a:ea typeface="+mn-ea"/>
+          <a:cs typeface="+mn-cs"/>
+        </a:defRPr>
+      </a:lvl4pPr>
+      <a:lvl5pPr marL="1828800" algn="l" defTabSz="914400" rtl="0" eaLnBrk="1" latinLnBrk="0" hangingPunct="1">
+        <a:defRPr sz="1800" kern="1200">
+          <a:solidFill>
+            <a:schemeClr val="tx1"/>
+          </a:solidFill>
+          <a:latin typeface="+mn-lt"/>
+          <a:ea typeface="+mn-ea"/>
+          <a:cs typeface="+mn-cs"/>
+        </a:defRPr>
+      </a:lvl5pPr>
+      <a:lvl6pPr marL="2286000" algn="l" defTabSz="914400" rtl="0" eaLnBrk="1" latinLnBrk="0" hangingPunct="1">
+        <a:defRPr sz="1800" kern="1200">
+          <a:solidFill>
+            <a:schemeClr val="tx1"/>
+          </a:solidFill>
+          <a:latin typeface="+mn-lt"/>
+          <a:ea typeface="+mn-ea"/>
+          <a:cs typeface="+mn-cs"/>
+        </a:defRPr>
+      </a:lvl6pPr>
+      <a:lvl7pPr marL="2743200" algn="l" defTabSz="914400" rtl="0" eaLnBrk="1" latinLnBrk="0" hangingPunct="1">
+        <a:defRPr sz="1800" kern="1200">
+          <a:solidFill>
+            <a:schemeClr val="tx1"/>
+          </a:solidFill>
+          <a:latin typeface="+mn-lt"/>
+          <a:ea typeface="+mn-ea"/>
+          <a:cs typeface="+mn-cs"/>
+        </a:defRPr>
+      </a:lvl7pPr>
+      <a:lvl8pPr marL="3200400" algn="l" defTabSz="914400" rtl="0" eaLnBrk="1" latinLnBrk="0" hangingPunct="1">
+        <a:defRPr sz="1800" kern="1200">
+          <a:solidFill>
+            <a:schemeClr val="tx1"/>
+          </a:solidFill>
+          <a:latin typeface="+mn-lt"/>
+          <a:ea typeface="+mn-ea"/>
+          <a:cs typeface="+mn-cs"/>
+        </a:defRPr>
+      </a:lvl8pPr>
+      <a:lvl9pPr marL="3657600" algn="l" defTabSz="914400" rtl="0" eaLnBrk="1" latinLnBrk="0" hangingPunct="1">
+        <a:defRPr sz="1800" kern="1200">
+          <a:solidFill>
+            <a:schemeClr val="tx1"/>
+          </a:solidFill>
+          <a:latin typeface="+mn-lt"/>
+          <a:ea typeface="+mn-ea"/>
+          <a:cs typeface="+mn-cs"/>
+        </a:defRPr>
+      </a:lvl9pPr>
+    </p:otherStyle>
+  </p:txStyles>
+</p:sldMaster>
+</file>
+
+<file path=ppt/slideMasters/slideMaster2.xml><?xml version="1.0" encoding="utf-8"?>
+<p:sldMaster xmlns:a="http://schemas.openxmlformats.org/drawingml/2006/main" xmlns:r="http://schemas.openxmlformats.org/officeDocument/2006/relationships" xmlns:p="http://schemas.openxmlformats.org/presentationml/2006/main">
+  <p:cSld>
+    <p:bg>
+      <p:bgRef idx="1001">
+        <a:schemeClr val="bg1"/>
+      </p:bgRef>
+    </p:bg>
+    <p:spTree>
+      <p:nvGrpSpPr>
+        <p:cNvPr id="1" name=""/>
+        <p:cNvGrpSpPr/>
+        <p:nvPr/>
+      </p:nvGrpSpPr>
+      <p:grpSpPr>
+        <a:xfrm>
+          <a:off x="0" y="0"/>
+          <a:ext cx="0" cy="0"/>
+          <a:chOff x="0" y="0"/>
+          <a:chExt cx="0" cy="0"/>
+        </a:xfrm>
+      </p:grpSpPr>
+      <p:sp>
+        <p:nvSpPr>
           <p:cNvPr id="7" name="Rectangle 6"/>
           <p:cNvSpPr/>
           <p:nvPr/>
@@ -3286,7 +6516,7 @@
           <a:p>
             <a:fld id="{F7E49206-D6C0-4DB1-8B49-D64BF1AB1633}" type="datetimeFigureOut">
               <a:rPr lang="it-CH" smtClean="0"/>
-              <a:t>17.05.2019</a:t>
+              <a:t>22.05.2019</a:t>
             </a:fld>
             <a:endParaRPr lang="it-CH"/>
           </a:p>
@@ -3407,23 +6637,23 @@
     </p:spTree>
     <p:extLst>
       <p:ext uri="{BB962C8B-B14F-4D97-AF65-F5344CB8AC3E}">
-        <p14:creationId xmlns:p14="http://schemas.microsoft.com/office/powerpoint/2010/main" val="170411342"/>
+        <p14:creationId xmlns:p14="http://schemas.microsoft.com/office/powerpoint/2010/main" val="3839033942"/>
       </p:ext>
     </p:extLst>
   </p:cSld>
   <p:clrMap bg1="lt1" tx1="dk1" bg2="lt2" tx2="dk2" accent1="accent1" accent2="accent2" accent3="accent3" accent4="accent4" accent5="accent5" accent6="accent6" hlink="hlink" folHlink="folHlink"/>
   <p:sldLayoutIdLst>
-    <p:sldLayoutId id="2147483661" r:id="rId1"/>
-    <p:sldLayoutId id="2147483662" r:id="rId2"/>
-    <p:sldLayoutId id="2147483663" r:id="rId3"/>
-    <p:sldLayoutId id="2147483664" r:id="rId4"/>
-    <p:sldLayoutId id="2147483665" r:id="rId5"/>
-    <p:sldLayoutId id="2147483666" r:id="rId6"/>
-    <p:sldLayoutId id="2147483667" r:id="rId7"/>
-    <p:sldLayoutId id="2147483668" r:id="rId8"/>
-    <p:sldLayoutId id="2147483669" r:id="rId9"/>
-    <p:sldLayoutId id="2147483670" r:id="rId10"/>
-    <p:sldLayoutId id="2147483671" r:id="rId11"/>
+    <p:sldLayoutId id="2147483685" r:id="rId1"/>
+    <p:sldLayoutId id="2147483686" r:id="rId2"/>
+    <p:sldLayoutId id="2147483687" r:id="rId3"/>
+    <p:sldLayoutId id="2147483688" r:id="rId4"/>
+    <p:sldLayoutId id="2147483689" r:id="rId5"/>
+    <p:sldLayoutId id="2147483690" r:id="rId6"/>
+    <p:sldLayoutId id="2147483691" r:id="rId7"/>
+    <p:sldLayoutId id="2147483692" r:id="rId8"/>
+    <p:sldLayoutId id="2147483693" r:id="rId9"/>
+    <p:sldLayoutId id="2147483694" r:id="rId10"/>
+    <p:sldLayoutId id="2147483695" r:id="rId11"/>
   </p:sldLayoutIdLst>
   <p:txStyles>
     <p:titleStyle>
@@ -3911,6 +7141,520 @@
 </p:sld>
 </file>
 
+<file path=ppt/slides/slide10.xml><?xml version="1.0" encoding="utf-8"?>
+<p:sld xmlns:a="http://schemas.openxmlformats.org/drawingml/2006/main" xmlns:r="http://schemas.openxmlformats.org/officeDocument/2006/relationships" xmlns:p="http://schemas.openxmlformats.org/presentationml/2006/main">
+  <p:cSld>
+    <p:spTree>
+      <p:nvGrpSpPr>
+        <p:cNvPr id="1" name=""/>
+        <p:cNvGrpSpPr/>
+        <p:nvPr/>
+      </p:nvGrpSpPr>
+      <p:grpSpPr>
+        <a:xfrm>
+          <a:off x="0" y="0"/>
+          <a:ext cx="0" cy="0"/>
+          <a:chOff x="0" y="0"/>
+          <a:chExt cx="0" cy="0"/>
+        </a:xfrm>
+      </p:grpSpPr>
+      <p:sp>
+        <p:nvSpPr>
+          <p:cNvPr id="2" name="Titolo 1">
+            <a:extLst>
+              <a:ext uri="{FF2B5EF4-FFF2-40B4-BE49-F238E27FC236}">
+                <a16:creationId xmlns:a16="http://schemas.microsoft.com/office/drawing/2014/main" id="{1B67CCBC-3FC1-4DCE-8078-4F7C03F81E50}"/>
+              </a:ext>
+            </a:extLst>
+          </p:cNvPr>
+          <p:cNvSpPr>
+            <a:spLocks noGrp="1"/>
+          </p:cNvSpPr>
+          <p:nvPr>
+            <p:ph type="title"/>
+          </p:nvPr>
+        </p:nvSpPr>
+        <p:spPr/>
+        <p:txBody>
+          <a:bodyPr/>
+          <a:lstStyle/>
+          <a:p>
+            <a:r>
+              <a:rPr lang="it-CH" dirty="0"/>
+              <a:t>Implementazione</a:t>
+            </a:r>
+          </a:p>
+        </p:txBody>
+      </p:sp>
+      <p:sp>
+        <p:nvSpPr>
+          <p:cNvPr id="3" name="Segnaposto contenuto 2">
+            <a:extLst>
+              <a:ext uri="{FF2B5EF4-FFF2-40B4-BE49-F238E27FC236}">
+                <a16:creationId xmlns:a16="http://schemas.microsoft.com/office/drawing/2014/main" id="{8707E53E-2B89-4C32-9F19-819B3966186C}"/>
+              </a:ext>
+            </a:extLst>
+          </p:cNvPr>
+          <p:cNvSpPr>
+            <a:spLocks noGrp="1"/>
+          </p:cNvSpPr>
+          <p:nvPr>
+            <p:ph idx="1"/>
+          </p:nvPr>
+        </p:nvSpPr>
+        <p:spPr/>
+        <p:txBody>
+          <a:bodyPr>
+            <a:normAutofit/>
+          </a:bodyPr>
+          <a:lstStyle/>
+          <a:p>
+            <a:endParaRPr lang="it-CH" sz="2800" dirty="0"/>
+          </a:p>
+          <a:p>
+            <a:r>
+              <a:rPr lang="it-CH" sz="2800" dirty="0"/>
+              <a:t>Il Word Clock è realizzato con Arduino</a:t>
+            </a:r>
+          </a:p>
+          <a:p>
+            <a:r>
+              <a:rPr lang="it-CH" sz="2800" dirty="0"/>
+              <a:t>Tutto viene gestito in un file</a:t>
+            </a:r>
+          </a:p>
+          <a:p>
+            <a:r>
+              <a:rPr lang="it-CH" sz="2800" dirty="0"/>
+              <a:t>Principalmente costrutti «</a:t>
+            </a:r>
+            <a:r>
+              <a:rPr lang="it-CH" sz="2800" dirty="0" err="1"/>
+              <a:t>if</a:t>
+            </a:r>
+            <a:r>
+              <a:rPr lang="it-CH" sz="2800" dirty="0"/>
+              <a:t>…else </a:t>
+            </a:r>
+            <a:r>
+              <a:rPr lang="it-CH" sz="2800" dirty="0" err="1"/>
+              <a:t>if</a:t>
+            </a:r>
+            <a:r>
+              <a:rPr lang="it-CH" sz="2800" dirty="0"/>
+              <a:t>…else»</a:t>
+            </a:r>
+          </a:p>
+        </p:txBody>
+      </p:sp>
+    </p:spTree>
+    <p:extLst>
+      <p:ext uri="{BB962C8B-B14F-4D97-AF65-F5344CB8AC3E}">
+        <p14:creationId xmlns:p14="http://schemas.microsoft.com/office/powerpoint/2010/main" val="2320363105"/>
+      </p:ext>
+    </p:extLst>
+  </p:cSld>
+  <p:clrMapOvr>
+    <a:masterClrMapping/>
+  </p:clrMapOvr>
+</p:sld>
+</file>
+
+<file path=ppt/slides/slide11.xml><?xml version="1.0" encoding="utf-8"?>
+<p:sld xmlns:a="http://schemas.openxmlformats.org/drawingml/2006/main" xmlns:r="http://schemas.openxmlformats.org/officeDocument/2006/relationships" xmlns:p="http://schemas.openxmlformats.org/presentationml/2006/main">
+  <p:cSld>
+    <p:bg>
+      <p:bgPr>
+        <a:solidFill>
+          <a:schemeClr val="bg1"/>
+        </a:solidFill>
+        <a:effectLst/>
+      </p:bgPr>
+    </p:bg>
+    <p:spTree>
+      <p:nvGrpSpPr>
+        <p:cNvPr id="1" name=""/>
+        <p:cNvGrpSpPr/>
+        <p:nvPr/>
+      </p:nvGrpSpPr>
+      <p:grpSpPr>
+        <a:xfrm>
+          <a:off x="0" y="0"/>
+          <a:ext cx="0" cy="0"/>
+          <a:chOff x="0" y="0"/>
+          <a:chExt cx="0" cy="0"/>
+        </a:xfrm>
+      </p:grpSpPr>
+      <p:sp>
+        <p:nvSpPr>
+          <p:cNvPr id="2" name="Titolo 1">
+            <a:extLst>
+              <a:ext uri="{FF2B5EF4-FFF2-40B4-BE49-F238E27FC236}">
+                <a16:creationId xmlns:a16="http://schemas.microsoft.com/office/drawing/2014/main" id="{A0E1236B-2064-4237-89A2-087FB750BD0A}"/>
+              </a:ext>
+            </a:extLst>
+          </p:cNvPr>
+          <p:cNvSpPr>
+            <a:spLocks noGrp="1"/>
+          </p:cNvSpPr>
+          <p:nvPr>
+            <p:ph type="title"/>
+          </p:nvPr>
+        </p:nvSpPr>
+        <p:spPr>
+          <a:xfrm>
+            <a:off x="1097280" y="286603"/>
+            <a:ext cx="10058400" cy="1450757"/>
+          </a:xfrm>
+        </p:spPr>
+        <p:txBody>
+          <a:bodyPr>
+            <a:normAutofit/>
+          </a:bodyPr>
+          <a:lstStyle/>
+          <a:p>
+            <a:r>
+              <a:rPr lang="it-CH" dirty="0"/>
+              <a:t>Ore investite</a:t>
+            </a:r>
+          </a:p>
+        </p:txBody>
+      </p:sp>
+      <p:sp>
+        <p:nvSpPr>
+          <p:cNvPr id="3" name="Segnaposto contenuto 2">
+            <a:extLst>
+              <a:ext uri="{FF2B5EF4-FFF2-40B4-BE49-F238E27FC236}">
+                <a16:creationId xmlns:a16="http://schemas.microsoft.com/office/drawing/2014/main" id="{6B4AE4BC-1A2B-4811-9E56-438C5D2EAFC3}"/>
+              </a:ext>
+            </a:extLst>
+          </p:cNvPr>
+          <p:cNvSpPr>
+            <a:spLocks noGrp="1"/>
+          </p:cNvSpPr>
+          <p:nvPr>
+            <p:ph idx="1"/>
+          </p:nvPr>
+        </p:nvSpPr>
+        <p:spPr>
+          <a:xfrm>
+            <a:off x="1097279" y="1845734"/>
+            <a:ext cx="6454987" cy="4023360"/>
+          </a:xfrm>
+        </p:spPr>
+        <p:txBody>
+          <a:bodyPr>
+            <a:normAutofit/>
+          </a:bodyPr>
+          <a:lstStyle/>
+          <a:p>
+            <a:endParaRPr lang="it-CH" dirty="0"/>
+          </a:p>
+          <a:p>
+            <a:r>
+              <a:rPr lang="it-CH"/>
+              <a:t>Circa 80 ore in classe</a:t>
+            </a:r>
+          </a:p>
+          <a:p>
+            <a:r>
+              <a:rPr lang="it-CH"/>
+              <a:t>Circa 5 ore a casa</a:t>
+            </a:r>
+          </a:p>
+          <a:p>
+            <a:r>
+              <a:rPr lang="it-CH"/>
+              <a:t>50% del tempo per l’implementazione</a:t>
+            </a:r>
+          </a:p>
+          <a:p>
+            <a:r>
+              <a:rPr lang="it-CH"/>
+              <a:t>50% del tempo per il resto</a:t>
+            </a:r>
+          </a:p>
+        </p:txBody>
+      </p:sp>
+      <p:pic>
+        <p:nvPicPr>
+          <p:cNvPr id="4" name="Picture 6" descr="Related image">
+            <a:extLst>
+              <a:ext uri="{FF2B5EF4-FFF2-40B4-BE49-F238E27FC236}">
+                <a16:creationId xmlns:a16="http://schemas.microsoft.com/office/drawing/2014/main" id="{9BC8B7EE-D791-45C7-82A4-489C80C224F0}"/>
+              </a:ext>
+            </a:extLst>
+          </p:cNvPr>
+          <p:cNvPicPr>
+            <a:picLocks noChangeAspect="1" noChangeArrowheads="1"/>
+          </p:cNvPicPr>
+          <p:nvPr/>
+        </p:nvPicPr>
+        <p:blipFill>
+          <a:blip r:embed="rId2">
+            <a:extLst>
+              <a:ext uri="{28A0092B-C50C-407E-A947-70E740481C1C}">
+                <a14:useLocalDpi xmlns:a14="http://schemas.microsoft.com/office/drawing/2010/main" val="0"/>
+              </a:ext>
+            </a:extLst>
+          </a:blip>
+          <a:stretch>
+            <a:fillRect/>
+          </a:stretch>
+        </p:blipFill>
+        <p:spPr bwMode="auto">
+          <a:xfrm>
+            <a:off x="8020570" y="2084269"/>
+            <a:ext cx="3135109" cy="3135109"/>
+          </a:xfrm>
+          <a:prstGeom prst="rect">
+            <a:avLst/>
+          </a:prstGeom>
+          <a:noFill/>
+          <a:extLst>
+            <a:ext uri="{909E8E84-426E-40DD-AFC4-6F175D3DCCD1}">
+              <a14:hiddenFill xmlns:a14="http://schemas.microsoft.com/office/drawing/2010/main">
+                <a:solidFill>
+                  <a:srgbClr val="FFFFFF"/>
+                </a:solidFill>
+              </a14:hiddenFill>
+            </a:ext>
+          </a:extLst>
+        </p:spPr>
+      </p:pic>
+    </p:spTree>
+    <p:extLst>
+      <p:ext uri="{BB962C8B-B14F-4D97-AF65-F5344CB8AC3E}">
+        <p14:creationId xmlns:p14="http://schemas.microsoft.com/office/powerpoint/2010/main" val="4046246225"/>
+      </p:ext>
+    </p:extLst>
+  </p:cSld>
+  <p:clrMapOvr>
+    <a:masterClrMapping/>
+  </p:clrMapOvr>
+</p:sld>
+</file>
+
+<file path=ppt/slides/slide12.xml><?xml version="1.0" encoding="utf-8"?>
+<p:sld xmlns:a="http://schemas.openxmlformats.org/drawingml/2006/main" xmlns:r="http://schemas.openxmlformats.org/officeDocument/2006/relationships" xmlns:p="http://schemas.openxmlformats.org/presentationml/2006/main">
+  <p:cSld>
+    <p:spTree>
+      <p:nvGrpSpPr>
+        <p:cNvPr id="1" name=""/>
+        <p:cNvGrpSpPr/>
+        <p:nvPr/>
+      </p:nvGrpSpPr>
+      <p:grpSpPr>
+        <a:xfrm>
+          <a:off x="0" y="0"/>
+          <a:ext cx="0" cy="0"/>
+          <a:chOff x="0" y="0"/>
+          <a:chExt cx="0" cy="0"/>
+        </a:xfrm>
+      </p:grpSpPr>
+      <p:sp>
+        <p:nvSpPr>
+          <p:cNvPr id="2" name="Titolo 1">
+            <a:extLst>
+              <a:ext uri="{FF2B5EF4-FFF2-40B4-BE49-F238E27FC236}">
+                <a16:creationId xmlns:a16="http://schemas.microsoft.com/office/drawing/2014/main" id="{A903AAEA-4EDE-4522-BC69-16A321578215}"/>
+              </a:ext>
+            </a:extLst>
+          </p:cNvPr>
+          <p:cNvSpPr>
+            <a:spLocks noGrp="1"/>
+          </p:cNvSpPr>
+          <p:nvPr>
+            <p:ph type="title"/>
+          </p:nvPr>
+        </p:nvSpPr>
+        <p:spPr/>
+        <p:txBody>
+          <a:bodyPr/>
+          <a:lstStyle/>
+          <a:p>
+            <a:r>
+              <a:rPr lang="it-CH" dirty="0"/>
+              <a:t>Mancanza nel prodotto	</a:t>
+            </a:r>
+          </a:p>
+        </p:txBody>
+      </p:sp>
+      <p:sp>
+        <p:nvSpPr>
+          <p:cNvPr id="3" name="Segnaposto contenuto 2">
+            <a:extLst>
+              <a:ext uri="{FF2B5EF4-FFF2-40B4-BE49-F238E27FC236}">
+                <a16:creationId xmlns:a16="http://schemas.microsoft.com/office/drawing/2014/main" id="{16AC750B-AF08-46AF-8654-4175F2CFDE2A}"/>
+              </a:ext>
+            </a:extLst>
+          </p:cNvPr>
+          <p:cNvSpPr>
+            <a:spLocks noGrp="1"/>
+          </p:cNvSpPr>
+          <p:nvPr>
+            <p:ph idx="1"/>
+          </p:nvPr>
+        </p:nvSpPr>
+        <p:spPr/>
+        <p:txBody>
+          <a:bodyPr>
+            <a:normAutofit/>
+          </a:bodyPr>
+          <a:lstStyle/>
+          <a:p>
+            <a:pPr marL="0" indent="0">
+              <a:buNone/>
+            </a:pPr>
+            <a:endParaRPr lang="it-CH" sz="2800" dirty="0"/>
+          </a:p>
+          <a:p>
+            <a:pPr marL="0" indent="0">
+              <a:buNone/>
+            </a:pPr>
+            <a:r>
+              <a:rPr lang="it-CH" sz="2800" dirty="0"/>
+              <a:t>Controllo tramite bottoni</a:t>
+            </a:r>
+          </a:p>
+        </p:txBody>
+      </p:sp>
+      <p:pic>
+        <p:nvPicPr>
+          <p:cNvPr id="5" name="Immagine 4">
+            <a:extLst>
+              <a:ext uri="{FF2B5EF4-FFF2-40B4-BE49-F238E27FC236}">
+                <a16:creationId xmlns:a16="http://schemas.microsoft.com/office/drawing/2014/main" id="{9044D5C4-CFF5-4430-9D77-036F7B0B3C78}"/>
+              </a:ext>
+            </a:extLst>
+          </p:cNvPr>
+          <p:cNvPicPr>
+            <a:picLocks noChangeAspect="1"/>
+          </p:cNvPicPr>
+          <p:nvPr/>
+        </p:nvPicPr>
+        <p:blipFill rotWithShape="1">
+          <a:blip r:embed="rId2">
+            <a:extLst>
+              <a:ext uri="{28A0092B-C50C-407E-A947-70E740481C1C}">
+                <a14:useLocalDpi xmlns:a14="http://schemas.microsoft.com/office/drawing/2010/main" val="0"/>
+              </a:ext>
+            </a:extLst>
+          </a:blip>
+          <a:srcRect t="14420" b="14420"/>
+          <a:stretch/>
+        </p:blipFill>
+        <p:spPr>
+          <a:xfrm>
+            <a:off x="6411829" y="2241773"/>
+            <a:ext cx="3823034" cy="3627321"/>
+          </a:xfrm>
+          <a:prstGeom prst="rect">
+            <a:avLst/>
+          </a:prstGeom>
+        </p:spPr>
+      </p:pic>
+    </p:spTree>
+    <p:extLst>
+      <p:ext uri="{BB962C8B-B14F-4D97-AF65-F5344CB8AC3E}">
+        <p14:creationId xmlns:p14="http://schemas.microsoft.com/office/powerpoint/2010/main" val="757566093"/>
+      </p:ext>
+    </p:extLst>
+  </p:cSld>
+  <p:clrMapOvr>
+    <a:masterClrMapping/>
+  </p:clrMapOvr>
+</p:sld>
+</file>
+
+<file path=ppt/slides/slide13.xml><?xml version="1.0" encoding="utf-8"?>
+<p:sld xmlns:a="http://schemas.openxmlformats.org/drawingml/2006/main" xmlns:r="http://schemas.openxmlformats.org/officeDocument/2006/relationships" xmlns:p="http://schemas.openxmlformats.org/presentationml/2006/main">
+  <p:cSld>
+    <p:spTree>
+      <p:nvGrpSpPr>
+        <p:cNvPr id="1" name=""/>
+        <p:cNvGrpSpPr/>
+        <p:nvPr/>
+      </p:nvGrpSpPr>
+      <p:grpSpPr>
+        <a:xfrm>
+          <a:off x="0" y="0"/>
+          <a:ext cx="0" cy="0"/>
+          <a:chOff x="0" y="0"/>
+          <a:chExt cx="0" cy="0"/>
+        </a:xfrm>
+      </p:grpSpPr>
+      <p:sp>
+        <p:nvSpPr>
+          <p:cNvPr id="2" name="Titolo 1">
+            <a:extLst>
+              <a:ext uri="{FF2B5EF4-FFF2-40B4-BE49-F238E27FC236}">
+                <a16:creationId xmlns:a16="http://schemas.microsoft.com/office/drawing/2014/main" id="{07650F49-F0AB-4A2B-9737-282A0952F241}"/>
+              </a:ext>
+            </a:extLst>
+          </p:cNvPr>
+          <p:cNvSpPr>
+            <a:spLocks noGrp="1"/>
+          </p:cNvSpPr>
+          <p:nvPr>
+            <p:ph type="ctrTitle"/>
+          </p:nvPr>
+        </p:nvSpPr>
+        <p:spPr/>
+        <p:txBody>
+          <a:bodyPr/>
+          <a:lstStyle/>
+          <a:p>
+            <a:pPr algn="ctr"/>
+            <a:r>
+              <a:rPr lang="it-CH" dirty="0"/>
+              <a:t>FINE</a:t>
+            </a:r>
+          </a:p>
+        </p:txBody>
+      </p:sp>
+      <p:sp>
+        <p:nvSpPr>
+          <p:cNvPr id="3" name="Sottotitolo 2">
+            <a:extLst>
+              <a:ext uri="{FF2B5EF4-FFF2-40B4-BE49-F238E27FC236}">
+                <a16:creationId xmlns:a16="http://schemas.microsoft.com/office/drawing/2014/main" id="{FD735B2E-9D76-4E4A-87E9-ED7A93FA8EC4}"/>
+              </a:ext>
+            </a:extLst>
+          </p:cNvPr>
+          <p:cNvSpPr>
+            <a:spLocks noGrp="1"/>
+          </p:cNvSpPr>
+          <p:nvPr>
+            <p:ph type="subTitle" idx="1"/>
+          </p:nvPr>
+        </p:nvSpPr>
+        <p:spPr/>
+        <p:txBody>
+          <a:bodyPr/>
+          <a:lstStyle/>
+          <a:p>
+            <a:pPr algn="ctr"/>
+            <a:r>
+              <a:rPr lang="it-CH" dirty="0"/>
+              <a:t>Grazie dell’attenzione</a:t>
+            </a:r>
+          </a:p>
+        </p:txBody>
+      </p:sp>
+    </p:spTree>
+    <p:extLst>
+      <p:ext uri="{BB962C8B-B14F-4D97-AF65-F5344CB8AC3E}">
+        <p14:creationId xmlns:p14="http://schemas.microsoft.com/office/powerpoint/2010/main" val="912447004"/>
+      </p:ext>
+    </p:extLst>
+  </p:cSld>
+  <p:clrMapOvr>
+    <a:masterClrMapping/>
+  </p:clrMapOvr>
+</p:sld>
+</file>
+
 <file path=ppt/slides/slide2.xml><?xml version="1.0" encoding="utf-8"?>
 <p:sld xmlns:a="http://schemas.openxmlformats.org/drawingml/2006/main" xmlns:r="http://schemas.openxmlformats.org/officeDocument/2006/relationships" xmlns:p="http://schemas.openxmlformats.org/presentationml/2006/main">
   <p:cSld>
@@ -4238,22 +7982,72 @@
             <a:endParaRPr lang="it-CH" dirty="0"/>
           </a:p>
           <a:p>
+            <a:pPr>
+              <a:buFont typeface="Arial" panose="020B0604020202020204" pitchFamily="34" charset="0"/>
+              <a:buChar char="•"/>
+            </a:pPr>
             <a:r>
               <a:rPr lang="it-CH" sz="2800" dirty="0"/>
               <a:t>Verifica componenti hardware</a:t>
             </a:r>
           </a:p>
           <a:p>
+            <a:pPr>
+              <a:buFont typeface="Arial" panose="020B0604020202020204" pitchFamily="34" charset="0"/>
+              <a:buChar char="•"/>
+            </a:pPr>
             <a:r>
               <a:rPr lang="it-CH" sz="2800" dirty="0"/>
               <a:t>Implementazione Word Clock</a:t>
             </a:r>
           </a:p>
           <a:p>
-            <a:r>
-              <a:rPr lang="it-CH" sz="2800" dirty="0"/>
-              <a:t>Controllo via Web</a:t>
-            </a:r>
+            <a:pPr marL="715518" lvl="1" indent="-514350">
+              <a:buFont typeface="+mj-lt"/>
+              <a:buAutoNum type="arabicPeriod"/>
+            </a:pPr>
+            <a:r>
+              <a:rPr lang="it-CH" sz="2000" dirty="0"/>
+              <a:t>Scrivere il testo con le differenze di 5 minuti</a:t>
+            </a:r>
+          </a:p>
+          <a:p>
+            <a:pPr marL="715518" lvl="1" indent="-514350">
+              <a:buFont typeface="+mj-lt"/>
+              <a:buAutoNum type="arabicPeriod"/>
+            </a:pPr>
+            <a:r>
+              <a:rPr lang="it-CH" sz="2000" dirty="0"/>
+              <a:t>Mostrare i secondi tramite l’utilizzo di 12 led, quindi 5 secondi per ogni pallino acceso</a:t>
+            </a:r>
+          </a:p>
+          <a:p>
+            <a:pPr marL="715518" lvl="1" indent="-514350">
+              <a:buFont typeface="+mj-lt"/>
+              <a:buAutoNum type="arabicPeriod"/>
+            </a:pPr>
+            <a:r>
+              <a:rPr lang="it-IT" sz="2000" dirty="0"/>
+              <a:t>Si dovrà poter controllare e impostare l’orario e le impostazione tramite il modello fisico</a:t>
+            </a:r>
+          </a:p>
+          <a:p>
+            <a:pPr marL="715518" lvl="1" indent="-514350">
+              <a:buFont typeface="+mj-lt"/>
+              <a:buAutoNum type="arabicPeriod"/>
+            </a:pPr>
+            <a:r>
+              <a:rPr lang="it-IT" sz="2000" dirty="0"/>
+              <a:t>Cambiare i colori dei led in base all’orario (pausa)</a:t>
+            </a:r>
+            <a:endParaRPr lang="it-CH" sz="2000" dirty="0"/>
+          </a:p>
+          <a:p>
+            <a:pPr marL="806958" lvl="1" indent="-514350">
+              <a:buFont typeface="+mj-lt"/>
+              <a:buAutoNum type="arabicPeriod"/>
+            </a:pPr>
+            <a:endParaRPr lang="it-CH" sz="2600" dirty="0"/>
           </a:p>
         </p:txBody>
       </p:sp>
@@ -4273,6 +8067,14 @@
 <file path=ppt/slides/slide5.xml><?xml version="1.0" encoding="utf-8"?>
 <p:sld xmlns:a="http://schemas.openxmlformats.org/drawingml/2006/main" xmlns:r="http://schemas.openxmlformats.org/officeDocument/2006/relationships" xmlns:p="http://schemas.openxmlformats.org/presentationml/2006/main">
   <p:cSld>
+    <p:bg>
+      <p:bgPr>
+        <a:solidFill>
+          <a:schemeClr val="bg1"/>
+        </a:solidFill>
+        <a:effectLst/>
+      </p:bgPr>
+    </p:bg>
     <p:spTree>
       <p:nvGrpSpPr>
         <p:cNvPr id="1" name=""/>
@@ -4287,63 +8089,84 @@
           <a:chExt cx="0" cy="0"/>
         </a:xfrm>
       </p:grpSpPr>
-      <p:sp>
-        <p:nvSpPr>
-          <p:cNvPr id="2" name="Titolo 1">
-            <a:extLst>
-              <a:ext uri="{FF2B5EF4-FFF2-40B4-BE49-F238E27FC236}">
-                <a16:creationId xmlns:a16="http://schemas.microsoft.com/office/drawing/2014/main" id="{185EDA06-8A49-4379-9113-492F3AFCD53B}"/>
-              </a:ext>
-            </a:extLst>
-          </p:cNvPr>
-          <p:cNvSpPr>
-            <a:spLocks noGrp="1"/>
-          </p:cNvSpPr>
-          <p:nvPr>
-            <p:ph type="title"/>
-          </p:nvPr>
-        </p:nvSpPr>
-        <p:spPr/>
-        <p:txBody>
-          <a:bodyPr/>
-          <a:lstStyle/>
-          <a:p>
-            <a:r>
-              <a:rPr lang="it-CH" dirty="0"/>
-              <a:t>Progettazione</a:t>
-            </a:r>
-          </a:p>
-        </p:txBody>
-      </p:sp>
-      <p:sp>
-        <p:nvSpPr>
-          <p:cNvPr id="3" name="Segnaposto contenuto 2">
-            <a:extLst>
-              <a:ext uri="{FF2B5EF4-FFF2-40B4-BE49-F238E27FC236}">
-                <a16:creationId xmlns:a16="http://schemas.microsoft.com/office/drawing/2014/main" id="{E8988D32-8D55-4455-91DC-9C51D4A4C0DE}"/>
-              </a:ext>
-            </a:extLst>
-          </p:cNvPr>
-          <p:cNvSpPr>
-            <a:spLocks noGrp="1"/>
-          </p:cNvSpPr>
+      <p:pic>
+        <p:nvPicPr>
+          <p:cNvPr id="11" name="Immagine 7">
+            <a:extLst>
+              <a:ext uri="{FF2B5EF4-FFF2-40B4-BE49-F238E27FC236}">
+                <a16:creationId xmlns:a16="http://schemas.microsoft.com/office/drawing/2014/main" id="{C4602F1F-F493-4A5C-AB27-98040B959411}"/>
+              </a:ext>
+            </a:extLst>
+          </p:cNvPr>
+          <p:cNvPicPr>
+            <a:picLocks noGrp="1"/>
+          </p:cNvPicPr>
           <p:nvPr>
             <p:ph idx="1"/>
           </p:nvPr>
-        </p:nvSpPr>
-        <p:spPr/>
-        <p:txBody>
-          <a:bodyPr/>
-          <a:lstStyle/>
-          <a:p>
-            <a:endParaRPr lang="it-CH"/>
+        </p:nvPicPr>
+        <p:blipFill rotWithShape="1">
+          <a:blip r:embed="rId2">
+            <a:extLst>
+              <a:ext uri="{28A0092B-C50C-407E-A947-70E740481C1C}">
+                <a14:useLocalDpi xmlns:a14="http://schemas.microsoft.com/office/drawing/2010/main" val="0"/>
+              </a:ext>
+            </a:extLst>
+          </a:blip>
+          <a:srcRect t="8762" r="10520"/>
+          <a:stretch/>
+        </p:blipFill>
+        <p:spPr>
+          <a:xfrm>
+            <a:off x="412803" y="1479444"/>
+            <a:ext cx="11366393" cy="4861638"/>
+          </a:xfrm>
+          <a:prstGeom prst="rect">
+            <a:avLst/>
+          </a:prstGeom>
+        </p:spPr>
+      </p:pic>
+      <p:sp>
+        <p:nvSpPr>
+          <p:cNvPr id="12" name="CasellaDiTesto 11">
+            <a:extLst>
+              <a:ext uri="{FF2B5EF4-FFF2-40B4-BE49-F238E27FC236}">
+                <a16:creationId xmlns:a16="http://schemas.microsoft.com/office/drawing/2014/main" id="{AA730C93-7217-4CD6-BA7F-89285C8C7E85}"/>
+              </a:ext>
+            </a:extLst>
+          </p:cNvPr>
+          <p:cNvSpPr txBox="1"/>
+          <p:nvPr/>
+        </p:nvSpPr>
+        <p:spPr>
+          <a:xfrm>
+            <a:off x="412803" y="401053"/>
+            <a:ext cx="5999747" cy="830997"/>
+          </a:xfrm>
+          <a:prstGeom prst="rect">
+            <a:avLst/>
+          </a:prstGeom>
+          <a:noFill/>
+        </p:spPr>
+        <p:txBody>
+          <a:bodyPr wrap="square" rtlCol="0">
+            <a:spAutoFit/>
+          </a:bodyPr>
+          <a:lstStyle/>
+          <a:p>
+            <a:r>
+              <a:rPr lang="it-CH" sz="4800" dirty="0">
+                <a:latin typeface="Calibri Light (Titoli)"/>
+              </a:rPr>
+              <a:t>Pianificazione</a:t>
+            </a:r>
           </a:p>
         </p:txBody>
       </p:sp>
     </p:spTree>
     <p:extLst>
       <p:ext uri="{BB962C8B-B14F-4D97-AF65-F5344CB8AC3E}">
-        <p14:creationId xmlns:p14="http://schemas.microsoft.com/office/powerpoint/2010/main" val="3011477442"/>
+        <p14:creationId xmlns:p14="http://schemas.microsoft.com/office/powerpoint/2010/main" val="2598011975"/>
       </p:ext>
     </p:extLst>
   </p:cSld>
@@ -4354,6 +8177,1185 @@
 </file>
 
 <file path=ppt/slides/slide6.xml><?xml version="1.0" encoding="utf-8"?>
+<p:sld xmlns:a="http://schemas.openxmlformats.org/drawingml/2006/main" xmlns:r="http://schemas.openxmlformats.org/officeDocument/2006/relationships" xmlns:p="http://schemas.openxmlformats.org/presentationml/2006/main">
+  <p:cSld>
+    <p:bg>
+      <p:bgPr>
+        <a:solidFill>
+          <a:schemeClr val="bg1"/>
+        </a:solidFill>
+        <a:effectLst/>
+      </p:bgPr>
+    </p:bg>
+    <p:spTree>
+      <p:nvGrpSpPr>
+        <p:cNvPr id="1" name=""/>
+        <p:cNvGrpSpPr/>
+        <p:nvPr/>
+      </p:nvGrpSpPr>
+      <p:grpSpPr>
+        <a:xfrm>
+          <a:off x="0" y="0"/>
+          <a:ext cx="0" cy="0"/>
+          <a:chOff x="0" y="0"/>
+          <a:chExt cx="0" cy="0"/>
+        </a:xfrm>
+      </p:grpSpPr>
+      <p:sp>
+        <p:nvSpPr>
+          <p:cNvPr id="12" name="CasellaDiTesto 11">
+            <a:extLst>
+              <a:ext uri="{FF2B5EF4-FFF2-40B4-BE49-F238E27FC236}">
+                <a16:creationId xmlns:a16="http://schemas.microsoft.com/office/drawing/2014/main" id="{AA730C93-7217-4CD6-BA7F-89285C8C7E85}"/>
+              </a:ext>
+            </a:extLst>
+          </p:cNvPr>
+          <p:cNvSpPr txBox="1"/>
+          <p:nvPr/>
+        </p:nvSpPr>
+        <p:spPr>
+          <a:xfrm>
+            <a:off x="412803" y="401053"/>
+            <a:ext cx="5999747" cy="830997"/>
+          </a:xfrm>
+          <a:prstGeom prst="rect">
+            <a:avLst/>
+          </a:prstGeom>
+          <a:noFill/>
+        </p:spPr>
+        <p:txBody>
+          <a:bodyPr wrap="square" rtlCol="0">
+            <a:spAutoFit/>
+          </a:bodyPr>
+          <a:lstStyle/>
+          <a:p>
+            <a:r>
+              <a:rPr lang="it-CH" sz="4800" dirty="0">
+                <a:latin typeface="Calibri Light (Titoli)"/>
+              </a:rPr>
+              <a:t>Consuntivo</a:t>
+            </a:r>
+          </a:p>
+        </p:txBody>
+      </p:sp>
+      <p:pic>
+        <p:nvPicPr>
+          <p:cNvPr id="6" name="Segnaposto contenuto 5">
+            <a:extLst>
+              <a:ext uri="{FF2B5EF4-FFF2-40B4-BE49-F238E27FC236}">
+                <a16:creationId xmlns:a16="http://schemas.microsoft.com/office/drawing/2014/main" id="{AA1E9434-5471-43DC-B802-141A224DED3C}"/>
+              </a:ext>
+            </a:extLst>
+          </p:cNvPr>
+          <p:cNvPicPr>
+            <a:picLocks noGrp="1"/>
+          </p:cNvPicPr>
+          <p:nvPr>
+            <p:ph idx="1"/>
+          </p:nvPr>
+        </p:nvPicPr>
+        <p:blipFill rotWithShape="1">
+          <a:blip r:embed="rId2">
+            <a:extLst>
+              <a:ext uri="{28A0092B-C50C-407E-A947-70E740481C1C}">
+                <a14:useLocalDpi xmlns:a14="http://schemas.microsoft.com/office/drawing/2010/main" val="0"/>
+              </a:ext>
+            </a:extLst>
+          </a:blip>
+          <a:srcRect t="9903" r="6190"/>
+          <a:stretch/>
+        </p:blipFill>
+        <p:spPr>
+          <a:xfrm>
+            <a:off x="412803" y="1411705"/>
+            <a:ext cx="11442313" cy="4716379"/>
+          </a:xfrm>
+          <a:prstGeom prst="rect">
+            <a:avLst/>
+          </a:prstGeom>
+        </p:spPr>
+      </p:pic>
+      <p:sp>
+        <p:nvSpPr>
+          <p:cNvPr id="4" name="Ovale 3">
+            <a:extLst>
+              <a:ext uri="{FF2B5EF4-FFF2-40B4-BE49-F238E27FC236}">
+                <a16:creationId xmlns:a16="http://schemas.microsoft.com/office/drawing/2014/main" id="{E14C62D4-ECC8-483A-9897-D99E1886D6BD}"/>
+              </a:ext>
+            </a:extLst>
+          </p:cNvPr>
+          <p:cNvSpPr/>
+          <p:nvPr/>
+        </p:nvSpPr>
+        <p:spPr>
+          <a:xfrm>
+            <a:off x="3465095" y="3869339"/>
+            <a:ext cx="3272589" cy="2181727"/>
+          </a:xfrm>
+          <a:prstGeom prst="ellipse">
+            <a:avLst/>
+          </a:prstGeom>
+          <a:noFill/>
+          <a:ln>
+            <a:solidFill>
+              <a:srgbClr val="FF0000"/>
+            </a:solidFill>
+          </a:ln>
+        </p:spPr>
+        <p:style>
+          <a:lnRef idx="2">
+            <a:schemeClr val="accent1">
+              <a:shade val="50000"/>
+            </a:schemeClr>
+          </a:lnRef>
+          <a:fillRef idx="1">
+            <a:schemeClr val="accent1"/>
+          </a:fillRef>
+          <a:effectRef idx="0">
+            <a:schemeClr val="accent1"/>
+          </a:effectRef>
+          <a:fontRef idx="minor">
+            <a:schemeClr val="lt1"/>
+          </a:fontRef>
+        </p:style>
+        <p:txBody>
+          <a:bodyPr rtlCol="0" anchor="ctr"/>
+          <a:lstStyle/>
+          <a:p>
+            <a:pPr algn="ctr"/>
+            <a:endParaRPr lang="it-CH"/>
+          </a:p>
+        </p:txBody>
+      </p:sp>
+    </p:spTree>
+    <p:extLst>
+      <p:ext uri="{BB962C8B-B14F-4D97-AF65-F5344CB8AC3E}">
+        <p14:creationId xmlns:p14="http://schemas.microsoft.com/office/powerpoint/2010/main" val="3803673070"/>
+      </p:ext>
+    </p:extLst>
+  </p:cSld>
+  <p:clrMapOvr>
+    <a:masterClrMapping/>
+  </p:clrMapOvr>
+</p:sld>
+</file>
+
+<file path=ppt/slides/slide7.xml><?xml version="1.0" encoding="utf-8"?>
+<p:sld xmlns:a="http://schemas.openxmlformats.org/drawingml/2006/main" xmlns:r="http://schemas.openxmlformats.org/officeDocument/2006/relationships" xmlns:p="http://schemas.openxmlformats.org/presentationml/2006/main">
+  <p:cSld>
+    <p:bg>
+      <p:bgPr>
+        <a:solidFill>
+          <a:schemeClr val="bg1"/>
+        </a:solidFill>
+        <a:effectLst/>
+      </p:bgPr>
+    </p:bg>
+    <p:spTree>
+      <p:nvGrpSpPr>
+        <p:cNvPr id="1" name=""/>
+        <p:cNvGrpSpPr/>
+        <p:nvPr/>
+      </p:nvGrpSpPr>
+      <p:grpSpPr>
+        <a:xfrm>
+          <a:off x="0" y="0"/>
+          <a:ext cx="0" cy="0"/>
+          <a:chOff x="0" y="0"/>
+          <a:chExt cx="0" cy="0"/>
+        </a:xfrm>
+      </p:grpSpPr>
+      <p:sp>
+        <p:nvSpPr>
+          <p:cNvPr id="38" name="Rectangle 37">
+            <a:extLst>
+              <a:ext uri="{FF2B5EF4-FFF2-40B4-BE49-F238E27FC236}">
+                <a16:creationId xmlns:a16="http://schemas.microsoft.com/office/drawing/2014/main" id="{4E4490D0-3672-446A-AC12-B4830333BDDD}"/>
+              </a:ext>
+              <a:ext uri="{C183D7F6-B498-43B3-948B-1728B52AA6E4}">
+                <adec:decorative xmlns:adec="http://schemas.microsoft.com/office/drawing/2017/decorative" val="1"/>
+              </a:ext>
+            </a:extLst>
+          </p:cNvPr>
+          <p:cNvSpPr>
+            <a:spLocks noGrp="1" noRot="1" noChangeAspect="1" noMove="1" noResize="1" noEditPoints="1" noAdjustHandles="1" noChangeArrowheads="1" noChangeShapeType="1" noTextEdit="1"/>
+          </p:cNvSpPr>
+          <p:nvPr>
+            <p:extLst>
+              <p:ext uri="{386F3935-93C4-4BCD-93E2-E3B085C9AB24}">
+                <p16:designElem xmlns:p16="http://schemas.microsoft.com/office/powerpoint/2015/main" val="1"/>
+              </p:ext>
+            </p:extLst>
+          </p:nvPr>
+        </p:nvSpPr>
+        <p:spPr>
+          <a:xfrm>
+            <a:off x="3175" y="6400800"/>
+            <a:ext cx="12188825" cy="457200"/>
+          </a:xfrm>
+          <a:prstGeom prst="rect">
+            <a:avLst/>
+          </a:prstGeom>
+          <a:solidFill>
+            <a:schemeClr val="accent2"/>
+          </a:solidFill>
+          <a:ln>
+            <a:noFill/>
+          </a:ln>
+        </p:spPr>
+        <p:style>
+          <a:lnRef idx="2">
+            <a:schemeClr val="accent1">
+              <a:shade val="50000"/>
+            </a:schemeClr>
+          </a:lnRef>
+          <a:fillRef idx="1">
+            <a:schemeClr val="accent1"/>
+          </a:fillRef>
+          <a:effectRef idx="0">
+            <a:schemeClr val="accent1"/>
+          </a:effectRef>
+          <a:fontRef idx="minor">
+            <a:schemeClr val="lt1"/>
+          </a:fontRef>
+        </p:style>
+      </p:sp>
+      <p:sp>
+        <p:nvSpPr>
+          <p:cNvPr id="40" name="Rectangle 39">
+            <a:extLst>
+              <a:ext uri="{FF2B5EF4-FFF2-40B4-BE49-F238E27FC236}">
+                <a16:creationId xmlns:a16="http://schemas.microsoft.com/office/drawing/2014/main" id="{39CB82C2-DF65-4EC1-8280-F201D50F570B}"/>
+              </a:ext>
+              <a:ext uri="{C183D7F6-B498-43B3-948B-1728B52AA6E4}">
+                <adec:decorative xmlns:adec="http://schemas.microsoft.com/office/drawing/2017/decorative" val="1"/>
+              </a:ext>
+            </a:extLst>
+          </p:cNvPr>
+          <p:cNvSpPr>
+            <a:spLocks noGrp="1" noRot="1" noChangeAspect="1" noMove="1" noResize="1" noEditPoints="1" noAdjustHandles="1" noChangeArrowheads="1" noChangeShapeType="1" noTextEdit="1"/>
+          </p:cNvSpPr>
+          <p:nvPr>
+            <p:extLst>
+              <p:ext uri="{386F3935-93C4-4BCD-93E2-E3B085C9AB24}">
+                <p16:designElem xmlns:p16="http://schemas.microsoft.com/office/powerpoint/2015/main" val="1"/>
+              </p:ext>
+            </p:extLst>
+          </p:nvPr>
+        </p:nvSpPr>
+        <p:spPr>
+          <a:xfrm>
+            <a:off x="15" y="6334316"/>
+            <a:ext cx="12188825" cy="64008"/>
+          </a:xfrm>
+          <a:prstGeom prst="rect">
+            <a:avLst/>
+          </a:prstGeom>
+          <a:solidFill>
+            <a:schemeClr val="accent1"/>
+          </a:solidFill>
+          <a:ln>
+            <a:noFill/>
+          </a:ln>
+        </p:spPr>
+        <p:style>
+          <a:lnRef idx="2">
+            <a:schemeClr val="accent1">
+              <a:shade val="50000"/>
+            </a:schemeClr>
+          </a:lnRef>
+          <a:fillRef idx="1">
+            <a:schemeClr val="accent1"/>
+          </a:fillRef>
+          <a:effectRef idx="0">
+            <a:schemeClr val="accent1"/>
+          </a:effectRef>
+          <a:fontRef idx="minor">
+            <a:schemeClr val="lt1"/>
+          </a:fontRef>
+        </p:style>
+      </p:sp>
+      <p:cxnSp>
+        <p:nvCxnSpPr>
+          <p:cNvPr id="42" name="Straight Connector 41">
+            <a:extLst>
+              <a:ext uri="{FF2B5EF4-FFF2-40B4-BE49-F238E27FC236}">
+                <a16:creationId xmlns:a16="http://schemas.microsoft.com/office/drawing/2014/main" id="{7E1D4427-852B-4B37-8E76-0E9F1810BA2A}"/>
+              </a:ext>
+              <a:ext uri="{C183D7F6-B498-43B3-948B-1728B52AA6E4}">
+                <adec:decorative xmlns:adec="http://schemas.microsoft.com/office/drawing/2017/decorative" val="1"/>
+              </a:ext>
+            </a:extLst>
+          </p:cNvPr>
+          <p:cNvCxnSpPr>
+            <a:cxnSpLocks noGrp="1" noRot="1" noChangeAspect="1" noMove="1" noResize="1" noEditPoints="1" noAdjustHandles="1" noChangeArrowheads="1" noChangeShapeType="1"/>
+          </p:cNvCxnSpPr>
+          <p:nvPr>
+            <p:extLst>
+              <p:ext uri="{386F3935-93C4-4BCD-93E2-E3B085C9AB24}">
+                <p16:designElem xmlns:p16="http://schemas.microsoft.com/office/powerpoint/2015/main" val="1"/>
+              </p:ext>
+            </p:extLst>
+          </p:nvPr>
+        </p:nvCxnSpPr>
+        <p:spPr>
+          <a:xfrm>
+            <a:off x="1207658" y="4343400"/>
+            <a:ext cx="9875520" cy="0"/>
+          </a:xfrm>
+          <a:prstGeom prst="line">
+            <a:avLst/>
+          </a:prstGeom>
+          <a:ln w="6350">
+            <a:solidFill>
+              <a:schemeClr val="tx1">
+                <a:lumMod val="50000"/>
+                <a:lumOff val="50000"/>
+              </a:schemeClr>
+            </a:solidFill>
+          </a:ln>
+        </p:spPr>
+        <p:style>
+          <a:lnRef idx="1">
+            <a:schemeClr val="accent1"/>
+          </a:lnRef>
+          <a:fillRef idx="0">
+            <a:schemeClr val="accent1"/>
+          </a:fillRef>
+          <a:effectRef idx="0">
+            <a:schemeClr val="accent1"/>
+          </a:effectRef>
+          <a:fontRef idx="minor">
+            <a:schemeClr val="tx1"/>
+          </a:fontRef>
+        </p:style>
+      </p:cxnSp>
+      <p:sp useBgFill="1">
+        <p:nvSpPr>
+          <p:cNvPr id="44" name="Rectangle 43">
+            <a:extLst>
+              <a:ext uri="{FF2B5EF4-FFF2-40B4-BE49-F238E27FC236}">
+                <a16:creationId xmlns:a16="http://schemas.microsoft.com/office/drawing/2014/main" id="{FA4CD5CB-D209-4D70-8CA4-629731C59219}"/>
+              </a:ext>
+              <a:ext uri="{C183D7F6-B498-43B3-948B-1728B52AA6E4}">
+                <adec:decorative xmlns:adec="http://schemas.microsoft.com/office/drawing/2017/decorative" val="1"/>
+              </a:ext>
+            </a:extLst>
+          </p:cNvPr>
+          <p:cNvSpPr>
+            <a:spLocks noGrp="1" noRot="1" noChangeAspect="1" noMove="1" noResize="1" noEditPoints="1" noAdjustHandles="1" noChangeArrowheads="1" noChangeShapeType="1" noTextEdit="1"/>
+          </p:cNvSpPr>
+          <p:nvPr>
+            <p:extLst>
+              <p:ext uri="{386F3935-93C4-4BCD-93E2-E3B085C9AB24}">
+                <p16:designElem xmlns:p16="http://schemas.microsoft.com/office/powerpoint/2015/main" val="1"/>
+              </p:ext>
+            </p:extLst>
+          </p:nvPr>
+        </p:nvSpPr>
+        <p:spPr>
+          <a:xfrm>
+            <a:off x="0" y="0"/>
+            <a:ext cx="12192001" cy="6334316"/>
+          </a:xfrm>
+          <a:prstGeom prst="rect">
+            <a:avLst/>
+          </a:prstGeom>
+          <a:ln>
+            <a:noFill/>
+          </a:ln>
+        </p:spPr>
+        <p:style>
+          <a:lnRef idx="2">
+            <a:schemeClr val="accent1">
+              <a:shade val="50000"/>
+            </a:schemeClr>
+          </a:lnRef>
+          <a:fillRef idx="1">
+            <a:schemeClr val="accent1"/>
+          </a:fillRef>
+          <a:effectRef idx="0">
+            <a:schemeClr val="accent1"/>
+          </a:effectRef>
+          <a:fontRef idx="minor">
+            <a:schemeClr val="lt1"/>
+          </a:fontRef>
+        </p:style>
+        <p:txBody>
+          <a:bodyPr rtlCol="0" anchor="ctr"/>
+          <a:lstStyle/>
+          <a:p>
+            <a:pPr algn="ctr"/>
+            <a:endParaRPr lang="en-US"/>
+          </a:p>
+        </p:txBody>
+      </p:sp>
+      <p:sp>
+        <p:nvSpPr>
+          <p:cNvPr id="5" name="Titolo 4">
+            <a:extLst>
+              <a:ext uri="{FF2B5EF4-FFF2-40B4-BE49-F238E27FC236}">
+                <a16:creationId xmlns:a16="http://schemas.microsoft.com/office/drawing/2014/main" id="{68867EF6-D033-4487-8A94-A11710DE8041}"/>
+              </a:ext>
+            </a:extLst>
+          </p:cNvPr>
+          <p:cNvSpPr>
+            <a:spLocks noGrp="1"/>
+          </p:cNvSpPr>
+          <p:nvPr>
+            <p:ph type="title"/>
+          </p:nvPr>
+        </p:nvSpPr>
+        <p:spPr>
+          <a:xfrm>
+            <a:off x="8141110" y="639097"/>
+            <a:ext cx="3401961" cy="3686015"/>
+          </a:xfrm>
+        </p:spPr>
+        <p:txBody>
+          <a:bodyPr vert="horz" lIns="91440" tIns="45720" rIns="91440" bIns="45720" rtlCol="0" anchor="b">
+            <a:normAutofit/>
+          </a:bodyPr>
+          <a:lstStyle/>
+          <a:p>
+            <a:r>
+              <a:rPr lang="en-US" sz="4600">
+                <a:solidFill>
+                  <a:schemeClr val="tx1">
+                    <a:lumMod val="85000"/>
+                    <a:lumOff val="15000"/>
+                  </a:schemeClr>
+                </a:solidFill>
+              </a:rPr>
+              <a:t>Progettazione</a:t>
+            </a:r>
+          </a:p>
+        </p:txBody>
+      </p:sp>
+      <p:pic>
+        <p:nvPicPr>
+          <p:cNvPr id="35" name="Immagine 28">
+            <a:extLst>
+              <a:ext uri="{FF2B5EF4-FFF2-40B4-BE49-F238E27FC236}">
+                <a16:creationId xmlns:a16="http://schemas.microsoft.com/office/drawing/2014/main" id="{07EC3653-FEEE-4746-B195-89EB351693A2}"/>
+              </a:ext>
+            </a:extLst>
+          </p:cNvPr>
+          <p:cNvPicPr>
+            <a:picLocks noGrp="1"/>
+          </p:cNvPicPr>
+          <p:nvPr>
+            <p:ph idx="1"/>
+          </p:nvPr>
+        </p:nvPicPr>
+        <p:blipFill>
+          <a:blip r:embed="rId2" cstate="print">
+            <a:extLst>
+              <a:ext uri="{28A0092B-C50C-407E-A947-70E740481C1C}">
+                <a14:useLocalDpi xmlns:a14="http://schemas.microsoft.com/office/drawing/2010/main" val="0"/>
+              </a:ext>
+            </a:extLst>
+          </a:blip>
+          <a:stretch>
+            <a:fillRect/>
+          </a:stretch>
+        </p:blipFill>
+        <p:spPr>
+          <a:xfrm>
+            <a:off x="1721876" y="640093"/>
+            <a:ext cx="4697358" cy="5237023"/>
+          </a:xfrm>
+          <a:prstGeom prst="rect">
+            <a:avLst/>
+          </a:prstGeom>
+        </p:spPr>
+      </p:pic>
+      <p:cxnSp>
+        <p:nvCxnSpPr>
+          <p:cNvPr id="46" name="Straight Connector 45">
+            <a:extLst>
+              <a:ext uri="{FF2B5EF4-FFF2-40B4-BE49-F238E27FC236}">
+                <a16:creationId xmlns:a16="http://schemas.microsoft.com/office/drawing/2014/main" id="{5C6A2BAE-B461-4B55-8E1F-0722ABDD1393}"/>
+              </a:ext>
+              <a:ext uri="{C183D7F6-B498-43B3-948B-1728B52AA6E4}">
+                <adec:decorative xmlns:adec="http://schemas.microsoft.com/office/drawing/2017/decorative" val="1"/>
+              </a:ext>
+            </a:extLst>
+          </p:cNvPr>
+          <p:cNvCxnSpPr>
+            <a:cxnSpLocks noGrp="1" noRot="1" noChangeAspect="1" noMove="1" noResize="1" noEditPoints="1" noAdjustHandles="1" noChangeArrowheads="1" noChangeShapeType="1"/>
+          </p:cNvCxnSpPr>
+          <p:nvPr>
+            <p:extLst>
+              <p:ext uri="{386F3935-93C4-4BCD-93E2-E3B085C9AB24}">
+                <p16:designElem xmlns:p16="http://schemas.microsoft.com/office/powerpoint/2015/main" val="1"/>
+              </p:ext>
+            </p:extLst>
+          </p:nvPr>
+        </p:nvCxnSpPr>
+        <p:spPr>
+          <a:xfrm>
+            <a:off x="8209305" y="4343400"/>
+            <a:ext cx="3200400" cy="0"/>
+          </a:xfrm>
+          <a:prstGeom prst="line">
+            <a:avLst/>
+          </a:prstGeom>
+          <a:ln w="6350">
+            <a:solidFill>
+              <a:schemeClr val="tx2">
+                <a:alpha val="90000"/>
+              </a:schemeClr>
+            </a:solidFill>
+          </a:ln>
+        </p:spPr>
+        <p:style>
+          <a:lnRef idx="1">
+            <a:schemeClr val="accent1"/>
+          </a:lnRef>
+          <a:fillRef idx="0">
+            <a:schemeClr val="accent1"/>
+          </a:fillRef>
+          <a:effectRef idx="0">
+            <a:schemeClr val="accent1"/>
+          </a:effectRef>
+          <a:fontRef idx="minor">
+            <a:schemeClr val="tx1"/>
+          </a:fontRef>
+        </p:style>
+      </p:cxnSp>
+      <p:sp>
+        <p:nvSpPr>
+          <p:cNvPr id="48" name="Rectangle 47">
+            <a:extLst>
+              <a:ext uri="{FF2B5EF4-FFF2-40B4-BE49-F238E27FC236}">
+                <a16:creationId xmlns:a16="http://schemas.microsoft.com/office/drawing/2014/main" id="{B4C27B90-DF2B-4D00-BA07-18ED774CD2F1}"/>
+              </a:ext>
+              <a:ext uri="{C183D7F6-B498-43B3-948B-1728B52AA6E4}">
+                <adec:decorative xmlns:adec="http://schemas.microsoft.com/office/drawing/2017/decorative" val="1"/>
+              </a:ext>
+            </a:extLst>
+          </p:cNvPr>
+          <p:cNvSpPr>
+            <a:spLocks noGrp="1" noRot="1" noChangeAspect="1" noMove="1" noResize="1" noEditPoints="1" noAdjustHandles="1" noChangeArrowheads="1" noChangeShapeType="1" noTextEdit="1"/>
+          </p:cNvSpPr>
+          <p:nvPr>
+            <p:extLst>
+              <p:ext uri="{386F3935-93C4-4BCD-93E2-E3B085C9AB24}">
+                <p16:designElem xmlns:p16="http://schemas.microsoft.com/office/powerpoint/2015/main" val="1"/>
+              </p:ext>
+            </p:extLst>
+          </p:nvPr>
+        </p:nvSpPr>
+        <p:spPr>
+          <a:xfrm>
+            <a:off x="15" y="6334316"/>
+            <a:ext cx="12191985" cy="66484"/>
+          </a:xfrm>
+          <a:prstGeom prst="rect">
+            <a:avLst/>
+          </a:prstGeom>
+          <a:solidFill>
+            <a:schemeClr val="accent1"/>
+          </a:solidFill>
+          <a:ln>
+            <a:noFill/>
+          </a:ln>
+        </p:spPr>
+        <p:style>
+          <a:lnRef idx="2">
+            <a:schemeClr val="accent1">
+              <a:shade val="50000"/>
+            </a:schemeClr>
+          </a:lnRef>
+          <a:fillRef idx="1">
+            <a:schemeClr val="accent1"/>
+          </a:fillRef>
+          <a:effectRef idx="0">
+            <a:schemeClr val="accent1"/>
+          </a:effectRef>
+          <a:fontRef idx="minor">
+            <a:schemeClr val="lt1"/>
+          </a:fontRef>
+        </p:style>
+      </p:sp>
+      <p:sp>
+        <p:nvSpPr>
+          <p:cNvPr id="50" name="Rectangle 49">
+            <a:extLst>
+              <a:ext uri="{FF2B5EF4-FFF2-40B4-BE49-F238E27FC236}">
+                <a16:creationId xmlns:a16="http://schemas.microsoft.com/office/drawing/2014/main" id="{593ACC25-C262-417A-8AA9-0641C772BDB6}"/>
+              </a:ext>
+              <a:ext uri="{C183D7F6-B498-43B3-948B-1728B52AA6E4}">
+                <adec:decorative xmlns:adec="http://schemas.microsoft.com/office/drawing/2017/decorative" val="1"/>
+              </a:ext>
+            </a:extLst>
+          </p:cNvPr>
+          <p:cNvSpPr>
+            <a:spLocks noGrp="1" noRot="1" noChangeAspect="1" noMove="1" noResize="1" noEditPoints="1" noAdjustHandles="1" noChangeArrowheads="1" noChangeShapeType="1" noTextEdit="1"/>
+          </p:cNvSpPr>
+          <p:nvPr>
+            <p:extLst>
+              <p:ext uri="{386F3935-93C4-4BCD-93E2-E3B085C9AB24}">
+                <p16:designElem xmlns:p16="http://schemas.microsoft.com/office/powerpoint/2015/main" val="1"/>
+              </p:ext>
+            </p:extLst>
+          </p:nvPr>
+        </p:nvSpPr>
+        <p:spPr>
+          <a:xfrm>
+            <a:off x="1" y="6400800"/>
+            <a:ext cx="12192000" cy="457200"/>
+          </a:xfrm>
+          <a:prstGeom prst="rect">
+            <a:avLst/>
+          </a:prstGeom>
+          <a:solidFill>
+            <a:schemeClr val="accent2"/>
+          </a:solidFill>
+          <a:ln>
+            <a:noFill/>
+          </a:ln>
+        </p:spPr>
+        <p:style>
+          <a:lnRef idx="2">
+            <a:schemeClr val="accent1">
+              <a:shade val="50000"/>
+            </a:schemeClr>
+          </a:lnRef>
+          <a:fillRef idx="1">
+            <a:schemeClr val="accent1"/>
+          </a:fillRef>
+          <a:effectRef idx="0">
+            <a:schemeClr val="accent1"/>
+          </a:effectRef>
+          <a:fontRef idx="minor">
+            <a:schemeClr val="lt1"/>
+          </a:fontRef>
+        </p:style>
+      </p:sp>
+    </p:spTree>
+    <p:extLst>
+      <p:ext uri="{BB962C8B-B14F-4D97-AF65-F5344CB8AC3E}">
+        <p14:creationId xmlns:p14="http://schemas.microsoft.com/office/powerpoint/2010/main" val="1567626989"/>
+      </p:ext>
+    </p:extLst>
+  </p:cSld>
+  <p:clrMapOvr>
+    <a:masterClrMapping/>
+  </p:clrMapOvr>
+</p:sld>
+</file>
+
+<file path=ppt/slides/slide8.xml><?xml version="1.0" encoding="utf-8"?>
+<p:sld xmlns:a="http://schemas.openxmlformats.org/drawingml/2006/main" xmlns:r="http://schemas.openxmlformats.org/officeDocument/2006/relationships" xmlns:p="http://schemas.openxmlformats.org/presentationml/2006/main">
+  <p:cSld>
+    <p:bg>
+      <p:bgPr>
+        <a:solidFill>
+          <a:schemeClr val="bg1"/>
+        </a:solidFill>
+        <a:effectLst/>
+      </p:bgPr>
+    </p:bg>
+    <p:spTree>
+      <p:nvGrpSpPr>
+        <p:cNvPr id="1" name=""/>
+        <p:cNvGrpSpPr/>
+        <p:nvPr/>
+      </p:nvGrpSpPr>
+      <p:grpSpPr>
+        <a:xfrm>
+          <a:off x="0" y="0"/>
+          <a:ext cx="0" cy="0"/>
+          <a:chOff x="0" y="0"/>
+          <a:chExt cx="0" cy="0"/>
+        </a:xfrm>
+      </p:grpSpPr>
+      <p:sp>
+        <p:nvSpPr>
+          <p:cNvPr id="20" name="Rectangle 19">
+            <a:extLst>
+              <a:ext uri="{FF2B5EF4-FFF2-40B4-BE49-F238E27FC236}">
+                <a16:creationId xmlns:a16="http://schemas.microsoft.com/office/drawing/2014/main" id="{4E4490D0-3672-446A-AC12-B4830333BDDD}"/>
+              </a:ext>
+              <a:ext uri="{C183D7F6-B498-43B3-948B-1728B52AA6E4}">
+                <adec:decorative xmlns:adec="http://schemas.microsoft.com/office/drawing/2017/decorative" val="1"/>
+              </a:ext>
+            </a:extLst>
+          </p:cNvPr>
+          <p:cNvSpPr>
+            <a:spLocks noGrp="1" noRot="1" noChangeAspect="1" noMove="1" noResize="1" noEditPoints="1" noAdjustHandles="1" noChangeArrowheads="1" noChangeShapeType="1" noTextEdit="1"/>
+          </p:cNvSpPr>
+          <p:nvPr>
+            <p:extLst>
+              <p:ext uri="{386F3935-93C4-4BCD-93E2-E3B085C9AB24}">
+                <p16:designElem xmlns:p16="http://schemas.microsoft.com/office/powerpoint/2015/main" val="1"/>
+              </p:ext>
+            </p:extLst>
+          </p:nvPr>
+        </p:nvSpPr>
+        <p:spPr>
+          <a:xfrm>
+            <a:off x="3175" y="6400800"/>
+            <a:ext cx="12188825" cy="457200"/>
+          </a:xfrm>
+          <a:prstGeom prst="rect">
+            <a:avLst/>
+          </a:prstGeom>
+          <a:solidFill>
+            <a:schemeClr val="accent2"/>
+          </a:solidFill>
+          <a:ln>
+            <a:noFill/>
+          </a:ln>
+        </p:spPr>
+        <p:style>
+          <a:lnRef idx="2">
+            <a:schemeClr val="accent1">
+              <a:shade val="50000"/>
+            </a:schemeClr>
+          </a:lnRef>
+          <a:fillRef idx="1">
+            <a:schemeClr val="accent1"/>
+          </a:fillRef>
+          <a:effectRef idx="0">
+            <a:schemeClr val="accent1"/>
+          </a:effectRef>
+          <a:fontRef idx="minor">
+            <a:schemeClr val="lt1"/>
+          </a:fontRef>
+        </p:style>
+      </p:sp>
+      <p:sp>
+        <p:nvSpPr>
+          <p:cNvPr id="22" name="Rectangle 21">
+            <a:extLst>
+              <a:ext uri="{FF2B5EF4-FFF2-40B4-BE49-F238E27FC236}">
+                <a16:creationId xmlns:a16="http://schemas.microsoft.com/office/drawing/2014/main" id="{39CB82C2-DF65-4EC1-8280-F201D50F570B}"/>
+              </a:ext>
+              <a:ext uri="{C183D7F6-B498-43B3-948B-1728B52AA6E4}">
+                <adec:decorative xmlns:adec="http://schemas.microsoft.com/office/drawing/2017/decorative" val="1"/>
+              </a:ext>
+            </a:extLst>
+          </p:cNvPr>
+          <p:cNvSpPr>
+            <a:spLocks noGrp="1" noRot="1" noChangeAspect="1" noMove="1" noResize="1" noEditPoints="1" noAdjustHandles="1" noChangeArrowheads="1" noChangeShapeType="1" noTextEdit="1"/>
+          </p:cNvSpPr>
+          <p:nvPr>
+            <p:extLst>
+              <p:ext uri="{386F3935-93C4-4BCD-93E2-E3B085C9AB24}">
+                <p16:designElem xmlns:p16="http://schemas.microsoft.com/office/powerpoint/2015/main" val="1"/>
+              </p:ext>
+            </p:extLst>
+          </p:nvPr>
+        </p:nvSpPr>
+        <p:spPr>
+          <a:xfrm>
+            <a:off x="15" y="6334316"/>
+            <a:ext cx="12188825" cy="64008"/>
+          </a:xfrm>
+          <a:prstGeom prst="rect">
+            <a:avLst/>
+          </a:prstGeom>
+          <a:solidFill>
+            <a:schemeClr val="accent1"/>
+          </a:solidFill>
+          <a:ln>
+            <a:noFill/>
+          </a:ln>
+        </p:spPr>
+        <p:style>
+          <a:lnRef idx="2">
+            <a:schemeClr val="accent1">
+              <a:shade val="50000"/>
+            </a:schemeClr>
+          </a:lnRef>
+          <a:fillRef idx="1">
+            <a:schemeClr val="accent1"/>
+          </a:fillRef>
+          <a:effectRef idx="0">
+            <a:schemeClr val="accent1"/>
+          </a:effectRef>
+          <a:fontRef idx="minor">
+            <a:schemeClr val="lt1"/>
+          </a:fontRef>
+        </p:style>
+      </p:sp>
+      <p:cxnSp>
+        <p:nvCxnSpPr>
+          <p:cNvPr id="24" name="Straight Connector 23">
+            <a:extLst>
+              <a:ext uri="{FF2B5EF4-FFF2-40B4-BE49-F238E27FC236}">
+                <a16:creationId xmlns:a16="http://schemas.microsoft.com/office/drawing/2014/main" id="{7E1D4427-852B-4B37-8E76-0E9F1810BA2A}"/>
+              </a:ext>
+              <a:ext uri="{C183D7F6-B498-43B3-948B-1728B52AA6E4}">
+                <adec:decorative xmlns:adec="http://schemas.microsoft.com/office/drawing/2017/decorative" val="1"/>
+              </a:ext>
+            </a:extLst>
+          </p:cNvPr>
+          <p:cNvCxnSpPr>
+            <a:cxnSpLocks noGrp="1" noRot="1" noChangeAspect="1" noMove="1" noResize="1" noEditPoints="1" noAdjustHandles="1" noChangeArrowheads="1" noChangeShapeType="1"/>
+          </p:cNvCxnSpPr>
+          <p:nvPr>
+            <p:extLst>
+              <p:ext uri="{386F3935-93C4-4BCD-93E2-E3B085C9AB24}">
+                <p16:designElem xmlns:p16="http://schemas.microsoft.com/office/powerpoint/2015/main" val="1"/>
+              </p:ext>
+            </p:extLst>
+          </p:nvPr>
+        </p:nvCxnSpPr>
+        <p:spPr>
+          <a:xfrm>
+            <a:off x="1207658" y="4343400"/>
+            <a:ext cx="9875520" cy="0"/>
+          </a:xfrm>
+          <a:prstGeom prst="line">
+            <a:avLst/>
+          </a:prstGeom>
+          <a:ln w="6350">
+            <a:solidFill>
+              <a:schemeClr val="tx1">
+                <a:lumMod val="50000"/>
+                <a:lumOff val="50000"/>
+              </a:schemeClr>
+            </a:solidFill>
+          </a:ln>
+        </p:spPr>
+        <p:style>
+          <a:lnRef idx="1">
+            <a:schemeClr val="accent1"/>
+          </a:lnRef>
+          <a:fillRef idx="0">
+            <a:schemeClr val="accent1"/>
+          </a:fillRef>
+          <a:effectRef idx="0">
+            <a:schemeClr val="accent1"/>
+          </a:effectRef>
+          <a:fontRef idx="minor">
+            <a:schemeClr val="tx1"/>
+          </a:fontRef>
+        </p:style>
+      </p:cxnSp>
+      <p:sp useBgFill="1">
+        <p:nvSpPr>
+          <p:cNvPr id="26" name="Rectangle 25">
+            <a:extLst>
+              <a:ext uri="{FF2B5EF4-FFF2-40B4-BE49-F238E27FC236}">
+                <a16:creationId xmlns:a16="http://schemas.microsoft.com/office/drawing/2014/main" id="{FA4CD5CB-D209-4D70-8CA4-629731C59219}"/>
+              </a:ext>
+              <a:ext uri="{C183D7F6-B498-43B3-948B-1728B52AA6E4}">
+                <adec:decorative xmlns:adec="http://schemas.microsoft.com/office/drawing/2017/decorative" val="1"/>
+              </a:ext>
+            </a:extLst>
+          </p:cNvPr>
+          <p:cNvSpPr>
+            <a:spLocks noGrp="1" noRot="1" noChangeAspect="1" noMove="1" noResize="1" noEditPoints="1" noAdjustHandles="1" noChangeArrowheads="1" noChangeShapeType="1" noTextEdit="1"/>
+          </p:cNvSpPr>
+          <p:nvPr>
+            <p:extLst>
+              <p:ext uri="{386F3935-93C4-4BCD-93E2-E3B085C9AB24}">
+                <p16:designElem xmlns:p16="http://schemas.microsoft.com/office/powerpoint/2015/main" val="1"/>
+              </p:ext>
+            </p:extLst>
+          </p:nvPr>
+        </p:nvSpPr>
+        <p:spPr>
+          <a:xfrm>
+            <a:off x="0" y="0"/>
+            <a:ext cx="12192001" cy="6334316"/>
+          </a:xfrm>
+          <a:prstGeom prst="rect">
+            <a:avLst/>
+          </a:prstGeom>
+          <a:ln>
+            <a:noFill/>
+          </a:ln>
+        </p:spPr>
+        <p:style>
+          <a:lnRef idx="2">
+            <a:schemeClr val="accent1">
+              <a:shade val="50000"/>
+            </a:schemeClr>
+          </a:lnRef>
+          <a:fillRef idx="1">
+            <a:schemeClr val="accent1"/>
+          </a:fillRef>
+          <a:effectRef idx="0">
+            <a:schemeClr val="accent1"/>
+          </a:effectRef>
+          <a:fontRef idx="minor">
+            <a:schemeClr val="lt1"/>
+          </a:fontRef>
+        </p:style>
+        <p:txBody>
+          <a:bodyPr rtlCol="0" anchor="ctr"/>
+          <a:lstStyle/>
+          <a:p>
+            <a:pPr algn="ctr"/>
+            <a:endParaRPr lang="en-US"/>
+          </a:p>
+        </p:txBody>
+      </p:sp>
+      <p:sp>
+        <p:nvSpPr>
+          <p:cNvPr id="5" name="Titolo 4">
+            <a:extLst>
+              <a:ext uri="{FF2B5EF4-FFF2-40B4-BE49-F238E27FC236}">
+                <a16:creationId xmlns:a16="http://schemas.microsoft.com/office/drawing/2014/main" id="{68867EF6-D033-4487-8A94-A11710DE8041}"/>
+              </a:ext>
+            </a:extLst>
+          </p:cNvPr>
+          <p:cNvSpPr>
+            <a:spLocks noGrp="1"/>
+          </p:cNvSpPr>
+          <p:nvPr>
+            <p:ph type="title"/>
+          </p:nvPr>
+        </p:nvSpPr>
+        <p:spPr>
+          <a:xfrm>
+            <a:off x="8141110" y="639097"/>
+            <a:ext cx="3401961" cy="3686015"/>
+          </a:xfrm>
+        </p:spPr>
+        <p:txBody>
+          <a:bodyPr vert="horz" lIns="91440" tIns="45720" rIns="91440" bIns="45720" rtlCol="0" anchor="b">
+            <a:normAutofit/>
+          </a:bodyPr>
+          <a:lstStyle/>
+          <a:p>
+            <a:r>
+              <a:rPr lang="en-US" sz="4600">
+                <a:solidFill>
+                  <a:schemeClr val="tx1">
+                    <a:lumMod val="85000"/>
+                    <a:lumOff val="15000"/>
+                  </a:schemeClr>
+                </a:solidFill>
+              </a:rPr>
+              <a:t>Progettazione</a:t>
+            </a:r>
+          </a:p>
+        </p:txBody>
+      </p:sp>
+      <p:pic>
+        <p:nvPicPr>
+          <p:cNvPr id="15" name="Segnaposto contenuto 14" descr="C:\Users\HEW15AS003NLù\Downloads\20190405_161505.jpg">
+            <a:extLst>
+              <a:ext uri="{FF2B5EF4-FFF2-40B4-BE49-F238E27FC236}">
+                <a16:creationId xmlns:a16="http://schemas.microsoft.com/office/drawing/2014/main" id="{A21182F7-7BE5-41CC-A204-98C1F70FAE38}"/>
+              </a:ext>
+            </a:extLst>
+          </p:cNvPr>
+          <p:cNvPicPr>
+            <a:picLocks noGrp="1"/>
+          </p:cNvPicPr>
+          <p:nvPr>
+            <p:ph idx="1"/>
+          </p:nvPr>
+        </p:nvPicPr>
+        <p:blipFill>
+          <a:blip r:embed="rId2" cstate="print">
+            <a:extLst>
+              <a:ext uri="{28A0092B-C50C-407E-A947-70E740481C1C}">
+                <a14:useLocalDpi xmlns:a14="http://schemas.microsoft.com/office/drawing/2010/main" val="0"/>
+              </a:ext>
+            </a:extLst>
+          </a:blip>
+          <a:stretch>
+            <a:fillRect/>
+          </a:stretch>
+        </p:blipFill>
+        <p:spPr bwMode="auto">
+          <a:xfrm>
+            <a:off x="1594617" y="640081"/>
+            <a:ext cx="4990981" cy="5054156"/>
+          </a:xfrm>
+          <a:prstGeom prst="rect">
+            <a:avLst/>
+          </a:prstGeom>
+          <a:noFill/>
+        </p:spPr>
+      </p:pic>
+      <p:cxnSp>
+        <p:nvCxnSpPr>
+          <p:cNvPr id="28" name="Straight Connector 27">
+            <a:extLst>
+              <a:ext uri="{FF2B5EF4-FFF2-40B4-BE49-F238E27FC236}">
+                <a16:creationId xmlns:a16="http://schemas.microsoft.com/office/drawing/2014/main" id="{5C6A2BAE-B461-4B55-8E1F-0722ABDD1393}"/>
+              </a:ext>
+              <a:ext uri="{C183D7F6-B498-43B3-948B-1728B52AA6E4}">
+                <adec:decorative xmlns:adec="http://schemas.microsoft.com/office/drawing/2017/decorative" val="1"/>
+              </a:ext>
+            </a:extLst>
+          </p:cNvPr>
+          <p:cNvCxnSpPr>
+            <a:cxnSpLocks noGrp="1" noRot="1" noChangeAspect="1" noMove="1" noResize="1" noEditPoints="1" noAdjustHandles="1" noChangeArrowheads="1" noChangeShapeType="1"/>
+          </p:cNvCxnSpPr>
+          <p:nvPr>
+            <p:extLst>
+              <p:ext uri="{386F3935-93C4-4BCD-93E2-E3B085C9AB24}">
+                <p16:designElem xmlns:p16="http://schemas.microsoft.com/office/powerpoint/2015/main" val="1"/>
+              </p:ext>
+            </p:extLst>
+          </p:nvPr>
+        </p:nvCxnSpPr>
+        <p:spPr>
+          <a:xfrm>
+            <a:off x="8209305" y="4343400"/>
+            <a:ext cx="3200400" cy="0"/>
+          </a:xfrm>
+          <a:prstGeom prst="line">
+            <a:avLst/>
+          </a:prstGeom>
+          <a:ln w="6350">
+            <a:solidFill>
+              <a:schemeClr val="tx2">
+                <a:alpha val="90000"/>
+              </a:schemeClr>
+            </a:solidFill>
+          </a:ln>
+        </p:spPr>
+        <p:style>
+          <a:lnRef idx="1">
+            <a:schemeClr val="accent1"/>
+          </a:lnRef>
+          <a:fillRef idx="0">
+            <a:schemeClr val="accent1"/>
+          </a:fillRef>
+          <a:effectRef idx="0">
+            <a:schemeClr val="accent1"/>
+          </a:effectRef>
+          <a:fontRef idx="minor">
+            <a:schemeClr val="tx1"/>
+          </a:fontRef>
+        </p:style>
+      </p:cxnSp>
+      <p:sp>
+        <p:nvSpPr>
+          <p:cNvPr id="30" name="Rectangle 29">
+            <a:extLst>
+              <a:ext uri="{FF2B5EF4-FFF2-40B4-BE49-F238E27FC236}">
+                <a16:creationId xmlns:a16="http://schemas.microsoft.com/office/drawing/2014/main" id="{B4C27B90-DF2B-4D00-BA07-18ED774CD2F1}"/>
+              </a:ext>
+              <a:ext uri="{C183D7F6-B498-43B3-948B-1728B52AA6E4}">
+                <adec:decorative xmlns:adec="http://schemas.microsoft.com/office/drawing/2017/decorative" val="1"/>
+              </a:ext>
+            </a:extLst>
+          </p:cNvPr>
+          <p:cNvSpPr>
+            <a:spLocks noGrp="1" noRot="1" noChangeAspect="1" noMove="1" noResize="1" noEditPoints="1" noAdjustHandles="1" noChangeArrowheads="1" noChangeShapeType="1" noTextEdit="1"/>
+          </p:cNvSpPr>
+          <p:nvPr>
+            <p:extLst>
+              <p:ext uri="{386F3935-93C4-4BCD-93E2-E3B085C9AB24}">
+                <p16:designElem xmlns:p16="http://schemas.microsoft.com/office/powerpoint/2015/main" val="1"/>
+              </p:ext>
+            </p:extLst>
+          </p:nvPr>
+        </p:nvSpPr>
+        <p:spPr>
+          <a:xfrm>
+            <a:off x="15" y="6334316"/>
+            <a:ext cx="12191985" cy="66484"/>
+          </a:xfrm>
+          <a:prstGeom prst="rect">
+            <a:avLst/>
+          </a:prstGeom>
+          <a:solidFill>
+            <a:schemeClr val="accent1"/>
+          </a:solidFill>
+          <a:ln>
+            <a:noFill/>
+          </a:ln>
+        </p:spPr>
+        <p:style>
+          <a:lnRef idx="2">
+            <a:schemeClr val="accent1">
+              <a:shade val="50000"/>
+            </a:schemeClr>
+          </a:lnRef>
+          <a:fillRef idx="1">
+            <a:schemeClr val="accent1"/>
+          </a:fillRef>
+          <a:effectRef idx="0">
+            <a:schemeClr val="accent1"/>
+          </a:effectRef>
+          <a:fontRef idx="minor">
+            <a:schemeClr val="lt1"/>
+          </a:fontRef>
+        </p:style>
+      </p:sp>
+      <p:sp>
+        <p:nvSpPr>
+          <p:cNvPr id="32" name="Rectangle 31">
+            <a:extLst>
+              <a:ext uri="{FF2B5EF4-FFF2-40B4-BE49-F238E27FC236}">
+                <a16:creationId xmlns:a16="http://schemas.microsoft.com/office/drawing/2014/main" id="{593ACC25-C262-417A-8AA9-0641C772BDB6}"/>
+              </a:ext>
+              <a:ext uri="{C183D7F6-B498-43B3-948B-1728B52AA6E4}">
+                <adec:decorative xmlns:adec="http://schemas.microsoft.com/office/drawing/2017/decorative" val="1"/>
+              </a:ext>
+            </a:extLst>
+          </p:cNvPr>
+          <p:cNvSpPr>
+            <a:spLocks noGrp="1" noRot="1" noChangeAspect="1" noMove="1" noResize="1" noEditPoints="1" noAdjustHandles="1" noChangeArrowheads="1" noChangeShapeType="1" noTextEdit="1"/>
+          </p:cNvSpPr>
+          <p:nvPr>
+            <p:extLst>
+              <p:ext uri="{386F3935-93C4-4BCD-93E2-E3B085C9AB24}">
+                <p16:designElem xmlns:p16="http://schemas.microsoft.com/office/powerpoint/2015/main" val="1"/>
+              </p:ext>
+            </p:extLst>
+          </p:nvPr>
+        </p:nvSpPr>
+        <p:spPr>
+          <a:xfrm>
+            <a:off x="1" y="6400800"/>
+            <a:ext cx="12192000" cy="457200"/>
+          </a:xfrm>
+          <a:prstGeom prst="rect">
+            <a:avLst/>
+          </a:prstGeom>
+          <a:solidFill>
+            <a:schemeClr val="accent2"/>
+          </a:solidFill>
+          <a:ln>
+            <a:noFill/>
+          </a:ln>
+        </p:spPr>
+        <p:style>
+          <a:lnRef idx="2">
+            <a:schemeClr val="accent1">
+              <a:shade val="50000"/>
+            </a:schemeClr>
+          </a:lnRef>
+          <a:fillRef idx="1">
+            <a:schemeClr val="accent1"/>
+          </a:fillRef>
+          <a:effectRef idx="0">
+            <a:schemeClr val="accent1"/>
+          </a:effectRef>
+          <a:fontRef idx="minor">
+            <a:schemeClr val="lt1"/>
+          </a:fontRef>
+        </p:style>
+      </p:sp>
+    </p:spTree>
+    <p:extLst>
+      <p:ext uri="{BB962C8B-B14F-4D97-AF65-F5344CB8AC3E}">
+        <p14:creationId xmlns:p14="http://schemas.microsoft.com/office/powerpoint/2010/main" val="1849350494"/>
+      </p:ext>
+    </p:extLst>
+  </p:cSld>
+  <p:clrMapOvr>
+    <a:masterClrMapping/>
+  </p:clrMapOvr>
+</p:sld>
+</file>
+
+<file path=ppt/slides/slide9.xml><?xml version="1.0" encoding="utf-8"?>
 <p:sld xmlns:a="http://schemas.openxmlformats.org/drawingml/2006/main" xmlns:r="http://schemas.openxmlformats.org/officeDocument/2006/relationships" xmlns:p="http://schemas.openxmlformats.org/presentationml/2006/main">
   <p:cSld>
     <p:spTree>
@@ -4432,7 +9434,7 @@
           <a:p>
             <a:r>
               <a:rPr lang="it-CH" sz="2800" dirty="0"/>
-              <a:t>Tutto viene realizzato in un file</a:t>
+              <a:t>Tutto viene gestito in un file</a:t>
             </a:r>
           </a:p>
           <a:p>
@@ -4446,7 +9448,15 @@
             </a:r>
             <a:r>
               <a:rPr lang="it-CH" sz="2800" dirty="0"/>
-              <a:t>»</a:t>
+              <a:t>…else </a:t>
+            </a:r>
+            <a:r>
+              <a:rPr lang="it-CH" sz="2800" dirty="0" err="1"/>
+              <a:t>if</a:t>
+            </a:r>
+            <a:r>
+              <a:rPr lang="it-CH" sz="2800" dirty="0"/>
+              <a:t>…else»</a:t>
             </a:r>
           </a:p>
         </p:txBody>
@@ -4464,125 +9474,302 @@
 </p:sld>
 </file>
 
-<file path=ppt/slides/slide7.xml><?xml version="1.0" encoding="utf-8"?>
-<p:sld xmlns:a="http://schemas.openxmlformats.org/drawingml/2006/main" xmlns:r="http://schemas.openxmlformats.org/officeDocument/2006/relationships" xmlns:p="http://schemas.openxmlformats.org/presentationml/2006/main">
-  <p:cSld>
-    <p:spTree>
-      <p:nvGrpSpPr>
-        <p:cNvPr id="1" name=""/>
-        <p:cNvGrpSpPr/>
-        <p:nvPr/>
-      </p:nvGrpSpPr>
-      <p:grpSpPr>
-        <a:xfrm>
-          <a:off x="0" y="0"/>
-          <a:ext cx="0" cy="0"/>
-          <a:chOff x="0" y="0"/>
-          <a:chExt cx="0" cy="0"/>
-        </a:xfrm>
-      </p:grpSpPr>
-      <p:sp>
-        <p:nvSpPr>
-          <p:cNvPr id="2" name="Titolo 1">
-            <a:extLst>
-              <a:ext uri="{FF2B5EF4-FFF2-40B4-BE49-F238E27FC236}">
-                <a16:creationId xmlns:a16="http://schemas.microsoft.com/office/drawing/2014/main" id="{A903AAEA-4EDE-4522-BC69-16A321578215}"/>
-              </a:ext>
-            </a:extLst>
-          </p:cNvPr>
-          <p:cNvSpPr>
-            <a:spLocks noGrp="1"/>
-          </p:cNvSpPr>
-          <p:nvPr>
-            <p:ph type="title"/>
-          </p:nvPr>
-        </p:nvSpPr>
-        <p:spPr/>
-        <p:txBody>
-          <a:bodyPr/>
-          <a:lstStyle/>
-          <a:p>
-            <a:r>
-              <a:rPr lang="it-CH" dirty="0"/>
-              <a:t>Problemi riscontrati</a:t>
-            </a:r>
-          </a:p>
-        </p:txBody>
-      </p:sp>
-      <p:sp>
-        <p:nvSpPr>
-          <p:cNvPr id="3" name="Segnaposto contenuto 2">
-            <a:extLst>
-              <a:ext uri="{FF2B5EF4-FFF2-40B4-BE49-F238E27FC236}">
-                <a16:creationId xmlns:a16="http://schemas.microsoft.com/office/drawing/2014/main" id="{16AC750B-AF08-46AF-8654-4175F2CFDE2A}"/>
-              </a:ext>
-            </a:extLst>
-          </p:cNvPr>
-          <p:cNvSpPr>
-            <a:spLocks noGrp="1"/>
-          </p:cNvSpPr>
-          <p:nvPr>
-            <p:ph idx="1"/>
-          </p:nvPr>
-        </p:nvSpPr>
-        <p:spPr/>
-        <p:txBody>
-          <a:bodyPr>
-            <a:normAutofit/>
-          </a:bodyPr>
-          <a:lstStyle/>
-          <a:p>
-            <a:endParaRPr lang="it-CH" sz="2800" dirty="0"/>
-          </a:p>
-          <a:p>
-            <a:r>
-              <a:rPr lang="it-CH" sz="2800" dirty="0"/>
-              <a:t>Alimentatore rotto</a:t>
-            </a:r>
-          </a:p>
-          <a:p>
-            <a:r>
-              <a:rPr lang="it-CH" sz="2800" dirty="0" err="1"/>
-              <a:t>Fishino</a:t>
-            </a:r>
-            <a:r>
-              <a:rPr lang="it-CH" sz="2800" dirty="0"/>
-              <a:t> fumante</a:t>
-            </a:r>
-          </a:p>
-          <a:p>
-            <a:r>
-              <a:rPr lang="it-CH" sz="2800" dirty="0"/>
-              <a:t>Alessi nel team</a:t>
-            </a:r>
-          </a:p>
-          <a:p>
-            <a:r>
-              <a:rPr lang="it-CH" sz="2800" dirty="0"/>
-              <a:t>Led che </a:t>
-            </a:r>
-            <a:r>
-              <a:rPr lang="it-CH" sz="2800"/>
-              <a:t>blinkano</a:t>
-            </a:r>
-            <a:endParaRPr lang="it-CH" sz="2800" dirty="0"/>
-          </a:p>
-        </p:txBody>
-      </p:sp>
-    </p:spTree>
-    <p:extLst>
-      <p:ext uri="{BB962C8B-B14F-4D97-AF65-F5344CB8AC3E}">
-        <p14:creationId xmlns:p14="http://schemas.microsoft.com/office/powerpoint/2010/main" val="757566093"/>
-      </p:ext>
-    </p:extLst>
-  </p:cSld>
-  <p:clrMapOvr>
-    <a:masterClrMapping/>
-  </p:clrMapOvr>
-</p:sld>
+<file path=ppt/theme/theme1.xml><?xml version="1.0" encoding="utf-8"?>
+<a:theme xmlns:a="http://schemas.openxmlformats.org/drawingml/2006/main" name="Tema di Office">
+  <a:themeElements>
+    <a:clrScheme name="Office">
+      <a:dk1>
+        <a:sysClr val="windowText" lastClr="000000"/>
+      </a:dk1>
+      <a:lt1>
+        <a:sysClr val="window" lastClr="FFFFFF"/>
+      </a:lt1>
+      <a:dk2>
+        <a:srgbClr val="44546A"/>
+      </a:dk2>
+      <a:lt2>
+        <a:srgbClr val="E7E6E6"/>
+      </a:lt2>
+      <a:accent1>
+        <a:srgbClr val="4472C4"/>
+      </a:accent1>
+      <a:accent2>
+        <a:srgbClr val="ED7D31"/>
+      </a:accent2>
+      <a:accent3>
+        <a:srgbClr val="A5A5A5"/>
+      </a:accent3>
+      <a:accent4>
+        <a:srgbClr val="FFC000"/>
+      </a:accent4>
+      <a:accent5>
+        <a:srgbClr val="5B9BD5"/>
+      </a:accent5>
+      <a:accent6>
+        <a:srgbClr val="70AD47"/>
+      </a:accent6>
+      <a:hlink>
+        <a:srgbClr val="0563C1"/>
+      </a:hlink>
+      <a:folHlink>
+        <a:srgbClr val="954F72"/>
+      </a:folHlink>
+    </a:clrScheme>
+    <a:fontScheme name="Office">
+      <a:majorFont>
+        <a:latin typeface="Calibri Light" panose="020F0302020204030204"/>
+        <a:ea typeface=""/>
+        <a:cs typeface=""/>
+        <a:font script="Jpan" typeface="游ゴシック Light"/>
+        <a:font script="Hang" typeface="맑은 고딕"/>
+        <a:font script="Hans" typeface="等线 Light"/>
+        <a:font script="Hant" typeface="新細明體"/>
+        <a:font script="Arab" typeface="Times New Roman"/>
+        <a:font script="Hebr" typeface="Times New Roman"/>
+        <a:font script="Thai" typeface="Angsana New"/>
+        <a:font script="Ethi" typeface="Nyala"/>
+        <a:font script="Beng" typeface="Vrinda"/>
+        <a:font script="Gujr" typeface="Shruti"/>
+        <a:font script="Khmr" typeface="MoolBoran"/>
+        <a:font script="Knda" typeface="Tunga"/>
+        <a:font script="Guru" typeface="Raavi"/>
+        <a:font script="Cans" typeface="Euphemia"/>
+        <a:font script="Cher" typeface="Plantagenet Cherokee"/>
+        <a:font script="Yiii" typeface="Microsoft Yi Baiti"/>
+        <a:font script="Tibt" typeface="Microsoft Himalaya"/>
+        <a:font script="Thaa" typeface="MV Boli"/>
+        <a:font script="Deva" typeface="Mangal"/>
+        <a:font script="Telu" typeface="Gautami"/>
+        <a:font script="Taml" typeface="Latha"/>
+        <a:font script="Syrc" typeface="Estrangelo Edessa"/>
+        <a:font script="Orya" typeface="Kalinga"/>
+        <a:font script="Mlym" typeface="Kartika"/>
+        <a:font script="Laoo" typeface="DokChampa"/>
+        <a:font script="Sinh" typeface="Iskoola Pota"/>
+        <a:font script="Mong" typeface="Mongolian Baiti"/>
+        <a:font script="Viet" typeface="Times New Roman"/>
+        <a:font script="Uigh" typeface="Microsoft Uighur"/>
+        <a:font script="Geor" typeface="Sylfaen"/>
+        <a:font script="Armn" typeface="Arial"/>
+        <a:font script="Bugi" typeface="Leelawadee UI"/>
+        <a:font script="Bopo" typeface="Microsoft JhengHei"/>
+        <a:font script="Java" typeface="Javanese Text"/>
+        <a:font script="Lisu" typeface="Segoe UI"/>
+        <a:font script="Mymr" typeface="Myanmar Text"/>
+        <a:font script="Nkoo" typeface="Ebrima"/>
+        <a:font script="Olck" typeface="Nirmala UI"/>
+        <a:font script="Osma" typeface="Ebrima"/>
+        <a:font script="Phag" typeface="Phagspa"/>
+        <a:font script="Syrn" typeface="Estrangelo Edessa"/>
+        <a:font script="Syrj" typeface="Estrangelo Edessa"/>
+        <a:font script="Syre" typeface="Estrangelo Edessa"/>
+        <a:font script="Sora" typeface="Nirmala UI"/>
+        <a:font script="Tale" typeface="Microsoft Tai Le"/>
+        <a:font script="Talu" typeface="Microsoft New Tai Lue"/>
+        <a:font script="Tfng" typeface="Ebrima"/>
+      </a:majorFont>
+      <a:minorFont>
+        <a:latin typeface="Calibri" panose="020F0502020204030204"/>
+        <a:ea typeface=""/>
+        <a:cs typeface=""/>
+        <a:font script="Jpan" typeface="游ゴシック"/>
+        <a:font script="Hang" typeface="맑은 고딕"/>
+        <a:font script="Hans" typeface="等线"/>
+        <a:font script="Hant" typeface="新細明體"/>
+        <a:font script="Arab" typeface="Arial"/>
+        <a:font script="Hebr" typeface="Arial"/>
+        <a:font script="Thai" typeface="Cordia New"/>
+        <a:font script="Ethi" typeface="Nyala"/>
+        <a:font script="Beng" typeface="Vrinda"/>
+        <a:font script="Gujr" typeface="Shruti"/>
+        <a:font script="Khmr" typeface="DaunPenh"/>
+        <a:font script="Knda" typeface="Tunga"/>
+        <a:font script="Guru" typeface="Raavi"/>
+        <a:font script="Cans" typeface="Euphemia"/>
+        <a:font script="Cher" typeface="Plantagenet Cherokee"/>
+        <a:font script="Yiii" typeface="Microsoft Yi Baiti"/>
+        <a:font script="Tibt" typeface="Microsoft Himalaya"/>
+        <a:font script="Thaa" typeface="MV Boli"/>
+        <a:font script="Deva" typeface="Mangal"/>
+        <a:font script="Telu" typeface="Gautami"/>
+        <a:font script="Taml" typeface="Latha"/>
+        <a:font script="Syrc" typeface="Estrangelo Edessa"/>
+        <a:font script="Orya" typeface="Kalinga"/>
+        <a:font script="Mlym" typeface="Kartika"/>
+        <a:font script="Laoo" typeface="DokChampa"/>
+        <a:font script="Sinh" typeface="Iskoola Pota"/>
+        <a:font script="Mong" typeface="Mongolian Baiti"/>
+        <a:font script="Viet" typeface="Arial"/>
+        <a:font script="Uigh" typeface="Microsoft Uighur"/>
+        <a:font script="Geor" typeface="Sylfaen"/>
+        <a:font script="Armn" typeface="Arial"/>
+        <a:font script="Bugi" typeface="Leelawadee UI"/>
+        <a:font script="Bopo" typeface="Microsoft JhengHei"/>
+        <a:font script="Java" typeface="Javanese Text"/>
+        <a:font script="Lisu" typeface="Segoe UI"/>
+        <a:font script="Mymr" typeface="Myanmar Text"/>
+        <a:font script="Nkoo" typeface="Ebrima"/>
+        <a:font script="Olck" typeface="Nirmala UI"/>
+        <a:font script="Osma" typeface="Ebrima"/>
+        <a:font script="Phag" typeface="Phagspa"/>
+        <a:font script="Syrn" typeface="Estrangelo Edessa"/>
+        <a:font script="Syrj" typeface="Estrangelo Edessa"/>
+        <a:font script="Syre" typeface="Estrangelo Edessa"/>
+        <a:font script="Sora" typeface="Nirmala UI"/>
+        <a:font script="Tale" typeface="Microsoft Tai Le"/>
+        <a:font script="Talu" typeface="Microsoft New Tai Lue"/>
+        <a:font script="Tfng" typeface="Ebrima"/>
+      </a:minorFont>
+    </a:fontScheme>
+    <a:fmtScheme name="Office">
+      <a:fillStyleLst>
+        <a:solidFill>
+          <a:schemeClr val="phClr"/>
+        </a:solidFill>
+        <a:gradFill rotWithShape="1">
+          <a:gsLst>
+            <a:gs pos="0">
+              <a:schemeClr val="phClr">
+                <a:lumMod val="110000"/>
+                <a:satMod val="105000"/>
+                <a:tint val="67000"/>
+              </a:schemeClr>
+            </a:gs>
+            <a:gs pos="50000">
+              <a:schemeClr val="phClr">
+                <a:lumMod val="105000"/>
+                <a:satMod val="103000"/>
+                <a:tint val="73000"/>
+              </a:schemeClr>
+            </a:gs>
+            <a:gs pos="100000">
+              <a:schemeClr val="phClr">
+                <a:lumMod val="105000"/>
+                <a:satMod val="109000"/>
+                <a:tint val="81000"/>
+              </a:schemeClr>
+            </a:gs>
+          </a:gsLst>
+          <a:lin ang="5400000" scaled="0"/>
+        </a:gradFill>
+        <a:gradFill rotWithShape="1">
+          <a:gsLst>
+            <a:gs pos="0">
+              <a:schemeClr val="phClr">
+                <a:satMod val="103000"/>
+                <a:lumMod val="102000"/>
+                <a:tint val="94000"/>
+              </a:schemeClr>
+            </a:gs>
+            <a:gs pos="50000">
+              <a:schemeClr val="phClr">
+                <a:satMod val="110000"/>
+                <a:lumMod val="100000"/>
+                <a:shade val="100000"/>
+              </a:schemeClr>
+            </a:gs>
+            <a:gs pos="100000">
+              <a:schemeClr val="phClr">
+                <a:lumMod val="99000"/>
+                <a:satMod val="120000"/>
+                <a:shade val="78000"/>
+              </a:schemeClr>
+            </a:gs>
+          </a:gsLst>
+          <a:lin ang="5400000" scaled="0"/>
+        </a:gradFill>
+      </a:fillStyleLst>
+      <a:lnStyleLst>
+        <a:ln w="6350" cap="flat" cmpd="sng" algn="ctr">
+          <a:solidFill>
+            <a:schemeClr val="phClr"/>
+          </a:solidFill>
+          <a:prstDash val="solid"/>
+          <a:miter lim="800000"/>
+        </a:ln>
+        <a:ln w="12700" cap="flat" cmpd="sng" algn="ctr">
+          <a:solidFill>
+            <a:schemeClr val="phClr"/>
+          </a:solidFill>
+          <a:prstDash val="solid"/>
+          <a:miter lim="800000"/>
+        </a:ln>
+        <a:ln w="19050" cap="flat" cmpd="sng" algn="ctr">
+          <a:solidFill>
+            <a:schemeClr val="phClr"/>
+          </a:solidFill>
+          <a:prstDash val="solid"/>
+          <a:miter lim="800000"/>
+        </a:ln>
+      </a:lnStyleLst>
+      <a:effectStyleLst>
+        <a:effectStyle>
+          <a:effectLst/>
+        </a:effectStyle>
+        <a:effectStyle>
+          <a:effectLst/>
+        </a:effectStyle>
+        <a:effectStyle>
+          <a:effectLst>
+            <a:outerShdw blurRad="57150" dist="19050" dir="5400000" algn="ctr" rotWithShape="0">
+              <a:srgbClr val="000000">
+                <a:alpha val="63000"/>
+              </a:srgbClr>
+            </a:outerShdw>
+          </a:effectLst>
+        </a:effectStyle>
+      </a:effectStyleLst>
+      <a:bgFillStyleLst>
+        <a:solidFill>
+          <a:schemeClr val="phClr"/>
+        </a:solidFill>
+        <a:solidFill>
+          <a:schemeClr val="phClr">
+            <a:tint val="95000"/>
+            <a:satMod val="170000"/>
+          </a:schemeClr>
+        </a:solidFill>
+        <a:gradFill rotWithShape="1">
+          <a:gsLst>
+            <a:gs pos="0">
+              <a:schemeClr val="phClr">
+                <a:tint val="93000"/>
+                <a:satMod val="150000"/>
+                <a:shade val="98000"/>
+                <a:lumMod val="102000"/>
+              </a:schemeClr>
+            </a:gs>
+            <a:gs pos="50000">
+              <a:schemeClr val="phClr">
+                <a:tint val="98000"/>
+                <a:satMod val="130000"/>
+                <a:shade val="90000"/>
+                <a:lumMod val="103000"/>
+              </a:schemeClr>
+            </a:gs>
+            <a:gs pos="100000">
+              <a:schemeClr val="phClr">
+                <a:shade val="63000"/>
+                <a:satMod val="120000"/>
+              </a:schemeClr>
+            </a:gs>
+          </a:gsLst>
+          <a:lin ang="5400000" scaled="0"/>
+        </a:gradFill>
+      </a:bgFillStyleLst>
+    </a:fmtScheme>
+  </a:themeElements>
+  <a:objectDefaults/>
+  <a:extraClrSchemeLst/>
+  <a:extLst>
+    <a:ext uri="{05A4C25C-085E-4340-85A3-A5531E510DB2}">
+      <thm15:themeFamily xmlns:thm15="http://schemas.microsoft.com/office/thememl/2012/main" name="Office Theme" id="{62F939B6-93AF-4DB8-9C6B-D6C7DFDC589F}" vid="{4A3C46E8-61CC-4603-A589-7422A47A8E4A}"/>
+    </a:ext>
+  </a:extLst>
+</a:theme>
 </file>
 
-<file path=ppt/theme/theme1.xml><?xml version="1.0" encoding="utf-8"?>
+<file path=ppt/theme/theme2.xml><?xml version="1.0" encoding="utf-8"?>
 <a:theme xmlns:a="http://schemas.openxmlformats.org/drawingml/2006/main" name="Retrospettivo">
   <a:themeElements>
     <a:clrScheme name="Retrospettivo">

--- a/Presentazione/Presentazione_Word_Clock.pptx
+++ b/Presentazione/Presentazione_Word_Clock.pptx
@@ -16,9 +16,13 @@
     <p:sldId id="265" r:id="rId10"/>
     <p:sldId id="261" r:id="rId11"/>
     <p:sldId id="266" r:id="rId12"/>
-    <p:sldId id="269" r:id="rId13"/>
-    <p:sldId id="262" r:id="rId14"/>
-    <p:sldId id="270" r:id="rId15"/>
+    <p:sldId id="272" r:id="rId13"/>
+    <p:sldId id="276" r:id="rId14"/>
+    <p:sldId id="273" r:id="rId15"/>
+    <p:sldId id="274" r:id="rId16"/>
+    <p:sldId id="269" r:id="rId17"/>
+    <p:sldId id="262" r:id="rId18"/>
+    <p:sldId id="270" r:id="rId19"/>
   </p:sldIdLst>
   <p:sldSz cx="12192000" cy="6858000"/>
   <p:notesSz cx="6858000" cy="9144000"/>
@@ -7186,67 +7190,41 @@
           </a:p>
         </p:txBody>
       </p:sp>
-      <p:sp>
-        <p:nvSpPr>
-          <p:cNvPr id="3" name="Segnaposto contenuto 2">
-            <a:extLst>
-              <a:ext uri="{FF2B5EF4-FFF2-40B4-BE49-F238E27FC236}">
-                <a16:creationId xmlns:a16="http://schemas.microsoft.com/office/drawing/2014/main" id="{8707E53E-2B89-4C32-9F19-819B3966186C}"/>
-              </a:ext>
-            </a:extLst>
-          </p:cNvPr>
-          <p:cNvSpPr>
-            <a:spLocks noGrp="1"/>
-          </p:cNvSpPr>
+      <p:pic>
+        <p:nvPicPr>
+          <p:cNvPr id="7" name="Segnaposto contenuto 6">
+            <a:extLst>
+              <a:ext uri="{FF2B5EF4-FFF2-40B4-BE49-F238E27FC236}">
+                <a16:creationId xmlns:a16="http://schemas.microsoft.com/office/drawing/2014/main" id="{6F1493EC-546F-4C48-85B0-C01A21830905}"/>
+              </a:ext>
+            </a:extLst>
+          </p:cNvPr>
+          <p:cNvPicPr>
+            <a:picLocks noGrp="1" noChangeAspect="1"/>
+          </p:cNvPicPr>
           <p:nvPr>
             <p:ph idx="1"/>
           </p:nvPr>
-        </p:nvSpPr>
-        <p:spPr/>
-        <p:txBody>
-          <a:bodyPr>
-            <a:normAutofit/>
-          </a:bodyPr>
-          <a:lstStyle/>
-          <a:p>
-            <a:endParaRPr lang="it-CH" sz="2800" dirty="0"/>
-          </a:p>
-          <a:p>
-            <a:r>
-              <a:rPr lang="it-CH" sz="2800" dirty="0"/>
-              <a:t>Il Word Clock è realizzato con Arduino</a:t>
-            </a:r>
-          </a:p>
-          <a:p>
-            <a:r>
-              <a:rPr lang="it-CH" sz="2800" dirty="0"/>
-              <a:t>Tutto viene gestito in un file</a:t>
-            </a:r>
-          </a:p>
-          <a:p>
-            <a:r>
-              <a:rPr lang="it-CH" sz="2800" dirty="0"/>
-              <a:t>Principalmente costrutti «</a:t>
-            </a:r>
-            <a:r>
-              <a:rPr lang="it-CH" sz="2800" dirty="0" err="1"/>
-              <a:t>if</a:t>
-            </a:r>
-            <a:r>
-              <a:rPr lang="it-CH" sz="2800" dirty="0"/>
-              <a:t>…else </a:t>
-            </a:r>
-            <a:r>
-              <a:rPr lang="it-CH" sz="2800" dirty="0" err="1"/>
-              <a:t>if</a:t>
-            </a:r>
-            <a:r>
-              <a:rPr lang="it-CH" sz="2800" dirty="0"/>
-              <a:t>…else»</a:t>
-            </a:r>
-          </a:p>
-        </p:txBody>
-      </p:sp>
+        </p:nvPicPr>
+        <p:blipFill>
+          <a:blip r:embed="rId2">
+            <a:extLst>
+              <a:ext uri="{28A0092B-C50C-407E-A947-70E740481C1C}">
+                <a14:useLocalDpi xmlns:a14="http://schemas.microsoft.com/office/drawing/2010/main" val="0"/>
+              </a:ext>
+            </a:extLst>
+          </a:blip>
+          <a:stretch>
+            <a:fillRect/>
+          </a:stretch>
+        </p:blipFill>
+        <p:spPr>
+          <a:xfrm>
+            <a:off x="2987513" y="2391626"/>
+            <a:ext cx="6216974" cy="3285467"/>
+          </a:xfrm>
+        </p:spPr>
+      </p:pic>
     </p:spTree>
     <p:extLst>
       <p:ext uri="{BB962C8B-B14F-4D97-AF65-F5344CB8AC3E}">
@@ -7261,6 +7239,1131 @@
 </file>
 
 <file path=ppt/slides/slide11.xml><?xml version="1.0" encoding="utf-8"?>
+<p:sld xmlns:a="http://schemas.openxmlformats.org/drawingml/2006/main" xmlns:r="http://schemas.openxmlformats.org/officeDocument/2006/relationships" xmlns:p="http://schemas.openxmlformats.org/presentationml/2006/main">
+  <p:cSld>
+    <p:spTree>
+      <p:nvGrpSpPr>
+        <p:cNvPr id="1" name=""/>
+        <p:cNvGrpSpPr/>
+        <p:nvPr/>
+      </p:nvGrpSpPr>
+      <p:grpSpPr>
+        <a:xfrm>
+          <a:off x="0" y="0"/>
+          <a:ext cx="0" cy="0"/>
+          <a:chOff x="0" y="0"/>
+          <a:chExt cx="0" cy="0"/>
+        </a:xfrm>
+      </p:grpSpPr>
+      <p:sp>
+        <p:nvSpPr>
+          <p:cNvPr id="2" name="Titolo 1">
+            <a:extLst>
+              <a:ext uri="{FF2B5EF4-FFF2-40B4-BE49-F238E27FC236}">
+                <a16:creationId xmlns:a16="http://schemas.microsoft.com/office/drawing/2014/main" id="{1B67CCBC-3FC1-4DCE-8078-4F7C03F81E50}"/>
+              </a:ext>
+            </a:extLst>
+          </p:cNvPr>
+          <p:cNvSpPr>
+            <a:spLocks noGrp="1"/>
+          </p:cNvSpPr>
+          <p:nvPr>
+            <p:ph type="title"/>
+          </p:nvPr>
+        </p:nvSpPr>
+        <p:spPr/>
+        <p:txBody>
+          <a:bodyPr/>
+          <a:lstStyle/>
+          <a:p>
+            <a:r>
+              <a:rPr lang="it-CH" dirty="0"/>
+              <a:t>Implementazione</a:t>
+            </a:r>
+          </a:p>
+        </p:txBody>
+      </p:sp>
+      <p:pic>
+        <p:nvPicPr>
+          <p:cNvPr id="7" name="Segnaposto contenuto 6">
+            <a:extLst>
+              <a:ext uri="{FF2B5EF4-FFF2-40B4-BE49-F238E27FC236}">
+                <a16:creationId xmlns:a16="http://schemas.microsoft.com/office/drawing/2014/main" id="{ED7F854A-06F5-4465-9DDD-D0EDE84CA079}"/>
+              </a:ext>
+            </a:extLst>
+          </p:cNvPr>
+          <p:cNvPicPr>
+            <a:picLocks noGrp="1" noChangeAspect="1"/>
+          </p:cNvPicPr>
+          <p:nvPr>
+            <p:ph idx="1"/>
+          </p:nvPr>
+        </p:nvPicPr>
+        <p:blipFill>
+          <a:blip r:embed="rId2">
+            <a:extLst>
+              <a:ext uri="{28A0092B-C50C-407E-A947-70E740481C1C}">
+                <a14:useLocalDpi xmlns:a14="http://schemas.microsoft.com/office/drawing/2010/main" val="0"/>
+              </a:ext>
+            </a:extLst>
+          </a:blip>
+          <a:stretch>
+            <a:fillRect/>
+          </a:stretch>
+        </p:blipFill>
+        <p:spPr>
+          <a:xfrm>
+            <a:off x="3433461" y="3286641"/>
+            <a:ext cx="5325078" cy="1695618"/>
+          </a:xfrm>
+        </p:spPr>
+      </p:pic>
+    </p:spTree>
+    <p:extLst>
+      <p:ext uri="{BB962C8B-B14F-4D97-AF65-F5344CB8AC3E}">
+        <p14:creationId xmlns:p14="http://schemas.microsoft.com/office/powerpoint/2010/main" val="1781097936"/>
+      </p:ext>
+    </p:extLst>
+  </p:cSld>
+  <p:clrMapOvr>
+    <a:masterClrMapping/>
+  </p:clrMapOvr>
+</p:sld>
+</file>
+
+<file path=ppt/slides/slide12.xml><?xml version="1.0" encoding="utf-8"?>
+<p:sld xmlns:a="http://schemas.openxmlformats.org/drawingml/2006/main" xmlns:r="http://schemas.openxmlformats.org/officeDocument/2006/relationships" xmlns:p="http://schemas.openxmlformats.org/presentationml/2006/main">
+  <p:cSld>
+    <p:spTree>
+      <p:nvGrpSpPr>
+        <p:cNvPr id="1" name=""/>
+        <p:cNvGrpSpPr/>
+        <p:nvPr/>
+      </p:nvGrpSpPr>
+      <p:grpSpPr>
+        <a:xfrm>
+          <a:off x="0" y="0"/>
+          <a:ext cx="0" cy="0"/>
+          <a:chOff x="0" y="0"/>
+          <a:chExt cx="0" cy="0"/>
+        </a:xfrm>
+      </p:grpSpPr>
+      <p:sp>
+        <p:nvSpPr>
+          <p:cNvPr id="2" name="Titolo 1">
+            <a:extLst>
+              <a:ext uri="{FF2B5EF4-FFF2-40B4-BE49-F238E27FC236}">
+                <a16:creationId xmlns:a16="http://schemas.microsoft.com/office/drawing/2014/main" id="{1B67CCBC-3FC1-4DCE-8078-4F7C03F81E50}"/>
+              </a:ext>
+            </a:extLst>
+          </p:cNvPr>
+          <p:cNvSpPr>
+            <a:spLocks noGrp="1"/>
+          </p:cNvSpPr>
+          <p:nvPr>
+            <p:ph type="title"/>
+          </p:nvPr>
+        </p:nvSpPr>
+        <p:spPr/>
+        <p:txBody>
+          <a:bodyPr/>
+          <a:lstStyle/>
+          <a:p>
+            <a:r>
+              <a:rPr lang="it-CH" dirty="0"/>
+              <a:t>Implementazione</a:t>
+            </a:r>
+          </a:p>
+        </p:txBody>
+      </p:sp>
+      <p:pic>
+        <p:nvPicPr>
+          <p:cNvPr id="9" name="Immagine 8">
+            <a:extLst>
+              <a:ext uri="{FF2B5EF4-FFF2-40B4-BE49-F238E27FC236}">
+                <a16:creationId xmlns:a16="http://schemas.microsoft.com/office/drawing/2014/main" id="{0EDDB9F0-36F2-4CFC-AFA3-14D99B392364}"/>
+              </a:ext>
+            </a:extLst>
+          </p:cNvPr>
+          <p:cNvPicPr>
+            <a:picLocks noChangeAspect="1"/>
+          </p:cNvPicPr>
+          <p:nvPr/>
+        </p:nvPicPr>
+        <p:blipFill>
+          <a:blip r:embed="rId2">
+            <a:extLst>
+              <a:ext uri="{28A0092B-C50C-407E-A947-70E740481C1C}">
+                <a14:useLocalDpi xmlns:a14="http://schemas.microsoft.com/office/drawing/2010/main" val="0"/>
+              </a:ext>
+            </a:extLst>
+          </a:blip>
+          <a:stretch>
+            <a:fillRect/>
+          </a:stretch>
+        </p:blipFill>
+        <p:spPr>
+          <a:xfrm>
+            <a:off x="1097280" y="2169520"/>
+            <a:ext cx="6048174" cy="1655927"/>
+          </a:xfrm>
+          <a:prstGeom prst="rect">
+            <a:avLst/>
+          </a:prstGeom>
+        </p:spPr>
+      </p:pic>
+      <p:pic>
+        <p:nvPicPr>
+          <p:cNvPr id="6" name="Immagine 5">
+            <a:extLst>
+              <a:ext uri="{FF2B5EF4-FFF2-40B4-BE49-F238E27FC236}">
+                <a16:creationId xmlns:a16="http://schemas.microsoft.com/office/drawing/2014/main" id="{56C8EACA-5703-44E4-ACD0-12FA98CC69D5}"/>
+              </a:ext>
+            </a:extLst>
+          </p:cNvPr>
+          <p:cNvPicPr>
+            <a:picLocks noChangeAspect="1"/>
+          </p:cNvPicPr>
+          <p:nvPr/>
+        </p:nvPicPr>
+        <p:blipFill>
+          <a:blip r:embed="rId3">
+            <a:extLst>
+              <a:ext uri="{28A0092B-C50C-407E-A947-70E740481C1C}">
+                <a14:useLocalDpi xmlns:a14="http://schemas.microsoft.com/office/drawing/2010/main" val="0"/>
+              </a:ext>
+            </a:extLst>
+          </a:blip>
+          <a:stretch>
+            <a:fillRect/>
+          </a:stretch>
+        </p:blipFill>
+        <p:spPr>
+          <a:xfrm>
+            <a:off x="8154955" y="2848738"/>
+            <a:ext cx="2864964" cy="3122853"/>
+          </a:xfrm>
+          <a:prstGeom prst="rect">
+            <a:avLst/>
+          </a:prstGeom>
+        </p:spPr>
+      </p:pic>
+      <p:pic>
+        <p:nvPicPr>
+          <p:cNvPr id="10" name="Immagine 9">
+            <a:extLst>
+              <a:ext uri="{FF2B5EF4-FFF2-40B4-BE49-F238E27FC236}">
+                <a16:creationId xmlns:a16="http://schemas.microsoft.com/office/drawing/2014/main" id="{566A20A2-AAE6-4FB3-911B-DBE53C23DA44}"/>
+              </a:ext>
+            </a:extLst>
+          </p:cNvPr>
+          <p:cNvPicPr>
+            <a:picLocks noChangeAspect="1"/>
+          </p:cNvPicPr>
+          <p:nvPr/>
+        </p:nvPicPr>
+        <p:blipFill>
+          <a:blip r:embed="rId4">
+            <a:extLst>
+              <a:ext uri="{28A0092B-C50C-407E-A947-70E740481C1C}">
+                <a14:useLocalDpi xmlns:a14="http://schemas.microsoft.com/office/drawing/2010/main" val="0"/>
+              </a:ext>
+            </a:extLst>
+          </a:blip>
+          <a:stretch>
+            <a:fillRect/>
+          </a:stretch>
+        </p:blipFill>
+        <p:spPr>
+          <a:xfrm>
+            <a:off x="5425237" y="3949114"/>
+            <a:ext cx="2347163" cy="922100"/>
+          </a:xfrm>
+          <a:prstGeom prst="rect">
+            <a:avLst/>
+          </a:prstGeom>
+        </p:spPr>
+      </p:pic>
+      <p:sp>
+        <p:nvSpPr>
+          <p:cNvPr id="12" name="Ovale 11">
+            <a:extLst>
+              <a:ext uri="{FF2B5EF4-FFF2-40B4-BE49-F238E27FC236}">
+                <a16:creationId xmlns:a16="http://schemas.microsoft.com/office/drawing/2014/main" id="{F718017B-475E-430B-9ACB-D4662A925EE2}"/>
+              </a:ext>
+            </a:extLst>
+          </p:cNvPr>
+          <p:cNvSpPr/>
+          <p:nvPr/>
+        </p:nvSpPr>
+        <p:spPr>
+          <a:xfrm>
+            <a:off x="8484965" y="2993363"/>
+            <a:ext cx="798995" cy="337666"/>
+          </a:xfrm>
+          <a:prstGeom prst="ellipse">
+            <a:avLst/>
+          </a:prstGeom>
+          <a:noFill/>
+          <a:ln>
+            <a:solidFill>
+              <a:srgbClr val="FF0000"/>
+            </a:solidFill>
+          </a:ln>
+        </p:spPr>
+        <p:style>
+          <a:lnRef idx="2">
+            <a:schemeClr val="accent1">
+              <a:shade val="50000"/>
+            </a:schemeClr>
+          </a:lnRef>
+          <a:fillRef idx="1">
+            <a:schemeClr val="accent1"/>
+          </a:fillRef>
+          <a:effectRef idx="0">
+            <a:schemeClr val="accent1"/>
+          </a:effectRef>
+          <a:fontRef idx="minor">
+            <a:schemeClr val="lt1"/>
+          </a:fontRef>
+        </p:style>
+        <p:txBody>
+          <a:bodyPr rtlCol="0" anchor="ctr"/>
+          <a:lstStyle/>
+          <a:p>
+            <a:pPr algn="ctr"/>
+            <a:endParaRPr lang="it-CH"/>
+          </a:p>
+        </p:txBody>
+      </p:sp>
+      <p:sp>
+        <p:nvSpPr>
+          <p:cNvPr id="13" name="Ovale 12">
+            <a:extLst>
+              <a:ext uri="{FF2B5EF4-FFF2-40B4-BE49-F238E27FC236}">
+                <a16:creationId xmlns:a16="http://schemas.microsoft.com/office/drawing/2014/main" id="{4C473B06-9CF7-4873-8307-80047A65060F}"/>
+              </a:ext>
+            </a:extLst>
+          </p:cNvPr>
+          <p:cNvSpPr/>
+          <p:nvPr/>
+        </p:nvSpPr>
+        <p:spPr>
+          <a:xfrm>
+            <a:off x="9461116" y="2993363"/>
+            <a:ext cx="381384" cy="337666"/>
+          </a:xfrm>
+          <a:prstGeom prst="ellipse">
+            <a:avLst/>
+          </a:prstGeom>
+          <a:noFill/>
+          <a:ln>
+            <a:solidFill>
+              <a:srgbClr val="FF0000"/>
+            </a:solidFill>
+          </a:ln>
+        </p:spPr>
+        <p:style>
+          <a:lnRef idx="2">
+            <a:schemeClr val="accent1">
+              <a:shade val="50000"/>
+            </a:schemeClr>
+          </a:lnRef>
+          <a:fillRef idx="1">
+            <a:schemeClr val="accent1"/>
+          </a:fillRef>
+          <a:effectRef idx="0">
+            <a:schemeClr val="accent1"/>
+          </a:effectRef>
+          <a:fontRef idx="minor">
+            <a:schemeClr val="lt1"/>
+          </a:fontRef>
+        </p:style>
+        <p:txBody>
+          <a:bodyPr rtlCol="0" anchor="ctr"/>
+          <a:lstStyle/>
+          <a:p>
+            <a:pPr algn="ctr"/>
+            <a:endParaRPr lang="it-CH"/>
+          </a:p>
+        </p:txBody>
+      </p:sp>
+      <p:sp>
+        <p:nvSpPr>
+          <p:cNvPr id="14" name="CasellaDiTesto 13">
+            <a:extLst>
+              <a:ext uri="{FF2B5EF4-FFF2-40B4-BE49-F238E27FC236}">
+                <a16:creationId xmlns:a16="http://schemas.microsoft.com/office/drawing/2014/main" id="{5BCB87BC-E5EA-4511-AB86-AAF28D4E5F6D}"/>
+              </a:ext>
+            </a:extLst>
+          </p:cNvPr>
+          <p:cNvSpPr txBox="1"/>
+          <p:nvPr/>
+        </p:nvSpPr>
+        <p:spPr>
+          <a:xfrm>
+            <a:off x="7901142" y="2825115"/>
+            <a:ext cx="382555" cy="1585049"/>
+          </a:xfrm>
+          <a:prstGeom prst="rect">
+            <a:avLst/>
+          </a:prstGeom>
+          <a:noFill/>
+        </p:spPr>
+        <p:txBody>
+          <a:bodyPr wrap="square" rtlCol="0">
+            <a:spAutoFit/>
+          </a:bodyPr>
+          <a:lstStyle/>
+          <a:p>
+            <a:r>
+              <a:rPr lang="it-CH" sz="1400" dirty="0">
+                <a:solidFill>
+                  <a:srgbClr val="FF0000"/>
+                </a:solidFill>
+              </a:rPr>
+              <a:t>0</a:t>
+            </a:r>
+          </a:p>
+          <a:p>
+            <a:r>
+              <a:rPr lang="it-CH" sz="1400" dirty="0">
+                <a:solidFill>
+                  <a:srgbClr val="FF0000"/>
+                </a:solidFill>
+              </a:rPr>
+              <a:t>1</a:t>
+            </a:r>
+          </a:p>
+          <a:p>
+            <a:r>
+              <a:rPr lang="it-CH" sz="1400" dirty="0">
+                <a:solidFill>
+                  <a:srgbClr val="FF0000"/>
+                </a:solidFill>
+              </a:rPr>
+              <a:t>2</a:t>
+            </a:r>
+          </a:p>
+          <a:p>
+            <a:r>
+              <a:rPr lang="it-CH" sz="1400" dirty="0">
+                <a:solidFill>
+                  <a:srgbClr val="FF0000"/>
+                </a:solidFill>
+              </a:rPr>
+              <a:t>3</a:t>
+            </a:r>
+          </a:p>
+          <a:p>
+            <a:r>
+              <a:rPr lang="it-CH" sz="1400" dirty="0">
+                <a:solidFill>
+                  <a:srgbClr val="FF0000"/>
+                </a:solidFill>
+              </a:rPr>
+              <a:t>4</a:t>
+            </a:r>
+          </a:p>
+          <a:p>
+            <a:r>
+              <a:rPr lang="it-CH" sz="1400" dirty="0">
+                <a:solidFill>
+                  <a:srgbClr val="FF0000"/>
+                </a:solidFill>
+              </a:rPr>
+              <a:t>5</a:t>
+            </a:r>
+          </a:p>
+          <a:p>
+            <a:r>
+              <a:rPr lang="it-CH" sz="1300" dirty="0">
+                <a:solidFill>
+                  <a:srgbClr val="FF0000"/>
+                </a:solidFill>
+              </a:rPr>
+              <a:t>…</a:t>
+            </a:r>
+          </a:p>
+        </p:txBody>
+      </p:sp>
+      <p:sp>
+        <p:nvSpPr>
+          <p:cNvPr id="15" name="CasellaDiTesto 14">
+            <a:extLst>
+              <a:ext uri="{FF2B5EF4-FFF2-40B4-BE49-F238E27FC236}">
+                <a16:creationId xmlns:a16="http://schemas.microsoft.com/office/drawing/2014/main" id="{57DC23E5-898F-4F6B-BBC6-22EE8FD03BF6}"/>
+              </a:ext>
+            </a:extLst>
+          </p:cNvPr>
+          <p:cNvSpPr txBox="1"/>
+          <p:nvPr/>
+        </p:nvSpPr>
+        <p:spPr>
+          <a:xfrm>
+            <a:off x="8092419" y="2570480"/>
+            <a:ext cx="2035525" cy="307777"/>
+          </a:xfrm>
+          <a:prstGeom prst="rect">
+            <a:avLst/>
+          </a:prstGeom>
+          <a:noFill/>
+        </p:spPr>
+        <p:txBody>
+          <a:bodyPr wrap="square" rtlCol="0">
+            <a:spAutoFit/>
+          </a:bodyPr>
+          <a:lstStyle/>
+          <a:p>
+            <a:r>
+              <a:rPr lang="it-CH" sz="1400" dirty="0">
+                <a:solidFill>
+                  <a:srgbClr val="FF0000"/>
+                </a:solidFill>
+              </a:rPr>
+              <a:t>0   1  2   3  4   5  6   7  8  …</a:t>
+            </a:r>
+          </a:p>
+        </p:txBody>
+      </p:sp>
+    </p:spTree>
+    <p:extLst>
+      <p:ext uri="{BB962C8B-B14F-4D97-AF65-F5344CB8AC3E}">
+        <p14:creationId xmlns:p14="http://schemas.microsoft.com/office/powerpoint/2010/main" val="3484766841"/>
+      </p:ext>
+    </p:extLst>
+  </p:cSld>
+  <p:clrMapOvr>
+    <a:masterClrMapping/>
+  </p:clrMapOvr>
+  <p:timing>
+    <p:tnLst>
+      <p:par>
+        <p:cTn id="1" dur="indefinite" restart="never" nodeType="tmRoot">
+          <p:childTnLst>
+            <p:seq concurrent="1" nextAc="seek">
+              <p:cTn id="2" dur="indefinite" nodeType="mainSeq">
+                <p:childTnLst>
+                  <p:par>
+                    <p:cTn id="3" fill="hold">
+                      <p:stCondLst>
+                        <p:cond delay="indefinite"/>
+                      </p:stCondLst>
+                      <p:childTnLst>
+                        <p:par>
+                          <p:cTn id="4" fill="hold">
+                            <p:stCondLst>
+                              <p:cond delay="0"/>
+                            </p:stCondLst>
+                            <p:childTnLst>
+                              <p:par>
+                                <p:cTn id="5" presetID="1" presetClass="entr" presetSubtype="0" fill="hold" nodeType="clickEffect">
+                                  <p:stCondLst>
+                                    <p:cond delay="0"/>
+                                  </p:stCondLst>
+                                  <p:childTnLst>
+                                    <p:set>
+                                      <p:cBhvr>
+                                        <p:cTn id="6" dur="1" fill="hold">
+                                          <p:stCondLst>
+                                            <p:cond delay="0"/>
+                                          </p:stCondLst>
+                                        </p:cTn>
+                                        <p:tgtEl>
+                                          <p:spTgt spid="10"/>
+                                        </p:tgtEl>
+                                        <p:attrNameLst>
+                                          <p:attrName>style.visibility</p:attrName>
+                                        </p:attrNameLst>
+                                      </p:cBhvr>
+                                      <p:to>
+                                        <p:strVal val="visible"/>
+                                      </p:to>
+                                    </p:set>
+                                  </p:childTnLst>
+                                </p:cTn>
+                              </p:par>
+                              <p:par>
+                                <p:cTn id="7" presetID="1" presetClass="entr" presetSubtype="0" fill="hold" nodeType="withEffect">
+                                  <p:stCondLst>
+                                    <p:cond delay="0"/>
+                                  </p:stCondLst>
+                                  <p:childTnLst>
+                                    <p:set>
+                                      <p:cBhvr>
+                                        <p:cTn id="8" dur="1" fill="hold">
+                                          <p:stCondLst>
+                                            <p:cond delay="0"/>
+                                          </p:stCondLst>
+                                        </p:cTn>
+                                        <p:tgtEl>
+                                          <p:spTgt spid="6"/>
+                                        </p:tgtEl>
+                                        <p:attrNameLst>
+                                          <p:attrName>style.visibility</p:attrName>
+                                        </p:attrNameLst>
+                                      </p:cBhvr>
+                                      <p:to>
+                                        <p:strVal val="visible"/>
+                                      </p:to>
+                                    </p:set>
+                                  </p:childTnLst>
+                                </p:cTn>
+                              </p:par>
+                              <p:par>
+                                <p:cTn id="9" presetID="1" presetClass="entr" presetSubtype="0" fill="hold" grpId="0" nodeType="withEffect">
+                                  <p:stCondLst>
+                                    <p:cond delay="0"/>
+                                  </p:stCondLst>
+                                  <p:childTnLst>
+                                    <p:set>
+                                      <p:cBhvr>
+                                        <p:cTn id="10" dur="1" fill="hold">
+                                          <p:stCondLst>
+                                            <p:cond delay="0"/>
+                                          </p:stCondLst>
+                                        </p:cTn>
+                                        <p:tgtEl>
+                                          <p:spTgt spid="14"/>
+                                        </p:tgtEl>
+                                        <p:attrNameLst>
+                                          <p:attrName>style.visibility</p:attrName>
+                                        </p:attrNameLst>
+                                      </p:cBhvr>
+                                      <p:to>
+                                        <p:strVal val="visible"/>
+                                      </p:to>
+                                    </p:set>
+                                  </p:childTnLst>
+                                </p:cTn>
+                              </p:par>
+                              <p:par>
+                                <p:cTn id="11" presetID="1" presetClass="entr" presetSubtype="0" fill="hold" grpId="0" nodeType="withEffect">
+                                  <p:stCondLst>
+                                    <p:cond delay="0"/>
+                                  </p:stCondLst>
+                                  <p:childTnLst>
+                                    <p:set>
+                                      <p:cBhvr>
+                                        <p:cTn id="12" dur="1" fill="hold">
+                                          <p:stCondLst>
+                                            <p:cond delay="0"/>
+                                          </p:stCondLst>
+                                        </p:cTn>
+                                        <p:tgtEl>
+                                          <p:spTgt spid="15"/>
+                                        </p:tgtEl>
+                                        <p:attrNameLst>
+                                          <p:attrName>style.visibility</p:attrName>
+                                        </p:attrNameLst>
+                                      </p:cBhvr>
+                                      <p:to>
+                                        <p:strVal val="visible"/>
+                                      </p:to>
+                                    </p:set>
+                                  </p:childTnLst>
+                                </p:cTn>
+                              </p:par>
+                              <p:par>
+                                <p:cTn id="13" presetID="1" presetClass="entr" presetSubtype="0" fill="hold" grpId="0" nodeType="withEffect">
+                                  <p:stCondLst>
+                                    <p:cond delay="0"/>
+                                  </p:stCondLst>
+                                  <p:childTnLst>
+                                    <p:set>
+                                      <p:cBhvr>
+                                        <p:cTn id="14" dur="1" fill="hold">
+                                          <p:stCondLst>
+                                            <p:cond delay="0"/>
+                                          </p:stCondLst>
+                                        </p:cTn>
+                                        <p:tgtEl>
+                                          <p:spTgt spid="12"/>
+                                        </p:tgtEl>
+                                        <p:attrNameLst>
+                                          <p:attrName>style.visibility</p:attrName>
+                                        </p:attrNameLst>
+                                      </p:cBhvr>
+                                      <p:to>
+                                        <p:strVal val="visible"/>
+                                      </p:to>
+                                    </p:set>
+                                  </p:childTnLst>
+                                </p:cTn>
+                              </p:par>
+                              <p:par>
+                                <p:cTn id="15" presetID="1" presetClass="entr" presetSubtype="0" fill="hold" grpId="0" nodeType="withEffect">
+                                  <p:stCondLst>
+                                    <p:cond delay="0"/>
+                                  </p:stCondLst>
+                                  <p:childTnLst>
+                                    <p:set>
+                                      <p:cBhvr>
+                                        <p:cTn id="16" dur="1" fill="hold">
+                                          <p:stCondLst>
+                                            <p:cond delay="0"/>
+                                          </p:stCondLst>
+                                        </p:cTn>
+                                        <p:tgtEl>
+                                          <p:spTgt spid="13"/>
+                                        </p:tgtEl>
+                                        <p:attrNameLst>
+                                          <p:attrName>style.visibility</p:attrName>
+                                        </p:attrNameLst>
+                                      </p:cBhvr>
+                                      <p:to>
+                                        <p:strVal val="visible"/>
+                                      </p:to>
+                                    </p:set>
+                                  </p:childTnLst>
+                                </p:cTn>
+                              </p:par>
+                            </p:childTnLst>
+                          </p:cTn>
+                        </p:par>
+                      </p:childTnLst>
+                    </p:cTn>
+                  </p:par>
+                </p:childTnLst>
+              </p:cTn>
+              <p:prevCondLst>
+                <p:cond evt="onPrev" delay="0">
+                  <p:tgtEl>
+                    <p:sldTgt/>
+                  </p:tgtEl>
+                </p:cond>
+              </p:prevCondLst>
+              <p:nextCondLst>
+                <p:cond evt="onNext" delay="0">
+                  <p:tgtEl>
+                    <p:sldTgt/>
+                  </p:tgtEl>
+                </p:cond>
+              </p:nextCondLst>
+            </p:seq>
+          </p:childTnLst>
+        </p:cTn>
+      </p:par>
+    </p:tnLst>
+    <p:bldLst>
+      <p:bldP spid="12" grpId="0" animBg="1"/>
+      <p:bldP spid="13" grpId="0" animBg="1"/>
+      <p:bldP spid="14" grpId="0"/>
+      <p:bldP spid="15" grpId="0"/>
+    </p:bldLst>
+  </p:timing>
+</p:sld>
+</file>
+
+<file path=ppt/slides/slide13.xml><?xml version="1.0" encoding="utf-8"?>
+<p:sld xmlns:a="http://schemas.openxmlformats.org/drawingml/2006/main" xmlns:r="http://schemas.openxmlformats.org/officeDocument/2006/relationships" xmlns:p="http://schemas.openxmlformats.org/presentationml/2006/main">
+  <p:cSld>
+    <p:spTree>
+      <p:nvGrpSpPr>
+        <p:cNvPr id="1" name=""/>
+        <p:cNvGrpSpPr/>
+        <p:nvPr/>
+      </p:nvGrpSpPr>
+      <p:grpSpPr>
+        <a:xfrm>
+          <a:off x="0" y="0"/>
+          <a:ext cx="0" cy="0"/>
+          <a:chOff x="0" y="0"/>
+          <a:chExt cx="0" cy="0"/>
+        </a:xfrm>
+      </p:grpSpPr>
+      <p:sp>
+        <p:nvSpPr>
+          <p:cNvPr id="2" name="Titolo 1">
+            <a:extLst>
+              <a:ext uri="{FF2B5EF4-FFF2-40B4-BE49-F238E27FC236}">
+                <a16:creationId xmlns:a16="http://schemas.microsoft.com/office/drawing/2014/main" id="{1B67CCBC-3FC1-4DCE-8078-4F7C03F81E50}"/>
+              </a:ext>
+            </a:extLst>
+          </p:cNvPr>
+          <p:cNvSpPr>
+            <a:spLocks noGrp="1"/>
+          </p:cNvSpPr>
+          <p:nvPr>
+            <p:ph type="title"/>
+          </p:nvPr>
+        </p:nvSpPr>
+        <p:spPr/>
+        <p:txBody>
+          <a:bodyPr/>
+          <a:lstStyle/>
+          <a:p>
+            <a:r>
+              <a:rPr lang="it-CH" dirty="0"/>
+              <a:t>Implementazione</a:t>
+            </a:r>
+          </a:p>
+        </p:txBody>
+      </p:sp>
+      <p:pic>
+        <p:nvPicPr>
+          <p:cNvPr id="6" name="Segnaposto contenuto 5">
+            <a:extLst>
+              <a:ext uri="{FF2B5EF4-FFF2-40B4-BE49-F238E27FC236}">
+                <a16:creationId xmlns:a16="http://schemas.microsoft.com/office/drawing/2014/main" id="{58739778-2FC3-4466-A52D-436A7F88C87F}"/>
+              </a:ext>
+            </a:extLst>
+          </p:cNvPr>
+          <p:cNvPicPr>
+            <a:picLocks noGrp="1" noChangeAspect="1"/>
+          </p:cNvPicPr>
+          <p:nvPr>
+            <p:ph idx="1"/>
+          </p:nvPr>
+        </p:nvPicPr>
+        <p:blipFill>
+          <a:blip r:embed="rId2">
+            <a:extLst>
+              <a:ext uri="{28A0092B-C50C-407E-A947-70E740481C1C}">
+                <a14:useLocalDpi xmlns:a14="http://schemas.microsoft.com/office/drawing/2010/main" val="0"/>
+              </a:ext>
+            </a:extLst>
+          </a:blip>
+          <a:stretch>
+            <a:fillRect/>
+          </a:stretch>
+        </p:blipFill>
+        <p:spPr>
+          <a:xfrm>
+            <a:off x="2533878" y="2014214"/>
+            <a:ext cx="3651696" cy="4022725"/>
+          </a:xfrm>
+        </p:spPr>
+      </p:pic>
+      <p:pic>
+        <p:nvPicPr>
+          <p:cNvPr id="4" name="Immagine 3">
+            <a:extLst>
+              <a:ext uri="{FF2B5EF4-FFF2-40B4-BE49-F238E27FC236}">
+                <a16:creationId xmlns:a16="http://schemas.microsoft.com/office/drawing/2014/main" id="{110E41ED-83D4-4E4C-B11A-F9918DA703DF}"/>
+              </a:ext>
+            </a:extLst>
+          </p:cNvPr>
+          <p:cNvPicPr>
+            <a:picLocks noChangeAspect="1"/>
+          </p:cNvPicPr>
+          <p:nvPr/>
+        </p:nvPicPr>
+        <p:blipFill>
+          <a:blip r:embed="rId3">
+            <a:extLst>
+              <a:ext uri="{28A0092B-C50C-407E-A947-70E740481C1C}">
+                <a14:useLocalDpi xmlns:a14="http://schemas.microsoft.com/office/drawing/2010/main" val="0"/>
+              </a:ext>
+            </a:extLst>
+          </a:blip>
+          <a:stretch>
+            <a:fillRect/>
+          </a:stretch>
+        </p:blipFill>
+        <p:spPr>
+          <a:xfrm>
+            <a:off x="7115112" y="3652163"/>
+            <a:ext cx="2347163" cy="746825"/>
+          </a:xfrm>
+          <a:prstGeom prst="rect">
+            <a:avLst/>
+          </a:prstGeom>
+        </p:spPr>
+      </p:pic>
+    </p:spTree>
+    <p:extLst>
+      <p:ext uri="{BB962C8B-B14F-4D97-AF65-F5344CB8AC3E}">
+        <p14:creationId xmlns:p14="http://schemas.microsoft.com/office/powerpoint/2010/main" val="2631720004"/>
+      </p:ext>
+    </p:extLst>
+  </p:cSld>
+  <p:clrMapOvr>
+    <a:masterClrMapping/>
+  </p:clrMapOvr>
+  <p:timing>
+    <p:tnLst>
+      <p:par>
+        <p:cTn id="1" dur="indefinite" restart="never" nodeType="tmRoot">
+          <p:childTnLst>
+            <p:seq concurrent="1" nextAc="seek">
+              <p:cTn id="2" dur="indefinite" nodeType="mainSeq">
+                <p:childTnLst>
+                  <p:par>
+                    <p:cTn id="3" fill="hold">
+                      <p:stCondLst>
+                        <p:cond delay="indefinite"/>
+                      </p:stCondLst>
+                      <p:childTnLst>
+                        <p:par>
+                          <p:cTn id="4" fill="hold">
+                            <p:stCondLst>
+                              <p:cond delay="0"/>
+                            </p:stCondLst>
+                            <p:childTnLst>
+                              <p:par>
+                                <p:cTn id="5" presetID="1" presetClass="entr" presetSubtype="0" fill="hold" nodeType="clickEffect">
+                                  <p:stCondLst>
+                                    <p:cond delay="0"/>
+                                  </p:stCondLst>
+                                  <p:childTnLst>
+                                    <p:set>
+                                      <p:cBhvr>
+                                        <p:cTn id="6" dur="1" fill="hold">
+                                          <p:stCondLst>
+                                            <p:cond delay="0"/>
+                                          </p:stCondLst>
+                                        </p:cTn>
+                                        <p:tgtEl>
+                                          <p:spTgt spid="4"/>
+                                        </p:tgtEl>
+                                        <p:attrNameLst>
+                                          <p:attrName>style.visibility</p:attrName>
+                                        </p:attrNameLst>
+                                      </p:cBhvr>
+                                      <p:to>
+                                        <p:strVal val="visible"/>
+                                      </p:to>
+                                    </p:set>
+                                  </p:childTnLst>
+                                </p:cTn>
+                              </p:par>
+                            </p:childTnLst>
+                          </p:cTn>
+                        </p:par>
+                      </p:childTnLst>
+                    </p:cTn>
+                  </p:par>
+                </p:childTnLst>
+              </p:cTn>
+              <p:prevCondLst>
+                <p:cond evt="onPrev" delay="0">
+                  <p:tgtEl>
+                    <p:sldTgt/>
+                  </p:tgtEl>
+                </p:cond>
+              </p:prevCondLst>
+              <p:nextCondLst>
+                <p:cond evt="onNext" delay="0">
+                  <p:tgtEl>
+                    <p:sldTgt/>
+                  </p:tgtEl>
+                </p:cond>
+              </p:nextCondLst>
+            </p:seq>
+          </p:childTnLst>
+        </p:cTn>
+      </p:par>
+    </p:tnLst>
+  </p:timing>
+</p:sld>
+</file>
+
+<file path=ppt/slides/slide14.xml><?xml version="1.0" encoding="utf-8"?>
+<p:sld xmlns:a="http://schemas.openxmlformats.org/drawingml/2006/main" xmlns:r="http://schemas.openxmlformats.org/officeDocument/2006/relationships" xmlns:p="http://schemas.openxmlformats.org/presentationml/2006/main">
+  <p:cSld>
+    <p:spTree>
+      <p:nvGrpSpPr>
+        <p:cNvPr id="1" name=""/>
+        <p:cNvGrpSpPr/>
+        <p:nvPr/>
+      </p:nvGrpSpPr>
+      <p:grpSpPr>
+        <a:xfrm>
+          <a:off x="0" y="0"/>
+          <a:ext cx="0" cy="0"/>
+          <a:chOff x="0" y="0"/>
+          <a:chExt cx="0" cy="0"/>
+        </a:xfrm>
+      </p:grpSpPr>
+      <p:sp>
+        <p:nvSpPr>
+          <p:cNvPr id="2" name="Titolo 1">
+            <a:extLst>
+              <a:ext uri="{FF2B5EF4-FFF2-40B4-BE49-F238E27FC236}">
+                <a16:creationId xmlns:a16="http://schemas.microsoft.com/office/drawing/2014/main" id="{1B67CCBC-3FC1-4DCE-8078-4F7C03F81E50}"/>
+              </a:ext>
+            </a:extLst>
+          </p:cNvPr>
+          <p:cNvSpPr>
+            <a:spLocks noGrp="1"/>
+          </p:cNvSpPr>
+          <p:nvPr>
+            <p:ph type="title"/>
+          </p:nvPr>
+        </p:nvSpPr>
+        <p:spPr/>
+        <p:txBody>
+          <a:bodyPr/>
+          <a:lstStyle/>
+          <a:p>
+            <a:r>
+              <a:rPr lang="it-CH" dirty="0"/>
+              <a:t>Implementazione</a:t>
+            </a:r>
+          </a:p>
+        </p:txBody>
+      </p:sp>
+      <p:pic>
+        <p:nvPicPr>
+          <p:cNvPr id="7" name="Segnaposto contenuto 6">
+            <a:extLst>
+              <a:ext uri="{FF2B5EF4-FFF2-40B4-BE49-F238E27FC236}">
+                <a16:creationId xmlns:a16="http://schemas.microsoft.com/office/drawing/2014/main" id="{B0140C04-47BF-4D6A-805D-AFB08CFD4A54}"/>
+              </a:ext>
+            </a:extLst>
+          </p:cNvPr>
+          <p:cNvPicPr>
+            <a:picLocks noGrp="1" noChangeAspect="1"/>
+          </p:cNvPicPr>
+          <p:nvPr>
+            <p:ph idx="1"/>
+          </p:nvPr>
+        </p:nvPicPr>
+        <p:blipFill>
+          <a:blip r:embed="rId2">
+            <a:extLst>
+              <a:ext uri="{28A0092B-C50C-407E-A947-70E740481C1C}">
+                <a14:useLocalDpi xmlns:a14="http://schemas.microsoft.com/office/drawing/2010/main" val="0"/>
+              </a:ext>
+            </a:extLst>
+          </a:blip>
+          <a:stretch>
+            <a:fillRect/>
+          </a:stretch>
+        </p:blipFill>
+        <p:spPr>
+          <a:xfrm>
+            <a:off x="3413835" y="2153533"/>
+            <a:ext cx="1874682" cy="3856054"/>
+          </a:xfrm>
+        </p:spPr>
+      </p:pic>
+      <p:pic>
+        <p:nvPicPr>
+          <p:cNvPr id="9" name="Immagine 8">
+            <a:extLst>
+              <a:ext uri="{FF2B5EF4-FFF2-40B4-BE49-F238E27FC236}">
+                <a16:creationId xmlns:a16="http://schemas.microsoft.com/office/drawing/2014/main" id="{F06BCA66-9014-483A-871F-DFFF3B755354}"/>
+              </a:ext>
+            </a:extLst>
+          </p:cNvPr>
+          <p:cNvPicPr>
+            <a:picLocks noChangeAspect="1"/>
+          </p:cNvPicPr>
+          <p:nvPr/>
+        </p:nvPicPr>
+        <p:blipFill>
+          <a:blip r:embed="rId3">
+            <a:extLst>
+              <a:ext uri="{28A0092B-C50C-407E-A947-70E740481C1C}">
+                <a14:useLocalDpi xmlns:a14="http://schemas.microsoft.com/office/drawing/2010/main" val="0"/>
+              </a:ext>
+            </a:extLst>
+          </a:blip>
+          <a:stretch>
+            <a:fillRect/>
+          </a:stretch>
+        </p:blipFill>
+        <p:spPr>
+          <a:xfrm>
+            <a:off x="6903485" y="3704337"/>
+            <a:ext cx="2461473" cy="754445"/>
+          </a:xfrm>
+          <a:prstGeom prst="rect">
+            <a:avLst/>
+          </a:prstGeom>
+        </p:spPr>
+      </p:pic>
+    </p:spTree>
+    <p:extLst>
+      <p:ext uri="{BB962C8B-B14F-4D97-AF65-F5344CB8AC3E}">
+        <p14:creationId xmlns:p14="http://schemas.microsoft.com/office/powerpoint/2010/main" val="807720757"/>
+      </p:ext>
+    </p:extLst>
+  </p:cSld>
+  <p:clrMapOvr>
+    <a:masterClrMapping/>
+  </p:clrMapOvr>
+  <p:timing>
+    <p:tnLst>
+      <p:par>
+        <p:cTn id="1" dur="indefinite" restart="never" nodeType="tmRoot">
+          <p:childTnLst>
+            <p:seq concurrent="1" nextAc="seek">
+              <p:cTn id="2" dur="indefinite" nodeType="mainSeq">
+                <p:childTnLst>
+                  <p:par>
+                    <p:cTn id="3" fill="hold">
+                      <p:stCondLst>
+                        <p:cond delay="indefinite"/>
+                      </p:stCondLst>
+                      <p:childTnLst>
+                        <p:par>
+                          <p:cTn id="4" fill="hold">
+                            <p:stCondLst>
+                              <p:cond delay="0"/>
+                            </p:stCondLst>
+                            <p:childTnLst>
+                              <p:par>
+                                <p:cTn id="5" presetID="1" presetClass="entr" presetSubtype="0" fill="hold" nodeType="clickEffect">
+                                  <p:stCondLst>
+                                    <p:cond delay="0"/>
+                                  </p:stCondLst>
+                                  <p:childTnLst>
+                                    <p:set>
+                                      <p:cBhvr>
+                                        <p:cTn id="6" dur="1" fill="hold">
+                                          <p:stCondLst>
+                                            <p:cond delay="0"/>
+                                          </p:stCondLst>
+                                        </p:cTn>
+                                        <p:tgtEl>
+                                          <p:spTgt spid="9"/>
+                                        </p:tgtEl>
+                                        <p:attrNameLst>
+                                          <p:attrName>style.visibility</p:attrName>
+                                        </p:attrNameLst>
+                                      </p:cBhvr>
+                                      <p:to>
+                                        <p:strVal val="visible"/>
+                                      </p:to>
+                                    </p:set>
+                                  </p:childTnLst>
+                                </p:cTn>
+                              </p:par>
+                            </p:childTnLst>
+                          </p:cTn>
+                        </p:par>
+                      </p:childTnLst>
+                    </p:cTn>
+                  </p:par>
+                </p:childTnLst>
+              </p:cTn>
+              <p:prevCondLst>
+                <p:cond evt="onPrev" delay="0">
+                  <p:tgtEl>
+                    <p:sldTgt/>
+                  </p:tgtEl>
+                </p:cond>
+              </p:prevCondLst>
+              <p:nextCondLst>
+                <p:cond evt="onNext" delay="0">
+                  <p:tgtEl>
+                    <p:sldTgt/>
+                  </p:tgtEl>
+                </p:cond>
+              </p:nextCondLst>
+            </p:seq>
+          </p:childTnLst>
+        </p:cTn>
+      </p:par>
+    </p:tnLst>
+  </p:timing>
+</p:sld>
+</file>
+
+<file path=ppt/slides/slide15.xml><?xml version="1.0" encoding="utf-8"?>
 <p:sld xmlns:a="http://schemas.openxmlformats.org/drawingml/2006/main" xmlns:r="http://schemas.openxmlformats.org/officeDocument/2006/relationships" xmlns:p="http://schemas.openxmlformats.org/presentationml/2006/main">
   <p:cSld>
     <p:bg>
@@ -7435,7 +8538,7 @@
 </p:sld>
 </file>
 
-<file path=ppt/slides/slide12.xml><?xml version="1.0" encoding="utf-8"?>
+<file path=ppt/slides/slide16.xml><?xml version="1.0" encoding="utf-8"?>
 <p:sld xmlns:a="http://schemas.openxmlformats.org/drawingml/2006/main" xmlns:r="http://schemas.openxmlformats.org/officeDocument/2006/relationships" xmlns:p="http://schemas.openxmlformats.org/presentationml/2006/main">
   <p:cSld>
     <p:spTree>
@@ -7475,7 +8578,7 @@
           <a:p>
             <a:r>
               <a:rPr lang="it-CH" dirty="0"/>
-              <a:t>Mancanza nel prodotto	</a:t>
+              <a:t>Mancanza nel prodotto finale	</a:t>
             </a:r>
           </a:p>
         </p:txBody>
@@ -7567,7 +8670,7 @@
 </p:sld>
 </file>
 
-<file path=ppt/slides/slide13.xml><?xml version="1.0" encoding="utf-8"?>
+<file path=ppt/slides/slide17.xml><?xml version="1.0" encoding="utf-8"?>
 <p:sld xmlns:a="http://schemas.openxmlformats.org/drawingml/2006/main" xmlns:r="http://schemas.openxmlformats.org/officeDocument/2006/relationships" xmlns:p="http://schemas.openxmlformats.org/presentationml/2006/main">
   <p:cSld>
     <p:spTree>
@@ -7719,7 +8822,7 @@
         <p:spPr/>
         <p:txBody>
           <a:bodyPr>
-            <a:normAutofit/>
+            <a:normAutofit fontScale="85000" lnSpcReduction="20000"/>
           </a:bodyPr>
           <a:lstStyle/>
           <a:p>
@@ -7740,6 +8843,12 @@
           <a:p>
             <a:r>
               <a:rPr lang="it-CH" sz="2800" dirty="0"/>
+              <a:t>Pianificazione - Consuntivo</a:t>
+            </a:r>
+          </a:p>
+          <a:p>
+            <a:r>
+              <a:rPr lang="it-CH" sz="2800" dirty="0"/>
               <a:t>Progettazione</a:t>
             </a:r>
           </a:p>
@@ -7758,7 +8867,13 @@
           <a:p>
             <a:r>
               <a:rPr lang="it-CH" sz="2800" dirty="0"/>
-              <a:t>Conclusioni</a:t>
+              <a:t>Ore investite</a:t>
+            </a:r>
+          </a:p>
+          <a:p>
+            <a:r>
+              <a:rPr lang="it-CH" sz="2800" dirty="0"/>
+              <a:t>Mancanza nel prodotto finale</a:t>
             </a:r>
           </a:p>
         </p:txBody>
@@ -9434,8 +10549,21 @@
           <a:p>
             <a:r>
               <a:rPr lang="it-CH" sz="2800" dirty="0"/>
-              <a:t>Tutto viene gestito in un file</a:t>
-            </a:r>
+              <a:t>Tutto viene gestito in un file </a:t>
+            </a:r>
+            <a:r>
+              <a:rPr lang="it-CH" sz="2800" dirty="0">
+                <a:sym typeface="Wingdings" panose="05000000000000000000" pitchFamily="2" charset="2"/>
+              </a:rPr>
+              <a:t> </a:t>
+            </a:r>
+            <a:r>
+              <a:rPr lang="it-CH" sz="2800" dirty="0" err="1">
+                <a:sym typeface="Wingdings" panose="05000000000000000000" pitchFamily="2" charset="2"/>
+              </a:rPr>
+              <a:t>WordClock.ino</a:t>
+            </a:r>
+            <a:endParaRPr lang="it-CH" sz="2800" dirty="0"/>
           </a:p>
           <a:p>
             <a:r>
@@ -9458,6 +10586,65 @@
               <a:rPr lang="it-CH" sz="2800" dirty="0"/>
               <a:t>…else»</a:t>
             </a:r>
+          </a:p>
+          <a:p>
+            <a:r>
+              <a:rPr lang="it-CH" sz="2800" dirty="0"/>
+              <a:t>Il codice si divide in due parti principali:</a:t>
+            </a:r>
+          </a:p>
+          <a:p>
+            <a:pPr marL="806958" lvl="1" indent="-514350">
+              <a:buFont typeface="+mj-lt"/>
+              <a:buAutoNum type="arabicPeriod"/>
+            </a:pPr>
+            <a:r>
+              <a:rPr lang="it-CH" sz="2600" dirty="0"/>
+              <a:t>Configurazione iniziale</a:t>
+            </a:r>
+          </a:p>
+          <a:p>
+            <a:pPr marL="806958" lvl="1" indent="-514350">
+              <a:buFont typeface="+mj-lt"/>
+              <a:buAutoNum type="arabicPeriod"/>
+            </a:pPr>
+            <a:r>
+              <a:rPr lang="it-CH" sz="2600" dirty="0"/>
+              <a:t>Stampa degli orari</a:t>
+            </a:r>
+          </a:p>
+          <a:p>
+            <a:pPr marL="932688" lvl="2" indent="-457200">
+              <a:buFont typeface="Wingdings" panose="05000000000000000000" pitchFamily="2" charset="2"/>
+              <a:buChar char="§"/>
+            </a:pPr>
+            <a:r>
+              <a:rPr lang="it-CH" sz="2200" dirty="0"/>
+              <a:t>Principalmente costrutti «</a:t>
+            </a:r>
+            <a:r>
+              <a:rPr lang="it-CH" sz="2200" dirty="0" err="1"/>
+              <a:t>if</a:t>
+            </a:r>
+            <a:r>
+              <a:rPr lang="it-CH" sz="2200" dirty="0"/>
+              <a:t>…else </a:t>
+            </a:r>
+            <a:r>
+              <a:rPr lang="it-CH" sz="2200" dirty="0" err="1"/>
+              <a:t>if</a:t>
+            </a:r>
+            <a:r>
+              <a:rPr lang="it-CH" sz="2200" dirty="0"/>
+              <a:t>…else»</a:t>
+            </a:r>
+          </a:p>
+          <a:p>
+            <a:pPr marL="932688" lvl="2" indent="-457200">
+              <a:buFont typeface="Wingdings" panose="05000000000000000000" pitchFamily="2" charset="2"/>
+              <a:buChar char="§"/>
+            </a:pPr>
+            <a:endParaRPr lang="it-CH" sz="2200" dirty="0"/>
           </a:p>
         </p:txBody>
       </p:sp>

--- a/Presentazione/Presentazione_Word_Clock.pptx
+++ b/Presentazione/Presentazione_Word_Clock.pptx
@@ -278,7 +278,7 @@
           <a:p>
             <a:fld id="{F7E49206-D6C0-4DB1-8B49-D64BF1AB1633}" type="datetimeFigureOut">
               <a:rPr lang="it-CH" smtClean="0"/>
-              <a:t>22.05.2019</a:t>
+              <a:t>23.05.2019</a:t>
             </a:fld>
             <a:endParaRPr lang="it-CH"/>
           </a:p>
@@ -478,7 +478,7 @@
           <a:p>
             <a:fld id="{F7E49206-D6C0-4DB1-8B49-D64BF1AB1633}" type="datetimeFigureOut">
               <a:rPr lang="it-CH" smtClean="0"/>
-              <a:t>22.05.2019</a:t>
+              <a:t>23.05.2019</a:t>
             </a:fld>
             <a:endParaRPr lang="it-CH"/>
           </a:p>
@@ -688,7 +688,7 @@
           <a:p>
             <a:fld id="{F7E49206-D6C0-4DB1-8B49-D64BF1AB1633}" type="datetimeFigureOut">
               <a:rPr lang="it-CH" smtClean="0"/>
-              <a:t>22.05.2019</a:t>
+              <a:t>23.05.2019</a:t>
             </a:fld>
             <a:endParaRPr lang="it-CH"/>
           </a:p>
@@ -987,7 +987,7 @@
           <a:p>
             <a:fld id="{F7E49206-D6C0-4DB1-8B49-D64BF1AB1633}" type="datetimeFigureOut">
               <a:rPr lang="it-CH" smtClean="0"/>
-              <a:t>22.05.2019</a:t>
+              <a:t>23.05.2019</a:t>
             </a:fld>
             <a:endParaRPr lang="it-CH"/>
           </a:p>
@@ -1199,7 +1199,7 @@
           <a:p>
             <a:fld id="{F7E49206-D6C0-4DB1-8B49-D64BF1AB1633}" type="datetimeFigureOut">
               <a:rPr lang="it-CH" smtClean="0"/>
-              <a:t>22.05.2019</a:t>
+              <a:t>23.05.2019</a:t>
             </a:fld>
             <a:endParaRPr lang="it-CH"/>
           </a:p>
@@ -1542,7 +1542,7 @@
           <a:p>
             <a:fld id="{F7E49206-D6C0-4DB1-8B49-D64BF1AB1633}" type="datetimeFigureOut">
               <a:rPr lang="it-CH" smtClean="0"/>
-              <a:t>22.05.2019</a:t>
+              <a:t>23.05.2019</a:t>
             </a:fld>
             <a:endParaRPr lang="it-CH"/>
           </a:p>
@@ -1817,7 +1817,7 @@
           <a:p>
             <a:fld id="{F7E49206-D6C0-4DB1-8B49-D64BF1AB1633}" type="datetimeFigureOut">
               <a:rPr lang="it-CH" smtClean="0"/>
-              <a:t>22.05.2019</a:t>
+              <a:t>23.05.2019</a:t>
             </a:fld>
             <a:endParaRPr lang="it-CH"/>
           </a:p>
@@ -2196,7 +2196,7 @@
           <a:p>
             <a:fld id="{F7E49206-D6C0-4DB1-8B49-D64BF1AB1633}" type="datetimeFigureOut">
               <a:rPr lang="it-CH" smtClean="0"/>
-              <a:t>22.05.2019</a:t>
+              <a:t>23.05.2019</a:t>
             </a:fld>
             <a:endParaRPr lang="it-CH"/>
           </a:p>
@@ -2314,7 +2314,7 @@
           <a:p>
             <a:fld id="{F7E49206-D6C0-4DB1-8B49-D64BF1AB1633}" type="datetimeFigureOut">
               <a:rPr lang="it-CH" smtClean="0"/>
-              <a:t>22.05.2019</a:t>
+              <a:t>23.05.2019</a:t>
             </a:fld>
             <a:endParaRPr lang="it-CH"/>
           </a:p>
@@ -2485,7 +2485,7 @@
           <a:p>
             <a:fld id="{F7E49206-D6C0-4DB1-8B49-D64BF1AB1633}" type="datetimeFigureOut">
               <a:rPr lang="it-CH" smtClean="0"/>
-              <a:t>22.05.2019</a:t>
+              <a:t>23.05.2019</a:t>
             </a:fld>
             <a:endParaRPr lang="it-CH"/>
           </a:p>
@@ -2839,7 +2839,7 @@
           <a:p>
             <a:fld id="{F7E49206-D6C0-4DB1-8B49-D64BF1AB1633}" type="datetimeFigureOut">
               <a:rPr lang="it-CH" smtClean="0"/>
-              <a:t>22.05.2019</a:t>
+              <a:t>23.05.2019</a:t>
             </a:fld>
             <a:endParaRPr lang="it-CH"/>
           </a:p>
@@ -3048,7 +3048,7 @@
           <a:p>
             <a:fld id="{F7E49206-D6C0-4DB1-8B49-D64BF1AB1633}" type="datetimeFigureOut">
               <a:rPr lang="it-CH" smtClean="0"/>
-              <a:t>22.05.2019</a:t>
+              <a:t>23.05.2019</a:t>
             </a:fld>
             <a:endParaRPr lang="it-CH"/>
           </a:p>
@@ -3421,7 +3421,7 @@
           <a:p>
             <a:fld id="{F7E49206-D6C0-4DB1-8B49-D64BF1AB1633}" type="datetimeFigureOut">
               <a:rPr lang="it-CH" smtClean="0"/>
-              <a:t>22.05.2019</a:t>
+              <a:t>23.05.2019</a:t>
             </a:fld>
             <a:endParaRPr lang="it-CH"/>
           </a:p>
@@ -3591,7 +3591,7 @@
           <a:p>
             <a:fld id="{F7E49206-D6C0-4DB1-8B49-D64BF1AB1633}" type="datetimeFigureOut">
               <a:rPr lang="it-CH" smtClean="0"/>
-              <a:t>22.05.2019</a:t>
+              <a:t>23.05.2019</a:t>
             </a:fld>
             <a:endParaRPr lang="it-CH"/>
           </a:p>
@@ -3847,7 +3847,7 @@
           <a:p>
             <a:fld id="{F7E49206-D6C0-4DB1-8B49-D64BF1AB1633}" type="datetimeFigureOut">
               <a:rPr lang="it-CH" smtClean="0"/>
-              <a:t>22.05.2019</a:t>
+              <a:t>23.05.2019</a:t>
             </a:fld>
             <a:endParaRPr lang="it-CH"/>
           </a:p>
@@ -4111,7 +4111,7 @@
           <a:p>
             <a:fld id="{F7E49206-D6C0-4DB1-8B49-D64BF1AB1633}" type="datetimeFigureOut">
               <a:rPr lang="it-CH" smtClean="0"/>
-              <a:t>22.05.2019</a:t>
+              <a:t>23.05.2019</a:t>
             </a:fld>
             <a:endParaRPr lang="it-CH"/>
           </a:p>
@@ -4379,7 +4379,7 @@
           <a:p>
             <a:fld id="{F7E49206-D6C0-4DB1-8B49-D64BF1AB1633}" type="datetimeFigureOut">
               <a:rPr lang="it-CH" smtClean="0"/>
-              <a:t>22.05.2019</a:t>
+              <a:t>23.05.2019</a:t>
             </a:fld>
             <a:endParaRPr lang="it-CH"/>
           </a:p>
@@ -4794,7 +4794,7 @@
           <a:p>
             <a:fld id="{F7E49206-D6C0-4DB1-8B49-D64BF1AB1633}" type="datetimeFigureOut">
               <a:rPr lang="it-CH" smtClean="0"/>
-              <a:t>22.05.2019</a:t>
+              <a:t>23.05.2019</a:t>
             </a:fld>
             <a:endParaRPr lang="it-CH"/>
           </a:p>
@@ -4936,7 +4936,7 @@
           <a:p>
             <a:fld id="{F7E49206-D6C0-4DB1-8B49-D64BF1AB1633}" type="datetimeFigureOut">
               <a:rPr lang="it-CH" smtClean="0"/>
-              <a:t>22.05.2019</a:t>
+              <a:t>23.05.2019</a:t>
             </a:fld>
             <a:endParaRPr lang="it-CH"/>
           </a:p>
@@ -5049,7 +5049,7 @@
           <a:p>
             <a:fld id="{F7E49206-D6C0-4DB1-8B49-D64BF1AB1633}" type="datetimeFigureOut">
               <a:rPr lang="it-CH" smtClean="0"/>
-              <a:t>22.05.2019</a:t>
+              <a:t>23.05.2019</a:t>
             </a:fld>
             <a:endParaRPr lang="it-CH"/>
           </a:p>
@@ -5362,7 +5362,7 @@
           <a:p>
             <a:fld id="{F7E49206-D6C0-4DB1-8B49-D64BF1AB1633}" type="datetimeFigureOut">
               <a:rPr lang="it-CH" smtClean="0"/>
-              <a:t>22.05.2019</a:t>
+              <a:t>23.05.2019</a:t>
             </a:fld>
             <a:endParaRPr lang="it-CH"/>
           </a:p>
@@ -5651,7 +5651,7 @@
           <a:p>
             <a:fld id="{F7E49206-D6C0-4DB1-8B49-D64BF1AB1633}" type="datetimeFigureOut">
               <a:rPr lang="it-CH" smtClean="0"/>
-              <a:t>22.05.2019</a:t>
+              <a:t>23.05.2019</a:t>
             </a:fld>
             <a:endParaRPr lang="it-CH"/>
           </a:p>
@@ -5894,7 +5894,7 @@
           <a:p>
             <a:fld id="{F7E49206-D6C0-4DB1-8B49-D64BF1AB1633}" type="datetimeFigureOut">
               <a:rPr lang="it-CH" smtClean="0"/>
-              <a:t>22.05.2019</a:t>
+              <a:t>23.05.2019</a:t>
             </a:fld>
             <a:endParaRPr lang="it-CH"/>
           </a:p>
@@ -6520,7 +6520,7 @@
           <a:p>
             <a:fld id="{F7E49206-D6C0-4DB1-8B49-D64BF1AB1633}" type="datetimeFigureOut">
               <a:rPr lang="it-CH" smtClean="0"/>
-              <a:t>22.05.2019</a:t>
+              <a:t>23.05.2019</a:t>
             </a:fld>
             <a:endParaRPr lang="it-CH"/>
           </a:p>
@@ -7121,7 +7121,7 @@
           <a:p>
             <a:r>
               <a:rPr lang="it-CH" dirty="0"/>
-              <a:t>I3Ac - CPT</a:t>
+              <a:t>I3 - CPT</a:t>
             </a:r>
           </a:p>
           <a:p>
@@ -8617,7 +8617,7 @@
             </a:pPr>
             <a:r>
               <a:rPr lang="it-CH" sz="2800" dirty="0"/>
-              <a:t>Controllo tramite bottoni</a:t>
+              <a:t>Controllo tramite pulsanti</a:t>
             </a:r>
           </a:p>
         </p:txBody>
@@ -10543,55 +10543,17 @@
           <a:p>
             <a:r>
               <a:rPr lang="it-CH" sz="2800" dirty="0"/>
-              <a:t>Il Word Clock è realizzato con Arduino</a:t>
+              <a:t>Arduino IDE</a:t>
             </a:r>
           </a:p>
           <a:p>
             <a:r>
               <a:rPr lang="it-CH" sz="2800" dirty="0"/>
-              <a:t>Tutto viene gestito in un file </a:t>
-            </a:r>
-            <a:r>
-              <a:rPr lang="it-CH" sz="2800" dirty="0">
-                <a:sym typeface="Wingdings" panose="05000000000000000000" pitchFamily="2" charset="2"/>
-              </a:rPr>
-              <a:t> </a:t>
-            </a:r>
-            <a:r>
-              <a:rPr lang="it-CH" sz="2800" dirty="0" err="1">
-                <a:sym typeface="Wingdings" panose="05000000000000000000" pitchFamily="2" charset="2"/>
-              </a:rPr>
-              <a:t>WordClock.ino</a:t>
-            </a:r>
+              <a:t>Tutto viene gestito in un file</a:t>
+            </a:r>
+          </a:p>
+          <a:p>
             <a:endParaRPr lang="it-CH" sz="2800" dirty="0"/>
-          </a:p>
-          <a:p>
-            <a:r>
-              <a:rPr lang="it-CH" sz="2800" dirty="0"/>
-              <a:t>Principalmente costrutti «</a:t>
-            </a:r>
-            <a:r>
-              <a:rPr lang="it-CH" sz="2800" dirty="0" err="1"/>
-              <a:t>if</a:t>
-            </a:r>
-            <a:r>
-              <a:rPr lang="it-CH" sz="2800" dirty="0"/>
-              <a:t>…else </a:t>
-            </a:r>
-            <a:r>
-              <a:rPr lang="it-CH" sz="2800" dirty="0" err="1"/>
-              <a:t>if</a:t>
-            </a:r>
-            <a:r>
-              <a:rPr lang="it-CH" sz="2800" dirty="0"/>
-              <a:t>…else»</a:t>
-            </a:r>
-          </a:p>
-          <a:p>
-            <a:r>
-              <a:rPr lang="it-CH" sz="2800" dirty="0"/>
-              <a:t>Il codice si divide in due parti principali:</a:t>
-            </a:r>
           </a:p>
           <a:p>
             <a:pPr marL="806958" lvl="1" indent="-514350">
@@ -10612,38 +10574,6 @@
               <a:rPr lang="it-CH" sz="2600" dirty="0"/>
               <a:t>Stampa degli orari</a:t>
             </a:r>
-          </a:p>
-          <a:p>
-            <a:pPr marL="932688" lvl="2" indent="-457200">
-              <a:buFont typeface="Wingdings" panose="05000000000000000000" pitchFamily="2" charset="2"/>
-              <a:buChar char="§"/>
-            </a:pPr>
-            <a:r>
-              <a:rPr lang="it-CH" sz="2200" dirty="0"/>
-              <a:t>Principalmente costrutti «</a:t>
-            </a:r>
-            <a:r>
-              <a:rPr lang="it-CH" sz="2200" dirty="0" err="1"/>
-              <a:t>if</a:t>
-            </a:r>
-            <a:r>
-              <a:rPr lang="it-CH" sz="2200" dirty="0"/>
-              <a:t>…else </a:t>
-            </a:r>
-            <a:r>
-              <a:rPr lang="it-CH" sz="2200" dirty="0" err="1"/>
-              <a:t>if</a:t>
-            </a:r>
-            <a:r>
-              <a:rPr lang="it-CH" sz="2200" dirty="0"/>
-              <a:t>…else»</a:t>
-            </a:r>
-          </a:p>
-          <a:p>
-            <a:pPr marL="932688" lvl="2" indent="-457200">
-              <a:buFont typeface="Wingdings" panose="05000000000000000000" pitchFamily="2" charset="2"/>
-              <a:buChar char="§"/>
-            </a:pPr>
             <a:endParaRPr lang="it-CH" sz="2200" dirty="0"/>
           </a:p>
         </p:txBody>
@@ -10658,6 +10588,244 @@
   <p:clrMapOvr>
     <a:masterClrMapping/>
   </p:clrMapOvr>
+  <p:timing>
+    <p:tnLst>
+      <p:par>
+        <p:cTn id="1" dur="indefinite" restart="never" nodeType="tmRoot">
+          <p:childTnLst>
+            <p:seq concurrent="1" nextAc="seek">
+              <p:cTn id="2" dur="indefinite" nodeType="mainSeq">
+                <p:childTnLst>
+                  <p:par>
+                    <p:cTn id="3" fill="hold">
+                      <p:stCondLst>
+                        <p:cond delay="indefinite"/>
+                      </p:stCondLst>
+                      <p:childTnLst>
+                        <p:par>
+                          <p:cTn id="4" fill="hold">
+                            <p:stCondLst>
+                              <p:cond delay="0"/>
+                            </p:stCondLst>
+                            <p:childTnLst>
+                              <p:par>
+                                <p:cTn id="5" presetID="10" presetClass="entr" presetSubtype="0" fill="hold" nodeType="clickEffect">
+                                  <p:stCondLst>
+                                    <p:cond delay="0"/>
+                                  </p:stCondLst>
+                                  <p:childTnLst>
+                                    <p:set>
+                                      <p:cBhvr>
+                                        <p:cTn id="6" dur="1" fill="hold">
+                                          <p:stCondLst>
+                                            <p:cond delay="0"/>
+                                          </p:stCondLst>
+                                        </p:cTn>
+                                        <p:tgtEl>
+                                          <p:spTgt spid="3">
+                                            <p:txEl>
+                                              <p:pRg st="1" end="1"/>
+                                            </p:txEl>
+                                          </p:spTgt>
+                                        </p:tgtEl>
+                                        <p:attrNameLst>
+                                          <p:attrName>style.visibility</p:attrName>
+                                        </p:attrNameLst>
+                                      </p:cBhvr>
+                                      <p:to>
+                                        <p:strVal val="visible"/>
+                                      </p:to>
+                                    </p:set>
+                                    <p:animEffect transition="in" filter="fade">
+                                      <p:cBhvr>
+                                        <p:cTn id="7" dur="500"/>
+                                        <p:tgtEl>
+                                          <p:spTgt spid="3">
+                                            <p:txEl>
+                                              <p:pRg st="1" end="1"/>
+                                            </p:txEl>
+                                          </p:spTgt>
+                                        </p:tgtEl>
+                                      </p:cBhvr>
+                                    </p:animEffect>
+                                  </p:childTnLst>
+                                </p:cTn>
+                              </p:par>
+                              <p:par>
+                                <p:cTn id="8" presetID="10" presetClass="entr" presetSubtype="0" fill="hold" nodeType="withEffect">
+                                  <p:stCondLst>
+                                    <p:cond delay="0"/>
+                                  </p:stCondLst>
+                                  <p:childTnLst>
+                                    <p:set>
+                                      <p:cBhvr>
+                                        <p:cTn id="9" dur="1" fill="hold">
+                                          <p:stCondLst>
+                                            <p:cond delay="0"/>
+                                          </p:stCondLst>
+                                        </p:cTn>
+                                        <p:tgtEl>
+                                          <p:spTgt spid="3">
+                                            <p:txEl>
+                                              <p:pRg st="2" end="2"/>
+                                            </p:txEl>
+                                          </p:spTgt>
+                                        </p:tgtEl>
+                                        <p:attrNameLst>
+                                          <p:attrName>style.visibility</p:attrName>
+                                        </p:attrNameLst>
+                                      </p:cBhvr>
+                                      <p:to>
+                                        <p:strVal val="visible"/>
+                                      </p:to>
+                                    </p:set>
+                                    <p:animEffect transition="in" filter="fade">
+                                      <p:cBhvr>
+                                        <p:cTn id="10" dur="500"/>
+                                        <p:tgtEl>
+                                          <p:spTgt spid="3">
+                                            <p:txEl>
+                                              <p:pRg st="2" end="2"/>
+                                            </p:txEl>
+                                          </p:spTgt>
+                                        </p:tgtEl>
+                                      </p:cBhvr>
+                                    </p:animEffect>
+                                  </p:childTnLst>
+                                </p:cTn>
+                              </p:par>
+                            </p:childTnLst>
+                          </p:cTn>
+                        </p:par>
+                      </p:childTnLst>
+                    </p:cTn>
+                  </p:par>
+                  <p:par>
+                    <p:cTn id="11" fill="hold">
+                      <p:stCondLst>
+                        <p:cond delay="indefinite"/>
+                      </p:stCondLst>
+                      <p:childTnLst>
+                        <p:par>
+                          <p:cTn id="12" fill="hold">
+                            <p:stCondLst>
+                              <p:cond delay="0"/>
+                            </p:stCondLst>
+                            <p:childTnLst>
+                              <p:par>
+                                <p:cTn id="13" presetID="10" presetClass="entr" presetSubtype="0" fill="hold" nodeType="clickEffect">
+                                  <p:stCondLst>
+                                    <p:cond delay="0"/>
+                                  </p:stCondLst>
+                                  <p:childTnLst>
+                                    <p:set>
+                                      <p:cBhvr>
+                                        <p:cTn id="14" dur="1" fill="hold">
+                                          <p:stCondLst>
+                                            <p:cond delay="0"/>
+                                          </p:stCondLst>
+                                        </p:cTn>
+                                        <p:tgtEl>
+                                          <p:spTgt spid="3">
+                                            <p:txEl>
+                                              <p:pRg st="4" end="4"/>
+                                            </p:txEl>
+                                          </p:spTgt>
+                                        </p:tgtEl>
+                                        <p:attrNameLst>
+                                          <p:attrName>style.visibility</p:attrName>
+                                        </p:attrNameLst>
+                                      </p:cBhvr>
+                                      <p:to>
+                                        <p:strVal val="visible"/>
+                                      </p:to>
+                                    </p:set>
+                                    <p:animEffect transition="in" filter="fade">
+                                      <p:cBhvr>
+                                        <p:cTn id="15" dur="500"/>
+                                        <p:tgtEl>
+                                          <p:spTgt spid="3">
+                                            <p:txEl>
+                                              <p:pRg st="4" end="4"/>
+                                            </p:txEl>
+                                          </p:spTgt>
+                                        </p:tgtEl>
+                                      </p:cBhvr>
+                                    </p:animEffect>
+                                  </p:childTnLst>
+                                </p:cTn>
+                              </p:par>
+                              <p:par>
+                                <p:cTn id="16" presetID="10" presetClass="entr" presetSubtype="0" fill="hold" nodeType="withEffect">
+                                  <p:stCondLst>
+                                    <p:cond delay="0"/>
+                                  </p:stCondLst>
+                                  <p:childTnLst>
+                                    <p:set>
+                                      <p:cBhvr>
+                                        <p:cTn id="17" dur="1" fill="hold">
+                                          <p:stCondLst>
+                                            <p:cond delay="0"/>
+                                          </p:stCondLst>
+                                        </p:cTn>
+                                        <p:tgtEl>
+                                          <p:spTgt spid="3">
+                                            <p:txEl>
+                                              <p:pRg st="5" end="5"/>
+                                            </p:txEl>
+                                          </p:spTgt>
+                                        </p:tgtEl>
+                                        <p:attrNameLst>
+                                          <p:attrName>style.visibility</p:attrName>
+                                        </p:attrNameLst>
+                                      </p:cBhvr>
+                                      <p:to>
+                                        <p:strVal val="visible"/>
+                                      </p:to>
+                                    </p:set>
+                                    <p:animEffect transition="in" filter="fade">
+                                      <p:cBhvr>
+                                        <p:cTn id="18" dur="500"/>
+                                        <p:tgtEl>
+                                          <p:spTgt spid="3">
+                                            <p:txEl>
+                                              <p:pRg st="5" end="5"/>
+                                            </p:txEl>
+                                          </p:spTgt>
+                                        </p:tgtEl>
+                                      </p:cBhvr>
+                                    </p:animEffect>
+                                  </p:childTnLst>
+                                </p:cTn>
+                              </p:par>
+                            </p:childTnLst>
+                          </p:cTn>
+                        </p:par>
+                      </p:childTnLst>
+                    </p:cTn>
+                  </p:par>
+                </p:childTnLst>
+              </p:cTn>
+              <p:prevCondLst>
+                <p:cond evt="onPrev" delay="0">
+                  <p:tgtEl>
+                    <p:sldTgt/>
+                  </p:tgtEl>
+                </p:cond>
+              </p:prevCondLst>
+              <p:nextCondLst>
+                <p:cond evt="onNext" delay="0">
+                  <p:tgtEl>
+                    <p:sldTgt/>
+                  </p:tgtEl>
+                </p:cond>
+              </p:nextCondLst>
+            </p:seq>
+          </p:childTnLst>
+        </p:cTn>
+      </p:par>
+    </p:tnLst>
+  </p:timing>
 </p:sld>
 </file>
 

--- a/Presentazione/Presentazione_Word_Clock.pptx
+++ b/Presentazione/Presentazione_Word_Clock.pptx
@@ -151,7 +151,7 @@
           <p:cNvPr id="2" name="Titolo 1">
             <a:extLst>
               <a:ext uri="{FF2B5EF4-FFF2-40B4-BE49-F238E27FC236}">
-                <a16:creationId xmlns:a16="http://schemas.microsoft.com/office/drawing/2014/main" id="{51D4B596-A03A-4A42-9F21-188C42271C92}"/>
+                <a16:creationId xmlns:a16="http://schemas.microsoft.com/office/drawing/2014/main" xmlns="" id="{51D4B596-A03A-4A42-9F21-188C42271C92}"/>
               </a:ext>
             </a:extLst>
           </p:cNvPr>
@@ -189,7 +189,7 @@
           <p:cNvPr id="3" name="Sottotitolo 2">
             <a:extLst>
               <a:ext uri="{FF2B5EF4-FFF2-40B4-BE49-F238E27FC236}">
-                <a16:creationId xmlns:a16="http://schemas.microsoft.com/office/drawing/2014/main" id="{316062EE-353C-491E-A2AD-FCFD38184874}"/>
+                <a16:creationId xmlns:a16="http://schemas.microsoft.com/office/drawing/2014/main" xmlns="" id="{316062EE-353C-491E-A2AD-FCFD38184874}"/>
               </a:ext>
             </a:extLst>
           </p:cNvPr>
@@ -260,7 +260,7 @@
           <p:cNvPr id="4" name="Segnaposto data 3">
             <a:extLst>
               <a:ext uri="{FF2B5EF4-FFF2-40B4-BE49-F238E27FC236}">
-                <a16:creationId xmlns:a16="http://schemas.microsoft.com/office/drawing/2014/main" id="{0F6035D5-0EA7-4D72-B30C-AFE9D28A7F1E}"/>
+                <a16:creationId xmlns:a16="http://schemas.microsoft.com/office/drawing/2014/main" xmlns="" id="{0F6035D5-0EA7-4D72-B30C-AFE9D28A7F1E}"/>
               </a:ext>
             </a:extLst>
           </p:cNvPr>
@@ -278,7 +278,7 @@
           <a:p>
             <a:fld id="{F7E49206-D6C0-4DB1-8B49-D64BF1AB1633}" type="datetimeFigureOut">
               <a:rPr lang="it-CH" smtClean="0"/>
-              <a:t>23.05.2019</a:t>
+              <a:t>24.05.2019</a:t>
             </a:fld>
             <a:endParaRPr lang="it-CH"/>
           </a:p>
@@ -289,7 +289,7 @@
           <p:cNvPr id="5" name="Segnaposto piè di pagina 4">
             <a:extLst>
               <a:ext uri="{FF2B5EF4-FFF2-40B4-BE49-F238E27FC236}">
-                <a16:creationId xmlns:a16="http://schemas.microsoft.com/office/drawing/2014/main" id="{94815D07-13AA-44FE-AA07-BD44D6ABFC5F}"/>
+                <a16:creationId xmlns:a16="http://schemas.microsoft.com/office/drawing/2014/main" xmlns="" id="{94815D07-13AA-44FE-AA07-BD44D6ABFC5F}"/>
               </a:ext>
             </a:extLst>
           </p:cNvPr>
@@ -314,7 +314,7 @@
           <p:cNvPr id="6" name="Segnaposto numero diapositiva 5">
             <a:extLst>
               <a:ext uri="{FF2B5EF4-FFF2-40B4-BE49-F238E27FC236}">
-                <a16:creationId xmlns:a16="http://schemas.microsoft.com/office/drawing/2014/main" id="{47909B47-E6FA-426A-BFE6-F949114F044E}"/>
+                <a16:creationId xmlns:a16="http://schemas.microsoft.com/office/drawing/2014/main" xmlns="" id="{47909B47-E6FA-426A-BFE6-F949114F044E}"/>
               </a:ext>
             </a:extLst>
           </p:cNvPr>
@@ -373,7 +373,7 @@
           <p:cNvPr id="2" name="Titolo 1">
             <a:extLst>
               <a:ext uri="{FF2B5EF4-FFF2-40B4-BE49-F238E27FC236}">
-                <a16:creationId xmlns:a16="http://schemas.microsoft.com/office/drawing/2014/main" id="{2B3D686D-6CA3-4C54-8AA1-003DA454A6D3}"/>
+                <a16:creationId xmlns:a16="http://schemas.microsoft.com/office/drawing/2014/main" xmlns="" id="{2B3D686D-6CA3-4C54-8AA1-003DA454A6D3}"/>
               </a:ext>
             </a:extLst>
           </p:cNvPr>
@@ -402,7 +402,7 @@
           <p:cNvPr id="3" name="Segnaposto testo verticale 2">
             <a:extLst>
               <a:ext uri="{FF2B5EF4-FFF2-40B4-BE49-F238E27FC236}">
-                <a16:creationId xmlns:a16="http://schemas.microsoft.com/office/drawing/2014/main" id="{D74582B3-C3E5-467E-8754-09208865C9D8}"/>
+                <a16:creationId xmlns:a16="http://schemas.microsoft.com/office/drawing/2014/main" xmlns="" id="{D74582B3-C3E5-467E-8754-09208865C9D8}"/>
               </a:ext>
             </a:extLst>
           </p:cNvPr>
@@ -460,7 +460,7 @@
           <p:cNvPr id="4" name="Segnaposto data 3">
             <a:extLst>
               <a:ext uri="{FF2B5EF4-FFF2-40B4-BE49-F238E27FC236}">
-                <a16:creationId xmlns:a16="http://schemas.microsoft.com/office/drawing/2014/main" id="{96C888D7-936A-4D88-BF7A-0D83C7F0B06A}"/>
+                <a16:creationId xmlns:a16="http://schemas.microsoft.com/office/drawing/2014/main" xmlns="" id="{96C888D7-936A-4D88-BF7A-0D83C7F0B06A}"/>
               </a:ext>
             </a:extLst>
           </p:cNvPr>
@@ -478,7 +478,7 @@
           <a:p>
             <a:fld id="{F7E49206-D6C0-4DB1-8B49-D64BF1AB1633}" type="datetimeFigureOut">
               <a:rPr lang="it-CH" smtClean="0"/>
-              <a:t>23.05.2019</a:t>
+              <a:t>24.05.2019</a:t>
             </a:fld>
             <a:endParaRPr lang="it-CH"/>
           </a:p>
@@ -489,7 +489,7 @@
           <p:cNvPr id="5" name="Segnaposto piè di pagina 4">
             <a:extLst>
               <a:ext uri="{FF2B5EF4-FFF2-40B4-BE49-F238E27FC236}">
-                <a16:creationId xmlns:a16="http://schemas.microsoft.com/office/drawing/2014/main" id="{DCCF7342-EFB6-4166-93F9-69FF4EEC01F2}"/>
+                <a16:creationId xmlns:a16="http://schemas.microsoft.com/office/drawing/2014/main" xmlns="" id="{DCCF7342-EFB6-4166-93F9-69FF4EEC01F2}"/>
               </a:ext>
             </a:extLst>
           </p:cNvPr>
@@ -514,7 +514,7 @@
           <p:cNvPr id="6" name="Segnaposto numero diapositiva 5">
             <a:extLst>
               <a:ext uri="{FF2B5EF4-FFF2-40B4-BE49-F238E27FC236}">
-                <a16:creationId xmlns:a16="http://schemas.microsoft.com/office/drawing/2014/main" id="{5B7899BA-A832-4696-8143-73278BE1BF38}"/>
+                <a16:creationId xmlns:a16="http://schemas.microsoft.com/office/drawing/2014/main" xmlns="" id="{5B7899BA-A832-4696-8143-73278BE1BF38}"/>
               </a:ext>
             </a:extLst>
           </p:cNvPr>
@@ -573,7 +573,7 @@
           <p:cNvPr id="2" name="Titolo verticale 1">
             <a:extLst>
               <a:ext uri="{FF2B5EF4-FFF2-40B4-BE49-F238E27FC236}">
-                <a16:creationId xmlns:a16="http://schemas.microsoft.com/office/drawing/2014/main" id="{162E866A-B850-4A9E-9994-F94FC8B08F31}"/>
+                <a16:creationId xmlns:a16="http://schemas.microsoft.com/office/drawing/2014/main" xmlns="" id="{162E866A-B850-4A9E-9994-F94FC8B08F31}"/>
               </a:ext>
             </a:extLst>
           </p:cNvPr>
@@ -607,7 +607,7 @@
           <p:cNvPr id="3" name="Segnaposto testo verticale 2">
             <a:extLst>
               <a:ext uri="{FF2B5EF4-FFF2-40B4-BE49-F238E27FC236}">
-                <a16:creationId xmlns:a16="http://schemas.microsoft.com/office/drawing/2014/main" id="{12A8C755-E6A9-4435-9E2D-9021448B88FE}"/>
+                <a16:creationId xmlns:a16="http://schemas.microsoft.com/office/drawing/2014/main" xmlns="" id="{12A8C755-E6A9-4435-9E2D-9021448B88FE}"/>
               </a:ext>
             </a:extLst>
           </p:cNvPr>
@@ -670,7 +670,7 @@
           <p:cNvPr id="4" name="Segnaposto data 3">
             <a:extLst>
               <a:ext uri="{FF2B5EF4-FFF2-40B4-BE49-F238E27FC236}">
-                <a16:creationId xmlns:a16="http://schemas.microsoft.com/office/drawing/2014/main" id="{4C5F8A6E-2FA7-426F-9198-2A59CD7E2432}"/>
+                <a16:creationId xmlns:a16="http://schemas.microsoft.com/office/drawing/2014/main" xmlns="" id="{4C5F8A6E-2FA7-426F-9198-2A59CD7E2432}"/>
               </a:ext>
             </a:extLst>
           </p:cNvPr>
@@ -688,7 +688,7 @@
           <a:p>
             <a:fld id="{F7E49206-D6C0-4DB1-8B49-D64BF1AB1633}" type="datetimeFigureOut">
               <a:rPr lang="it-CH" smtClean="0"/>
-              <a:t>23.05.2019</a:t>
+              <a:t>24.05.2019</a:t>
             </a:fld>
             <a:endParaRPr lang="it-CH"/>
           </a:p>
@@ -699,7 +699,7 @@
           <p:cNvPr id="5" name="Segnaposto piè di pagina 4">
             <a:extLst>
               <a:ext uri="{FF2B5EF4-FFF2-40B4-BE49-F238E27FC236}">
-                <a16:creationId xmlns:a16="http://schemas.microsoft.com/office/drawing/2014/main" id="{91662140-B081-49F4-BC9C-66151AEE558F}"/>
+                <a16:creationId xmlns:a16="http://schemas.microsoft.com/office/drawing/2014/main" xmlns="" id="{91662140-B081-49F4-BC9C-66151AEE558F}"/>
               </a:ext>
             </a:extLst>
           </p:cNvPr>
@@ -724,7 +724,7 @@
           <p:cNvPr id="6" name="Segnaposto numero diapositiva 5">
             <a:extLst>
               <a:ext uri="{FF2B5EF4-FFF2-40B4-BE49-F238E27FC236}">
-                <a16:creationId xmlns:a16="http://schemas.microsoft.com/office/drawing/2014/main" id="{C6890577-5F68-422B-BE17-444EB9B337AF}"/>
+                <a16:creationId xmlns:a16="http://schemas.microsoft.com/office/drawing/2014/main" xmlns="" id="{C6890577-5F68-422B-BE17-444EB9B337AF}"/>
               </a:ext>
             </a:extLst>
           </p:cNvPr>
@@ -987,7 +987,7 @@
           <a:p>
             <a:fld id="{F7E49206-D6C0-4DB1-8B49-D64BF1AB1633}" type="datetimeFigureOut">
               <a:rPr lang="it-CH" smtClean="0"/>
-              <a:t>23.05.2019</a:t>
+              <a:t>24.05.2019</a:t>
             </a:fld>
             <a:endParaRPr lang="it-CH"/>
           </a:p>
@@ -1199,7 +1199,7 @@
           <a:p>
             <a:fld id="{F7E49206-D6C0-4DB1-8B49-D64BF1AB1633}" type="datetimeFigureOut">
               <a:rPr lang="it-CH" smtClean="0"/>
-              <a:t>23.05.2019</a:t>
+              <a:t>24.05.2019</a:t>
             </a:fld>
             <a:endParaRPr lang="it-CH"/>
           </a:p>
@@ -1542,7 +1542,7 @@
           <a:p>
             <a:fld id="{F7E49206-D6C0-4DB1-8B49-D64BF1AB1633}" type="datetimeFigureOut">
               <a:rPr lang="it-CH" smtClean="0"/>
-              <a:t>23.05.2019</a:t>
+              <a:t>24.05.2019</a:t>
             </a:fld>
             <a:endParaRPr lang="it-CH"/>
           </a:p>
@@ -1817,7 +1817,7 @@
           <a:p>
             <a:fld id="{F7E49206-D6C0-4DB1-8B49-D64BF1AB1633}" type="datetimeFigureOut">
               <a:rPr lang="it-CH" smtClean="0"/>
-              <a:t>23.05.2019</a:t>
+              <a:t>24.05.2019</a:t>
             </a:fld>
             <a:endParaRPr lang="it-CH"/>
           </a:p>
@@ -2196,7 +2196,7 @@
           <a:p>
             <a:fld id="{F7E49206-D6C0-4DB1-8B49-D64BF1AB1633}" type="datetimeFigureOut">
               <a:rPr lang="it-CH" smtClean="0"/>
-              <a:t>23.05.2019</a:t>
+              <a:t>24.05.2019</a:t>
             </a:fld>
             <a:endParaRPr lang="it-CH"/>
           </a:p>
@@ -2314,7 +2314,7 @@
           <a:p>
             <a:fld id="{F7E49206-D6C0-4DB1-8B49-D64BF1AB1633}" type="datetimeFigureOut">
               <a:rPr lang="it-CH" smtClean="0"/>
-              <a:t>23.05.2019</a:t>
+              <a:t>24.05.2019</a:t>
             </a:fld>
             <a:endParaRPr lang="it-CH"/>
           </a:p>
@@ -2485,7 +2485,7 @@
           <a:p>
             <a:fld id="{F7E49206-D6C0-4DB1-8B49-D64BF1AB1633}" type="datetimeFigureOut">
               <a:rPr lang="it-CH" smtClean="0"/>
-              <a:t>23.05.2019</a:t>
+              <a:t>24.05.2019</a:t>
             </a:fld>
             <a:endParaRPr lang="it-CH"/>
           </a:p>
@@ -2839,7 +2839,7 @@
           <a:p>
             <a:fld id="{F7E49206-D6C0-4DB1-8B49-D64BF1AB1633}" type="datetimeFigureOut">
               <a:rPr lang="it-CH" smtClean="0"/>
-              <a:t>23.05.2019</a:t>
+              <a:t>24.05.2019</a:t>
             </a:fld>
             <a:endParaRPr lang="it-CH"/>
           </a:p>
@@ -2943,7 +2943,7 @@
           <p:cNvPr id="2" name="Titolo 1">
             <a:extLst>
               <a:ext uri="{FF2B5EF4-FFF2-40B4-BE49-F238E27FC236}">
-                <a16:creationId xmlns:a16="http://schemas.microsoft.com/office/drawing/2014/main" id="{EABB39BA-A71F-4727-BDAB-8B65B8723649}"/>
+                <a16:creationId xmlns:a16="http://schemas.microsoft.com/office/drawing/2014/main" xmlns="" id="{EABB39BA-A71F-4727-BDAB-8B65B8723649}"/>
               </a:ext>
             </a:extLst>
           </p:cNvPr>
@@ -2972,7 +2972,7 @@
           <p:cNvPr id="3" name="Segnaposto contenuto 2">
             <a:extLst>
               <a:ext uri="{FF2B5EF4-FFF2-40B4-BE49-F238E27FC236}">
-                <a16:creationId xmlns:a16="http://schemas.microsoft.com/office/drawing/2014/main" id="{76400FA9-8AB3-4DB9-B50F-77B9F24258CC}"/>
+                <a16:creationId xmlns:a16="http://schemas.microsoft.com/office/drawing/2014/main" xmlns="" id="{76400FA9-8AB3-4DB9-B50F-77B9F24258CC}"/>
               </a:ext>
             </a:extLst>
           </p:cNvPr>
@@ -3030,7 +3030,7 @@
           <p:cNvPr id="4" name="Segnaposto data 3">
             <a:extLst>
               <a:ext uri="{FF2B5EF4-FFF2-40B4-BE49-F238E27FC236}">
-                <a16:creationId xmlns:a16="http://schemas.microsoft.com/office/drawing/2014/main" id="{6FDF725D-2707-44E6-AF73-B050E03F0B3C}"/>
+                <a16:creationId xmlns:a16="http://schemas.microsoft.com/office/drawing/2014/main" xmlns="" id="{6FDF725D-2707-44E6-AF73-B050E03F0B3C}"/>
               </a:ext>
             </a:extLst>
           </p:cNvPr>
@@ -3048,7 +3048,7 @@
           <a:p>
             <a:fld id="{F7E49206-D6C0-4DB1-8B49-D64BF1AB1633}" type="datetimeFigureOut">
               <a:rPr lang="it-CH" smtClean="0"/>
-              <a:t>23.05.2019</a:t>
+              <a:t>24.05.2019</a:t>
             </a:fld>
             <a:endParaRPr lang="it-CH"/>
           </a:p>
@@ -3059,7 +3059,7 @@
           <p:cNvPr id="5" name="Segnaposto piè di pagina 4">
             <a:extLst>
               <a:ext uri="{FF2B5EF4-FFF2-40B4-BE49-F238E27FC236}">
-                <a16:creationId xmlns:a16="http://schemas.microsoft.com/office/drawing/2014/main" id="{C4C3EDC9-ACD4-4068-821B-AAD3261B7C36}"/>
+                <a16:creationId xmlns:a16="http://schemas.microsoft.com/office/drawing/2014/main" xmlns="" id="{C4C3EDC9-ACD4-4068-821B-AAD3261B7C36}"/>
               </a:ext>
             </a:extLst>
           </p:cNvPr>
@@ -3084,7 +3084,7 @@
           <p:cNvPr id="6" name="Segnaposto numero diapositiva 5">
             <a:extLst>
               <a:ext uri="{FF2B5EF4-FFF2-40B4-BE49-F238E27FC236}">
-                <a16:creationId xmlns:a16="http://schemas.microsoft.com/office/drawing/2014/main" id="{D7768057-78BC-4094-BECD-923EDCAF8733}"/>
+                <a16:creationId xmlns:a16="http://schemas.microsoft.com/office/drawing/2014/main" xmlns="" id="{D7768057-78BC-4094-BECD-923EDCAF8733}"/>
               </a:ext>
             </a:extLst>
           </p:cNvPr>
@@ -3421,7 +3421,7 @@
           <a:p>
             <a:fld id="{F7E49206-D6C0-4DB1-8B49-D64BF1AB1633}" type="datetimeFigureOut">
               <a:rPr lang="it-CH" smtClean="0"/>
-              <a:t>23.05.2019</a:t>
+              <a:t>24.05.2019</a:t>
             </a:fld>
             <a:endParaRPr lang="it-CH"/>
           </a:p>
@@ -3591,7 +3591,7 @@
           <a:p>
             <a:fld id="{F7E49206-D6C0-4DB1-8B49-D64BF1AB1633}" type="datetimeFigureOut">
               <a:rPr lang="it-CH" smtClean="0"/>
-              <a:t>23.05.2019</a:t>
+              <a:t>24.05.2019</a:t>
             </a:fld>
             <a:endParaRPr lang="it-CH"/>
           </a:p>
@@ -3847,7 +3847,7 @@
           <a:p>
             <a:fld id="{F7E49206-D6C0-4DB1-8B49-D64BF1AB1633}" type="datetimeFigureOut">
               <a:rPr lang="it-CH" smtClean="0"/>
-              <a:t>23.05.2019</a:t>
+              <a:t>24.05.2019</a:t>
             </a:fld>
             <a:endParaRPr lang="it-CH"/>
           </a:p>
@@ -3930,7 +3930,7 @@
           <p:cNvPr id="2" name="Titolo 1">
             <a:extLst>
               <a:ext uri="{FF2B5EF4-FFF2-40B4-BE49-F238E27FC236}">
-                <a16:creationId xmlns:a16="http://schemas.microsoft.com/office/drawing/2014/main" id="{A876B806-DE4B-424B-9A01-8E5869238435}"/>
+                <a16:creationId xmlns:a16="http://schemas.microsoft.com/office/drawing/2014/main" xmlns="" id="{A876B806-DE4B-424B-9A01-8E5869238435}"/>
               </a:ext>
             </a:extLst>
           </p:cNvPr>
@@ -3968,7 +3968,7 @@
           <p:cNvPr id="3" name="Segnaposto testo 2">
             <a:extLst>
               <a:ext uri="{FF2B5EF4-FFF2-40B4-BE49-F238E27FC236}">
-                <a16:creationId xmlns:a16="http://schemas.microsoft.com/office/drawing/2014/main" id="{8A24A99A-8857-4D1C-98CC-64BB757E136E}"/>
+                <a16:creationId xmlns:a16="http://schemas.microsoft.com/office/drawing/2014/main" xmlns="" id="{8A24A99A-8857-4D1C-98CC-64BB757E136E}"/>
               </a:ext>
             </a:extLst>
           </p:cNvPr>
@@ -4093,7 +4093,7 @@
           <p:cNvPr id="4" name="Segnaposto data 3">
             <a:extLst>
               <a:ext uri="{FF2B5EF4-FFF2-40B4-BE49-F238E27FC236}">
-                <a16:creationId xmlns:a16="http://schemas.microsoft.com/office/drawing/2014/main" id="{C0FF3046-10E3-45E0-A963-3BEB9B49F6DC}"/>
+                <a16:creationId xmlns:a16="http://schemas.microsoft.com/office/drawing/2014/main" xmlns="" id="{C0FF3046-10E3-45E0-A963-3BEB9B49F6DC}"/>
               </a:ext>
             </a:extLst>
           </p:cNvPr>
@@ -4111,7 +4111,7 @@
           <a:p>
             <a:fld id="{F7E49206-D6C0-4DB1-8B49-D64BF1AB1633}" type="datetimeFigureOut">
               <a:rPr lang="it-CH" smtClean="0"/>
-              <a:t>23.05.2019</a:t>
+              <a:t>24.05.2019</a:t>
             </a:fld>
             <a:endParaRPr lang="it-CH"/>
           </a:p>
@@ -4122,7 +4122,7 @@
           <p:cNvPr id="5" name="Segnaposto piè di pagina 4">
             <a:extLst>
               <a:ext uri="{FF2B5EF4-FFF2-40B4-BE49-F238E27FC236}">
-                <a16:creationId xmlns:a16="http://schemas.microsoft.com/office/drawing/2014/main" id="{3FA8AAD5-3C74-44FC-8212-0DAA601027EE}"/>
+                <a16:creationId xmlns:a16="http://schemas.microsoft.com/office/drawing/2014/main" xmlns="" id="{3FA8AAD5-3C74-44FC-8212-0DAA601027EE}"/>
               </a:ext>
             </a:extLst>
           </p:cNvPr>
@@ -4147,7 +4147,7 @@
           <p:cNvPr id="6" name="Segnaposto numero diapositiva 5">
             <a:extLst>
               <a:ext uri="{FF2B5EF4-FFF2-40B4-BE49-F238E27FC236}">
-                <a16:creationId xmlns:a16="http://schemas.microsoft.com/office/drawing/2014/main" id="{B1C39926-FD15-4AD8-B0A9-7990FF17A70F}"/>
+                <a16:creationId xmlns:a16="http://schemas.microsoft.com/office/drawing/2014/main" xmlns="" id="{B1C39926-FD15-4AD8-B0A9-7990FF17A70F}"/>
               </a:ext>
             </a:extLst>
           </p:cNvPr>
@@ -4206,7 +4206,7 @@
           <p:cNvPr id="2" name="Titolo 1">
             <a:extLst>
               <a:ext uri="{FF2B5EF4-FFF2-40B4-BE49-F238E27FC236}">
-                <a16:creationId xmlns:a16="http://schemas.microsoft.com/office/drawing/2014/main" id="{DBA7AEDC-2548-4089-AC9C-52922403CEDE}"/>
+                <a16:creationId xmlns:a16="http://schemas.microsoft.com/office/drawing/2014/main" xmlns="" id="{DBA7AEDC-2548-4089-AC9C-52922403CEDE}"/>
               </a:ext>
             </a:extLst>
           </p:cNvPr>
@@ -4235,7 +4235,7 @@
           <p:cNvPr id="3" name="Segnaposto contenuto 2">
             <a:extLst>
               <a:ext uri="{FF2B5EF4-FFF2-40B4-BE49-F238E27FC236}">
-                <a16:creationId xmlns:a16="http://schemas.microsoft.com/office/drawing/2014/main" id="{311B130F-AC3E-4A2A-BEB4-E181E4D4F9AB}"/>
+                <a16:creationId xmlns:a16="http://schemas.microsoft.com/office/drawing/2014/main" xmlns="" id="{311B130F-AC3E-4A2A-BEB4-E181E4D4F9AB}"/>
               </a:ext>
             </a:extLst>
           </p:cNvPr>
@@ -4298,7 +4298,7 @@
           <p:cNvPr id="4" name="Segnaposto contenuto 3">
             <a:extLst>
               <a:ext uri="{FF2B5EF4-FFF2-40B4-BE49-F238E27FC236}">
-                <a16:creationId xmlns:a16="http://schemas.microsoft.com/office/drawing/2014/main" id="{1A5775F1-92E3-4770-8F70-0908EACDCFC7}"/>
+                <a16:creationId xmlns:a16="http://schemas.microsoft.com/office/drawing/2014/main" xmlns="" id="{1A5775F1-92E3-4770-8F70-0908EACDCFC7}"/>
               </a:ext>
             </a:extLst>
           </p:cNvPr>
@@ -4361,7 +4361,7 @@
           <p:cNvPr id="5" name="Segnaposto data 4">
             <a:extLst>
               <a:ext uri="{FF2B5EF4-FFF2-40B4-BE49-F238E27FC236}">
-                <a16:creationId xmlns:a16="http://schemas.microsoft.com/office/drawing/2014/main" id="{EA185EA2-B33A-4F60-B6FA-B31B8B115A6B}"/>
+                <a16:creationId xmlns:a16="http://schemas.microsoft.com/office/drawing/2014/main" xmlns="" id="{EA185EA2-B33A-4F60-B6FA-B31B8B115A6B}"/>
               </a:ext>
             </a:extLst>
           </p:cNvPr>
@@ -4379,7 +4379,7 @@
           <a:p>
             <a:fld id="{F7E49206-D6C0-4DB1-8B49-D64BF1AB1633}" type="datetimeFigureOut">
               <a:rPr lang="it-CH" smtClean="0"/>
-              <a:t>23.05.2019</a:t>
+              <a:t>24.05.2019</a:t>
             </a:fld>
             <a:endParaRPr lang="it-CH"/>
           </a:p>
@@ -4390,7 +4390,7 @@
           <p:cNvPr id="6" name="Segnaposto piè di pagina 5">
             <a:extLst>
               <a:ext uri="{FF2B5EF4-FFF2-40B4-BE49-F238E27FC236}">
-                <a16:creationId xmlns:a16="http://schemas.microsoft.com/office/drawing/2014/main" id="{49DC91C0-D39F-4E00-B881-B447E7E518C6}"/>
+                <a16:creationId xmlns:a16="http://schemas.microsoft.com/office/drawing/2014/main" xmlns="" id="{49DC91C0-D39F-4E00-B881-B447E7E518C6}"/>
               </a:ext>
             </a:extLst>
           </p:cNvPr>
@@ -4415,7 +4415,7 @@
           <p:cNvPr id="7" name="Segnaposto numero diapositiva 6">
             <a:extLst>
               <a:ext uri="{FF2B5EF4-FFF2-40B4-BE49-F238E27FC236}">
-                <a16:creationId xmlns:a16="http://schemas.microsoft.com/office/drawing/2014/main" id="{0E87C539-F22E-4751-AE4D-A2F80C828C9B}"/>
+                <a16:creationId xmlns:a16="http://schemas.microsoft.com/office/drawing/2014/main" xmlns="" id="{0E87C539-F22E-4751-AE4D-A2F80C828C9B}"/>
               </a:ext>
             </a:extLst>
           </p:cNvPr>
@@ -4474,7 +4474,7 @@
           <p:cNvPr id="2" name="Titolo 1">
             <a:extLst>
               <a:ext uri="{FF2B5EF4-FFF2-40B4-BE49-F238E27FC236}">
-                <a16:creationId xmlns:a16="http://schemas.microsoft.com/office/drawing/2014/main" id="{2C0B44F5-64C9-4B93-B5D6-3DE8721947D7}"/>
+                <a16:creationId xmlns:a16="http://schemas.microsoft.com/office/drawing/2014/main" xmlns="" id="{2C0B44F5-64C9-4B93-B5D6-3DE8721947D7}"/>
               </a:ext>
             </a:extLst>
           </p:cNvPr>
@@ -4508,7 +4508,7 @@
           <p:cNvPr id="3" name="Segnaposto testo 2">
             <a:extLst>
               <a:ext uri="{FF2B5EF4-FFF2-40B4-BE49-F238E27FC236}">
-                <a16:creationId xmlns:a16="http://schemas.microsoft.com/office/drawing/2014/main" id="{3A93213F-11A4-4A97-B6E5-A318913B7224}"/>
+                <a16:creationId xmlns:a16="http://schemas.microsoft.com/office/drawing/2014/main" xmlns="" id="{3A93213F-11A4-4A97-B6E5-A318913B7224}"/>
               </a:ext>
             </a:extLst>
           </p:cNvPr>
@@ -4579,7 +4579,7 @@
           <p:cNvPr id="4" name="Segnaposto contenuto 3">
             <a:extLst>
               <a:ext uri="{FF2B5EF4-FFF2-40B4-BE49-F238E27FC236}">
-                <a16:creationId xmlns:a16="http://schemas.microsoft.com/office/drawing/2014/main" id="{BD79F62F-967E-497E-867D-7137DD9B96F8}"/>
+                <a16:creationId xmlns:a16="http://schemas.microsoft.com/office/drawing/2014/main" xmlns="" id="{BD79F62F-967E-497E-867D-7137DD9B96F8}"/>
               </a:ext>
             </a:extLst>
           </p:cNvPr>
@@ -4642,7 +4642,7 @@
           <p:cNvPr id="5" name="Segnaposto testo 4">
             <a:extLst>
               <a:ext uri="{FF2B5EF4-FFF2-40B4-BE49-F238E27FC236}">
-                <a16:creationId xmlns:a16="http://schemas.microsoft.com/office/drawing/2014/main" id="{05E00D3F-985E-4C9A-B8FF-22571FDEFDE2}"/>
+                <a16:creationId xmlns:a16="http://schemas.microsoft.com/office/drawing/2014/main" xmlns="" id="{05E00D3F-985E-4C9A-B8FF-22571FDEFDE2}"/>
               </a:ext>
             </a:extLst>
           </p:cNvPr>
@@ -4713,7 +4713,7 @@
           <p:cNvPr id="6" name="Segnaposto contenuto 5">
             <a:extLst>
               <a:ext uri="{FF2B5EF4-FFF2-40B4-BE49-F238E27FC236}">
-                <a16:creationId xmlns:a16="http://schemas.microsoft.com/office/drawing/2014/main" id="{9C6DA49C-2A75-4EC3-8EF0-30A9005C8FFB}"/>
+                <a16:creationId xmlns:a16="http://schemas.microsoft.com/office/drawing/2014/main" xmlns="" id="{9C6DA49C-2A75-4EC3-8EF0-30A9005C8FFB}"/>
               </a:ext>
             </a:extLst>
           </p:cNvPr>
@@ -4776,7 +4776,7 @@
           <p:cNvPr id="7" name="Segnaposto data 6">
             <a:extLst>
               <a:ext uri="{FF2B5EF4-FFF2-40B4-BE49-F238E27FC236}">
-                <a16:creationId xmlns:a16="http://schemas.microsoft.com/office/drawing/2014/main" id="{BCEC3287-C888-4B44-AB68-188C031CF123}"/>
+                <a16:creationId xmlns:a16="http://schemas.microsoft.com/office/drawing/2014/main" xmlns="" id="{BCEC3287-C888-4B44-AB68-188C031CF123}"/>
               </a:ext>
             </a:extLst>
           </p:cNvPr>
@@ -4794,7 +4794,7 @@
           <a:p>
             <a:fld id="{F7E49206-D6C0-4DB1-8B49-D64BF1AB1633}" type="datetimeFigureOut">
               <a:rPr lang="it-CH" smtClean="0"/>
-              <a:t>23.05.2019</a:t>
+              <a:t>24.05.2019</a:t>
             </a:fld>
             <a:endParaRPr lang="it-CH"/>
           </a:p>
@@ -4805,7 +4805,7 @@
           <p:cNvPr id="8" name="Segnaposto piè di pagina 7">
             <a:extLst>
               <a:ext uri="{FF2B5EF4-FFF2-40B4-BE49-F238E27FC236}">
-                <a16:creationId xmlns:a16="http://schemas.microsoft.com/office/drawing/2014/main" id="{FE3503FA-60D4-4AF3-9C16-6EBCB51023C8}"/>
+                <a16:creationId xmlns:a16="http://schemas.microsoft.com/office/drawing/2014/main" xmlns="" id="{FE3503FA-60D4-4AF3-9C16-6EBCB51023C8}"/>
               </a:ext>
             </a:extLst>
           </p:cNvPr>
@@ -4830,7 +4830,7 @@
           <p:cNvPr id="9" name="Segnaposto numero diapositiva 8">
             <a:extLst>
               <a:ext uri="{FF2B5EF4-FFF2-40B4-BE49-F238E27FC236}">
-                <a16:creationId xmlns:a16="http://schemas.microsoft.com/office/drawing/2014/main" id="{11B41FD5-76A2-4153-AE02-557AE2F39641}"/>
+                <a16:creationId xmlns:a16="http://schemas.microsoft.com/office/drawing/2014/main" xmlns="" id="{11B41FD5-76A2-4153-AE02-557AE2F39641}"/>
               </a:ext>
             </a:extLst>
           </p:cNvPr>
@@ -4889,7 +4889,7 @@
           <p:cNvPr id="2" name="Titolo 1">
             <a:extLst>
               <a:ext uri="{FF2B5EF4-FFF2-40B4-BE49-F238E27FC236}">
-                <a16:creationId xmlns:a16="http://schemas.microsoft.com/office/drawing/2014/main" id="{4E2A08E2-63D7-4419-A713-E5C456B1C52F}"/>
+                <a16:creationId xmlns:a16="http://schemas.microsoft.com/office/drawing/2014/main" xmlns="" id="{4E2A08E2-63D7-4419-A713-E5C456B1C52F}"/>
               </a:ext>
             </a:extLst>
           </p:cNvPr>
@@ -4918,7 +4918,7 @@
           <p:cNvPr id="3" name="Segnaposto data 2">
             <a:extLst>
               <a:ext uri="{FF2B5EF4-FFF2-40B4-BE49-F238E27FC236}">
-                <a16:creationId xmlns:a16="http://schemas.microsoft.com/office/drawing/2014/main" id="{C61BA545-A3FD-49C9-B331-D5340BDA587D}"/>
+                <a16:creationId xmlns:a16="http://schemas.microsoft.com/office/drawing/2014/main" xmlns="" id="{C61BA545-A3FD-49C9-B331-D5340BDA587D}"/>
               </a:ext>
             </a:extLst>
           </p:cNvPr>
@@ -4936,7 +4936,7 @@
           <a:p>
             <a:fld id="{F7E49206-D6C0-4DB1-8B49-D64BF1AB1633}" type="datetimeFigureOut">
               <a:rPr lang="it-CH" smtClean="0"/>
-              <a:t>23.05.2019</a:t>
+              <a:t>24.05.2019</a:t>
             </a:fld>
             <a:endParaRPr lang="it-CH"/>
           </a:p>
@@ -4947,7 +4947,7 @@
           <p:cNvPr id="4" name="Segnaposto piè di pagina 3">
             <a:extLst>
               <a:ext uri="{FF2B5EF4-FFF2-40B4-BE49-F238E27FC236}">
-                <a16:creationId xmlns:a16="http://schemas.microsoft.com/office/drawing/2014/main" id="{24964E19-A601-4B96-A386-C74F14EBB0BF}"/>
+                <a16:creationId xmlns:a16="http://schemas.microsoft.com/office/drawing/2014/main" xmlns="" id="{24964E19-A601-4B96-A386-C74F14EBB0BF}"/>
               </a:ext>
             </a:extLst>
           </p:cNvPr>
@@ -4972,7 +4972,7 @@
           <p:cNvPr id="5" name="Segnaposto numero diapositiva 4">
             <a:extLst>
               <a:ext uri="{FF2B5EF4-FFF2-40B4-BE49-F238E27FC236}">
-                <a16:creationId xmlns:a16="http://schemas.microsoft.com/office/drawing/2014/main" id="{6FE3FB7A-040F-4FA6-9D7D-126EFCF2F023}"/>
+                <a16:creationId xmlns:a16="http://schemas.microsoft.com/office/drawing/2014/main" xmlns="" id="{6FE3FB7A-040F-4FA6-9D7D-126EFCF2F023}"/>
               </a:ext>
             </a:extLst>
           </p:cNvPr>
@@ -5031,7 +5031,7 @@
           <p:cNvPr id="2" name="Segnaposto data 1">
             <a:extLst>
               <a:ext uri="{FF2B5EF4-FFF2-40B4-BE49-F238E27FC236}">
-                <a16:creationId xmlns:a16="http://schemas.microsoft.com/office/drawing/2014/main" id="{27BE61DA-29A7-47FA-BF23-689103B54131}"/>
+                <a16:creationId xmlns:a16="http://schemas.microsoft.com/office/drawing/2014/main" xmlns="" id="{27BE61DA-29A7-47FA-BF23-689103B54131}"/>
               </a:ext>
             </a:extLst>
           </p:cNvPr>
@@ -5049,7 +5049,7 @@
           <a:p>
             <a:fld id="{F7E49206-D6C0-4DB1-8B49-D64BF1AB1633}" type="datetimeFigureOut">
               <a:rPr lang="it-CH" smtClean="0"/>
-              <a:t>23.05.2019</a:t>
+              <a:t>24.05.2019</a:t>
             </a:fld>
             <a:endParaRPr lang="it-CH"/>
           </a:p>
@@ -5060,7 +5060,7 @@
           <p:cNvPr id="3" name="Segnaposto piè di pagina 2">
             <a:extLst>
               <a:ext uri="{FF2B5EF4-FFF2-40B4-BE49-F238E27FC236}">
-                <a16:creationId xmlns:a16="http://schemas.microsoft.com/office/drawing/2014/main" id="{4A1715B5-E989-4C3D-A8B3-C3D8C7063531}"/>
+                <a16:creationId xmlns:a16="http://schemas.microsoft.com/office/drawing/2014/main" xmlns="" id="{4A1715B5-E989-4C3D-A8B3-C3D8C7063531}"/>
               </a:ext>
             </a:extLst>
           </p:cNvPr>
@@ -5085,7 +5085,7 @@
           <p:cNvPr id="4" name="Segnaposto numero diapositiva 3">
             <a:extLst>
               <a:ext uri="{FF2B5EF4-FFF2-40B4-BE49-F238E27FC236}">
-                <a16:creationId xmlns:a16="http://schemas.microsoft.com/office/drawing/2014/main" id="{3E356350-E98F-411B-97DE-9AD07355BEBE}"/>
+                <a16:creationId xmlns:a16="http://schemas.microsoft.com/office/drawing/2014/main" xmlns="" id="{3E356350-E98F-411B-97DE-9AD07355BEBE}"/>
               </a:ext>
             </a:extLst>
           </p:cNvPr>
@@ -5144,7 +5144,7 @@
           <p:cNvPr id="2" name="Titolo 1">
             <a:extLst>
               <a:ext uri="{FF2B5EF4-FFF2-40B4-BE49-F238E27FC236}">
-                <a16:creationId xmlns:a16="http://schemas.microsoft.com/office/drawing/2014/main" id="{6E689D46-BCFC-40E8-991A-32C5E5AC0015}"/>
+                <a16:creationId xmlns:a16="http://schemas.microsoft.com/office/drawing/2014/main" xmlns="" id="{6E689D46-BCFC-40E8-991A-32C5E5AC0015}"/>
               </a:ext>
             </a:extLst>
           </p:cNvPr>
@@ -5182,7 +5182,7 @@
           <p:cNvPr id="3" name="Segnaposto contenuto 2">
             <a:extLst>
               <a:ext uri="{FF2B5EF4-FFF2-40B4-BE49-F238E27FC236}">
-                <a16:creationId xmlns:a16="http://schemas.microsoft.com/office/drawing/2014/main" id="{D6E25C3D-E4F0-480A-B959-DFBCDB0760FB}"/>
+                <a16:creationId xmlns:a16="http://schemas.microsoft.com/office/drawing/2014/main" xmlns="" id="{D6E25C3D-E4F0-480A-B959-DFBCDB0760FB}"/>
               </a:ext>
             </a:extLst>
           </p:cNvPr>
@@ -5273,7 +5273,7 @@
           <p:cNvPr id="4" name="Segnaposto testo 3">
             <a:extLst>
               <a:ext uri="{FF2B5EF4-FFF2-40B4-BE49-F238E27FC236}">
-                <a16:creationId xmlns:a16="http://schemas.microsoft.com/office/drawing/2014/main" id="{A1C221CD-8471-49F9-B207-7EAB0CDDF74E}"/>
+                <a16:creationId xmlns:a16="http://schemas.microsoft.com/office/drawing/2014/main" xmlns="" id="{A1C221CD-8471-49F9-B207-7EAB0CDDF74E}"/>
               </a:ext>
             </a:extLst>
           </p:cNvPr>
@@ -5344,7 +5344,7 @@
           <p:cNvPr id="5" name="Segnaposto data 4">
             <a:extLst>
               <a:ext uri="{FF2B5EF4-FFF2-40B4-BE49-F238E27FC236}">
-                <a16:creationId xmlns:a16="http://schemas.microsoft.com/office/drawing/2014/main" id="{72E99C0D-552E-42C3-AF87-04EB808DF9F0}"/>
+                <a16:creationId xmlns:a16="http://schemas.microsoft.com/office/drawing/2014/main" xmlns="" id="{72E99C0D-552E-42C3-AF87-04EB808DF9F0}"/>
               </a:ext>
             </a:extLst>
           </p:cNvPr>
@@ -5362,7 +5362,7 @@
           <a:p>
             <a:fld id="{F7E49206-D6C0-4DB1-8B49-D64BF1AB1633}" type="datetimeFigureOut">
               <a:rPr lang="it-CH" smtClean="0"/>
-              <a:t>23.05.2019</a:t>
+              <a:t>24.05.2019</a:t>
             </a:fld>
             <a:endParaRPr lang="it-CH"/>
           </a:p>
@@ -5373,7 +5373,7 @@
           <p:cNvPr id="6" name="Segnaposto piè di pagina 5">
             <a:extLst>
               <a:ext uri="{FF2B5EF4-FFF2-40B4-BE49-F238E27FC236}">
-                <a16:creationId xmlns:a16="http://schemas.microsoft.com/office/drawing/2014/main" id="{8F524880-81BD-4ECB-83F8-38AC908447BA}"/>
+                <a16:creationId xmlns:a16="http://schemas.microsoft.com/office/drawing/2014/main" xmlns="" id="{8F524880-81BD-4ECB-83F8-38AC908447BA}"/>
               </a:ext>
             </a:extLst>
           </p:cNvPr>
@@ -5398,7 +5398,7 @@
           <p:cNvPr id="7" name="Segnaposto numero diapositiva 6">
             <a:extLst>
               <a:ext uri="{FF2B5EF4-FFF2-40B4-BE49-F238E27FC236}">
-                <a16:creationId xmlns:a16="http://schemas.microsoft.com/office/drawing/2014/main" id="{020F095D-7614-4C07-AE39-8331561AC463}"/>
+                <a16:creationId xmlns:a16="http://schemas.microsoft.com/office/drawing/2014/main" xmlns="" id="{020F095D-7614-4C07-AE39-8331561AC463}"/>
               </a:ext>
             </a:extLst>
           </p:cNvPr>
@@ -5457,7 +5457,7 @@
           <p:cNvPr id="2" name="Titolo 1">
             <a:extLst>
               <a:ext uri="{FF2B5EF4-FFF2-40B4-BE49-F238E27FC236}">
-                <a16:creationId xmlns:a16="http://schemas.microsoft.com/office/drawing/2014/main" id="{8B5EB03F-B629-40F7-8812-019B534BBB1C}"/>
+                <a16:creationId xmlns:a16="http://schemas.microsoft.com/office/drawing/2014/main" xmlns="" id="{8B5EB03F-B629-40F7-8812-019B534BBB1C}"/>
               </a:ext>
             </a:extLst>
           </p:cNvPr>
@@ -5495,7 +5495,7 @@
           <p:cNvPr id="3" name="Segnaposto immagine 2">
             <a:extLst>
               <a:ext uri="{FF2B5EF4-FFF2-40B4-BE49-F238E27FC236}">
-                <a16:creationId xmlns:a16="http://schemas.microsoft.com/office/drawing/2014/main" id="{A29A231C-8E8F-49B9-9DFE-A65D862161EC}"/>
+                <a16:creationId xmlns:a16="http://schemas.microsoft.com/office/drawing/2014/main" xmlns="" id="{A29A231C-8E8F-49B9-9DFE-A65D862161EC}"/>
               </a:ext>
             </a:extLst>
           </p:cNvPr>
@@ -5562,7 +5562,7 @@
           <p:cNvPr id="4" name="Segnaposto testo 3">
             <a:extLst>
               <a:ext uri="{FF2B5EF4-FFF2-40B4-BE49-F238E27FC236}">
-                <a16:creationId xmlns:a16="http://schemas.microsoft.com/office/drawing/2014/main" id="{2FEB528C-EE93-4F4A-B514-2C1164C9C20B}"/>
+                <a16:creationId xmlns:a16="http://schemas.microsoft.com/office/drawing/2014/main" xmlns="" id="{2FEB528C-EE93-4F4A-B514-2C1164C9C20B}"/>
               </a:ext>
             </a:extLst>
           </p:cNvPr>
@@ -5633,7 +5633,7 @@
           <p:cNvPr id="5" name="Segnaposto data 4">
             <a:extLst>
               <a:ext uri="{FF2B5EF4-FFF2-40B4-BE49-F238E27FC236}">
-                <a16:creationId xmlns:a16="http://schemas.microsoft.com/office/drawing/2014/main" id="{445E7531-C0B0-462E-AE7F-00EE2BBB1A86}"/>
+                <a16:creationId xmlns:a16="http://schemas.microsoft.com/office/drawing/2014/main" xmlns="" id="{445E7531-C0B0-462E-AE7F-00EE2BBB1A86}"/>
               </a:ext>
             </a:extLst>
           </p:cNvPr>
@@ -5651,7 +5651,7 @@
           <a:p>
             <a:fld id="{F7E49206-D6C0-4DB1-8B49-D64BF1AB1633}" type="datetimeFigureOut">
               <a:rPr lang="it-CH" smtClean="0"/>
-              <a:t>23.05.2019</a:t>
+              <a:t>24.05.2019</a:t>
             </a:fld>
             <a:endParaRPr lang="it-CH"/>
           </a:p>
@@ -5662,7 +5662,7 @@
           <p:cNvPr id="6" name="Segnaposto piè di pagina 5">
             <a:extLst>
               <a:ext uri="{FF2B5EF4-FFF2-40B4-BE49-F238E27FC236}">
-                <a16:creationId xmlns:a16="http://schemas.microsoft.com/office/drawing/2014/main" id="{EBC84074-2BEB-4AA6-966F-33445B16D821}"/>
+                <a16:creationId xmlns:a16="http://schemas.microsoft.com/office/drawing/2014/main" xmlns="" id="{EBC84074-2BEB-4AA6-966F-33445B16D821}"/>
               </a:ext>
             </a:extLst>
           </p:cNvPr>
@@ -5687,7 +5687,7 @@
           <p:cNvPr id="7" name="Segnaposto numero diapositiva 6">
             <a:extLst>
               <a:ext uri="{FF2B5EF4-FFF2-40B4-BE49-F238E27FC236}">
-                <a16:creationId xmlns:a16="http://schemas.microsoft.com/office/drawing/2014/main" id="{1117CD23-9D52-4AE9-A121-6D6F48CC2E86}"/>
+                <a16:creationId xmlns:a16="http://schemas.microsoft.com/office/drawing/2014/main" xmlns="" id="{1117CD23-9D52-4AE9-A121-6D6F48CC2E86}"/>
               </a:ext>
             </a:extLst>
           </p:cNvPr>
@@ -5751,7 +5751,7 @@
           <p:cNvPr id="2" name="Segnaposto titolo 1">
             <a:extLst>
               <a:ext uri="{FF2B5EF4-FFF2-40B4-BE49-F238E27FC236}">
-                <a16:creationId xmlns:a16="http://schemas.microsoft.com/office/drawing/2014/main" id="{2E043DBE-E511-4C09-AB86-90E49FFBEE36}"/>
+                <a16:creationId xmlns:a16="http://schemas.microsoft.com/office/drawing/2014/main" xmlns="" id="{2E043DBE-E511-4C09-AB86-90E49FFBEE36}"/>
               </a:ext>
             </a:extLst>
           </p:cNvPr>
@@ -5790,7 +5790,7 @@
           <p:cNvPr id="3" name="Segnaposto testo 2">
             <a:extLst>
               <a:ext uri="{FF2B5EF4-FFF2-40B4-BE49-F238E27FC236}">
-                <a16:creationId xmlns:a16="http://schemas.microsoft.com/office/drawing/2014/main" id="{2FC62454-4906-4CD4-824A-3DEE85864ABA}"/>
+                <a16:creationId xmlns:a16="http://schemas.microsoft.com/office/drawing/2014/main" xmlns="" id="{2FC62454-4906-4CD4-824A-3DEE85864ABA}"/>
               </a:ext>
             </a:extLst>
           </p:cNvPr>
@@ -5858,7 +5858,7 @@
           <p:cNvPr id="4" name="Segnaposto data 3">
             <a:extLst>
               <a:ext uri="{FF2B5EF4-FFF2-40B4-BE49-F238E27FC236}">
-                <a16:creationId xmlns:a16="http://schemas.microsoft.com/office/drawing/2014/main" id="{32583E0D-9E61-44C9-B35B-EBC1E9B9184B}"/>
+                <a16:creationId xmlns:a16="http://schemas.microsoft.com/office/drawing/2014/main" xmlns="" id="{32583E0D-9E61-44C9-B35B-EBC1E9B9184B}"/>
               </a:ext>
             </a:extLst>
           </p:cNvPr>
@@ -5894,7 +5894,7 @@
           <a:p>
             <a:fld id="{F7E49206-D6C0-4DB1-8B49-D64BF1AB1633}" type="datetimeFigureOut">
               <a:rPr lang="it-CH" smtClean="0"/>
-              <a:t>23.05.2019</a:t>
+              <a:t>24.05.2019</a:t>
             </a:fld>
             <a:endParaRPr lang="it-CH"/>
           </a:p>
@@ -5905,7 +5905,7 @@
           <p:cNvPr id="5" name="Segnaposto piè di pagina 4">
             <a:extLst>
               <a:ext uri="{FF2B5EF4-FFF2-40B4-BE49-F238E27FC236}">
-                <a16:creationId xmlns:a16="http://schemas.microsoft.com/office/drawing/2014/main" id="{9EA95E93-3474-4847-BA35-B3A87B08AA88}"/>
+                <a16:creationId xmlns:a16="http://schemas.microsoft.com/office/drawing/2014/main" xmlns="" id="{9EA95E93-3474-4847-BA35-B3A87B08AA88}"/>
               </a:ext>
             </a:extLst>
           </p:cNvPr>
@@ -5948,7 +5948,7 @@
           <p:cNvPr id="6" name="Segnaposto numero diapositiva 5">
             <a:extLst>
               <a:ext uri="{FF2B5EF4-FFF2-40B4-BE49-F238E27FC236}">
-                <a16:creationId xmlns:a16="http://schemas.microsoft.com/office/drawing/2014/main" id="{F5C439B7-18CB-4D1F-AF29-8C66BAE316D5}"/>
+                <a16:creationId xmlns:a16="http://schemas.microsoft.com/office/drawing/2014/main" xmlns="" id="{F5C439B7-18CB-4D1F-AF29-8C66BAE316D5}"/>
               </a:ext>
             </a:extLst>
           </p:cNvPr>
@@ -6520,7 +6520,7 @@
           <a:p>
             <a:fld id="{F7E49206-D6C0-4DB1-8B49-D64BF1AB1633}" type="datetimeFigureOut">
               <a:rPr lang="it-CH" smtClean="0"/>
-              <a:t>23.05.2019</a:t>
+              <a:t>24.05.2019</a:t>
             </a:fld>
             <a:endParaRPr lang="it-CH"/>
           </a:p>
@@ -7049,7 +7049,7 @@
           <p:cNvPr id="2" name="Titolo 1">
             <a:extLst>
               <a:ext uri="{FF2B5EF4-FFF2-40B4-BE49-F238E27FC236}">
-                <a16:creationId xmlns:a16="http://schemas.microsoft.com/office/drawing/2014/main" id="{795BEB76-E2CE-4277-AC25-73295D79E27D}"/>
+                <a16:creationId xmlns:a16="http://schemas.microsoft.com/office/drawing/2014/main" xmlns="" id="{795BEB76-E2CE-4277-AC25-73295D79E27D}"/>
               </a:ext>
             </a:extLst>
           </p:cNvPr>
@@ -7067,11 +7067,11 @@
           <a:p>
             <a:r>
               <a:rPr lang="it-CH" dirty="0"/>
-              <a:t>Word Clock con </a:t>
-            </a:r>
-            <a:r>
-              <a:rPr lang="it-CH" dirty="0" err="1"/>
-              <a:t>Fishino</a:t>
+              <a:t>Word </a:t>
+            </a:r>
+            <a:r>
+              <a:rPr lang="it-CH" dirty="0" smtClean="0"/>
+              <a:t>Clock</a:t>
             </a:r>
             <a:endParaRPr lang="it-CH" dirty="0"/>
           </a:p>
@@ -7082,7 +7082,7 @@
           <p:cNvPr id="3" name="Sottotitolo 2">
             <a:extLst>
               <a:ext uri="{FF2B5EF4-FFF2-40B4-BE49-F238E27FC236}">
-                <a16:creationId xmlns:a16="http://schemas.microsoft.com/office/drawing/2014/main" id="{83ECA578-736A-4FD6-AEE6-EC70674034DA}"/>
+                <a16:creationId xmlns:a16="http://schemas.microsoft.com/office/drawing/2014/main" xmlns="" id="{83ECA578-736A-4FD6-AEE6-EC70674034DA}"/>
               </a:ext>
             </a:extLst>
           </p:cNvPr>
@@ -7142,6 +7142,13 @@
   <p:clrMapOvr>
     <a:masterClrMapping/>
   </p:clrMapOvr>
+  <p:timing>
+    <p:tnLst>
+      <p:par>
+        <p:cTn id="1" dur="indefinite" restart="never" nodeType="tmRoot"/>
+      </p:par>
+    </p:tnLst>
+  </p:timing>
 </p:sld>
 </file>
 
@@ -7167,7 +7174,7 @@
           <p:cNvPr id="2" name="Titolo 1">
             <a:extLst>
               <a:ext uri="{FF2B5EF4-FFF2-40B4-BE49-F238E27FC236}">
-                <a16:creationId xmlns:a16="http://schemas.microsoft.com/office/drawing/2014/main" id="{1B67CCBC-3FC1-4DCE-8078-4F7C03F81E50}"/>
+                <a16:creationId xmlns:a16="http://schemas.microsoft.com/office/drawing/2014/main" xmlns="" id="{1B67CCBC-3FC1-4DCE-8078-4F7C03F81E50}"/>
               </a:ext>
             </a:extLst>
           </p:cNvPr>
@@ -7195,7 +7202,7 @@
           <p:cNvPr id="7" name="Segnaposto contenuto 6">
             <a:extLst>
               <a:ext uri="{FF2B5EF4-FFF2-40B4-BE49-F238E27FC236}">
-                <a16:creationId xmlns:a16="http://schemas.microsoft.com/office/drawing/2014/main" id="{6F1493EC-546F-4C48-85B0-C01A21830905}"/>
+                <a16:creationId xmlns:a16="http://schemas.microsoft.com/office/drawing/2014/main" xmlns="" id="{6F1493EC-546F-4C48-85B0-C01A21830905}"/>
               </a:ext>
             </a:extLst>
           </p:cNvPr>
@@ -7235,6 +7242,13 @@
   <p:clrMapOvr>
     <a:masterClrMapping/>
   </p:clrMapOvr>
+  <p:timing>
+    <p:tnLst>
+      <p:par>
+        <p:cTn id="1" dur="indefinite" restart="never" nodeType="tmRoot"/>
+      </p:par>
+    </p:tnLst>
+  </p:timing>
 </p:sld>
 </file>
 
@@ -7260,7 +7274,7 @@
           <p:cNvPr id="2" name="Titolo 1">
             <a:extLst>
               <a:ext uri="{FF2B5EF4-FFF2-40B4-BE49-F238E27FC236}">
-                <a16:creationId xmlns:a16="http://schemas.microsoft.com/office/drawing/2014/main" id="{1B67CCBC-3FC1-4DCE-8078-4F7C03F81E50}"/>
+                <a16:creationId xmlns:a16="http://schemas.microsoft.com/office/drawing/2014/main" xmlns="" id="{1B67CCBC-3FC1-4DCE-8078-4F7C03F81E50}"/>
               </a:ext>
             </a:extLst>
           </p:cNvPr>
@@ -7288,7 +7302,7 @@
           <p:cNvPr id="7" name="Segnaposto contenuto 6">
             <a:extLst>
               <a:ext uri="{FF2B5EF4-FFF2-40B4-BE49-F238E27FC236}">
-                <a16:creationId xmlns:a16="http://schemas.microsoft.com/office/drawing/2014/main" id="{ED7F854A-06F5-4465-9DDD-D0EDE84CA079}"/>
+                <a16:creationId xmlns:a16="http://schemas.microsoft.com/office/drawing/2014/main" xmlns="" id="{ED7F854A-06F5-4465-9DDD-D0EDE84CA079}"/>
               </a:ext>
             </a:extLst>
           </p:cNvPr>
@@ -7328,6 +7342,13 @@
   <p:clrMapOvr>
     <a:masterClrMapping/>
   </p:clrMapOvr>
+  <p:timing>
+    <p:tnLst>
+      <p:par>
+        <p:cTn id="1" dur="indefinite" restart="never" nodeType="tmRoot"/>
+      </p:par>
+    </p:tnLst>
+  </p:timing>
 </p:sld>
 </file>
 
@@ -7353,7 +7374,7 @@
           <p:cNvPr id="2" name="Titolo 1">
             <a:extLst>
               <a:ext uri="{FF2B5EF4-FFF2-40B4-BE49-F238E27FC236}">
-                <a16:creationId xmlns:a16="http://schemas.microsoft.com/office/drawing/2014/main" id="{1B67CCBC-3FC1-4DCE-8078-4F7C03F81E50}"/>
+                <a16:creationId xmlns:a16="http://schemas.microsoft.com/office/drawing/2014/main" xmlns="" id="{1B67CCBC-3FC1-4DCE-8078-4F7C03F81E50}"/>
               </a:ext>
             </a:extLst>
           </p:cNvPr>
@@ -7381,7 +7402,7 @@
           <p:cNvPr id="9" name="Immagine 8">
             <a:extLst>
               <a:ext uri="{FF2B5EF4-FFF2-40B4-BE49-F238E27FC236}">
-                <a16:creationId xmlns:a16="http://schemas.microsoft.com/office/drawing/2014/main" id="{0EDDB9F0-36F2-4CFC-AFA3-14D99B392364}"/>
+                <a16:creationId xmlns:a16="http://schemas.microsoft.com/office/drawing/2014/main" xmlns="" id="{0EDDB9F0-36F2-4CFC-AFA3-14D99B392364}"/>
               </a:ext>
             </a:extLst>
           </p:cNvPr>
@@ -7417,7 +7438,7 @@
           <p:cNvPr id="6" name="Immagine 5">
             <a:extLst>
               <a:ext uri="{FF2B5EF4-FFF2-40B4-BE49-F238E27FC236}">
-                <a16:creationId xmlns:a16="http://schemas.microsoft.com/office/drawing/2014/main" id="{56C8EACA-5703-44E4-ACD0-12FA98CC69D5}"/>
+                <a16:creationId xmlns:a16="http://schemas.microsoft.com/office/drawing/2014/main" xmlns="" id="{56C8EACA-5703-44E4-ACD0-12FA98CC69D5}"/>
               </a:ext>
             </a:extLst>
           </p:cNvPr>
@@ -7427,7 +7448,7 @@
           <p:nvPr/>
         </p:nvPicPr>
         <p:blipFill>
-          <a:blip r:embed="rId3">
+          <a:blip r:embed="rId3" cstate="print">
             <a:extLst>
               <a:ext uri="{28A0092B-C50C-407E-A947-70E740481C1C}">
                 <a14:useLocalDpi xmlns:a14="http://schemas.microsoft.com/office/drawing/2010/main" val="0"/>
@@ -7453,7 +7474,7 @@
           <p:cNvPr id="10" name="Immagine 9">
             <a:extLst>
               <a:ext uri="{FF2B5EF4-FFF2-40B4-BE49-F238E27FC236}">
-                <a16:creationId xmlns:a16="http://schemas.microsoft.com/office/drawing/2014/main" id="{566A20A2-AAE6-4FB3-911B-DBE53C23DA44}"/>
+                <a16:creationId xmlns:a16="http://schemas.microsoft.com/office/drawing/2014/main" xmlns="" id="{566A20A2-AAE6-4FB3-911B-DBE53C23DA44}"/>
               </a:ext>
             </a:extLst>
           </p:cNvPr>
@@ -7476,7 +7497,7 @@
         </p:blipFill>
         <p:spPr>
           <a:xfrm>
-            <a:off x="5425237" y="3949114"/>
+            <a:off x="5427072" y="3949114"/>
             <a:ext cx="2347163" cy="922100"/>
           </a:xfrm>
           <a:prstGeom prst="rect">
@@ -7489,7 +7510,7 @@
           <p:cNvPr id="12" name="Ovale 11">
             <a:extLst>
               <a:ext uri="{FF2B5EF4-FFF2-40B4-BE49-F238E27FC236}">
-                <a16:creationId xmlns:a16="http://schemas.microsoft.com/office/drawing/2014/main" id="{F718017B-475E-430B-9ACB-D4662A925EE2}"/>
+                <a16:creationId xmlns:a16="http://schemas.microsoft.com/office/drawing/2014/main" xmlns="" id="{F718017B-475E-430B-9ACB-D4662A925EE2}"/>
               </a:ext>
             </a:extLst>
           </p:cNvPr>
@@ -7541,7 +7562,7 @@
           <p:cNvPr id="13" name="Ovale 12">
             <a:extLst>
               <a:ext uri="{FF2B5EF4-FFF2-40B4-BE49-F238E27FC236}">
-                <a16:creationId xmlns:a16="http://schemas.microsoft.com/office/drawing/2014/main" id="{4C473B06-9CF7-4873-8307-80047A65060F}"/>
+                <a16:creationId xmlns:a16="http://schemas.microsoft.com/office/drawing/2014/main" xmlns="" id="{4C473B06-9CF7-4873-8307-80047A65060F}"/>
               </a:ext>
             </a:extLst>
           </p:cNvPr>
@@ -7593,7 +7614,7 @@
           <p:cNvPr id="14" name="CasellaDiTesto 13">
             <a:extLst>
               <a:ext uri="{FF2B5EF4-FFF2-40B4-BE49-F238E27FC236}">
-                <a16:creationId xmlns:a16="http://schemas.microsoft.com/office/drawing/2014/main" id="{5BCB87BC-E5EA-4511-AB86-AAF28D4E5F6D}"/>
+                <a16:creationId xmlns:a16="http://schemas.microsoft.com/office/drawing/2014/main" xmlns="" id="{5BCB87BC-E5EA-4511-AB86-AAF28D4E5F6D}"/>
               </a:ext>
             </a:extLst>
           </p:cNvPr>
@@ -7692,7 +7713,7 @@
           <p:cNvPr id="15" name="CasellaDiTesto 14">
             <a:extLst>
               <a:ext uri="{FF2B5EF4-FFF2-40B4-BE49-F238E27FC236}">
-                <a16:creationId xmlns:a16="http://schemas.microsoft.com/office/drawing/2014/main" id="{57DC23E5-898F-4F6B-BBC6-22EE8FD03BF6}"/>
+                <a16:creationId xmlns:a16="http://schemas.microsoft.com/office/drawing/2014/main" xmlns="" id="{57DC23E5-898F-4F6B-BBC6-22EE8FD03BF6}"/>
               </a:ext>
             </a:extLst>
           </p:cNvPr>
@@ -7757,7 +7778,7 @@
                             </p:stCondLst>
                             <p:childTnLst>
                               <p:par>
-                                <p:cTn id="5" presetID="1" presetClass="entr" presetSubtype="0" fill="hold" nodeType="clickEffect">
+                                <p:cTn id="5" presetID="10" presetClass="entr" presetSubtype="0" fill="hold" nodeType="clickEffect">
                                   <p:stCondLst>
                                     <p:cond delay="0"/>
                                   </p:stCondLst>
@@ -7780,18 +7801,26 @@
                                         <p:strVal val="visible"/>
                                       </p:to>
                                     </p:set>
+                                    <p:animEffect transition="in" filter="fade">
+                                      <p:cBhvr>
+                                        <p:cTn id="7" dur="500"/>
+                                        <p:tgtEl>
+                                          <p:spTgt spid="10"/>
+                                        </p:tgtEl>
+                                      </p:cBhvr>
+                                    </p:animEffect>
                                   </p:childTnLst>
                                 </p:cTn>
                               </p:par>
                               <p:par>
-                                <p:cTn id="7" presetID="1" presetClass="entr" presetSubtype="0" fill="hold" nodeType="withEffect">
+                                <p:cTn id="8" presetID="10" presetClass="entr" presetSubtype="0" fill="hold" nodeType="withEffect">
                                   <p:stCondLst>
                                     <p:cond delay="0"/>
                                   </p:stCondLst>
                                   <p:childTnLst>
                                     <p:set>
                                       <p:cBhvr>
-                                        <p:cTn id="8" dur="1" fill="hold">
+                                        <p:cTn id="9" dur="1" fill="hold">
                                           <p:stCondLst>
                                             <p:cond delay="0"/>
                                           </p:stCondLst>
@@ -7807,18 +7836,26 @@
                                         <p:strVal val="visible"/>
                                       </p:to>
                                     </p:set>
+                                    <p:animEffect transition="in" filter="fade">
+                                      <p:cBhvr>
+                                        <p:cTn id="10" dur="500"/>
+                                        <p:tgtEl>
+                                          <p:spTgt spid="6"/>
+                                        </p:tgtEl>
+                                      </p:cBhvr>
+                                    </p:animEffect>
                                   </p:childTnLst>
                                 </p:cTn>
                               </p:par>
                               <p:par>
-                                <p:cTn id="9" presetID="1" presetClass="entr" presetSubtype="0" fill="hold" grpId="0" nodeType="withEffect">
+                                <p:cTn id="11" presetID="10" presetClass="entr" presetSubtype="0" fill="hold" grpId="0" nodeType="withEffect">
                                   <p:stCondLst>
                                     <p:cond delay="0"/>
                                   </p:stCondLst>
                                   <p:childTnLst>
                                     <p:set>
                                       <p:cBhvr>
-                                        <p:cTn id="10" dur="1" fill="hold">
+                                        <p:cTn id="12" dur="1" fill="hold">
                                           <p:stCondLst>
                                             <p:cond delay="0"/>
                                           </p:stCondLst>
@@ -7834,18 +7871,26 @@
                                         <p:strVal val="visible"/>
                                       </p:to>
                                     </p:set>
+                                    <p:animEffect transition="in" filter="fade">
+                                      <p:cBhvr>
+                                        <p:cTn id="13" dur="500"/>
+                                        <p:tgtEl>
+                                          <p:spTgt spid="14"/>
+                                        </p:tgtEl>
+                                      </p:cBhvr>
+                                    </p:animEffect>
                                   </p:childTnLst>
                                 </p:cTn>
                               </p:par>
                               <p:par>
-                                <p:cTn id="11" presetID="1" presetClass="entr" presetSubtype="0" fill="hold" grpId="0" nodeType="withEffect">
+                                <p:cTn id="14" presetID="10" presetClass="entr" presetSubtype="0" fill="hold" grpId="0" nodeType="withEffect">
                                   <p:stCondLst>
                                     <p:cond delay="0"/>
                                   </p:stCondLst>
                                   <p:childTnLst>
                                     <p:set>
                                       <p:cBhvr>
-                                        <p:cTn id="12" dur="1" fill="hold">
+                                        <p:cTn id="15" dur="1" fill="hold">
                                           <p:stCondLst>
                                             <p:cond delay="0"/>
                                           </p:stCondLst>
@@ -7861,18 +7906,26 @@
                                         <p:strVal val="visible"/>
                                       </p:to>
                                     </p:set>
+                                    <p:animEffect transition="in" filter="fade">
+                                      <p:cBhvr>
+                                        <p:cTn id="16" dur="500"/>
+                                        <p:tgtEl>
+                                          <p:spTgt spid="15"/>
+                                        </p:tgtEl>
+                                      </p:cBhvr>
+                                    </p:animEffect>
                                   </p:childTnLst>
                                 </p:cTn>
                               </p:par>
                               <p:par>
-                                <p:cTn id="13" presetID="1" presetClass="entr" presetSubtype="0" fill="hold" grpId="0" nodeType="withEffect">
+                                <p:cTn id="17" presetID="10" presetClass="entr" presetSubtype="0" fill="hold" grpId="0" nodeType="withEffect">
                                   <p:stCondLst>
                                     <p:cond delay="0"/>
                                   </p:stCondLst>
                                   <p:childTnLst>
                                     <p:set>
                                       <p:cBhvr>
-                                        <p:cTn id="14" dur="1" fill="hold">
+                                        <p:cTn id="18" dur="1" fill="hold">
                                           <p:stCondLst>
                                             <p:cond delay="0"/>
                                           </p:stCondLst>
@@ -7888,18 +7941,26 @@
                                         <p:strVal val="visible"/>
                                       </p:to>
                                     </p:set>
+                                    <p:animEffect transition="in" filter="fade">
+                                      <p:cBhvr>
+                                        <p:cTn id="19" dur="500"/>
+                                        <p:tgtEl>
+                                          <p:spTgt spid="12"/>
+                                        </p:tgtEl>
+                                      </p:cBhvr>
+                                    </p:animEffect>
                                   </p:childTnLst>
                                 </p:cTn>
                               </p:par>
                               <p:par>
-                                <p:cTn id="15" presetID="1" presetClass="entr" presetSubtype="0" fill="hold" grpId="0" nodeType="withEffect">
+                                <p:cTn id="20" presetID="10" presetClass="entr" presetSubtype="0" fill="hold" grpId="0" nodeType="withEffect">
                                   <p:stCondLst>
                                     <p:cond delay="0"/>
                                   </p:stCondLst>
                                   <p:childTnLst>
                                     <p:set>
                                       <p:cBhvr>
-                                        <p:cTn id="16" dur="1" fill="hold">
+                                        <p:cTn id="21" dur="1" fill="hold">
                                           <p:stCondLst>
                                             <p:cond delay="0"/>
                                           </p:stCondLst>
@@ -7915,6 +7976,14 @@
                                         <p:strVal val="visible"/>
                                       </p:to>
                                     </p:set>
+                                    <p:animEffect transition="in" filter="fade">
+                                      <p:cBhvr>
+                                        <p:cTn id="22" dur="500"/>
+                                        <p:tgtEl>
+                                          <p:spTgt spid="13"/>
+                                        </p:tgtEl>
+                                      </p:cBhvr>
+                                    </p:animEffect>
                                   </p:childTnLst>
                                 </p:cTn>
                               </p:par>
@@ -7977,7 +8046,7 @@
           <p:cNvPr id="2" name="Titolo 1">
             <a:extLst>
               <a:ext uri="{FF2B5EF4-FFF2-40B4-BE49-F238E27FC236}">
-                <a16:creationId xmlns:a16="http://schemas.microsoft.com/office/drawing/2014/main" id="{1B67CCBC-3FC1-4DCE-8078-4F7C03F81E50}"/>
+                <a16:creationId xmlns:a16="http://schemas.microsoft.com/office/drawing/2014/main" xmlns="" id="{1B67CCBC-3FC1-4DCE-8078-4F7C03F81E50}"/>
               </a:ext>
             </a:extLst>
           </p:cNvPr>
@@ -8005,7 +8074,7 @@
           <p:cNvPr id="6" name="Segnaposto contenuto 5">
             <a:extLst>
               <a:ext uri="{FF2B5EF4-FFF2-40B4-BE49-F238E27FC236}">
-                <a16:creationId xmlns:a16="http://schemas.microsoft.com/office/drawing/2014/main" id="{58739778-2FC3-4466-A52D-436A7F88C87F}"/>
+                <a16:creationId xmlns:a16="http://schemas.microsoft.com/office/drawing/2014/main" xmlns="" id="{58739778-2FC3-4466-A52D-436A7F88C87F}"/>
               </a:ext>
             </a:extLst>
           </p:cNvPr>
@@ -8040,7 +8109,7 @@
           <p:cNvPr id="4" name="Immagine 3">
             <a:extLst>
               <a:ext uri="{FF2B5EF4-FFF2-40B4-BE49-F238E27FC236}">
-                <a16:creationId xmlns:a16="http://schemas.microsoft.com/office/drawing/2014/main" id="{110E41ED-83D4-4E4C-B11A-F9918DA703DF}"/>
+                <a16:creationId xmlns:a16="http://schemas.microsoft.com/office/drawing/2014/main" xmlns="" id="{110E41ED-83D4-4E4C-B11A-F9918DA703DF}"/>
               </a:ext>
             </a:extLst>
           </p:cNvPr>
@@ -8181,7 +8250,7 @@
           <p:cNvPr id="2" name="Titolo 1">
             <a:extLst>
               <a:ext uri="{FF2B5EF4-FFF2-40B4-BE49-F238E27FC236}">
-                <a16:creationId xmlns:a16="http://schemas.microsoft.com/office/drawing/2014/main" id="{1B67CCBC-3FC1-4DCE-8078-4F7C03F81E50}"/>
+                <a16:creationId xmlns:a16="http://schemas.microsoft.com/office/drawing/2014/main" xmlns="" id="{1B67CCBC-3FC1-4DCE-8078-4F7C03F81E50}"/>
               </a:ext>
             </a:extLst>
           </p:cNvPr>
@@ -8209,7 +8278,7 @@
           <p:cNvPr id="7" name="Segnaposto contenuto 6">
             <a:extLst>
               <a:ext uri="{FF2B5EF4-FFF2-40B4-BE49-F238E27FC236}">
-                <a16:creationId xmlns:a16="http://schemas.microsoft.com/office/drawing/2014/main" id="{B0140C04-47BF-4D6A-805D-AFB08CFD4A54}"/>
+                <a16:creationId xmlns:a16="http://schemas.microsoft.com/office/drawing/2014/main" xmlns="" id="{B0140C04-47BF-4D6A-805D-AFB08CFD4A54}"/>
               </a:ext>
             </a:extLst>
           </p:cNvPr>
@@ -8244,7 +8313,7 @@
           <p:cNvPr id="9" name="Immagine 8">
             <a:extLst>
               <a:ext uri="{FF2B5EF4-FFF2-40B4-BE49-F238E27FC236}">
-                <a16:creationId xmlns:a16="http://schemas.microsoft.com/office/drawing/2014/main" id="{F06BCA66-9014-483A-871F-DFFF3B755354}"/>
+                <a16:creationId xmlns:a16="http://schemas.microsoft.com/office/drawing/2014/main" xmlns="" id="{F06BCA66-9014-483A-871F-DFFF3B755354}"/>
               </a:ext>
             </a:extLst>
           </p:cNvPr>
@@ -8393,7 +8462,7 @@
           <p:cNvPr id="2" name="Titolo 1">
             <a:extLst>
               <a:ext uri="{FF2B5EF4-FFF2-40B4-BE49-F238E27FC236}">
-                <a16:creationId xmlns:a16="http://schemas.microsoft.com/office/drawing/2014/main" id="{A0E1236B-2064-4237-89A2-087FB750BD0A}"/>
+                <a16:creationId xmlns:a16="http://schemas.microsoft.com/office/drawing/2014/main" xmlns="" id="{A0E1236B-2064-4237-89A2-087FB750BD0A}"/>
               </a:ext>
             </a:extLst>
           </p:cNvPr>
@@ -8428,7 +8497,7 @@
           <p:cNvPr id="3" name="Segnaposto contenuto 2">
             <a:extLst>
               <a:ext uri="{FF2B5EF4-FFF2-40B4-BE49-F238E27FC236}">
-                <a16:creationId xmlns:a16="http://schemas.microsoft.com/office/drawing/2014/main" id="{6B4AE4BC-1A2B-4811-9E56-438C5D2EAFC3}"/>
+                <a16:creationId xmlns:a16="http://schemas.microsoft.com/office/drawing/2014/main" xmlns="" id="{6B4AE4BC-1A2B-4811-9E56-438C5D2EAFC3}"/>
               </a:ext>
             </a:extLst>
           </p:cNvPr>
@@ -8484,7 +8553,7 @@
           <p:cNvPr id="4" name="Picture 6" descr="Related image">
             <a:extLst>
               <a:ext uri="{FF2B5EF4-FFF2-40B4-BE49-F238E27FC236}">
-                <a16:creationId xmlns:a16="http://schemas.microsoft.com/office/drawing/2014/main" id="{9BC8B7EE-D791-45C7-82A4-489C80C224F0}"/>
+                <a16:creationId xmlns:a16="http://schemas.microsoft.com/office/drawing/2014/main" xmlns="" id="{9BC8B7EE-D791-45C7-82A4-489C80C224F0}"/>
               </a:ext>
             </a:extLst>
           </p:cNvPr>
@@ -8560,7 +8629,7 @@
           <p:cNvPr id="2" name="Titolo 1">
             <a:extLst>
               <a:ext uri="{FF2B5EF4-FFF2-40B4-BE49-F238E27FC236}">
-                <a16:creationId xmlns:a16="http://schemas.microsoft.com/office/drawing/2014/main" id="{A903AAEA-4EDE-4522-BC69-16A321578215}"/>
+                <a16:creationId xmlns:a16="http://schemas.microsoft.com/office/drawing/2014/main" xmlns="" id="{A903AAEA-4EDE-4522-BC69-16A321578215}"/>
               </a:ext>
             </a:extLst>
           </p:cNvPr>
@@ -8588,7 +8657,7 @@
           <p:cNvPr id="3" name="Segnaposto contenuto 2">
             <a:extLst>
               <a:ext uri="{FF2B5EF4-FFF2-40B4-BE49-F238E27FC236}">
-                <a16:creationId xmlns:a16="http://schemas.microsoft.com/office/drawing/2014/main" id="{16AC750B-AF08-46AF-8654-4175F2CFDE2A}"/>
+                <a16:creationId xmlns:a16="http://schemas.microsoft.com/office/drawing/2014/main" xmlns="" id="{16AC750B-AF08-46AF-8654-4175F2CFDE2A}"/>
               </a:ext>
             </a:extLst>
           </p:cNvPr>
@@ -8627,7 +8696,7 @@
           <p:cNvPr id="5" name="Immagine 4">
             <a:extLst>
               <a:ext uri="{FF2B5EF4-FFF2-40B4-BE49-F238E27FC236}">
-                <a16:creationId xmlns:a16="http://schemas.microsoft.com/office/drawing/2014/main" id="{9044D5C4-CFF5-4430-9D77-036F7B0B3C78}"/>
+                <a16:creationId xmlns:a16="http://schemas.microsoft.com/office/drawing/2014/main" xmlns="" id="{9044D5C4-CFF5-4430-9D77-036F7B0B3C78}"/>
               </a:ext>
             </a:extLst>
           </p:cNvPr>
@@ -8637,7 +8706,7 @@
           <p:nvPr/>
         </p:nvPicPr>
         <p:blipFill rotWithShape="1">
-          <a:blip r:embed="rId2">
+          <a:blip r:embed="rId2" cstate="print">
             <a:extLst>
               <a:ext uri="{28A0092B-C50C-407E-A947-70E740481C1C}">
                 <a14:useLocalDpi xmlns:a14="http://schemas.microsoft.com/office/drawing/2010/main" val="0"/>
@@ -8692,7 +8761,7 @@
           <p:cNvPr id="2" name="Titolo 1">
             <a:extLst>
               <a:ext uri="{FF2B5EF4-FFF2-40B4-BE49-F238E27FC236}">
-                <a16:creationId xmlns:a16="http://schemas.microsoft.com/office/drawing/2014/main" id="{07650F49-F0AB-4A2B-9737-282A0952F241}"/>
+                <a16:creationId xmlns:a16="http://schemas.microsoft.com/office/drawing/2014/main" xmlns="" id="{07650F49-F0AB-4A2B-9737-282A0952F241}"/>
               </a:ext>
             </a:extLst>
           </p:cNvPr>
@@ -8721,7 +8790,7 @@
           <p:cNvPr id="3" name="Sottotitolo 2">
             <a:extLst>
               <a:ext uri="{FF2B5EF4-FFF2-40B4-BE49-F238E27FC236}">
-                <a16:creationId xmlns:a16="http://schemas.microsoft.com/office/drawing/2014/main" id="{FD735B2E-9D76-4E4A-87E9-ED7A93FA8EC4}"/>
+                <a16:creationId xmlns:a16="http://schemas.microsoft.com/office/drawing/2014/main" xmlns="" id="{FD735B2E-9D76-4E4A-87E9-ED7A93FA8EC4}"/>
               </a:ext>
             </a:extLst>
           </p:cNvPr>
@@ -8780,7 +8849,7 @@
           <p:cNvPr id="2" name="Titolo 1">
             <a:extLst>
               <a:ext uri="{FF2B5EF4-FFF2-40B4-BE49-F238E27FC236}">
-                <a16:creationId xmlns:a16="http://schemas.microsoft.com/office/drawing/2014/main" id="{5210A900-A952-44AB-800D-938B78D802D6}"/>
+                <a16:creationId xmlns:a16="http://schemas.microsoft.com/office/drawing/2014/main" xmlns="" id="{5210A900-A952-44AB-800D-938B78D802D6}"/>
               </a:ext>
             </a:extLst>
           </p:cNvPr>
@@ -8808,7 +8877,7 @@
           <p:cNvPr id="3" name="Segnaposto contenuto 2">
             <a:extLst>
               <a:ext uri="{FF2B5EF4-FFF2-40B4-BE49-F238E27FC236}">
-                <a16:creationId xmlns:a16="http://schemas.microsoft.com/office/drawing/2014/main" id="{B0DB420D-D66C-4844-B03B-AE84B1F51371}"/>
+                <a16:creationId xmlns:a16="http://schemas.microsoft.com/office/drawing/2014/main" xmlns="" id="{B0DB420D-D66C-4844-B03B-AE84B1F51371}"/>
               </a:ext>
             </a:extLst>
           </p:cNvPr>
@@ -8882,1706 +8951,6 @@
     <p:extLst>
       <p:ext uri="{BB962C8B-B14F-4D97-AF65-F5344CB8AC3E}">
         <p14:creationId xmlns:p14="http://schemas.microsoft.com/office/powerpoint/2010/main" val="822799471"/>
-      </p:ext>
-    </p:extLst>
-  </p:cSld>
-  <p:clrMapOvr>
-    <a:masterClrMapping/>
-  </p:clrMapOvr>
-</p:sld>
-</file>
-
-<file path=ppt/slides/slide3.xml><?xml version="1.0" encoding="utf-8"?>
-<p:sld xmlns:a="http://schemas.openxmlformats.org/drawingml/2006/main" xmlns:r="http://schemas.openxmlformats.org/officeDocument/2006/relationships" xmlns:p="http://schemas.openxmlformats.org/presentationml/2006/main">
-  <p:cSld>
-    <p:spTree>
-      <p:nvGrpSpPr>
-        <p:cNvPr id="1" name=""/>
-        <p:cNvGrpSpPr/>
-        <p:nvPr/>
-      </p:nvGrpSpPr>
-      <p:grpSpPr>
-        <a:xfrm>
-          <a:off x="0" y="0"/>
-          <a:ext cx="0" cy="0"/>
-          <a:chOff x="0" y="0"/>
-          <a:chExt cx="0" cy="0"/>
-        </a:xfrm>
-      </p:grpSpPr>
-      <p:sp>
-        <p:nvSpPr>
-          <p:cNvPr id="2" name="Titolo 1">
-            <a:extLst>
-              <a:ext uri="{FF2B5EF4-FFF2-40B4-BE49-F238E27FC236}">
-                <a16:creationId xmlns:a16="http://schemas.microsoft.com/office/drawing/2014/main" id="{CE2C0F09-3221-421C-B777-3D38DF0939C8}"/>
-              </a:ext>
-            </a:extLst>
-          </p:cNvPr>
-          <p:cNvSpPr>
-            <a:spLocks noGrp="1"/>
-          </p:cNvSpPr>
-          <p:nvPr>
-            <p:ph type="title"/>
-          </p:nvPr>
-        </p:nvSpPr>
-        <p:spPr/>
-        <p:txBody>
-          <a:bodyPr/>
-          <a:lstStyle/>
-          <a:p>
-            <a:r>
-              <a:rPr lang="it-CH" dirty="0"/>
-              <a:t>Perché usare il nostro prodotto?</a:t>
-            </a:r>
-          </a:p>
-        </p:txBody>
-      </p:sp>
-      <p:sp>
-        <p:nvSpPr>
-          <p:cNvPr id="3" name="Segnaposto contenuto 2">
-            <a:extLst>
-              <a:ext uri="{FF2B5EF4-FFF2-40B4-BE49-F238E27FC236}">
-                <a16:creationId xmlns:a16="http://schemas.microsoft.com/office/drawing/2014/main" id="{6BF152D1-30B5-498C-9604-A0EE3A8CC7A4}"/>
-              </a:ext>
-            </a:extLst>
-          </p:cNvPr>
-          <p:cNvSpPr>
-            <a:spLocks noGrp="1"/>
-          </p:cNvSpPr>
-          <p:nvPr>
-            <p:ph idx="1"/>
-          </p:nvPr>
-        </p:nvSpPr>
-        <p:spPr/>
-        <p:txBody>
-          <a:bodyPr/>
-          <a:lstStyle/>
-          <a:p>
-            <a:endParaRPr lang="it-CH" dirty="0"/>
-          </a:p>
-          <a:p>
-            <a:r>
-              <a:rPr lang="it-CH" sz="2800" dirty="0"/>
-              <a:t>Per non arrivare in ritardo a lezione</a:t>
-            </a:r>
-          </a:p>
-          <a:p>
-            <a:r>
-              <a:rPr lang="it-CH" sz="2800" dirty="0"/>
-              <a:t>Un modo alternativo per sapere l’orario</a:t>
-            </a:r>
-          </a:p>
-          <a:p>
-            <a:r>
-              <a:rPr lang="it-CH" sz="2800" dirty="0"/>
-              <a:t>Colorato ed originale</a:t>
-            </a:r>
-          </a:p>
-        </p:txBody>
-      </p:sp>
-      <p:pic>
-        <p:nvPicPr>
-          <p:cNvPr id="4" name="Picture 7">
-            <a:extLst>
-              <a:ext uri="{FF2B5EF4-FFF2-40B4-BE49-F238E27FC236}">
-                <a16:creationId xmlns:a16="http://schemas.microsoft.com/office/drawing/2014/main" id="{EB505230-90D0-49CE-BEA6-A140FB17D7A1}"/>
-              </a:ext>
-            </a:extLst>
-          </p:cNvPr>
-          <p:cNvPicPr>
-            <a:picLocks noChangeAspect="1"/>
-          </p:cNvPicPr>
-          <p:nvPr/>
-        </p:nvPicPr>
-        <p:blipFill>
-          <a:blip r:embed="rId2">
-            <a:extLst>
-              <a:ext uri="{28A0092B-C50C-407E-A947-70E740481C1C}">
-                <a14:useLocalDpi xmlns:a14="http://schemas.microsoft.com/office/drawing/2010/main" val="0"/>
-              </a:ext>
-            </a:extLst>
-          </a:blip>
-          <a:stretch>
-            <a:fillRect/>
-          </a:stretch>
-        </p:blipFill>
-        <p:spPr>
-          <a:xfrm>
-            <a:off x="8522904" y="2391375"/>
-            <a:ext cx="2382051" cy="2382051"/>
-          </a:xfrm>
-          <a:prstGeom prst="rect">
-            <a:avLst/>
-          </a:prstGeom>
-        </p:spPr>
-      </p:pic>
-    </p:spTree>
-    <p:extLst>
-      <p:ext uri="{BB962C8B-B14F-4D97-AF65-F5344CB8AC3E}">
-        <p14:creationId xmlns:p14="http://schemas.microsoft.com/office/powerpoint/2010/main" val="2221717689"/>
-      </p:ext>
-    </p:extLst>
-  </p:cSld>
-  <p:clrMapOvr>
-    <a:masterClrMapping/>
-  </p:clrMapOvr>
-</p:sld>
-</file>
-
-<file path=ppt/slides/slide4.xml><?xml version="1.0" encoding="utf-8"?>
-<p:sld xmlns:a="http://schemas.openxmlformats.org/drawingml/2006/main" xmlns:r="http://schemas.openxmlformats.org/officeDocument/2006/relationships" xmlns:p="http://schemas.openxmlformats.org/presentationml/2006/main">
-  <p:cSld>
-    <p:spTree>
-      <p:nvGrpSpPr>
-        <p:cNvPr id="1" name=""/>
-        <p:cNvGrpSpPr/>
-        <p:nvPr/>
-      </p:nvGrpSpPr>
-      <p:grpSpPr>
-        <a:xfrm>
-          <a:off x="0" y="0"/>
-          <a:ext cx="0" cy="0"/>
-          <a:chOff x="0" y="0"/>
-          <a:chExt cx="0" cy="0"/>
-        </a:xfrm>
-      </p:grpSpPr>
-      <p:sp>
-        <p:nvSpPr>
-          <p:cNvPr id="2" name="Titolo 1">
-            <a:extLst>
-              <a:ext uri="{FF2B5EF4-FFF2-40B4-BE49-F238E27FC236}">
-                <a16:creationId xmlns:a16="http://schemas.microsoft.com/office/drawing/2014/main" id="{05B8D7CC-1300-40C6-9A71-31B38A146B55}"/>
-              </a:ext>
-            </a:extLst>
-          </p:cNvPr>
-          <p:cNvSpPr>
-            <a:spLocks noGrp="1"/>
-          </p:cNvSpPr>
-          <p:nvPr>
-            <p:ph type="title"/>
-          </p:nvPr>
-        </p:nvSpPr>
-        <p:spPr/>
-        <p:txBody>
-          <a:bodyPr/>
-          <a:lstStyle/>
-          <a:p>
-            <a:r>
-              <a:rPr lang="it-CH" dirty="0"/>
-              <a:t>Requisiti</a:t>
-            </a:r>
-          </a:p>
-        </p:txBody>
-      </p:sp>
-      <p:sp>
-        <p:nvSpPr>
-          <p:cNvPr id="3" name="Segnaposto contenuto 2">
-            <a:extLst>
-              <a:ext uri="{FF2B5EF4-FFF2-40B4-BE49-F238E27FC236}">
-                <a16:creationId xmlns:a16="http://schemas.microsoft.com/office/drawing/2014/main" id="{EF76A50E-973E-4AD4-9D46-CA4D6BE9E9C4}"/>
-              </a:ext>
-            </a:extLst>
-          </p:cNvPr>
-          <p:cNvSpPr>
-            <a:spLocks noGrp="1"/>
-          </p:cNvSpPr>
-          <p:nvPr>
-            <p:ph idx="1"/>
-          </p:nvPr>
-        </p:nvSpPr>
-        <p:spPr/>
-        <p:txBody>
-          <a:bodyPr/>
-          <a:lstStyle/>
-          <a:p>
-            <a:endParaRPr lang="it-CH" dirty="0"/>
-          </a:p>
-          <a:p>
-            <a:pPr>
-              <a:buFont typeface="Arial" panose="020B0604020202020204" pitchFamily="34" charset="0"/>
-              <a:buChar char="•"/>
-            </a:pPr>
-            <a:r>
-              <a:rPr lang="it-CH" sz="2800" dirty="0"/>
-              <a:t>Verifica componenti hardware</a:t>
-            </a:r>
-          </a:p>
-          <a:p>
-            <a:pPr>
-              <a:buFont typeface="Arial" panose="020B0604020202020204" pitchFamily="34" charset="0"/>
-              <a:buChar char="•"/>
-            </a:pPr>
-            <a:r>
-              <a:rPr lang="it-CH" sz="2800" dirty="0"/>
-              <a:t>Implementazione Word Clock</a:t>
-            </a:r>
-          </a:p>
-          <a:p>
-            <a:pPr marL="715518" lvl="1" indent="-514350">
-              <a:buFont typeface="+mj-lt"/>
-              <a:buAutoNum type="arabicPeriod"/>
-            </a:pPr>
-            <a:r>
-              <a:rPr lang="it-CH" sz="2000" dirty="0"/>
-              <a:t>Scrivere il testo con le differenze di 5 minuti</a:t>
-            </a:r>
-          </a:p>
-          <a:p>
-            <a:pPr marL="715518" lvl="1" indent="-514350">
-              <a:buFont typeface="+mj-lt"/>
-              <a:buAutoNum type="arabicPeriod"/>
-            </a:pPr>
-            <a:r>
-              <a:rPr lang="it-CH" sz="2000" dirty="0"/>
-              <a:t>Mostrare i secondi tramite l’utilizzo di 12 led, quindi 5 secondi per ogni pallino acceso</a:t>
-            </a:r>
-          </a:p>
-          <a:p>
-            <a:pPr marL="715518" lvl="1" indent="-514350">
-              <a:buFont typeface="+mj-lt"/>
-              <a:buAutoNum type="arabicPeriod"/>
-            </a:pPr>
-            <a:r>
-              <a:rPr lang="it-IT" sz="2000" dirty="0"/>
-              <a:t>Si dovrà poter controllare e impostare l’orario e le impostazione tramite il modello fisico</a:t>
-            </a:r>
-          </a:p>
-          <a:p>
-            <a:pPr marL="715518" lvl="1" indent="-514350">
-              <a:buFont typeface="+mj-lt"/>
-              <a:buAutoNum type="arabicPeriod"/>
-            </a:pPr>
-            <a:r>
-              <a:rPr lang="it-IT" sz="2000" dirty="0"/>
-              <a:t>Cambiare i colori dei led in base all’orario (pausa)</a:t>
-            </a:r>
-            <a:endParaRPr lang="it-CH" sz="2000" dirty="0"/>
-          </a:p>
-          <a:p>
-            <a:pPr marL="806958" lvl="1" indent="-514350">
-              <a:buFont typeface="+mj-lt"/>
-              <a:buAutoNum type="arabicPeriod"/>
-            </a:pPr>
-            <a:endParaRPr lang="it-CH" sz="2600" dirty="0"/>
-          </a:p>
-        </p:txBody>
-      </p:sp>
-    </p:spTree>
-    <p:extLst>
-      <p:ext uri="{BB962C8B-B14F-4D97-AF65-F5344CB8AC3E}">
-        <p14:creationId xmlns:p14="http://schemas.microsoft.com/office/powerpoint/2010/main" val="3660861482"/>
-      </p:ext>
-    </p:extLst>
-  </p:cSld>
-  <p:clrMapOvr>
-    <a:masterClrMapping/>
-  </p:clrMapOvr>
-</p:sld>
-</file>
-
-<file path=ppt/slides/slide5.xml><?xml version="1.0" encoding="utf-8"?>
-<p:sld xmlns:a="http://schemas.openxmlformats.org/drawingml/2006/main" xmlns:r="http://schemas.openxmlformats.org/officeDocument/2006/relationships" xmlns:p="http://schemas.openxmlformats.org/presentationml/2006/main">
-  <p:cSld>
-    <p:bg>
-      <p:bgPr>
-        <a:solidFill>
-          <a:schemeClr val="bg1"/>
-        </a:solidFill>
-        <a:effectLst/>
-      </p:bgPr>
-    </p:bg>
-    <p:spTree>
-      <p:nvGrpSpPr>
-        <p:cNvPr id="1" name=""/>
-        <p:cNvGrpSpPr/>
-        <p:nvPr/>
-      </p:nvGrpSpPr>
-      <p:grpSpPr>
-        <a:xfrm>
-          <a:off x="0" y="0"/>
-          <a:ext cx="0" cy="0"/>
-          <a:chOff x="0" y="0"/>
-          <a:chExt cx="0" cy="0"/>
-        </a:xfrm>
-      </p:grpSpPr>
-      <p:pic>
-        <p:nvPicPr>
-          <p:cNvPr id="11" name="Immagine 7">
-            <a:extLst>
-              <a:ext uri="{FF2B5EF4-FFF2-40B4-BE49-F238E27FC236}">
-                <a16:creationId xmlns:a16="http://schemas.microsoft.com/office/drawing/2014/main" id="{C4602F1F-F493-4A5C-AB27-98040B959411}"/>
-              </a:ext>
-            </a:extLst>
-          </p:cNvPr>
-          <p:cNvPicPr>
-            <a:picLocks noGrp="1"/>
-          </p:cNvPicPr>
-          <p:nvPr>
-            <p:ph idx="1"/>
-          </p:nvPr>
-        </p:nvPicPr>
-        <p:blipFill rotWithShape="1">
-          <a:blip r:embed="rId2">
-            <a:extLst>
-              <a:ext uri="{28A0092B-C50C-407E-A947-70E740481C1C}">
-                <a14:useLocalDpi xmlns:a14="http://schemas.microsoft.com/office/drawing/2010/main" val="0"/>
-              </a:ext>
-            </a:extLst>
-          </a:blip>
-          <a:srcRect t="8762" r="10520"/>
-          <a:stretch/>
-        </p:blipFill>
-        <p:spPr>
-          <a:xfrm>
-            <a:off x="412803" y="1479444"/>
-            <a:ext cx="11366393" cy="4861638"/>
-          </a:xfrm>
-          <a:prstGeom prst="rect">
-            <a:avLst/>
-          </a:prstGeom>
-        </p:spPr>
-      </p:pic>
-      <p:sp>
-        <p:nvSpPr>
-          <p:cNvPr id="12" name="CasellaDiTesto 11">
-            <a:extLst>
-              <a:ext uri="{FF2B5EF4-FFF2-40B4-BE49-F238E27FC236}">
-                <a16:creationId xmlns:a16="http://schemas.microsoft.com/office/drawing/2014/main" id="{AA730C93-7217-4CD6-BA7F-89285C8C7E85}"/>
-              </a:ext>
-            </a:extLst>
-          </p:cNvPr>
-          <p:cNvSpPr txBox="1"/>
-          <p:nvPr/>
-        </p:nvSpPr>
-        <p:spPr>
-          <a:xfrm>
-            <a:off x="412803" y="401053"/>
-            <a:ext cx="5999747" cy="830997"/>
-          </a:xfrm>
-          <a:prstGeom prst="rect">
-            <a:avLst/>
-          </a:prstGeom>
-          <a:noFill/>
-        </p:spPr>
-        <p:txBody>
-          <a:bodyPr wrap="square" rtlCol="0">
-            <a:spAutoFit/>
-          </a:bodyPr>
-          <a:lstStyle/>
-          <a:p>
-            <a:r>
-              <a:rPr lang="it-CH" sz="4800" dirty="0">
-                <a:latin typeface="Calibri Light (Titoli)"/>
-              </a:rPr>
-              <a:t>Pianificazione</a:t>
-            </a:r>
-          </a:p>
-        </p:txBody>
-      </p:sp>
-    </p:spTree>
-    <p:extLst>
-      <p:ext uri="{BB962C8B-B14F-4D97-AF65-F5344CB8AC3E}">
-        <p14:creationId xmlns:p14="http://schemas.microsoft.com/office/powerpoint/2010/main" val="2598011975"/>
-      </p:ext>
-    </p:extLst>
-  </p:cSld>
-  <p:clrMapOvr>
-    <a:masterClrMapping/>
-  </p:clrMapOvr>
-</p:sld>
-</file>
-
-<file path=ppt/slides/slide6.xml><?xml version="1.0" encoding="utf-8"?>
-<p:sld xmlns:a="http://schemas.openxmlformats.org/drawingml/2006/main" xmlns:r="http://schemas.openxmlformats.org/officeDocument/2006/relationships" xmlns:p="http://schemas.openxmlformats.org/presentationml/2006/main">
-  <p:cSld>
-    <p:bg>
-      <p:bgPr>
-        <a:solidFill>
-          <a:schemeClr val="bg1"/>
-        </a:solidFill>
-        <a:effectLst/>
-      </p:bgPr>
-    </p:bg>
-    <p:spTree>
-      <p:nvGrpSpPr>
-        <p:cNvPr id="1" name=""/>
-        <p:cNvGrpSpPr/>
-        <p:nvPr/>
-      </p:nvGrpSpPr>
-      <p:grpSpPr>
-        <a:xfrm>
-          <a:off x="0" y="0"/>
-          <a:ext cx="0" cy="0"/>
-          <a:chOff x="0" y="0"/>
-          <a:chExt cx="0" cy="0"/>
-        </a:xfrm>
-      </p:grpSpPr>
-      <p:sp>
-        <p:nvSpPr>
-          <p:cNvPr id="12" name="CasellaDiTesto 11">
-            <a:extLst>
-              <a:ext uri="{FF2B5EF4-FFF2-40B4-BE49-F238E27FC236}">
-                <a16:creationId xmlns:a16="http://schemas.microsoft.com/office/drawing/2014/main" id="{AA730C93-7217-4CD6-BA7F-89285C8C7E85}"/>
-              </a:ext>
-            </a:extLst>
-          </p:cNvPr>
-          <p:cNvSpPr txBox="1"/>
-          <p:nvPr/>
-        </p:nvSpPr>
-        <p:spPr>
-          <a:xfrm>
-            <a:off x="412803" y="401053"/>
-            <a:ext cx="5999747" cy="830997"/>
-          </a:xfrm>
-          <a:prstGeom prst="rect">
-            <a:avLst/>
-          </a:prstGeom>
-          <a:noFill/>
-        </p:spPr>
-        <p:txBody>
-          <a:bodyPr wrap="square" rtlCol="0">
-            <a:spAutoFit/>
-          </a:bodyPr>
-          <a:lstStyle/>
-          <a:p>
-            <a:r>
-              <a:rPr lang="it-CH" sz="4800" dirty="0">
-                <a:latin typeface="Calibri Light (Titoli)"/>
-              </a:rPr>
-              <a:t>Consuntivo</a:t>
-            </a:r>
-          </a:p>
-        </p:txBody>
-      </p:sp>
-      <p:pic>
-        <p:nvPicPr>
-          <p:cNvPr id="6" name="Segnaposto contenuto 5">
-            <a:extLst>
-              <a:ext uri="{FF2B5EF4-FFF2-40B4-BE49-F238E27FC236}">
-                <a16:creationId xmlns:a16="http://schemas.microsoft.com/office/drawing/2014/main" id="{AA1E9434-5471-43DC-B802-141A224DED3C}"/>
-              </a:ext>
-            </a:extLst>
-          </p:cNvPr>
-          <p:cNvPicPr>
-            <a:picLocks noGrp="1"/>
-          </p:cNvPicPr>
-          <p:nvPr>
-            <p:ph idx="1"/>
-          </p:nvPr>
-        </p:nvPicPr>
-        <p:blipFill rotWithShape="1">
-          <a:blip r:embed="rId2">
-            <a:extLst>
-              <a:ext uri="{28A0092B-C50C-407E-A947-70E740481C1C}">
-                <a14:useLocalDpi xmlns:a14="http://schemas.microsoft.com/office/drawing/2010/main" val="0"/>
-              </a:ext>
-            </a:extLst>
-          </a:blip>
-          <a:srcRect t="9903" r="6190"/>
-          <a:stretch/>
-        </p:blipFill>
-        <p:spPr>
-          <a:xfrm>
-            <a:off x="412803" y="1411705"/>
-            <a:ext cx="11442313" cy="4716379"/>
-          </a:xfrm>
-          <a:prstGeom prst="rect">
-            <a:avLst/>
-          </a:prstGeom>
-        </p:spPr>
-      </p:pic>
-      <p:sp>
-        <p:nvSpPr>
-          <p:cNvPr id="4" name="Ovale 3">
-            <a:extLst>
-              <a:ext uri="{FF2B5EF4-FFF2-40B4-BE49-F238E27FC236}">
-                <a16:creationId xmlns:a16="http://schemas.microsoft.com/office/drawing/2014/main" id="{E14C62D4-ECC8-483A-9897-D99E1886D6BD}"/>
-              </a:ext>
-            </a:extLst>
-          </p:cNvPr>
-          <p:cNvSpPr/>
-          <p:nvPr/>
-        </p:nvSpPr>
-        <p:spPr>
-          <a:xfrm>
-            <a:off x="3465095" y="3869339"/>
-            <a:ext cx="3272589" cy="2181727"/>
-          </a:xfrm>
-          <a:prstGeom prst="ellipse">
-            <a:avLst/>
-          </a:prstGeom>
-          <a:noFill/>
-          <a:ln>
-            <a:solidFill>
-              <a:srgbClr val="FF0000"/>
-            </a:solidFill>
-          </a:ln>
-        </p:spPr>
-        <p:style>
-          <a:lnRef idx="2">
-            <a:schemeClr val="accent1">
-              <a:shade val="50000"/>
-            </a:schemeClr>
-          </a:lnRef>
-          <a:fillRef idx="1">
-            <a:schemeClr val="accent1"/>
-          </a:fillRef>
-          <a:effectRef idx="0">
-            <a:schemeClr val="accent1"/>
-          </a:effectRef>
-          <a:fontRef idx="minor">
-            <a:schemeClr val="lt1"/>
-          </a:fontRef>
-        </p:style>
-        <p:txBody>
-          <a:bodyPr rtlCol="0" anchor="ctr"/>
-          <a:lstStyle/>
-          <a:p>
-            <a:pPr algn="ctr"/>
-            <a:endParaRPr lang="it-CH"/>
-          </a:p>
-        </p:txBody>
-      </p:sp>
-    </p:spTree>
-    <p:extLst>
-      <p:ext uri="{BB962C8B-B14F-4D97-AF65-F5344CB8AC3E}">
-        <p14:creationId xmlns:p14="http://schemas.microsoft.com/office/powerpoint/2010/main" val="3803673070"/>
-      </p:ext>
-    </p:extLst>
-  </p:cSld>
-  <p:clrMapOvr>
-    <a:masterClrMapping/>
-  </p:clrMapOvr>
-</p:sld>
-</file>
-
-<file path=ppt/slides/slide7.xml><?xml version="1.0" encoding="utf-8"?>
-<p:sld xmlns:a="http://schemas.openxmlformats.org/drawingml/2006/main" xmlns:r="http://schemas.openxmlformats.org/officeDocument/2006/relationships" xmlns:p="http://schemas.openxmlformats.org/presentationml/2006/main">
-  <p:cSld>
-    <p:bg>
-      <p:bgPr>
-        <a:solidFill>
-          <a:schemeClr val="bg1"/>
-        </a:solidFill>
-        <a:effectLst/>
-      </p:bgPr>
-    </p:bg>
-    <p:spTree>
-      <p:nvGrpSpPr>
-        <p:cNvPr id="1" name=""/>
-        <p:cNvGrpSpPr/>
-        <p:nvPr/>
-      </p:nvGrpSpPr>
-      <p:grpSpPr>
-        <a:xfrm>
-          <a:off x="0" y="0"/>
-          <a:ext cx="0" cy="0"/>
-          <a:chOff x="0" y="0"/>
-          <a:chExt cx="0" cy="0"/>
-        </a:xfrm>
-      </p:grpSpPr>
-      <p:sp>
-        <p:nvSpPr>
-          <p:cNvPr id="38" name="Rectangle 37">
-            <a:extLst>
-              <a:ext uri="{FF2B5EF4-FFF2-40B4-BE49-F238E27FC236}">
-                <a16:creationId xmlns:a16="http://schemas.microsoft.com/office/drawing/2014/main" id="{4E4490D0-3672-446A-AC12-B4830333BDDD}"/>
-              </a:ext>
-              <a:ext uri="{C183D7F6-B498-43B3-948B-1728B52AA6E4}">
-                <adec:decorative xmlns:adec="http://schemas.microsoft.com/office/drawing/2017/decorative" val="1"/>
-              </a:ext>
-            </a:extLst>
-          </p:cNvPr>
-          <p:cNvSpPr>
-            <a:spLocks noGrp="1" noRot="1" noChangeAspect="1" noMove="1" noResize="1" noEditPoints="1" noAdjustHandles="1" noChangeArrowheads="1" noChangeShapeType="1" noTextEdit="1"/>
-          </p:cNvSpPr>
-          <p:nvPr>
-            <p:extLst>
-              <p:ext uri="{386F3935-93C4-4BCD-93E2-E3B085C9AB24}">
-                <p16:designElem xmlns:p16="http://schemas.microsoft.com/office/powerpoint/2015/main" val="1"/>
-              </p:ext>
-            </p:extLst>
-          </p:nvPr>
-        </p:nvSpPr>
-        <p:spPr>
-          <a:xfrm>
-            <a:off x="3175" y="6400800"/>
-            <a:ext cx="12188825" cy="457200"/>
-          </a:xfrm>
-          <a:prstGeom prst="rect">
-            <a:avLst/>
-          </a:prstGeom>
-          <a:solidFill>
-            <a:schemeClr val="accent2"/>
-          </a:solidFill>
-          <a:ln>
-            <a:noFill/>
-          </a:ln>
-        </p:spPr>
-        <p:style>
-          <a:lnRef idx="2">
-            <a:schemeClr val="accent1">
-              <a:shade val="50000"/>
-            </a:schemeClr>
-          </a:lnRef>
-          <a:fillRef idx="1">
-            <a:schemeClr val="accent1"/>
-          </a:fillRef>
-          <a:effectRef idx="0">
-            <a:schemeClr val="accent1"/>
-          </a:effectRef>
-          <a:fontRef idx="minor">
-            <a:schemeClr val="lt1"/>
-          </a:fontRef>
-        </p:style>
-      </p:sp>
-      <p:sp>
-        <p:nvSpPr>
-          <p:cNvPr id="40" name="Rectangle 39">
-            <a:extLst>
-              <a:ext uri="{FF2B5EF4-FFF2-40B4-BE49-F238E27FC236}">
-                <a16:creationId xmlns:a16="http://schemas.microsoft.com/office/drawing/2014/main" id="{39CB82C2-DF65-4EC1-8280-F201D50F570B}"/>
-              </a:ext>
-              <a:ext uri="{C183D7F6-B498-43B3-948B-1728B52AA6E4}">
-                <adec:decorative xmlns:adec="http://schemas.microsoft.com/office/drawing/2017/decorative" val="1"/>
-              </a:ext>
-            </a:extLst>
-          </p:cNvPr>
-          <p:cNvSpPr>
-            <a:spLocks noGrp="1" noRot="1" noChangeAspect="1" noMove="1" noResize="1" noEditPoints="1" noAdjustHandles="1" noChangeArrowheads="1" noChangeShapeType="1" noTextEdit="1"/>
-          </p:cNvSpPr>
-          <p:nvPr>
-            <p:extLst>
-              <p:ext uri="{386F3935-93C4-4BCD-93E2-E3B085C9AB24}">
-                <p16:designElem xmlns:p16="http://schemas.microsoft.com/office/powerpoint/2015/main" val="1"/>
-              </p:ext>
-            </p:extLst>
-          </p:nvPr>
-        </p:nvSpPr>
-        <p:spPr>
-          <a:xfrm>
-            <a:off x="15" y="6334316"/>
-            <a:ext cx="12188825" cy="64008"/>
-          </a:xfrm>
-          <a:prstGeom prst="rect">
-            <a:avLst/>
-          </a:prstGeom>
-          <a:solidFill>
-            <a:schemeClr val="accent1"/>
-          </a:solidFill>
-          <a:ln>
-            <a:noFill/>
-          </a:ln>
-        </p:spPr>
-        <p:style>
-          <a:lnRef idx="2">
-            <a:schemeClr val="accent1">
-              <a:shade val="50000"/>
-            </a:schemeClr>
-          </a:lnRef>
-          <a:fillRef idx="1">
-            <a:schemeClr val="accent1"/>
-          </a:fillRef>
-          <a:effectRef idx="0">
-            <a:schemeClr val="accent1"/>
-          </a:effectRef>
-          <a:fontRef idx="minor">
-            <a:schemeClr val="lt1"/>
-          </a:fontRef>
-        </p:style>
-      </p:sp>
-      <p:cxnSp>
-        <p:nvCxnSpPr>
-          <p:cNvPr id="42" name="Straight Connector 41">
-            <a:extLst>
-              <a:ext uri="{FF2B5EF4-FFF2-40B4-BE49-F238E27FC236}">
-                <a16:creationId xmlns:a16="http://schemas.microsoft.com/office/drawing/2014/main" id="{7E1D4427-852B-4B37-8E76-0E9F1810BA2A}"/>
-              </a:ext>
-              <a:ext uri="{C183D7F6-B498-43B3-948B-1728B52AA6E4}">
-                <adec:decorative xmlns:adec="http://schemas.microsoft.com/office/drawing/2017/decorative" val="1"/>
-              </a:ext>
-            </a:extLst>
-          </p:cNvPr>
-          <p:cNvCxnSpPr>
-            <a:cxnSpLocks noGrp="1" noRot="1" noChangeAspect="1" noMove="1" noResize="1" noEditPoints="1" noAdjustHandles="1" noChangeArrowheads="1" noChangeShapeType="1"/>
-          </p:cNvCxnSpPr>
-          <p:nvPr>
-            <p:extLst>
-              <p:ext uri="{386F3935-93C4-4BCD-93E2-E3B085C9AB24}">
-                <p16:designElem xmlns:p16="http://schemas.microsoft.com/office/powerpoint/2015/main" val="1"/>
-              </p:ext>
-            </p:extLst>
-          </p:nvPr>
-        </p:nvCxnSpPr>
-        <p:spPr>
-          <a:xfrm>
-            <a:off x="1207658" y="4343400"/>
-            <a:ext cx="9875520" cy="0"/>
-          </a:xfrm>
-          <a:prstGeom prst="line">
-            <a:avLst/>
-          </a:prstGeom>
-          <a:ln w="6350">
-            <a:solidFill>
-              <a:schemeClr val="tx1">
-                <a:lumMod val="50000"/>
-                <a:lumOff val="50000"/>
-              </a:schemeClr>
-            </a:solidFill>
-          </a:ln>
-        </p:spPr>
-        <p:style>
-          <a:lnRef idx="1">
-            <a:schemeClr val="accent1"/>
-          </a:lnRef>
-          <a:fillRef idx="0">
-            <a:schemeClr val="accent1"/>
-          </a:fillRef>
-          <a:effectRef idx="0">
-            <a:schemeClr val="accent1"/>
-          </a:effectRef>
-          <a:fontRef idx="minor">
-            <a:schemeClr val="tx1"/>
-          </a:fontRef>
-        </p:style>
-      </p:cxnSp>
-      <p:sp useBgFill="1">
-        <p:nvSpPr>
-          <p:cNvPr id="44" name="Rectangle 43">
-            <a:extLst>
-              <a:ext uri="{FF2B5EF4-FFF2-40B4-BE49-F238E27FC236}">
-                <a16:creationId xmlns:a16="http://schemas.microsoft.com/office/drawing/2014/main" id="{FA4CD5CB-D209-4D70-8CA4-629731C59219}"/>
-              </a:ext>
-              <a:ext uri="{C183D7F6-B498-43B3-948B-1728B52AA6E4}">
-                <adec:decorative xmlns:adec="http://schemas.microsoft.com/office/drawing/2017/decorative" val="1"/>
-              </a:ext>
-            </a:extLst>
-          </p:cNvPr>
-          <p:cNvSpPr>
-            <a:spLocks noGrp="1" noRot="1" noChangeAspect="1" noMove="1" noResize="1" noEditPoints="1" noAdjustHandles="1" noChangeArrowheads="1" noChangeShapeType="1" noTextEdit="1"/>
-          </p:cNvSpPr>
-          <p:nvPr>
-            <p:extLst>
-              <p:ext uri="{386F3935-93C4-4BCD-93E2-E3B085C9AB24}">
-                <p16:designElem xmlns:p16="http://schemas.microsoft.com/office/powerpoint/2015/main" val="1"/>
-              </p:ext>
-            </p:extLst>
-          </p:nvPr>
-        </p:nvSpPr>
-        <p:spPr>
-          <a:xfrm>
-            <a:off x="0" y="0"/>
-            <a:ext cx="12192001" cy="6334316"/>
-          </a:xfrm>
-          <a:prstGeom prst="rect">
-            <a:avLst/>
-          </a:prstGeom>
-          <a:ln>
-            <a:noFill/>
-          </a:ln>
-        </p:spPr>
-        <p:style>
-          <a:lnRef idx="2">
-            <a:schemeClr val="accent1">
-              <a:shade val="50000"/>
-            </a:schemeClr>
-          </a:lnRef>
-          <a:fillRef idx="1">
-            <a:schemeClr val="accent1"/>
-          </a:fillRef>
-          <a:effectRef idx="0">
-            <a:schemeClr val="accent1"/>
-          </a:effectRef>
-          <a:fontRef idx="minor">
-            <a:schemeClr val="lt1"/>
-          </a:fontRef>
-        </p:style>
-        <p:txBody>
-          <a:bodyPr rtlCol="0" anchor="ctr"/>
-          <a:lstStyle/>
-          <a:p>
-            <a:pPr algn="ctr"/>
-            <a:endParaRPr lang="en-US"/>
-          </a:p>
-        </p:txBody>
-      </p:sp>
-      <p:sp>
-        <p:nvSpPr>
-          <p:cNvPr id="5" name="Titolo 4">
-            <a:extLst>
-              <a:ext uri="{FF2B5EF4-FFF2-40B4-BE49-F238E27FC236}">
-                <a16:creationId xmlns:a16="http://schemas.microsoft.com/office/drawing/2014/main" id="{68867EF6-D033-4487-8A94-A11710DE8041}"/>
-              </a:ext>
-            </a:extLst>
-          </p:cNvPr>
-          <p:cNvSpPr>
-            <a:spLocks noGrp="1"/>
-          </p:cNvSpPr>
-          <p:nvPr>
-            <p:ph type="title"/>
-          </p:nvPr>
-        </p:nvSpPr>
-        <p:spPr>
-          <a:xfrm>
-            <a:off x="8141110" y="639097"/>
-            <a:ext cx="3401961" cy="3686015"/>
-          </a:xfrm>
-        </p:spPr>
-        <p:txBody>
-          <a:bodyPr vert="horz" lIns="91440" tIns="45720" rIns="91440" bIns="45720" rtlCol="0" anchor="b">
-            <a:normAutofit/>
-          </a:bodyPr>
-          <a:lstStyle/>
-          <a:p>
-            <a:r>
-              <a:rPr lang="en-US" sz="4600">
-                <a:solidFill>
-                  <a:schemeClr val="tx1">
-                    <a:lumMod val="85000"/>
-                    <a:lumOff val="15000"/>
-                  </a:schemeClr>
-                </a:solidFill>
-              </a:rPr>
-              <a:t>Progettazione</a:t>
-            </a:r>
-          </a:p>
-        </p:txBody>
-      </p:sp>
-      <p:pic>
-        <p:nvPicPr>
-          <p:cNvPr id="35" name="Immagine 28">
-            <a:extLst>
-              <a:ext uri="{FF2B5EF4-FFF2-40B4-BE49-F238E27FC236}">
-                <a16:creationId xmlns:a16="http://schemas.microsoft.com/office/drawing/2014/main" id="{07EC3653-FEEE-4746-B195-89EB351693A2}"/>
-              </a:ext>
-            </a:extLst>
-          </p:cNvPr>
-          <p:cNvPicPr>
-            <a:picLocks noGrp="1"/>
-          </p:cNvPicPr>
-          <p:nvPr>
-            <p:ph idx="1"/>
-          </p:nvPr>
-        </p:nvPicPr>
-        <p:blipFill>
-          <a:blip r:embed="rId2" cstate="print">
-            <a:extLst>
-              <a:ext uri="{28A0092B-C50C-407E-A947-70E740481C1C}">
-                <a14:useLocalDpi xmlns:a14="http://schemas.microsoft.com/office/drawing/2010/main" val="0"/>
-              </a:ext>
-            </a:extLst>
-          </a:blip>
-          <a:stretch>
-            <a:fillRect/>
-          </a:stretch>
-        </p:blipFill>
-        <p:spPr>
-          <a:xfrm>
-            <a:off x="1721876" y="640093"/>
-            <a:ext cx="4697358" cy="5237023"/>
-          </a:xfrm>
-          <a:prstGeom prst="rect">
-            <a:avLst/>
-          </a:prstGeom>
-        </p:spPr>
-      </p:pic>
-      <p:cxnSp>
-        <p:nvCxnSpPr>
-          <p:cNvPr id="46" name="Straight Connector 45">
-            <a:extLst>
-              <a:ext uri="{FF2B5EF4-FFF2-40B4-BE49-F238E27FC236}">
-                <a16:creationId xmlns:a16="http://schemas.microsoft.com/office/drawing/2014/main" id="{5C6A2BAE-B461-4B55-8E1F-0722ABDD1393}"/>
-              </a:ext>
-              <a:ext uri="{C183D7F6-B498-43B3-948B-1728B52AA6E4}">
-                <adec:decorative xmlns:adec="http://schemas.microsoft.com/office/drawing/2017/decorative" val="1"/>
-              </a:ext>
-            </a:extLst>
-          </p:cNvPr>
-          <p:cNvCxnSpPr>
-            <a:cxnSpLocks noGrp="1" noRot="1" noChangeAspect="1" noMove="1" noResize="1" noEditPoints="1" noAdjustHandles="1" noChangeArrowheads="1" noChangeShapeType="1"/>
-          </p:cNvCxnSpPr>
-          <p:nvPr>
-            <p:extLst>
-              <p:ext uri="{386F3935-93C4-4BCD-93E2-E3B085C9AB24}">
-                <p16:designElem xmlns:p16="http://schemas.microsoft.com/office/powerpoint/2015/main" val="1"/>
-              </p:ext>
-            </p:extLst>
-          </p:nvPr>
-        </p:nvCxnSpPr>
-        <p:spPr>
-          <a:xfrm>
-            <a:off x="8209305" y="4343400"/>
-            <a:ext cx="3200400" cy="0"/>
-          </a:xfrm>
-          <a:prstGeom prst="line">
-            <a:avLst/>
-          </a:prstGeom>
-          <a:ln w="6350">
-            <a:solidFill>
-              <a:schemeClr val="tx2">
-                <a:alpha val="90000"/>
-              </a:schemeClr>
-            </a:solidFill>
-          </a:ln>
-        </p:spPr>
-        <p:style>
-          <a:lnRef idx="1">
-            <a:schemeClr val="accent1"/>
-          </a:lnRef>
-          <a:fillRef idx="0">
-            <a:schemeClr val="accent1"/>
-          </a:fillRef>
-          <a:effectRef idx="0">
-            <a:schemeClr val="accent1"/>
-          </a:effectRef>
-          <a:fontRef idx="minor">
-            <a:schemeClr val="tx1"/>
-          </a:fontRef>
-        </p:style>
-      </p:cxnSp>
-      <p:sp>
-        <p:nvSpPr>
-          <p:cNvPr id="48" name="Rectangle 47">
-            <a:extLst>
-              <a:ext uri="{FF2B5EF4-FFF2-40B4-BE49-F238E27FC236}">
-                <a16:creationId xmlns:a16="http://schemas.microsoft.com/office/drawing/2014/main" id="{B4C27B90-DF2B-4D00-BA07-18ED774CD2F1}"/>
-              </a:ext>
-              <a:ext uri="{C183D7F6-B498-43B3-948B-1728B52AA6E4}">
-                <adec:decorative xmlns:adec="http://schemas.microsoft.com/office/drawing/2017/decorative" val="1"/>
-              </a:ext>
-            </a:extLst>
-          </p:cNvPr>
-          <p:cNvSpPr>
-            <a:spLocks noGrp="1" noRot="1" noChangeAspect="1" noMove="1" noResize="1" noEditPoints="1" noAdjustHandles="1" noChangeArrowheads="1" noChangeShapeType="1" noTextEdit="1"/>
-          </p:cNvSpPr>
-          <p:nvPr>
-            <p:extLst>
-              <p:ext uri="{386F3935-93C4-4BCD-93E2-E3B085C9AB24}">
-                <p16:designElem xmlns:p16="http://schemas.microsoft.com/office/powerpoint/2015/main" val="1"/>
-              </p:ext>
-            </p:extLst>
-          </p:nvPr>
-        </p:nvSpPr>
-        <p:spPr>
-          <a:xfrm>
-            <a:off x="15" y="6334316"/>
-            <a:ext cx="12191985" cy="66484"/>
-          </a:xfrm>
-          <a:prstGeom prst="rect">
-            <a:avLst/>
-          </a:prstGeom>
-          <a:solidFill>
-            <a:schemeClr val="accent1"/>
-          </a:solidFill>
-          <a:ln>
-            <a:noFill/>
-          </a:ln>
-        </p:spPr>
-        <p:style>
-          <a:lnRef idx="2">
-            <a:schemeClr val="accent1">
-              <a:shade val="50000"/>
-            </a:schemeClr>
-          </a:lnRef>
-          <a:fillRef idx="1">
-            <a:schemeClr val="accent1"/>
-          </a:fillRef>
-          <a:effectRef idx="0">
-            <a:schemeClr val="accent1"/>
-          </a:effectRef>
-          <a:fontRef idx="minor">
-            <a:schemeClr val="lt1"/>
-          </a:fontRef>
-        </p:style>
-      </p:sp>
-      <p:sp>
-        <p:nvSpPr>
-          <p:cNvPr id="50" name="Rectangle 49">
-            <a:extLst>
-              <a:ext uri="{FF2B5EF4-FFF2-40B4-BE49-F238E27FC236}">
-                <a16:creationId xmlns:a16="http://schemas.microsoft.com/office/drawing/2014/main" id="{593ACC25-C262-417A-8AA9-0641C772BDB6}"/>
-              </a:ext>
-              <a:ext uri="{C183D7F6-B498-43B3-948B-1728B52AA6E4}">
-                <adec:decorative xmlns:adec="http://schemas.microsoft.com/office/drawing/2017/decorative" val="1"/>
-              </a:ext>
-            </a:extLst>
-          </p:cNvPr>
-          <p:cNvSpPr>
-            <a:spLocks noGrp="1" noRot="1" noChangeAspect="1" noMove="1" noResize="1" noEditPoints="1" noAdjustHandles="1" noChangeArrowheads="1" noChangeShapeType="1" noTextEdit="1"/>
-          </p:cNvSpPr>
-          <p:nvPr>
-            <p:extLst>
-              <p:ext uri="{386F3935-93C4-4BCD-93E2-E3B085C9AB24}">
-                <p16:designElem xmlns:p16="http://schemas.microsoft.com/office/powerpoint/2015/main" val="1"/>
-              </p:ext>
-            </p:extLst>
-          </p:nvPr>
-        </p:nvSpPr>
-        <p:spPr>
-          <a:xfrm>
-            <a:off x="1" y="6400800"/>
-            <a:ext cx="12192000" cy="457200"/>
-          </a:xfrm>
-          <a:prstGeom prst="rect">
-            <a:avLst/>
-          </a:prstGeom>
-          <a:solidFill>
-            <a:schemeClr val="accent2"/>
-          </a:solidFill>
-          <a:ln>
-            <a:noFill/>
-          </a:ln>
-        </p:spPr>
-        <p:style>
-          <a:lnRef idx="2">
-            <a:schemeClr val="accent1">
-              <a:shade val="50000"/>
-            </a:schemeClr>
-          </a:lnRef>
-          <a:fillRef idx="1">
-            <a:schemeClr val="accent1"/>
-          </a:fillRef>
-          <a:effectRef idx="0">
-            <a:schemeClr val="accent1"/>
-          </a:effectRef>
-          <a:fontRef idx="minor">
-            <a:schemeClr val="lt1"/>
-          </a:fontRef>
-        </p:style>
-      </p:sp>
-    </p:spTree>
-    <p:extLst>
-      <p:ext uri="{BB962C8B-B14F-4D97-AF65-F5344CB8AC3E}">
-        <p14:creationId xmlns:p14="http://schemas.microsoft.com/office/powerpoint/2010/main" val="1567626989"/>
-      </p:ext>
-    </p:extLst>
-  </p:cSld>
-  <p:clrMapOvr>
-    <a:masterClrMapping/>
-  </p:clrMapOvr>
-</p:sld>
-</file>
-
-<file path=ppt/slides/slide8.xml><?xml version="1.0" encoding="utf-8"?>
-<p:sld xmlns:a="http://schemas.openxmlformats.org/drawingml/2006/main" xmlns:r="http://schemas.openxmlformats.org/officeDocument/2006/relationships" xmlns:p="http://schemas.openxmlformats.org/presentationml/2006/main">
-  <p:cSld>
-    <p:bg>
-      <p:bgPr>
-        <a:solidFill>
-          <a:schemeClr val="bg1"/>
-        </a:solidFill>
-        <a:effectLst/>
-      </p:bgPr>
-    </p:bg>
-    <p:spTree>
-      <p:nvGrpSpPr>
-        <p:cNvPr id="1" name=""/>
-        <p:cNvGrpSpPr/>
-        <p:nvPr/>
-      </p:nvGrpSpPr>
-      <p:grpSpPr>
-        <a:xfrm>
-          <a:off x="0" y="0"/>
-          <a:ext cx="0" cy="0"/>
-          <a:chOff x="0" y="0"/>
-          <a:chExt cx="0" cy="0"/>
-        </a:xfrm>
-      </p:grpSpPr>
-      <p:sp>
-        <p:nvSpPr>
-          <p:cNvPr id="20" name="Rectangle 19">
-            <a:extLst>
-              <a:ext uri="{FF2B5EF4-FFF2-40B4-BE49-F238E27FC236}">
-                <a16:creationId xmlns:a16="http://schemas.microsoft.com/office/drawing/2014/main" id="{4E4490D0-3672-446A-AC12-B4830333BDDD}"/>
-              </a:ext>
-              <a:ext uri="{C183D7F6-B498-43B3-948B-1728B52AA6E4}">
-                <adec:decorative xmlns:adec="http://schemas.microsoft.com/office/drawing/2017/decorative" val="1"/>
-              </a:ext>
-            </a:extLst>
-          </p:cNvPr>
-          <p:cNvSpPr>
-            <a:spLocks noGrp="1" noRot="1" noChangeAspect="1" noMove="1" noResize="1" noEditPoints="1" noAdjustHandles="1" noChangeArrowheads="1" noChangeShapeType="1" noTextEdit="1"/>
-          </p:cNvSpPr>
-          <p:nvPr>
-            <p:extLst>
-              <p:ext uri="{386F3935-93C4-4BCD-93E2-E3B085C9AB24}">
-                <p16:designElem xmlns:p16="http://schemas.microsoft.com/office/powerpoint/2015/main" val="1"/>
-              </p:ext>
-            </p:extLst>
-          </p:nvPr>
-        </p:nvSpPr>
-        <p:spPr>
-          <a:xfrm>
-            <a:off x="3175" y="6400800"/>
-            <a:ext cx="12188825" cy="457200"/>
-          </a:xfrm>
-          <a:prstGeom prst="rect">
-            <a:avLst/>
-          </a:prstGeom>
-          <a:solidFill>
-            <a:schemeClr val="accent2"/>
-          </a:solidFill>
-          <a:ln>
-            <a:noFill/>
-          </a:ln>
-        </p:spPr>
-        <p:style>
-          <a:lnRef idx="2">
-            <a:schemeClr val="accent1">
-              <a:shade val="50000"/>
-            </a:schemeClr>
-          </a:lnRef>
-          <a:fillRef idx="1">
-            <a:schemeClr val="accent1"/>
-          </a:fillRef>
-          <a:effectRef idx="0">
-            <a:schemeClr val="accent1"/>
-          </a:effectRef>
-          <a:fontRef idx="minor">
-            <a:schemeClr val="lt1"/>
-          </a:fontRef>
-        </p:style>
-      </p:sp>
-      <p:sp>
-        <p:nvSpPr>
-          <p:cNvPr id="22" name="Rectangle 21">
-            <a:extLst>
-              <a:ext uri="{FF2B5EF4-FFF2-40B4-BE49-F238E27FC236}">
-                <a16:creationId xmlns:a16="http://schemas.microsoft.com/office/drawing/2014/main" id="{39CB82C2-DF65-4EC1-8280-F201D50F570B}"/>
-              </a:ext>
-              <a:ext uri="{C183D7F6-B498-43B3-948B-1728B52AA6E4}">
-                <adec:decorative xmlns:adec="http://schemas.microsoft.com/office/drawing/2017/decorative" val="1"/>
-              </a:ext>
-            </a:extLst>
-          </p:cNvPr>
-          <p:cNvSpPr>
-            <a:spLocks noGrp="1" noRot="1" noChangeAspect="1" noMove="1" noResize="1" noEditPoints="1" noAdjustHandles="1" noChangeArrowheads="1" noChangeShapeType="1" noTextEdit="1"/>
-          </p:cNvSpPr>
-          <p:nvPr>
-            <p:extLst>
-              <p:ext uri="{386F3935-93C4-4BCD-93E2-E3B085C9AB24}">
-                <p16:designElem xmlns:p16="http://schemas.microsoft.com/office/powerpoint/2015/main" val="1"/>
-              </p:ext>
-            </p:extLst>
-          </p:nvPr>
-        </p:nvSpPr>
-        <p:spPr>
-          <a:xfrm>
-            <a:off x="15" y="6334316"/>
-            <a:ext cx="12188825" cy="64008"/>
-          </a:xfrm>
-          <a:prstGeom prst="rect">
-            <a:avLst/>
-          </a:prstGeom>
-          <a:solidFill>
-            <a:schemeClr val="accent1"/>
-          </a:solidFill>
-          <a:ln>
-            <a:noFill/>
-          </a:ln>
-        </p:spPr>
-        <p:style>
-          <a:lnRef idx="2">
-            <a:schemeClr val="accent1">
-              <a:shade val="50000"/>
-            </a:schemeClr>
-          </a:lnRef>
-          <a:fillRef idx="1">
-            <a:schemeClr val="accent1"/>
-          </a:fillRef>
-          <a:effectRef idx="0">
-            <a:schemeClr val="accent1"/>
-          </a:effectRef>
-          <a:fontRef idx="minor">
-            <a:schemeClr val="lt1"/>
-          </a:fontRef>
-        </p:style>
-      </p:sp>
-      <p:cxnSp>
-        <p:nvCxnSpPr>
-          <p:cNvPr id="24" name="Straight Connector 23">
-            <a:extLst>
-              <a:ext uri="{FF2B5EF4-FFF2-40B4-BE49-F238E27FC236}">
-                <a16:creationId xmlns:a16="http://schemas.microsoft.com/office/drawing/2014/main" id="{7E1D4427-852B-4B37-8E76-0E9F1810BA2A}"/>
-              </a:ext>
-              <a:ext uri="{C183D7F6-B498-43B3-948B-1728B52AA6E4}">
-                <adec:decorative xmlns:adec="http://schemas.microsoft.com/office/drawing/2017/decorative" val="1"/>
-              </a:ext>
-            </a:extLst>
-          </p:cNvPr>
-          <p:cNvCxnSpPr>
-            <a:cxnSpLocks noGrp="1" noRot="1" noChangeAspect="1" noMove="1" noResize="1" noEditPoints="1" noAdjustHandles="1" noChangeArrowheads="1" noChangeShapeType="1"/>
-          </p:cNvCxnSpPr>
-          <p:nvPr>
-            <p:extLst>
-              <p:ext uri="{386F3935-93C4-4BCD-93E2-E3B085C9AB24}">
-                <p16:designElem xmlns:p16="http://schemas.microsoft.com/office/powerpoint/2015/main" val="1"/>
-              </p:ext>
-            </p:extLst>
-          </p:nvPr>
-        </p:nvCxnSpPr>
-        <p:spPr>
-          <a:xfrm>
-            <a:off x="1207658" y="4343400"/>
-            <a:ext cx="9875520" cy="0"/>
-          </a:xfrm>
-          <a:prstGeom prst="line">
-            <a:avLst/>
-          </a:prstGeom>
-          <a:ln w="6350">
-            <a:solidFill>
-              <a:schemeClr val="tx1">
-                <a:lumMod val="50000"/>
-                <a:lumOff val="50000"/>
-              </a:schemeClr>
-            </a:solidFill>
-          </a:ln>
-        </p:spPr>
-        <p:style>
-          <a:lnRef idx="1">
-            <a:schemeClr val="accent1"/>
-          </a:lnRef>
-          <a:fillRef idx="0">
-            <a:schemeClr val="accent1"/>
-          </a:fillRef>
-          <a:effectRef idx="0">
-            <a:schemeClr val="accent1"/>
-          </a:effectRef>
-          <a:fontRef idx="minor">
-            <a:schemeClr val="tx1"/>
-          </a:fontRef>
-        </p:style>
-      </p:cxnSp>
-      <p:sp useBgFill="1">
-        <p:nvSpPr>
-          <p:cNvPr id="26" name="Rectangle 25">
-            <a:extLst>
-              <a:ext uri="{FF2B5EF4-FFF2-40B4-BE49-F238E27FC236}">
-                <a16:creationId xmlns:a16="http://schemas.microsoft.com/office/drawing/2014/main" id="{FA4CD5CB-D209-4D70-8CA4-629731C59219}"/>
-              </a:ext>
-              <a:ext uri="{C183D7F6-B498-43B3-948B-1728B52AA6E4}">
-                <adec:decorative xmlns:adec="http://schemas.microsoft.com/office/drawing/2017/decorative" val="1"/>
-              </a:ext>
-            </a:extLst>
-          </p:cNvPr>
-          <p:cNvSpPr>
-            <a:spLocks noGrp="1" noRot="1" noChangeAspect="1" noMove="1" noResize="1" noEditPoints="1" noAdjustHandles="1" noChangeArrowheads="1" noChangeShapeType="1" noTextEdit="1"/>
-          </p:cNvSpPr>
-          <p:nvPr>
-            <p:extLst>
-              <p:ext uri="{386F3935-93C4-4BCD-93E2-E3B085C9AB24}">
-                <p16:designElem xmlns:p16="http://schemas.microsoft.com/office/powerpoint/2015/main" val="1"/>
-              </p:ext>
-            </p:extLst>
-          </p:nvPr>
-        </p:nvSpPr>
-        <p:spPr>
-          <a:xfrm>
-            <a:off x="0" y="0"/>
-            <a:ext cx="12192001" cy="6334316"/>
-          </a:xfrm>
-          <a:prstGeom prst="rect">
-            <a:avLst/>
-          </a:prstGeom>
-          <a:ln>
-            <a:noFill/>
-          </a:ln>
-        </p:spPr>
-        <p:style>
-          <a:lnRef idx="2">
-            <a:schemeClr val="accent1">
-              <a:shade val="50000"/>
-            </a:schemeClr>
-          </a:lnRef>
-          <a:fillRef idx="1">
-            <a:schemeClr val="accent1"/>
-          </a:fillRef>
-          <a:effectRef idx="0">
-            <a:schemeClr val="accent1"/>
-          </a:effectRef>
-          <a:fontRef idx="minor">
-            <a:schemeClr val="lt1"/>
-          </a:fontRef>
-        </p:style>
-        <p:txBody>
-          <a:bodyPr rtlCol="0" anchor="ctr"/>
-          <a:lstStyle/>
-          <a:p>
-            <a:pPr algn="ctr"/>
-            <a:endParaRPr lang="en-US"/>
-          </a:p>
-        </p:txBody>
-      </p:sp>
-      <p:sp>
-        <p:nvSpPr>
-          <p:cNvPr id="5" name="Titolo 4">
-            <a:extLst>
-              <a:ext uri="{FF2B5EF4-FFF2-40B4-BE49-F238E27FC236}">
-                <a16:creationId xmlns:a16="http://schemas.microsoft.com/office/drawing/2014/main" id="{68867EF6-D033-4487-8A94-A11710DE8041}"/>
-              </a:ext>
-            </a:extLst>
-          </p:cNvPr>
-          <p:cNvSpPr>
-            <a:spLocks noGrp="1"/>
-          </p:cNvSpPr>
-          <p:nvPr>
-            <p:ph type="title"/>
-          </p:nvPr>
-        </p:nvSpPr>
-        <p:spPr>
-          <a:xfrm>
-            <a:off x="8141110" y="639097"/>
-            <a:ext cx="3401961" cy="3686015"/>
-          </a:xfrm>
-        </p:spPr>
-        <p:txBody>
-          <a:bodyPr vert="horz" lIns="91440" tIns="45720" rIns="91440" bIns="45720" rtlCol="0" anchor="b">
-            <a:normAutofit/>
-          </a:bodyPr>
-          <a:lstStyle/>
-          <a:p>
-            <a:r>
-              <a:rPr lang="en-US" sz="4600">
-                <a:solidFill>
-                  <a:schemeClr val="tx1">
-                    <a:lumMod val="85000"/>
-                    <a:lumOff val="15000"/>
-                  </a:schemeClr>
-                </a:solidFill>
-              </a:rPr>
-              <a:t>Progettazione</a:t>
-            </a:r>
-          </a:p>
-        </p:txBody>
-      </p:sp>
-      <p:pic>
-        <p:nvPicPr>
-          <p:cNvPr id="15" name="Segnaposto contenuto 14" descr="C:\Users\HEW15AS003NLù\Downloads\20190405_161505.jpg">
-            <a:extLst>
-              <a:ext uri="{FF2B5EF4-FFF2-40B4-BE49-F238E27FC236}">
-                <a16:creationId xmlns:a16="http://schemas.microsoft.com/office/drawing/2014/main" id="{A21182F7-7BE5-41CC-A204-98C1F70FAE38}"/>
-              </a:ext>
-            </a:extLst>
-          </p:cNvPr>
-          <p:cNvPicPr>
-            <a:picLocks noGrp="1"/>
-          </p:cNvPicPr>
-          <p:nvPr>
-            <p:ph idx="1"/>
-          </p:nvPr>
-        </p:nvPicPr>
-        <p:blipFill>
-          <a:blip r:embed="rId2" cstate="print">
-            <a:extLst>
-              <a:ext uri="{28A0092B-C50C-407E-A947-70E740481C1C}">
-                <a14:useLocalDpi xmlns:a14="http://schemas.microsoft.com/office/drawing/2010/main" val="0"/>
-              </a:ext>
-            </a:extLst>
-          </a:blip>
-          <a:stretch>
-            <a:fillRect/>
-          </a:stretch>
-        </p:blipFill>
-        <p:spPr bwMode="auto">
-          <a:xfrm>
-            <a:off x="1594617" y="640081"/>
-            <a:ext cx="4990981" cy="5054156"/>
-          </a:xfrm>
-          <a:prstGeom prst="rect">
-            <a:avLst/>
-          </a:prstGeom>
-          <a:noFill/>
-        </p:spPr>
-      </p:pic>
-      <p:cxnSp>
-        <p:nvCxnSpPr>
-          <p:cNvPr id="28" name="Straight Connector 27">
-            <a:extLst>
-              <a:ext uri="{FF2B5EF4-FFF2-40B4-BE49-F238E27FC236}">
-                <a16:creationId xmlns:a16="http://schemas.microsoft.com/office/drawing/2014/main" id="{5C6A2BAE-B461-4B55-8E1F-0722ABDD1393}"/>
-              </a:ext>
-              <a:ext uri="{C183D7F6-B498-43B3-948B-1728B52AA6E4}">
-                <adec:decorative xmlns:adec="http://schemas.microsoft.com/office/drawing/2017/decorative" val="1"/>
-              </a:ext>
-            </a:extLst>
-          </p:cNvPr>
-          <p:cNvCxnSpPr>
-            <a:cxnSpLocks noGrp="1" noRot="1" noChangeAspect="1" noMove="1" noResize="1" noEditPoints="1" noAdjustHandles="1" noChangeArrowheads="1" noChangeShapeType="1"/>
-          </p:cNvCxnSpPr>
-          <p:nvPr>
-            <p:extLst>
-              <p:ext uri="{386F3935-93C4-4BCD-93E2-E3B085C9AB24}">
-                <p16:designElem xmlns:p16="http://schemas.microsoft.com/office/powerpoint/2015/main" val="1"/>
-              </p:ext>
-            </p:extLst>
-          </p:nvPr>
-        </p:nvCxnSpPr>
-        <p:spPr>
-          <a:xfrm>
-            <a:off x="8209305" y="4343400"/>
-            <a:ext cx="3200400" cy="0"/>
-          </a:xfrm>
-          <a:prstGeom prst="line">
-            <a:avLst/>
-          </a:prstGeom>
-          <a:ln w="6350">
-            <a:solidFill>
-              <a:schemeClr val="tx2">
-                <a:alpha val="90000"/>
-              </a:schemeClr>
-            </a:solidFill>
-          </a:ln>
-        </p:spPr>
-        <p:style>
-          <a:lnRef idx="1">
-            <a:schemeClr val="accent1"/>
-          </a:lnRef>
-          <a:fillRef idx="0">
-            <a:schemeClr val="accent1"/>
-          </a:fillRef>
-          <a:effectRef idx="0">
-            <a:schemeClr val="accent1"/>
-          </a:effectRef>
-          <a:fontRef idx="minor">
-            <a:schemeClr val="tx1"/>
-          </a:fontRef>
-        </p:style>
-      </p:cxnSp>
-      <p:sp>
-        <p:nvSpPr>
-          <p:cNvPr id="30" name="Rectangle 29">
-            <a:extLst>
-              <a:ext uri="{FF2B5EF4-FFF2-40B4-BE49-F238E27FC236}">
-                <a16:creationId xmlns:a16="http://schemas.microsoft.com/office/drawing/2014/main" id="{B4C27B90-DF2B-4D00-BA07-18ED774CD2F1}"/>
-              </a:ext>
-              <a:ext uri="{C183D7F6-B498-43B3-948B-1728B52AA6E4}">
-                <adec:decorative xmlns:adec="http://schemas.microsoft.com/office/drawing/2017/decorative" val="1"/>
-              </a:ext>
-            </a:extLst>
-          </p:cNvPr>
-          <p:cNvSpPr>
-            <a:spLocks noGrp="1" noRot="1" noChangeAspect="1" noMove="1" noResize="1" noEditPoints="1" noAdjustHandles="1" noChangeArrowheads="1" noChangeShapeType="1" noTextEdit="1"/>
-          </p:cNvSpPr>
-          <p:nvPr>
-            <p:extLst>
-              <p:ext uri="{386F3935-93C4-4BCD-93E2-E3B085C9AB24}">
-                <p16:designElem xmlns:p16="http://schemas.microsoft.com/office/powerpoint/2015/main" val="1"/>
-              </p:ext>
-            </p:extLst>
-          </p:nvPr>
-        </p:nvSpPr>
-        <p:spPr>
-          <a:xfrm>
-            <a:off x="15" y="6334316"/>
-            <a:ext cx="12191985" cy="66484"/>
-          </a:xfrm>
-          <a:prstGeom prst="rect">
-            <a:avLst/>
-          </a:prstGeom>
-          <a:solidFill>
-            <a:schemeClr val="accent1"/>
-          </a:solidFill>
-          <a:ln>
-            <a:noFill/>
-          </a:ln>
-        </p:spPr>
-        <p:style>
-          <a:lnRef idx="2">
-            <a:schemeClr val="accent1">
-              <a:shade val="50000"/>
-            </a:schemeClr>
-          </a:lnRef>
-          <a:fillRef idx="1">
-            <a:schemeClr val="accent1"/>
-          </a:fillRef>
-          <a:effectRef idx="0">
-            <a:schemeClr val="accent1"/>
-          </a:effectRef>
-          <a:fontRef idx="minor">
-            <a:schemeClr val="lt1"/>
-          </a:fontRef>
-        </p:style>
-      </p:sp>
-      <p:sp>
-        <p:nvSpPr>
-          <p:cNvPr id="32" name="Rectangle 31">
-            <a:extLst>
-              <a:ext uri="{FF2B5EF4-FFF2-40B4-BE49-F238E27FC236}">
-                <a16:creationId xmlns:a16="http://schemas.microsoft.com/office/drawing/2014/main" id="{593ACC25-C262-417A-8AA9-0641C772BDB6}"/>
-              </a:ext>
-              <a:ext uri="{C183D7F6-B498-43B3-948B-1728B52AA6E4}">
-                <adec:decorative xmlns:adec="http://schemas.microsoft.com/office/drawing/2017/decorative" val="1"/>
-              </a:ext>
-            </a:extLst>
-          </p:cNvPr>
-          <p:cNvSpPr>
-            <a:spLocks noGrp="1" noRot="1" noChangeAspect="1" noMove="1" noResize="1" noEditPoints="1" noAdjustHandles="1" noChangeArrowheads="1" noChangeShapeType="1" noTextEdit="1"/>
-          </p:cNvSpPr>
-          <p:nvPr>
-            <p:extLst>
-              <p:ext uri="{386F3935-93C4-4BCD-93E2-E3B085C9AB24}">
-                <p16:designElem xmlns:p16="http://schemas.microsoft.com/office/powerpoint/2015/main" val="1"/>
-              </p:ext>
-            </p:extLst>
-          </p:nvPr>
-        </p:nvSpPr>
-        <p:spPr>
-          <a:xfrm>
-            <a:off x="1" y="6400800"/>
-            <a:ext cx="12192000" cy="457200"/>
-          </a:xfrm>
-          <a:prstGeom prst="rect">
-            <a:avLst/>
-          </a:prstGeom>
-          <a:solidFill>
-            <a:schemeClr val="accent2"/>
-          </a:solidFill>
-          <a:ln>
-            <a:noFill/>
-          </a:ln>
-        </p:spPr>
-        <p:style>
-          <a:lnRef idx="2">
-            <a:schemeClr val="accent1">
-              <a:shade val="50000"/>
-            </a:schemeClr>
-          </a:lnRef>
-          <a:fillRef idx="1">
-            <a:schemeClr val="accent1"/>
-          </a:fillRef>
-          <a:effectRef idx="0">
-            <a:schemeClr val="accent1"/>
-          </a:effectRef>
-          <a:fontRef idx="minor">
-            <a:schemeClr val="lt1"/>
-          </a:fontRef>
-        </p:style>
-      </p:sp>
-    </p:spTree>
-    <p:extLst>
-      <p:ext uri="{BB962C8B-B14F-4D97-AF65-F5344CB8AC3E}">
-        <p14:creationId xmlns:p14="http://schemas.microsoft.com/office/powerpoint/2010/main" val="1849350494"/>
-      </p:ext>
-    </p:extLst>
-  </p:cSld>
-  <p:clrMapOvr>
-    <a:masterClrMapping/>
-  </p:clrMapOvr>
-</p:sld>
-</file>
-
-<file path=ppt/slides/slide9.xml><?xml version="1.0" encoding="utf-8"?>
-<p:sld xmlns:a="http://schemas.openxmlformats.org/drawingml/2006/main" xmlns:r="http://schemas.openxmlformats.org/officeDocument/2006/relationships" xmlns:p="http://schemas.openxmlformats.org/presentationml/2006/main">
-  <p:cSld>
-    <p:spTree>
-      <p:nvGrpSpPr>
-        <p:cNvPr id="1" name=""/>
-        <p:cNvGrpSpPr/>
-        <p:nvPr/>
-      </p:nvGrpSpPr>
-      <p:grpSpPr>
-        <a:xfrm>
-          <a:off x="0" y="0"/>
-          <a:ext cx="0" cy="0"/>
-          <a:chOff x="0" y="0"/>
-          <a:chExt cx="0" cy="0"/>
-        </a:xfrm>
-      </p:grpSpPr>
-      <p:sp>
-        <p:nvSpPr>
-          <p:cNvPr id="2" name="Titolo 1">
-            <a:extLst>
-              <a:ext uri="{FF2B5EF4-FFF2-40B4-BE49-F238E27FC236}">
-                <a16:creationId xmlns:a16="http://schemas.microsoft.com/office/drawing/2014/main" id="{1B67CCBC-3FC1-4DCE-8078-4F7C03F81E50}"/>
-              </a:ext>
-            </a:extLst>
-          </p:cNvPr>
-          <p:cNvSpPr>
-            <a:spLocks noGrp="1"/>
-          </p:cNvSpPr>
-          <p:nvPr>
-            <p:ph type="title"/>
-          </p:nvPr>
-        </p:nvSpPr>
-        <p:spPr/>
-        <p:txBody>
-          <a:bodyPr/>
-          <a:lstStyle/>
-          <a:p>
-            <a:r>
-              <a:rPr lang="it-CH" dirty="0"/>
-              <a:t>Implementazione</a:t>
-            </a:r>
-          </a:p>
-        </p:txBody>
-      </p:sp>
-      <p:sp>
-        <p:nvSpPr>
-          <p:cNvPr id="3" name="Segnaposto contenuto 2">
-            <a:extLst>
-              <a:ext uri="{FF2B5EF4-FFF2-40B4-BE49-F238E27FC236}">
-                <a16:creationId xmlns:a16="http://schemas.microsoft.com/office/drawing/2014/main" id="{8707E53E-2B89-4C32-9F19-819B3966186C}"/>
-              </a:ext>
-            </a:extLst>
-          </p:cNvPr>
-          <p:cNvSpPr>
-            <a:spLocks noGrp="1"/>
-          </p:cNvSpPr>
-          <p:nvPr>
-            <p:ph idx="1"/>
-          </p:nvPr>
-        </p:nvSpPr>
-        <p:spPr/>
-        <p:txBody>
-          <a:bodyPr>
-            <a:normAutofit/>
-          </a:bodyPr>
-          <a:lstStyle/>
-          <a:p>
-            <a:endParaRPr lang="it-CH" sz="2800" dirty="0"/>
-          </a:p>
-          <a:p>
-            <a:r>
-              <a:rPr lang="it-CH" sz="2800" dirty="0"/>
-              <a:t>Arduino IDE</a:t>
-            </a:r>
-          </a:p>
-          <a:p>
-            <a:r>
-              <a:rPr lang="it-CH" sz="2800" dirty="0"/>
-              <a:t>Tutto viene gestito in un file</a:t>
-            </a:r>
-          </a:p>
-          <a:p>
-            <a:endParaRPr lang="it-CH" sz="2800" dirty="0"/>
-          </a:p>
-          <a:p>
-            <a:pPr marL="806958" lvl="1" indent="-514350">
-              <a:buFont typeface="+mj-lt"/>
-              <a:buAutoNum type="arabicPeriod"/>
-            </a:pPr>
-            <a:r>
-              <a:rPr lang="it-CH" sz="2600" dirty="0"/>
-              <a:t>Configurazione iniziale</a:t>
-            </a:r>
-          </a:p>
-          <a:p>
-            <a:pPr marL="806958" lvl="1" indent="-514350">
-              <a:buFont typeface="+mj-lt"/>
-              <a:buAutoNum type="arabicPeriod"/>
-            </a:pPr>
-            <a:r>
-              <a:rPr lang="it-CH" sz="2600" dirty="0"/>
-              <a:t>Stampa degli orari</a:t>
-            </a:r>
-            <a:endParaRPr lang="it-CH" sz="2200" dirty="0"/>
-          </a:p>
-        </p:txBody>
-      </p:sp>
-    </p:spTree>
-    <p:extLst>
-      <p:ext uri="{BB962C8B-B14F-4D97-AF65-F5344CB8AC3E}">
-        <p14:creationId xmlns:p14="http://schemas.microsoft.com/office/powerpoint/2010/main" val="490761682"/>
       </p:ext>
     </p:extLst>
   </p:cSld>
@@ -10600,6 +8969,9 @@
                     <p:cTn id="3" fill="hold">
                       <p:stCondLst>
                         <p:cond delay="indefinite"/>
+                        <p:cond evt="onBegin" delay="0">
+                          <p:tn val="2"/>
+                        </p:cond>
                       </p:stCondLst>
                       <p:childTnLst>
                         <p:par>
@@ -10609,7 +8981,7 @@
                             </p:stCondLst>
                             <p:childTnLst>
                               <p:par>
-                                <p:cTn id="5" presetID="10" presetClass="entr" presetSubtype="0" fill="hold" nodeType="clickEffect">
+                                <p:cTn id="5" presetID="10" presetClass="entr" presetSubtype="0" fill="hold" grpId="0" nodeType="afterEffect">
                                   <p:stCondLst>
                                     <p:cond delay="0"/>
                                   </p:stCondLst>
@@ -10651,15 +9023,24 @@
                                   </p:childTnLst>
                                 </p:cTn>
                               </p:par>
+                            </p:childTnLst>
+                          </p:cTn>
+                        </p:par>
+                        <p:par>
+                          <p:cTn id="8" fill="hold">
+                            <p:stCondLst>
+                              <p:cond delay="500"/>
+                            </p:stCondLst>
+                            <p:childTnLst>
                               <p:par>
-                                <p:cTn id="8" presetID="10" presetClass="entr" presetSubtype="0" fill="hold" nodeType="withEffect">
+                                <p:cTn id="9" presetID="10" presetClass="entr" presetSubtype="0" fill="hold" grpId="0" nodeType="afterEffect">
                                   <p:stCondLst>
                                     <p:cond delay="0"/>
                                   </p:stCondLst>
                                   <p:childTnLst>
                                     <p:set>
                                       <p:cBhvr>
-                                        <p:cTn id="9" dur="1" fill="hold">
+                                        <p:cTn id="10" dur="1" fill="hold">
                                           <p:stCondLst>
                                             <p:cond delay="0"/>
                                           </p:stCondLst>
@@ -10681,7 +9062,7 @@
                                     </p:set>
                                     <p:animEffect transition="in" filter="fade">
                                       <p:cBhvr>
-                                        <p:cTn id="10" dur="500"/>
+                                        <p:cTn id="11" dur="500"/>
                                         <p:tgtEl>
                                           <p:spTgt spid="3">
                                             <p:txEl>
@@ -10697,23 +9078,14 @@
                             </p:childTnLst>
                           </p:cTn>
                         </p:par>
-                      </p:childTnLst>
-                    </p:cTn>
-                  </p:par>
-                  <p:par>
-                    <p:cTn id="11" fill="hold">
-                      <p:stCondLst>
-                        <p:cond delay="indefinite"/>
-                      </p:stCondLst>
-                      <p:childTnLst>
                         <p:par>
                           <p:cTn id="12" fill="hold">
                             <p:stCondLst>
-                              <p:cond delay="0"/>
+                              <p:cond delay="1000"/>
                             </p:stCondLst>
                             <p:childTnLst>
                               <p:par>
-                                <p:cTn id="13" presetID="10" presetClass="entr" presetSubtype="0" fill="hold" nodeType="clickEffect">
+                                <p:cTn id="13" presetID="10" presetClass="entr" presetSubtype="0" fill="hold" grpId="0" nodeType="afterEffect">
                                   <p:stCondLst>
                                     <p:cond delay="0"/>
                                   </p:stCondLst>
@@ -10721,6 +9093,58 @@
                                     <p:set>
                                       <p:cBhvr>
                                         <p:cTn id="14" dur="1" fill="hold">
+                                          <p:stCondLst>
+                                            <p:cond delay="0"/>
+                                          </p:stCondLst>
+                                        </p:cTn>
+                                        <p:tgtEl>
+                                          <p:spTgt spid="3">
+                                            <p:txEl>
+                                              <p:pRg st="3" end="3"/>
+                                            </p:txEl>
+                                          </p:spTgt>
+                                        </p:tgtEl>
+                                        <p:attrNameLst>
+                                          <p:attrName>style.visibility</p:attrName>
+                                        </p:attrNameLst>
+                                      </p:cBhvr>
+                                      <p:to>
+                                        <p:strVal val="visible"/>
+                                      </p:to>
+                                    </p:set>
+                                    <p:animEffect transition="in" filter="fade">
+                                      <p:cBhvr>
+                                        <p:cTn id="15" dur="500"/>
+                                        <p:tgtEl>
+                                          <p:spTgt spid="3">
+                                            <p:txEl>
+                                              <p:pRg st="3" end="3"/>
+                                            </p:txEl>
+                                          </p:spTgt>
+                                        </p:tgtEl>
+                                      </p:cBhvr>
+                                    </p:animEffect>
+                                  </p:childTnLst>
+                                </p:cTn>
+                              </p:par>
+                            </p:childTnLst>
+                          </p:cTn>
+                        </p:par>
+                        <p:par>
+                          <p:cTn id="16" fill="hold">
+                            <p:stCondLst>
+                              <p:cond delay="1500"/>
+                            </p:stCondLst>
+                            <p:childTnLst>
+                              <p:par>
+                                <p:cTn id="17" presetID="10" presetClass="entr" presetSubtype="0" fill="hold" grpId="0" nodeType="afterEffect">
+                                  <p:stCondLst>
+                                    <p:cond delay="0"/>
+                                  </p:stCondLst>
+                                  <p:childTnLst>
+                                    <p:set>
+                                      <p:cBhvr>
+                                        <p:cTn id="18" dur="1" fill="hold">
                                           <p:stCondLst>
                                             <p:cond delay="0"/>
                                           </p:stCondLst>
@@ -10742,7 +9166,7 @@
                                     </p:set>
                                     <p:animEffect transition="in" filter="fade">
                                       <p:cBhvr>
-                                        <p:cTn id="15" dur="500"/>
+                                        <p:cTn id="19" dur="500"/>
                                         <p:tgtEl>
                                           <p:spTgt spid="3">
                                             <p:txEl>
@@ -10755,15 +9179,24 @@
                                   </p:childTnLst>
                                 </p:cTn>
                               </p:par>
+                            </p:childTnLst>
+                          </p:cTn>
+                        </p:par>
+                        <p:par>
+                          <p:cTn id="20" fill="hold">
+                            <p:stCondLst>
+                              <p:cond delay="2000"/>
+                            </p:stCondLst>
+                            <p:childTnLst>
                               <p:par>
-                                <p:cTn id="16" presetID="10" presetClass="entr" presetSubtype="0" fill="hold" nodeType="withEffect">
+                                <p:cTn id="21" presetID="10" presetClass="entr" presetSubtype="0" fill="hold" grpId="0" nodeType="afterEffect">
                                   <p:stCondLst>
                                     <p:cond delay="0"/>
                                   </p:stCondLst>
                                   <p:childTnLst>
                                     <p:set>
                                       <p:cBhvr>
-                                        <p:cTn id="17" dur="1" fill="hold">
+                                        <p:cTn id="22" dur="1" fill="hold">
                                           <p:stCondLst>
                                             <p:cond delay="0"/>
                                           </p:stCondLst>
@@ -10785,11 +9218,167 @@
                                     </p:set>
                                     <p:animEffect transition="in" filter="fade">
                                       <p:cBhvr>
-                                        <p:cTn id="18" dur="500"/>
+                                        <p:cTn id="23" dur="500"/>
                                         <p:tgtEl>
                                           <p:spTgt spid="3">
                                             <p:txEl>
                                               <p:pRg st="5" end="5"/>
+                                            </p:txEl>
+                                          </p:spTgt>
+                                        </p:tgtEl>
+                                      </p:cBhvr>
+                                    </p:animEffect>
+                                  </p:childTnLst>
+                                </p:cTn>
+                              </p:par>
+                            </p:childTnLst>
+                          </p:cTn>
+                        </p:par>
+                        <p:par>
+                          <p:cTn id="24" fill="hold">
+                            <p:stCondLst>
+                              <p:cond delay="2500"/>
+                            </p:stCondLst>
+                            <p:childTnLst>
+                              <p:par>
+                                <p:cTn id="25" presetID="10" presetClass="entr" presetSubtype="0" fill="hold" grpId="0" nodeType="afterEffect">
+                                  <p:stCondLst>
+                                    <p:cond delay="0"/>
+                                  </p:stCondLst>
+                                  <p:childTnLst>
+                                    <p:set>
+                                      <p:cBhvr>
+                                        <p:cTn id="26" dur="1" fill="hold">
+                                          <p:stCondLst>
+                                            <p:cond delay="0"/>
+                                          </p:stCondLst>
+                                        </p:cTn>
+                                        <p:tgtEl>
+                                          <p:spTgt spid="3">
+                                            <p:txEl>
+                                              <p:pRg st="6" end="6"/>
+                                            </p:txEl>
+                                          </p:spTgt>
+                                        </p:tgtEl>
+                                        <p:attrNameLst>
+                                          <p:attrName>style.visibility</p:attrName>
+                                        </p:attrNameLst>
+                                      </p:cBhvr>
+                                      <p:to>
+                                        <p:strVal val="visible"/>
+                                      </p:to>
+                                    </p:set>
+                                    <p:animEffect transition="in" filter="fade">
+                                      <p:cBhvr>
+                                        <p:cTn id="27" dur="500"/>
+                                        <p:tgtEl>
+                                          <p:spTgt spid="3">
+                                            <p:txEl>
+                                              <p:pRg st="6" end="6"/>
+                                            </p:txEl>
+                                          </p:spTgt>
+                                        </p:tgtEl>
+                                      </p:cBhvr>
+                                    </p:animEffect>
+                                  </p:childTnLst>
+                                </p:cTn>
+                              </p:par>
+                            </p:childTnLst>
+                          </p:cTn>
+                        </p:par>
+                        <p:par>
+                          <p:cTn id="28" fill="hold">
+                            <p:stCondLst>
+                              <p:cond delay="3000"/>
+                            </p:stCondLst>
+                            <p:childTnLst>
+                              <p:par>
+                                <p:cTn id="29" presetID="10" presetClass="entr" presetSubtype="0" fill="hold" grpId="0" nodeType="afterEffect">
+                                  <p:stCondLst>
+                                    <p:cond delay="0"/>
+                                  </p:stCondLst>
+                                  <p:childTnLst>
+                                    <p:set>
+                                      <p:cBhvr>
+                                        <p:cTn id="30" dur="1" fill="hold">
+                                          <p:stCondLst>
+                                            <p:cond delay="0"/>
+                                          </p:stCondLst>
+                                        </p:cTn>
+                                        <p:tgtEl>
+                                          <p:spTgt spid="3">
+                                            <p:txEl>
+                                              <p:pRg st="7" end="7"/>
+                                            </p:txEl>
+                                          </p:spTgt>
+                                        </p:tgtEl>
+                                        <p:attrNameLst>
+                                          <p:attrName>style.visibility</p:attrName>
+                                        </p:attrNameLst>
+                                      </p:cBhvr>
+                                      <p:to>
+                                        <p:strVal val="visible"/>
+                                      </p:to>
+                                    </p:set>
+                                    <p:animEffect transition="in" filter="fade">
+                                      <p:cBhvr>
+                                        <p:cTn id="31" dur="500"/>
+                                        <p:tgtEl>
+                                          <p:spTgt spid="3">
+                                            <p:txEl>
+                                              <p:pRg st="7" end="7"/>
+                                            </p:txEl>
+                                          </p:spTgt>
+                                        </p:tgtEl>
+                                      </p:cBhvr>
+                                    </p:animEffect>
+                                  </p:childTnLst>
+                                </p:cTn>
+                              </p:par>
+                            </p:childTnLst>
+                          </p:cTn>
+                        </p:par>
+                        <p:par>
+                          <p:cTn id="32" fill="hold">
+                            <p:stCondLst>
+                              <p:cond delay="3500"/>
+                            </p:stCondLst>
+                            <p:childTnLst>
+                              <p:par>
+                                <p:cTn id="33" presetID="10" presetClass="entr" presetSubtype="0" fill="hold" grpId="0" nodeType="afterEffect">
+                                  <p:stCondLst>
+                                    <p:cond delay="0"/>
+                                  </p:stCondLst>
+                                  <p:childTnLst>
+                                    <p:set>
+                                      <p:cBhvr>
+                                        <p:cTn id="34" dur="1" fill="hold">
+                                          <p:stCondLst>
+                                            <p:cond delay="0"/>
+                                          </p:stCondLst>
+                                        </p:cTn>
+                                        <p:tgtEl>
+                                          <p:spTgt spid="3">
+                                            <p:txEl>
+                                              <p:pRg st="8" end="8"/>
+                                            </p:txEl>
+                                          </p:spTgt>
+                                        </p:tgtEl>
+                                        <p:attrNameLst>
+                                          <p:attrName>style.visibility</p:attrName>
+                                        </p:attrNameLst>
+                                      </p:cBhvr>
+                                      <p:to>
+                                        <p:strVal val="visible"/>
+                                      </p:to>
+                                    </p:set>
+                                    <p:animEffect transition="in" filter="fade">
+                                      <p:cBhvr>
+                                        <p:cTn id="35" dur="500"/>
+                                        <p:tgtEl>
+                                          <p:spTgt spid="3">
+                                            <p:txEl>
+                                              <p:pRg st="8" end="8"/>
                                             </p:txEl>
                                           </p:spTgt>
                                         </p:tgtEl>
@@ -10825,6 +9414,2533 @@
         </p:cTn>
       </p:par>
     </p:tnLst>
+    <p:bldLst>
+      <p:bldP spid="3" grpId="0" build="p"/>
+    </p:bldLst>
+  </p:timing>
+</p:sld>
+</file>
+
+<file path=ppt/slides/slide3.xml><?xml version="1.0" encoding="utf-8"?>
+<p:sld xmlns:a="http://schemas.openxmlformats.org/drawingml/2006/main" xmlns:r="http://schemas.openxmlformats.org/officeDocument/2006/relationships" xmlns:p="http://schemas.openxmlformats.org/presentationml/2006/main">
+  <p:cSld>
+    <p:spTree>
+      <p:nvGrpSpPr>
+        <p:cNvPr id="1" name=""/>
+        <p:cNvGrpSpPr/>
+        <p:nvPr/>
+      </p:nvGrpSpPr>
+      <p:grpSpPr>
+        <a:xfrm>
+          <a:off x="0" y="0"/>
+          <a:ext cx="0" cy="0"/>
+          <a:chOff x="0" y="0"/>
+          <a:chExt cx="0" cy="0"/>
+        </a:xfrm>
+      </p:grpSpPr>
+      <p:sp>
+        <p:nvSpPr>
+          <p:cNvPr id="2" name="Titolo 1">
+            <a:extLst>
+              <a:ext uri="{FF2B5EF4-FFF2-40B4-BE49-F238E27FC236}">
+                <a16:creationId xmlns:a16="http://schemas.microsoft.com/office/drawing/2014/main" xmlns="" id="{CE2C0F09-3221-421C-B777-3D38DF0939C8}"/>
+              </a:ext>
+            </a:extLst>
+          </p:cNvPr>
+          <p:cNvSpPr>
+            <a:spLocks noGrp="1"/>
+          </p:cNvSpPr>
+          <p:nvPr>
+            <p:ph type="title"/>
+          </p:nvPr>
+        </p:nvSpPr>
+        <p:spPr/>
+        <p:txBody>
+          <a:bodyPr/>
+          <a:lstStyle/>
+          <a:p>
+            <a:r>
+              <a:rPr lang="it-CH" dirty="0"/>
+              <a:t>Perché usare il nostro prodotto?</a:t>
+            </a:r>
+          </a:p>
+        </p:txBody>
+      </p:sp>
+      <p:sp>
+        <p:nvSpPr>
+          <p:cNvPr id="3" name="Segnaposto contenuto 2">
+            <a:extLst>
+              <a:ext uri="{FF2B5EF4-FFF2-40B4-BE49-F238E27FC236}">
+                <a16:creationId xmlns:a16="http://schemas.microsoft.com/office/drawing/2014/main" xmlns="" id="{6BF152D1-30B5-498C-9604-A0EE3A8CC7A4}"/>
+              </a:ext>
+            </a:extLst>
+          </p:cNvPr>
+          <p:cNvSpPr>
+            <a:spLocks noGrp="1"/>
+          </p:cNvSpPr>
+          <p:nvPr>
+            <p:ph idx="1"/>
+          </p:nvPr>
+        </p:nvSpPr>
+        <p:spPr/>
+        <p:txBody>
+          <a:bodyPr/>
+          <a:lstStyle/>
+          <a:p>
+            <a:endParaRPr lang="it-CH" dirty="0"/>
+          </a:p>
+          <a:p>
+            <a:r>
+              <a:rPr lang="it-CH" sz="2800" dirty="0"/>
+              <a:t>Per non arrivare in ritardo a lezione</a:t>
+            </a:r>
+          </a:p>
+          <a:p>
+            <a:r>
+              <a:rPr lang="it-CH" sz="2800" dirty="0"/>
+              <a:t>Un modo alternativo per sapere l’orario</a:t>
+            </a:r>
+          </a:p>
+          <a:p>
+            <a:r>
+              <a:rPr lang="it-CH" sz="2800" dirty="0"/>
+              <a:t>Colorato </a:t>
+            </a:r>
+            <a:r>
+              <a:rPr lang="it-CH" sz="2800" dirty="0" smtClean="0"/>
+              <a:t>e </a:t>
+            </a:r>
+            <a:r>
+              <a:rPr lang="it-CH" sz="2800" dirty="0"/>
+              <a:t>originale</a:t>
+            </a:r>
+          </a:p>
+        </p:txBody>
+      </p:sp>
+      <p:pic>
+        <p:nvPicPr>
+          <p:cNvPr id="4" name="Picture 7">
+            <a:extLst>
+              <a:ext uri="{FF2B5EF4-FFF2-40B4-BE49-F238E27FC236}">
+                <a16:creationId xmlns:a16="http://schemas.microsoft.com/office/drawing/2014/main" xmlns="" id="{EB505230-90D0-49CE-BEA6-A140FB17D7A1}"/>
+              </a:ext>
+            </a:extLst>
+          </p:cNvPr>
+          <p:cNvPicPr>
+            <a:picLocks noChangeAspect="1"/>
+          </p:cNvPicPr>
+          <p:nvPr/>
+        </p:nvPicPr>
+        <p:blipFill>
+          <a:blip r:embed="rId2" cstate="print">
+            <a:extLst>
+              <a:ext uri="{28A0092B-C50C-407E-A947-70E740481C1C}">
+                <a14:useLocalDpi xmlns:a14="http://schemas.microsoft.com/office/drawing/2010/main" val="0"/>
+              </a:ext>
+            </a:extLst>
+          </a:blip>
+          <a:stretch>
+            <a:fillRect/>
+          </a:stretch>
+        </p:blipFill>
+        <p:spPr>
+          <a:xfrm>
+            <a:off x="8522904" y="2391375"/>
+            <a:ext cx="2382051" cy="2382051"/>
+          </a:xfrm>
+          <a:prstGeom prst="rect">
+            <a:avLst/>
+          </a:prstGeom>
+        </p:spPr>
+      </p:pic>
+    </p:spTree>
+    <p:extLst>
+      <p:ext uri="{BB962C8B-B14F-4D97-AF65-F5344CB8AC3E}">
+        <p14:creationId xmlns:p14="http://schemas.microsoft.com/office/powerpoint/2010/main" val="2221717689"/>
+      </p:ext>
+    </p:extLst>
+  </p:cSld>
+  <p:clrMapOvr>
+    <a:masterClrMapping/>
+  </p:clrMapOvr>
+  <p:timing>
+    <p:tnLst>
+      <p:par>
+        <p:cTn id="1" dur="indefinite" restart="never" nodeType="tmRoot">
+          <p:childTnLst>
+            <p:seq concurrent="1" nextAc="seek">
+              <p:cTn id="2" dur="indefinite" nodeType="mainSeq">
+                <p:childTnLst>
+                  <p:par>
+                    <p:cTn id="3" fill="hold">
+                      <p:stCondLst>
+                        <p:cond delay="indefinite"/>
+                        <p:cond evt="onBegin" delay="0">
+                          <p:tn val="2"/>
+                        </p:cond>
+                      </p:stCondLst>
+                      <p:childTnLst>
+                        <p:par>
+                          <p:cTn id="4" fill="hold">
+                            <p:stCondLst>
+                              <p:cond delay="0"/>
+                            </p:stCondLst>
+                            <p:childTnLst>
+                              <p:par>
+                                <p:cTn id="5" presetID="10" presetClass="entr" presetSubtype="0" fill="hold" grpId="0" nodeType="afterEffect">
+                                  <p:stCondLst>
+                                    <p:cond delay="0"/>
+                                  </p:stCondLst>
+                                  <p:childTnLst>
+                                    <p:set>
+                                      <p:cBhvr>
+                                        <p:cTn id="6" dur="1" fill="hold">
+                                          <p:stCondLst>
+                                            <p:cond delay="0"/>
+                                          </p:stCondLst>
+                                        </p:cTn>
+                                        <p:tgtEl>
+                                          <p:spTgt spid="3">
+                                            <p:txEl>
+                                              <p:pRg st="1" end="1"/>
+                                            </p:txEl>
+                                          </p:spTgt>
+                                        </p:tgtEl>
+                                        <p:attrNameLst>
+                                          <p:attrName>style.visibility</p:attrName>
+                                        </p:attrNameLst>
+                                      </p:cBhvr>
+                                      <p:to>
+                                        <p:strVal val="visible"/>
+                                      </p:to>
+                                    </p:set>
+                                    <p:animEffect transition="in" filter="fade">
+                                      <p:cBhvr>
+                                        <p:cTn id="7" dur="500"/>
+                                        <p:tgtEl>
+                                          <p:spTgt spid="3">
+                                            <p:txEl>
+                                              <p:pRg st="1" end="1"/>
+                                            </p:txEl>
+                                          </p:spTgt>
+                                        </p:tgtEl>
+                                      </p:cBhvr>
+                                    </p:animEffect>
+                                  </p:childTnLst>
+                                </p:cTn>
+                              </p:par>
+                            </p:childTnLst>
+                          </p:cTn>
+                        </p:par>
+                        <p:par>
+                          <p:cTn id="8" fill="hold">
+                            <p:stCondLst>
+                              <p:cond delay="500"/>
+                            </p:stCondLst>
+                            <p:childTnLst>
+                              <p:par>
+                                <p:cTn id="9" presetID="10" presetClass="entr" presetSubtype="0" fill="hold" grpId="0" nodeType="afterEffect">
+                                  <p:stCondLst>
+                                    <p:cond delay="0"/>
+                                  </p:stCondLst>
+                                  <p:childTnLst>
+                                    <p:set>
+                                      <p:cBhvr>
+                                        <p:cTn id="10" dur="1" fill="hold">
+                                          <p:stCondLst>
+                                            <p:cond delay="0"/>
+                                          </p:stCondLst>
+                                        </p:cTn>
+                                        <p:tgtEl>
+                                          <p:spTgt spid="3">
+                                            <p:txEl>
+                                              <p:pRg st="2" end="2"/>
+                                            </p:txEl>
+                                          </p:spTgt>
+                                        </p:tgtEl>
+                                        <p:attrNameLst>
+                                          <p:attrName>style.visibility</p:attrName>
+                                        </p:attrNameLst>
+                                      </p:cBhvr>
+                                      <p:to>
+                                        <p:strVal val="visible"/>
+                                      </p:to>
+                                    </p:set>
+                                    <p:animEffect transition="in" filter="fade">
+                                      <p:cBhvr>
+                                        <p:cTn id="11" dur="500"/>
+                                        <p:tgtEl>
+                                          <p:spTgt spid="3">
+                                            <p:txEl>
+                                              <p:pRg st="2" end="2"/>
+                                            </p:txEl>
+                                          </p:spTgt>
+                                        </p:tgtEl>
+                                      </p:cBhvr>
+                                    </p:animEffect>
+                                  </p:childTnLst>
+                                </p:cTn>
+                              </p:par>
+                            </p:childTnLst>
+                          </p:cTn>
+                        </p:par>
+                        <p:par>
+                          <p:cTn id="12" fill="hold">
+                            <p:stCondLst>
+                              <p:cond delay="1000"/>
+                            </p:stCondLst>
+                            <p:childTnLst>
+                              <p:par>
+                                <p:cTn id="13" presetID="10" presetClass="entr" presetSubtype="0" fill="hold" grpId="0" nodeType="afterEffect">
+                                  <p:stCondLst>
+                                    <p:cond delay="0"/>
+                                  </p:stCondLst>
+                                  <p:childTnLst>
+                                    <p:set>
+                                      <p:cBhvr>
+                                        <p:cTn id="14" dur="1" fill="hold">
+                                          <p:stCondLst>
+                                            <p:cond delay="0"/>
+                                          </p:stCondLst>
+                                        </p:cTn>
+                                        <p:tgtEl>
+                                          <p:spTgt spid="3">
+                                            <p:txEl>
+                                              <p:pRg st="3" end="3"/>
+                                            </p:txEl>
+                                          </p:spTgt>
+                                        </p:tgtEl>
+                                        <p:attrNameLst>
+                                          <p:attrName>style.visibility</p:attrName>
+                                        </p:attrNameLst>
+                                      </p:cBhvr>
+                                      <p:to>
+                                        <p:strVal val="visible"/>
+                                      </p:to>
+                                    </p:set>
+                                    <p:animEffect transition="in" filter="fade">
+                                      <p:cBhvr>
+                                        <p:cTn id="15" dur="500"/>
+                                        <p:tgtEl>
+                                          <p:spTgt spid="3">
+                                            <p:txEl>
+                                              <p:pRg st="3" end="3"/>
+                                            </p:txEl>
+                                          </p:spTgt>
+                                        </p:tgtEl>
+                                      </p:cBhvr>
+                                    </p:animEffect>
+                                  </p:childTnLst>
+                                </p:cTn>
+                              </p:par>
+                            </p:childTnLst>
+                          </p:cTn>
+                        </p:par>
+                      </p:childTnLst>
+                    </p:cTn>
+                  </p:par>
+                </p:childTnLst>
+              </p:cTn>
+              <p:prevCondLst>
+                <p:cond evt="onPrev" delay="0">
+                  <p:tgtEl>
+                    <p:sldTgt/>
+                  </p:tgtEl>
+                </p:cond>
+              </p:prevCondLst>
+              <p:nextCondLst>
+                <p:cond evt="onNext" delay="0">
+                  <p:tgtEl>
+                    <p:sldTgt/>
+                  </p:tgtEl>
+                </p:cond>
+              </p:nextCondLst>
+            </p:seq>
+          </p:childTnLst>
+        </p:cTn>
+      </p:par>
+    </p:tnLst>
+    <p:bldLst>
+      <p:bldP spid="3" grpId="0" build="p"/>
+    </p:bldLst>
+  </p:timing>
+</p:sld>
+</file>
+
+<file path=ppt/slides/slide4.xml><?xml version="1.0" encoding="utf-8"?>
+<p:sld xmlns:a="http://schemas.openxmlformats.org/drawingml/2006/main" xmlns:r="http://schemas.openxmlformats.org/officeDocument/2006/relationships" xmlns:p="http://schemas.openxmlformats.org/presentationml/2006/main">
+  <p:cSld>
+    <p:spTree>
+      <p:nvGrpSpPr>
+        <p:cNvPr id="1" name=""/>
+        <p:cNvGrpSpPr/>
+        <p:nvPr/>
+      </p:nvGrpSpPr>
+      <p:grpSpPr>
+        <a:xfrm>
+          <a:off x="0" y="0"/>
+          <a:ext cx="0" cy="0"/>
+          <a:chOff x="0" y="0"/>
+          <a:chExt cx="0" cy="0"/>
+        </a:xfrm>
+      </p:grpSpPr>
+      <p:sp>
+        <p:nvSpPr>
+          <p:cNvPr id="2" name="Titolo 1">
+            <a:extLst>
+              <a:ext uri="{FF2B5EF4-FFF2-40B4-BE49-F238E27FC236}">
+                <a16:creationId xmlns:a16="http://schemas.microsoft.com/office/drawing/2014/main" xmlns="" id="{05B8D7CC-1300-40C6-9A71-31B38A146B55}"/>
+              </a:ext>
+            </a:extLst>
+          </p:cNvPr>
+          <p:cNvSpPr>
+            <a:spLocks noGrp="1"/>
+          </p:cNvSpPr>
+          <p:nvPr>
+            <p:ph type="title"/>
+          </p:nvPr>
+        </p:nvSpPr>
+        <p:spPr/>
+        <p:txBody>
+          <a:bodyPr/>
+          <a:lstStyle/>
+          <a:p>
+            <a:r>
+              <a:rPr lang="it-CH" dirty="0"/>
+              <a:t>Requisiti</a:t>
+            </a:r>
+          </a:p>
+        </p:txBody>
+      </p:sp>
+      <p:sp>
+        <p:nvSpPr>
+          <p:cNvPr id="3" name="Segnaposto contenuto 2">
+            <a:extLst>
+              <a:ext uri="{FF2B5EF4-FFF2-40B4-BE49-F238E27FC236}">
+                <a16:creationId xmlns:a16="http://schemas.microsoft.com/office/drawing/2014/main" xmlns="" id="{EF76A50E-973E-4AD4-9D46-CA4D6BE9E9C4}"/>
+              </a:ext>
+            </a:extLst>
+          </p:cNvPr>
+          <p:cNvSpPr>
+            <a:spLocks noGrp="1"/>
+          </p:cNvSpPr>
+          <p:nvPr>
+            <p:ph idx="1"/>
+          </p:nvPr>
+        </p:nvSpPr>
+        <p:spPr/>
+        <p:txBody>
+          <a:bodyPr/>
+          <a:lstStyle/>
+          <a:p>
+            <a:endParaRPr lang="it-CH" dirty="0"/>
+          </a:p>
+          <a:p>
+            <a:pPr lvl="1">
+              <a:buFont typeface="Arial" panose="020B0604020202020204" pitchFamily="34" charset="0"/>
+              <a:buChar char="•"/>
+            </a:pPr>
+            <a:r>
+              <a:rPr lang="it-CH" sz="2600" dirty="0" smtClean="0"/>
+              <a:t>Verifica </a:t>
+            </a:r>
+            <a:r>
+              <a:rPr lang="it-CH" sz="2600" dirty="0"/>
+              <a:t>componenti hardware</a:t>
+            </a:r>
+          </a:p>
+          <a:p>
+            <a:pPr lvl="1">
+              <a:buFont typeface="Arial" panose="020B0604020202020204" pitchFamily="34" charset="0"/>
+              <a:buChar char="•"/>
+            </a:pPr>
+            <a:r>
+              <a:rPr lang="it-CH" sz="2600" dirty="0" smtClean="0"/>
+              <a:t>Word </a:t>
+            </a:r>
+            <a:r>
+              <a:rPr lang="it-CH" sz="2600" dirty="0"/>
+              <a:t>Clock</a:t>
+            </a:r>
+          </a:p>
+          <a:p>
+            <a:pPr marL="898398" lvl="2" indent="-514350">
+              <a:buFont typeface="+mj-lt"/>
+              <a:buAutoNum type="arabicPeriod"/>
+            </a:pPr>
+            <a:r>
+              <a:rPr lang="it-CH" sz="1600" dirty="0" smtClean="0"/>
+              <a:t>Differenze </a:t>
+            </a:r>
+            <a:r>
+              <a:rPr lang="it-CH" sz="1600" dirty="0"/>
+              <a:t>di 5 minuti</a:t>
+            </a:r>
+          </a:p>
+          <a:p>
+            <a:pPr marL="898398" lvl="2" indent="-514350">
+              <a:buFont typeface="+mj-lt"/>
+              <a:buAutoNum type="arabicPeriod"/>
+            </a:pPr>
+            <a:r>
+              <a:rPr lang="it-CH" sz="1600" dirty="0" smtClean="0"/>
+              <a:t>Secondi</a:t>
+            </a:r>
+            <a:endParaRPr lang="it-CH" sz="1600" dirty="0"/>
+          </a:p>
+          <a:p>
+            <a:pPr marL="898398" lvl="2" indent="-514350">
+              <a:buFont typeface="+mj-lt"/>
+              <a:buAutoNum type="arabicPeriod"/>
+            </a:pPr>
+            <a:r>
+              <a:rPr lang="it-IT" sz="1600" dirty="0" smtClean="0"/>
+              <a:t>Impostazione tramite il modello fisico</a:t>
+            </a:r>
+            <a:endParaRPr lang="it-IT" sz="1600" dirty="0"/>
+          </a:p>
+          <a:p>
+            <a:pPr marL="898398" lvl="2" indent="-514350">
+              <a:buFont typeface="+mj-lt"/>
+              <a:buAutoNum type="arabicPeriod"/>
+            </a:pPr>
+            <a:r>
+              <a:rPr lang="it-IT" sz="1600" dirty="0"/>
+              <a:t>Cambiare i colori dei led in base all’orario (pausa)</a:t>
+            </a:r>
+            <a:endParaRPr lang="it-CH" sz="1600" dirty="0"/>
+          </a:p>
+          <a:p>
+            <a:pPr marL="806958" lvl="1" indent="-514350">
+              <a:buFont typeface="+mj-lt"/>
+              <a:buAutoNum type="arabicPeriod"/>
+            </a:pPr>
+            <a:endParaRPr lang="it-CH" sz="2600" dirty="0"/>
+          </a:p>
+        </p:txBody>
+      </p:sp>
+    </p:spTree>
+    <p:extLst>
+      <p:ext uri="{BB962C8B-B14F-4D97-AF65-F5344CB8AC3E}">
+        <p14:creationId xmlns:p14="http://schemas.microsoft.com/office/powerpoint/2010/main" val="3660861482"/>
+      </p:ext>
+    </p:extLst>
+  </p:cSld>
+  <p:clrMapOvr>
+    <a:masterClrMapping/>
+  </p:clrMapOvr>
+  <p:timing>
+    <p:tnLst>
+      <p:par>
+        <p:cTn id="1" dur="indefinite" restart="never" nodeType="tmRoot">
+          <p:childTnLst>
+            <p:seq concurrent="1" nextAc="seek">
+              <p:cTn id="2" dur="indefinite" nodeType="mainSeq">
+                <p:childTnLst>
+                  <p:par>
+                    <p:cTn id="3" fill="hold">
+                      <p:stCondLst>
+                        <p:cond delay="indefinite"/>
+                      </p:stCondLst>
+                      <p:childTnLst>
+                        <p:par>
+                          <p:cTn id="4" fill="hold">
+                            <p:stCondLst>
+                              <p:cond delay="0"/>
+                            </p:stCondLst>
+                            <p:childTnLst>
+                              <p:par>
+                                <p:cTn id="5" presetID="10" presetClass="entr" presetSubtype="0" fill="hold" grpId="0" nodeType="clickEffect">
+                                  <p:stCondLst>
+                                    <p:cond delay="0"/>
+                                  </p:stCondLst>
+                                  <p:childTnLst>
+                                    <p:set>
+                                      <p:cBhvr>
+                                        <p:cTn id="6" dur="1" fill="hold">
+                                          <p:stCondLst>
+                                            <p:cond delay="0"/>
+                                          </p:stCondLst>
+                                        </p:cTn>
+                                        <p:tgtEl>
+                                          <p:spTgt spid="3">
+                                            <p:txEl>
+                                              <p:pRg st="1" end="1"/>
+                                            </p:txEl>
+                                          </p:spTgt>
+                                        </p:tgtEl>
+                                        <p:attrNameLst>
+                                          <p:attrName>style.visibility</p:attrName>
+                                        </p:attrNameLst>
+                                      </p:cBhvr>
+                                      <p:to>
+                                        <p:strVal val="visible"/>
+                                      </p:to>
+                                    </p:set>
+                                    <p:animEffect transition="in" filter="fade">
+                                      <p:cBhvr>
+                                        <p:cTn id="7" dur="500"/>
+                                        <p:tgtEl>
+                                          <p:spTgt spid="3">
+                                            <p:txEl>
+                                              <p:pRg st="1" end="1"/>
+                                            </p:txEl>
+                                          </p:spTgt>
+                                        </p:tgtEl>
+                                      </p:cBhvr>
+                                    </p:animEffect>
+                                  </p:childTnLst>
+                                </p:cTn>
+                              </p:par>
+                            </p:childTnLst>
+                          </p:cTn>
+                        </p:par>
+                      </p:childTnLst>
+                    </p:cTn>
+                  </p:par>
+                  <p:par>
+                    <p:cTn id="8" fill="hold">
+                      <p:stCondLst>
+                        <p:cond delay="indefinite"/>
+                      </p:stCondLst>
+                      <p:childTnLst>
+                        <p:par>
+                          <p:cTn id="9" fill="hold">
+                            <p:stCondLst>
+                              <p:cond delay="0"/>
+                            </p:stCondLst>
+                            <p:childTnLst>
+                              <p:par>
+                                <p:cTn id="10" presetID="10" presetClass="entr" presetSubtype="0" fill="hold" grpId="0" nodeType="clickEffect">
+                                  <p:stCondLst>
+                                    <p:cond delay="0"/>
+                                  </p:stCondLst>
+                                  <p:childTnLst>
+                                    <p:set>
+                                      <p:cBhvr>
+                                        <p:cTn id="11" dur="1" fill="hold">
+                                          <p:stCondLst>
+                                            <p:cond delay="0"/>
+                                          </p:stCondLst>
+                                        </p:cTn>
+                                        <p:tgtEl>
+                                          <p:spTgt spid="3">
+                                            <p:txEl>
+                                              <p:pRg st="2" end="2"/>
+                                            </p:txEl>
+                                          </p:spTgt>
+                                        </p:tgtEl>
+                                        <p:attrNameLst>
+                                          <p:attrName>style.visibility</p:attrName>
+                                        </p:attrNameLst>
+                                      </p:cBhvr>
+                                      <p:to>
+                                        <p:strVal val="visible"/>
+                                      </p:to>
+                                    </p:set>
+                                    <p:animEffect transition="in" filter="fade">
+                                      <p:cBhvr>
+                                        <p:cTn id="12" dur="500"/>
+                                        <p:tgtEl>
+                                          <p:spTgt spid="3">
+                                            <p:txEl>
+                                              <p:pRg st="2" end="2"/>
+                                            </p:txEl>
+                                          </p:spTgt>
+                                        </p:tgtEl>
+                                      </p:cBhvr>
+                                    </p:animEffect>
+                                  </p:childTnLst>
+                                </p:cTn>
+                              </p:par>
+                              <p:par>
+                                <p:cTn id="13" presetID="10" presetClass="entr" presetSubtype="0" fill="hold" grpId="0" nodeType="withEffect">
+                                  <p:stCondLst>
+                                    <p:cond delay="0"/>
+                                  </p:stCondLst>
+                                  <p:childTnLst>
+                                    <p:set>
+                                      <p:cBhvr>
+                                        <p:cTn id="14" dur="1" fill="hold">
+                                          <p:stCondLst>
+                                            <p:cond delay="0"/>
+                                          </p:stCondLst>
+                                        </p:cTn>
+                                        <p:tgtEl>
+                                          <p:spTgt spid="3">
+                                            <p:txEl>
+                                              <p:pRg st="3" end="3"/>
+                                            </p:txEl>
+                                          </p:spTgt>
+                                        </p:tgtEl>
+                                        <p:attrNameLst>
+                                          <p:attrName>style.visibility</p:attrName>
+                                        </p:attrNameLst>
+                                      </p:cBhvr>
+                                      <p:to>
+                                        <p:strVal val="visible"/>
+                                      </p:to>
+                                    </p:set>
+                                    <p:animEffect transition="in" filter="fade">
+                                      <p:cBhvr>
+                                        <p:cTn id="15" dur="500"/>
+                                        <p:tgtEl>
+                                          <p:spTgt spid="3">
+                                            <p:txEl>
+                                              <p:pRg st="3" end="3"/>
+                                            </p:txEl>
+                                          </p:spTgt>
+                                        </p:tgtEl>
+                                      </p:cBhvr>
+                                    </p:animEffect>
+                                  </p:childTnLst>
+                                </p:cTn>
+                              </p:par>
+                              <p:par>
+                                <p:cTn id="16" presetID="10" presetClass="entr" presetSubtype="0" fill="hold" grpId="0" nodeType="withEffect">
+                                  <p:stCondLst>
+                                    <p:cond delay="0"/>
+                                  </p:stCondLst>
+                                  <p:childTnLst>
+                                    <p:set>
+                                      <p:cBhvr>
+                                        <p:cTn id="17" dur="1" fill="hold">
+                                          <p:stCondLst>
+                                            <p:cond delay="0"/>
+                                          </p:stCondLst>
+                                        </p:cTn>
+                                        <p:tgtEl>
+                                          <p:spTgt spid="3">
+                                            <p:txEl>
+                                              <p:pRg st="4" end="4"/>
+                                            </p:txEl>
+                                          </p:spTgt>
+                                        </p:tgtEl>
+                                        <p:attrNameLst>
+                                          <p:attrName>style.visibility</p:attrName>
+                                        </p:attrNameLst>
+                                      </p:cBhvr>
+                                      <p:to>
+                                        <p:strVal val="visible"/>
+                                      </p:to>
+                                    </p:set>
+                                    <p:animEffect transition="in" filter="fade">
+                                      <p:cBhvr>
+                                        <p:cTn id="18" dur="500"/>
+                                        <p:tgtEl>
+                                          <p:spTgt spid="3">
+                                            <p:txEl>
+                                              <p:pRg st="4" end="4"/>
+                                            </p:txEl>
+                                          </p:spTgt>
+                                        </p:tgtEl>
+                                      </p:cBhvr>
+                                    </p:animEffect>
+                                  </p:childTnLst>
+                                </p:cTn>
+                              </p:par>
+                              <p:par>
+                                <p:cTn id="19" presetID="10" presetClass="entr" presetSubtype="0" fill="hold" grpId="0" nodeType="withEffect">
+                                  <p:stCondLst>
+                                    <p:cond delay="0"/>
+                                  </p:stCondLst>
+                                  <p:childTnLst>
+                                    <p:set>
+                                      <p:cBhvr>
+                                        <p:cTn id="20" dur="1" fill="hold">
+                                          <p:stCondLst>
+                                            <p:cond delay="0"/>
+                                          </p:stCondLst>
+                                        </p:cTn>
+                                        <p:tgtEl>
+                                          <p:spTgt spid="3">
+                                            <p:txEl>
+                                              <p:pRg st="5" end="5"/>
+                                            </p:txEl>
+                                          </p:spTgt>
+                                        </p:tgtEl>
+                                        <p:attrNameLst>
+                                          <p:attrName>style.visibility</p:attrName>
+                                        </p:attrNameLst>
+                                      </p:cBhvr>
+                                      <p:to>
+                                        <p:strVal val="visible"/>
+                                      </p:to>
+                                    </p:set>
+                                    <p:animEffect transition="in" filter="fade">
+                                      <p:cBhvr>
+                                        <p:cTn id="21" dur="500"/>
+                                        <p:tgtEl>
+                                          <p:spTgt spid="3">
+                                            <p:txEl>
+                                              <p:pRg st="5" end="5"/>
+                                            </p:txEl>
+                                          </p:spTgt>
+                                        </p:tgtEl>
+                                      </p:cBhvr>
+                                    </p:animEffect>
+                                  </p:childTnLst>
+                                </p:cTn>
+                              </p:par>
+                              <p:par>
+                                <p:cTn id="22" presetID="10" presetClass="entr" presetSubtype="0" fill="hold" grpId="0" nodeType="withEffect">
+                                  <p:stCondLst>
+                                    <p:cond delay="0"/>
+                                  </p:stCondLst>
+                                  <p:childTnLst>
+                                    <p:set>
+                                      <p:cBhvr>
+                                        <p:cTn id="23" dur="1" fill="hold">
+                                          <p:stCondLst>
+                                            <p:cond delay="0"/>
+                                          </p:stCondLst>
+                                        </p:cTn>
+                                        <p:tgtEl>
+                                          <p:spTgt spid="3">
+                                            <p:txEl>
+                                              <p:pRg st="6" end="6"/>
+                                            </p:txEl>
+                                          </p:spTgt>
+                                        </p:tgtEl>
+                                        <p:attrNameLst>
+                                          <p:attrName>style.visibility</p:attrName>
+                                        </p:attrNameLst>
+                                      </p:cBhvr>
+                                      <p:to>
+                                        <p:strVal val="visible"/>
+                                      </p:to>
+                                    </p:set>
+                                    <p:animEffect transition="in" filter="fade">
+                                      <p:cBhvr>
+                                        <p:cTn id="24" dur="500"/>
+                                        <p:tgtEl>
+                                          <p:spTgt spid="3">
+                                            <p:txEl>
+                                              <p:pRg st="6" end="6"/>
+                                            </p:txEl>
+                                          </p:spTgt>
+                                        </p:tgtEl>
+                                      </p:cBhvr>
+                                    </p:animEffect>
+                                  </p:childTnLst>
+                                </p:cTn>
+                              </p:par>
+                            </p:childTnLst>
+                          </p:cTn>
+                        </p:par>
+                      </p:childTnLst>
+                    </p:cTn>
+                  </p:par>
+                </p:childTnLst>
+              </p:cTn>
+              <p:prevCondLst>
+                <p:cond evt="onPrev" delay="0">
+                  <p:tgtEl>
+                    <p:sldTgt/>
+                  </p:tgtEl>
+                </p:cond>
+              </p:prevCondLst>
+              <p:nextCondLst>
+                <p:cond evt="onNext" delay="0">
+                  <p:tgtEl>
+                    <p:sldTgt/>
+                  </p:tgtEl>
+                </p:cond>
+              </p:nextCondLst>
+            </p:seq>
+          </p:childTnLst>
+        </p:cTn>
+      </p:par>
+    </p:tnLst>
+    <p:bldLst>
+      <p:bldP spid="3" grpId="0" uiExpand="1" build="p"/>
+    </p:bldLst>
+  </p:timing>
+</p:sld>
+</file>
+
+<file path=ppt/slides/slide5.xml><?xml version="1.0" encoding="utf-8"?>
+<p:sld xmlns:a="http://schemas.openxmlformats.org/drawingml/2006/main" xmlns:r="http://schemas.openxmlformats.org/officeDocument/2006/relationships" xmlns:p="http://schemas.openxmlformats.org/presentationml/2006/main">
+  <p:cSld>
+    <p:bg>
+      <p:bgPr>
+        <a:solidFill>
+          <a:schemeClr val="bg1"/>
+        </a:solidFill>
+        <a:effectLst/>
+      </p:bgPr>
+    </p:bg>
+    <p:spTree>
+      <p:nvGrpSpPr>
+        <p:cNvPr id="1" name=""/>
+        <p:cNvGrpSpPr/>
+        <p:nvPr/>
+      </p:nvGrpSpPr>
+      <p:grpSpPr>
+        <a:xfrm>
+          <a:off x="0" y="0"/>
+          <a:ext cx="0" cy="0"/>
+          <a:chOff x="0" y="0"/>
+          <a:chExt cx="0" cy="0"/>
+        </a:xfrm>
+      </p:grpSpPr>
+      <p:pic>
+        <p:nvPicPr>
+          <p:cNvPr id="11" name="Immagine 7">
+            <a:extLst>
+              <a:ext uri="{FF2B5EF4-FFF2-40B4-BE49-F238E27FC236}">
+                <a16:creationId xmlns:a16="http://schemas.microsoft.com/office/drawing/2014/main" xmlns="" id="{C4602F1F-F493-4A5C-AB27-98040B959411}"/>
+              </a:ext>
+            </a:extLst>
+          </p:cNvPr>
+          <p:cNvPicPr>
+            <a:picLocks noGrp="1"/>
+          </p:cNvPicPr>
+          <p:nvPr>
+            <p:ph idx="1"/>
+          </p:nvPr>
+        </p:nvPicPr>
+        <p:blipFill rotWithShape="1">
+          <a:blip r:embed="rId2">
+            <a:extLst>
+              <a:ext uri="{28A0092B-C50C-407E-A947-70E740481C1C}">
+                <a14:useLocalDpi xmlns:a14="http://schemas.microsoft.com/office/drawing/2010/main" val="0"/>
+              </a:ext>
+            </a:extLst>
+          </a:blip>
+          <a:srcRect t="8762" r="10520"/>
+          <a:stretch/>
+        </p:blipFill>
+        <p:spPr>
+          <a:xfrm>
+            <a:off x="0" y="1555615"/>
+            <a:ext cx="12192000" cy="3956664"/>
+          </a:xfrm>
+          <a:prstGeom prst="rect">
+            <a:avLst/>
+          </a:prstGeom>
+        </p:spPr>
+      </p:pic>
+      <p:sp>
+        <p:nvSpPr>
+          <p:cNvPr id="12" name="CasellaDiTesto 11">
+            <a:extLst>
+              <a:ext uri="{FF2B5EF4-FFF2-40B4-BE49-F238E27FC236}">
+                <a16:creationId xmlns:a16="http://schemas.microsoft.com/office/drawing/2014/main" xmlns="" id="{AA730C93-7217-4CD6-BA7F-89285C8C7E85}"/>
+              </a:ext>
+            </a:extLst>
+          </p:cNvPr>
+          <p:cNvSpPr txBox="1"/>
+          <p:nvPr/>
+        </p:nvSpPr>
+        <p:spPr>
+          <a:xfrm>
+            <a:off x="0" y="0"/>
+            <a:ext cx="3607107" cy="830997"/>
+          </a:xfrm>
+          <a:prstGeom prst="rect">
+            <a:avLst/>
+          </a:prstGeom>
+          <a:noFill/>
+        </p:spPr>
+        <p:txBody>
+          <a:bodyPr wrap="square" rtlCol="0">
+            <a:spAutoFit/>
+          </a:bodyPr>
+          <a:lstStyle/>
+          <a:p>
+            <a:r>
+              <a:rPr lang="it-CH" sz="4800" dirty="0">
+                <a:latin typeface="+mj-lt"/>
+              </a:rPr>
+              <a:t>Pianificazione</a:t>
+            </a:r>
+          </a:p>
+        </p:txBody>
+      </p:sp>
+    </p:spTree>
+    <p:extLst>
+      <p:ext uri="{BB962C8B-B14F-4D97-AF65-F5344CB8AC3E}">
+        <p14:creationId xmlns:p14="http://schemas.microsoft.com/office/powerpoint/2010/main" val="2598011975"/>
+      </p:ext>
+    </p:extLst>
+  </p:cSld>
+  <p:clrMapOvr>
+    <a:masterClrMapping/>
+  </p:clrMapOvr>
+  <p:timing>
+    <p:tnLst>
+      <p:par>
+        <p:cTn id="1" dur="indefinite" restart="never" nodeType="tmRoot"/>
+      </p:par>
+    </p:tnLst>
+  </p:timing>
+</p:sld>
+</file>
+
+<file path=ppt/slides/slide6.xml><?xml version="1.0" encoding="utf-8"?>
+<p:sld xmlns:a="http://schemas.openxmlformats.org/drawingml/2006/main" xmlns:r="http://schemas.openxmlformats.org/officeDocument/2006/relationships" xmlns:p="http://schemas.openxmlformats.org/presentationml/2006/main">
+  <p:cSld>
+    <p:bg>
+      <p:bgPr>
+        <a:solidFill>
+          <a:schemeClr val="bg1"/>
+        </a:solidFill>
+        <a:effectLst/>
+      </p:bgPr>
+    </p:bg>
+    <p:spTree>
+      <p:nvGrpSpPr>
+        <p:cNvPr id="1" name=""/>
+        <p:cNvGrpSpPr/>
+        <p:nvPr/>
+      </p:nvGrpSpPr>
+      <p:grpSpPr>
+        <a:xfrm>
+          <a:off x="0" y="0"/>
+          <a:ext cx="0" cy="0"/>
+          <a:chOff x="0" y="0"/>
+          <a:chExt cx="0" cy="0"/>
+        </a:xfrm>
+      </p:grpSpPr>
+      <p:pic>
+        <p:nvPicPr>
+          <p:cNvPr id="6" name="Segnaposto contenuto 5">
+            <a:extLst>
+              <a:ext uri="{FF2B5EF4-FFF2-40B4-BE49-F238E27FC236}">
+                <a16:creationId xmlns:a16="http://schemas.microsoft.com/office/drawing/2014/main" xmlns="" id="{AA1E9434-5471-43DC-B802-141A224DED3C}"/>
+              </a:ext>
+            </a:extLst>
+          </p:cNvPr>
+          <p:cNvPicPr>
+            <a:picLocks noGrp="1"/>
+          </p:cNvPicPr>
+          <p:nvPr>
+            <p:ph idx="1"/>
+          </p:nvPr>
+        </p:nvPicPr>
+        <p:blipFill rotWithShape="1">
+          <a:blip r:embed="rId2">
+            <a:extLst>
+              <a:ext uri="{28A0092B-C50C-407E-A947-70E740481C1C}">
+                <a14:useLocalDpi xmlns:a14="http://schemas.microsoft.com/office/drawing/2010/main" val="0"/>
+              </a:ext>
+            </a:extLst>
+          </a:blip>
+          <a:srcRect t="9903" r="6190"/>
+          <a:stretch/>
+        </p:blipFill>
+        <p:spPr>
+          <a:xfrm>
+            <a:off x="0" y="1483744"/>
+            <a:ext cx="12192000" cy="3989353"/>
+          </a:xfrm>
+          <a:prstGeom prst="rect">
+            <a:avLst/>
+          </a:prstGeom>
+        </p:spPr>
+      </p:pic>
+      <p:sp>
+        <p:nvSpPr>
+          <p:cNvPr id="4" name="Ovale 3">
+            <a:extLst>
+              <a:ext uri="{FF2B5EF4-FFF2-40B4-BE49-F238E27FC236}">
+                <a16:creationId xmlns:a16="http://schemas.microsoft.com/office/drawing/2014/main" xmlns="" id="{E14C62D4-ECC8-483A-9897-D99E1886D6BD}"/>
+              </a:ext>
+            </a:extLst>
+          </p:cNvPr>
+          <p:cNvSpPr/>
+          <p:nvPr/>
+        </p:nvSpPr>
+        <p:spPr>
+          <a:xfrm>
+            <a:off x="3352952" y="3386260"/>
+            <a:ext cx="3272589" cy="2181727"/>
+          </a:xfrm>
+          <a:prstGeom prst="ellipse">
+            <a:avLst/>
+          </a:prstGeom>
+          <a:noFill/>
+          <a:ln>
+            <a:solidFill>
+              <a:srgbClr val="FF0000"/>
+            </a:solidFill>
+          </a:ln>
+        </p:spPr>
+        <p:style>
+          <a:lnRef idx="2">
+            <a:schemeClr val="accent1">
+              <a:shade val="50000"/>
+            </a:schemeClr>
+          </a:lnRef>
+          <a:fillRef idx="1">
+            <a:schemeClr val="accent1"/>
+          </a:fillRef>
+          <a:effectRef idx="0">
+            <a:schemeClr val="accent1"/>
+          </a:effectRef>
+          <a:fontRef idx="minor">
+            <a:schemeClr val="lt1"/>
+          </a:fontRef>
+        </p:style>
+        <p:txBody>
+          <a:bodyPr rtlCol="0" anchor="ctr"/>
+          <a:lstStyle/>
+          <a:p>
+            <a:pPr algn="ctr"/>
+            <a:endParaRPr lang="it-CH"/>
+          </a:p>
+        </p:txBody>
+      </p:sp>
+      <p:sp>
+        <p:nvSpPr>
+          <p:cNvPr id="5" name="CasellaDiTesto 4">
+            <a:extLst>
+              <a:ext uri="{FF2B5EF4-FFF2-40B4-BE49-F238E27FC236}">
+                <a16:creationId xmlns:a16="http://schemas.microsoft.com/office/drawing/2014/main" xmlns="" id="{AA730C93-7217-4CD6-BA7F-89285C8C7E85}"/>
+              </a:ext>
+            </a:extLst>
+          </p:cNvPr>
+          <p:cNvSpPr txBox="1"/>
+          <p:nvPr/>
+        </p:nvSpPr>
+        <p:spPr>
+          <a:xfrm>
+            <a:off x="0" y="0"/>
+            <a:ext cx="3607107" cy="830997"/>
+          </a:xfrm>
+          <a:prstGeom prst="rect">
+            <a:avLst/>
+          </a:prstGeom>
+          <a:noFill/>
+        </p:spPr>
+        <p:txBody>
+          <a:bodyPr wrap="square" rtlCol="0">
+            <a:spAutoFit/>
+          </a:bodyPr>
+          <a:lstStyle/>
+          <a:p>
+            <a:r>
+              <a:rPr lang="it-CH" sz="4800" dirty="0" smtClean="0">
+                <a:latin typeface="+mj-lt"/>
+              </a:rPr>
+              <a:t>Consuntivo</a:t>
+            </a:r>
+            <a:endParaRPr lang="it-CH" sz="4800" dirty="0">
+              <a:latin typeface="+mj-lt"/>
+            </a:endParaRPr>
+          </a:p>
+        </p:txBody>
+      </p:sp>
+    </p:spTree>
+    <p:extLst>
+      <p:ext uri="{BB962C8B-B14F-4D97-AF65-F5344CB8AC3E}">
+        <p14:creationId xmlns:p14="http://schemas.microsoft.com/office/powerpoint/2010/main" val="3803673070"/>
+      </p:ext>
+    </p:extLst>
+  </p:cSld>
+  <p:clrMapOvr>
+    <a:masterClrMapping/>
+  </p:clrMapOvr>
+  <p:timing>
+    <p:tnLst>
+      <p:par>
+        <p:cTn id="1" dur="indefinite" restart="never" nodeType="tmRoot"/>
+      </p:par>
+    </p:tnLst>
+  </p:timing>
+</p:sld>
+</file>
+
+<file path=ppt/slides/slide7.xml><?xml version="1.0" encoding="utf-8"?>
+<p:sld xmlns:a="http://schemas.openxmlformats.org/drawingml/2006/main" xmlns:r="http://schemas.openxmlformats.org/officeDocument/2006/relationships" xmlns:p="http://schemas.openxmlformats.org/presentationml/2006/main">
+  <p:cSld>
+    <p:bg>
+      <p:bgPr>
+        <a:solidFill>
+          <a:schemeClr val="bg1"/>
+        </a:solidFill>
+        <a:effectLst/>
+      </p:bgPr>
+    </p:bg>
+    <p:spTree>
+      <p:nvGrpSpPr>
+        <p:cNvPr id="1" name=""/>
+        <p:cNvGrpSpPr/>
+        <p:nvPr/>
+      </p:nvGrpSpPr>
+      <p:grpSpPr>
+        <a:xfrm>
+          <a:off x="0" y="0"/>
+          <a:ext cx="0" cy="0"/>
+          <a:chOff x="0" y="0"/>
+          <a:chExt cx="0" cy="0"/>
+        </a:xfrm>
+      </p:grpSpPr>
+      <p:sp>
+        <p:nvSpPr>
+          <p:cNvPr id="38" name="Rectangle 37">
+            <a:extLst>
+              <a:ext uri="{FF2B5EF4-FFF2-40B4-BE49-F238E27FC236}">
+                <a16:creationId xmlns:a16="http://schemas.microsoft.com/office/drawing/2014/main" xmlns="" id="{4E4490D0-3672-446A-AC12-B4830333BDDD}"/>
+              </a:ext>
+              <a:ext uri="{C183D7F6-B498-43B3-948B-1728B52AA6E4}">
+                <adec:decorative xmlns:adec="http://schemas.microsoft.com/office/drawing/2017/decorative" xmlns="" val="1"/>
+              </a:ext>
+            </a:extLst>
+          </p:cNvPr>
+          <p:cNvSpPr>
+            <a:spLocks noGrp="1" noRot="1" noChangeAspect="1" noMove="1" noResize="1" noEditPoints="1" noAdjustHandles="1" noChangeArrowheads="1" noChangeShapeType="1" noTextEdit="1"/>
+          </p:cNvSpPr>
+          <p:nvPr>
+            <p:extLst>
+              <p:ext uri="{386F3935-93C4-4BCD-93E2-E3B085C9AB24}">
+                <p16:designElem xmlns:p16="http://schemas.microsoft.com/office/powerpoint/2015/main" xmlns="" val="1"/>
+              </p:ext>
+            </p:extLst>
+          </p:nvPr>
+        </p:nvSpPr>
+        <p:spPr>
+          <a:xfrm>
+            <a:off x="3175" y="6400800"/>
+            <a:ext cx="12188825" cy="457200"/>
+          </a:xfrm>
+          <a:prstGeom prst="rect">
+            <a:avLst/>
+          </a:prstGeom>
+          <a:solidFill>
+            <a:schemeClr val="accent2"/>
+          </a:solidFill>
+          <a:ln>
+            <a:noFill/>
+          </a:ln>
+        </p:spPr>
+        <p:style>
+          <a:lnRef idx="2">
+            <a:schemeClr val="accent1">
+              <a:shade val="50000"/>
+            </a:schemeClr>
+          </a:lnRef>
+          <a:fillRef idx="1">
+            <a:schemeClr val="accent1"/>
+          </a:fillRef>
+          <a:effectRef idx="0">
+            <a:schemeClr val="accent1"/>
+          </a:effectRef>
+          <a:fontRef idx="minor">
+            <a:schemeClr val="lt1"/>
+          </a:fontRef>
+        </p:style>
+      </p:sp>
+      <p:sp>
+        <p:nvSpPr>
+          <p:cNvPr id="40" name="Rectangle 39">
+            <a:extLst>
+              <a:ext uri="{FF2B5EF4-FFF2-40B4-BE49-F238E27FC236}">
+                <a16:creationId xmlns:a16="http://schemas.microsoft.com/office/drawing/2014/main" xmlns="" id="{39CB82C2-DF65-4EC1-8280-F201D50F570B}"/>
+              </a:ext>
+              <a:ext uri="{C183D7F6-B498-43B3-948B-1728B52AA6E4}">
+                <adec:decorative xmlns:adec="http://schemas.microsoft.com/office/drawing/2017/decorative" xmlns="" val="1"/>
+              </a:ext>
+            </a:extLst>
+          </p:cNvPr>
+          <p:cNvSpPr>
+            <a:spLocks noGrp="1" noRot="1" noChangeAspect="1" noMove="1" noResize="1" noEditPoints="1" noAdjustHandles="1" noChangeArrowheads="1" noChangeShapeType="1" noTextEdit="1"/>
+          </p:cNvSpPr>
+          <p:nvPr>
+            <p:extLst>
+              <p:ext uri="{386F3935-93C4-4BCD-93E2-E3B085C9AB24}">
+                <p16:designElem xmlns:p16="http://schemas.microsoft.com/office/powerpoint/2015/main" xmlns="" val="1"/>
+              </p:ext>
+            </p:extLst>
+          </p:nvPr>
+        </p:nvSpPr>
+        <p:spPr>
+          <a:xfrm>
+            <a:off x="15" y="6334316"/>
+            <a:ext cx="12188825" cy="64008"/>
+          </a:xfrm>
+          <a:prstGeom prst="rect">
+            <a:avLst/>
+          </a:prstGeom>
+          <a:solidFill>
+            <a:schemeClr val="accent1"/>
+          </a:solidFill>
+          <a:ln>
+            <a:noFill/>
+          </a:ln>
+        </p:spPr>
+        <p:style>
+          <a:lnRef idx="2">
+            <a:schemeClr val="accent1">
+              <a:shade val="50000"/>
+            </a:schemeClr>
+          </a:lnRef>
+          <a:fillRef idx="1">
+            <a:schemeClr val="accent1"/>
+          </a:fillRef>
+          <a:effectRef idx="0">
+            <a:schemeClr val="accent1"/>
+          </a:effectRef>
+          <a:fontRef idx="minor">
+            <a:schemeClr val="lt1"/>
+          </a:fontRef>
+        </p:style>
+      </p:sp>
+      <p:cxnSp>
+        <p:nvCxnSpPr>
+          <p:cNvPr id="42" name="Straight Connector 41">
+            <a:extLst>
+              <a:ext uri="{FF2B5EF4-FFF2-40B4-BE49-F238E27FC236}">
+                <a16:creationId xmlns:a16="http://schemas.microsoft.com/office/drawing/2014/main" xmlns="" id="{7E1D4427-852B-4B37-8E76-0E9F1810BA2A}"/>
+              </a:ext>
+              <a:ext uri="{C183D7F6-B498-43B3-948B-1728B52AA6E4}">
+                <adec:decorative xmlns:adec="http://schemas.microsoft.com/office/drawing/2017/decorative" xmlns="" val="1"/>
+              </a:ext>
+            </a:extLst>
+          </p:cNvPr>
+          <p:cNvCxnSpPr>
+            <a:cxnSpLocks noGrp="1" noRot="1" noChangeAspect="1" noMove="1" noResize="1" noEditPoints="1" noAdjustHandles="1" noChangeArrowheads="1" noChangeShapeType="1"/>
+          </p:cNvCxnSpPr>
+          <p:nvPr>
+            <p:extLst>
+              <p:ext uri="{386F3935-93C4-4BCD-93E2-E3B085C9AB24}">
+                <p16:designElem xmlns:p16="http://schemas.microsoft.com/office/powerpoint/2015/main" xmlns="" val="1"/>
+              </p:ext>
+            </p:extLst>
+          </p:nvPr>
+        </p:nvCxnSpPr>
+        <p:spPr>
+          <a:xfrm>
+            <a:off x="1207658" y="4343400"/>
+            <a:ext cx="9875520" cy="0"/>
+          </a:xfrm>
+          <a:prstGeom prst="line">
+            <a:avLst/>
+          </a:prstGeom>
+          <a:ln w="6350">
+            <a:solidFill>
+              <a:schemeClr val="tx1">
+                <a:lumMod val="50000"/>
+                <a:lumOff val="50000"/>
+              </a:schemeClr>
+            </a:solidFill>
+          </a:ln>
+        </p:spPr>
+        <p:style>
+          <a:lnRef idx="1">
+            <a:schemeClr val="accent1"/>
+          </a:lnRef>
+          <a:fillRef idx="0">
+            <a:schemeClr val="accent1"/>
+          </a:fillRef>
+          <a:effectRef idx="0">
+            <a:schemeClr val="accent1"/>
+          </a:effectRef>
+          <a:fontRef idx="minor">
+            <a:schemeClr val="tx1"/>
+          </a:fontRef>
+        </p:style>
+      </p:cxnSp>
+      <p:sp useBgFill="1">
+        <p:nvSpPr>
+          <p:cNvPr id="44" name="Rectangle 43">
+            <a:extLst>
+              <a:ext uri="{FF2B5EF4-FFF2-40B4-BE49-F238E27FC236}">
+                <a16:creationId xmlns:a16="http://schemas.microsoft.com/office/drawing/2014/main" xmlns="" id="{FA4CD5CB-D209-4D70-8CA4-629731C59219}"/>
+              </a:ext>
+              <a:ext uri="{C183D7F6-B498-43B3-948B-1728B52AA6E4}">
+                <adec:decorative xmlns:adec="http://schemas.microsoft.com/office/drawing/2017/decorative" xmlns="" val="1"/>
+              </a:ext>
+            </a:extLst>
+          </p:cNvPr>
+          <p:cNvSpPr>
+            <a:spLocks noGrp="1" noRot="1" noChangeAspect="1" noMove="1" noResize="1" noEditPoints="1" noAdjustHandles="1" noChangeArrowheads="1" noChangeShapeType="1" noTextEdit="1"/>
+          </p:cNvSpPr>
+          <p:nvPr>
+            <p:extLst>
+              <p:ext uri="{386F3935-93C4-4BCD-93E2-E3B085C9AB24}">
+                <p16:designElem xmlns:p16="http://schemas.microsoft.com/office/powerpoint/2015/main" xmlns="" val="1"/>
+              </p:ext>
+            </p:extLst>
+          </p:nvPr>
+        </p:nvSpPr>
+        <p:spPr>
+          <a:xfrm>
+            <a:off x="0" y="0"/>
+            <a:ext cx="12192001" cy="6334316"/>
+          </a:xfrm>
+          <a:prstGeom prst="rect">
+            <a:avLst/>
+          </a:prstGeom>
+          <a:ln>
+            <a:noFill/>
+          </a:ln>
+        </p:spPr>
+        <p:style>
+          <a:lnRef idx="2">
+            <a:schemeClr val="accent1">
+              <a:shade val="50000"/>
+            </a:schemeClr>
+          </a:lnRef>
+          <a:fillRef idx="1">
+            <a:schemeClr val="accent1"/>
+          </a:fillRef>
+          <a:effectRef idx="0">
+            <a:schemeClr val="accent1"/>
+          </a:effectRef>
+          <a:fontRef idx="minor">
+            <a:schemeClr val="lt1"/>
+          </a:fontRef>
+        </p:style>
+        <p:txBody>
+          <a:bodyPr rtlCol="0" anchor="ctr"/>
+          <a:lstStyle/>
+          <a:p>
+            <a:pPr algn="ctr"/>
+            <a:endParaRPr lang="en-US"/>
+          </a:p>
+        </p:txBody>
+      </p:sp>
+      <p:sp>
+        <p:nvSpPr>
+          <p:cNvPr id="5" name="Titolo 4">
+            <a:extLst>
+              <a:ext uri="{FF2B5EF4-FFF2-40B4-BE49-F238E27FC236}">
+                <a16:creationId xmlns:a16="http://schemas.microsoft.com/office/drawing/2014/main" xmlns="" id="{68867EF6-D033-4487-8A94-A11710DE8041}"/>
+              </a:ext>
+            </a:extLst>
+          </p:cNvPr>
+          <p:cNvSpPr>
+            <a:spLocks noGrp="1"/>
+          </p:cNvSpPr>
+          <p:nvPr>
+            <p:ph type="title"/>
+          </p:nvPr>
+        </p:nvSpPr>
+        <p:spPr>
+          <a:xfrm>
+            <a:off x="8141110" y="639097"/>
+            <a:ext cx="3401961" cy="3686015"/>
+          </a:xfrm>
+        </p:spPr>
+        <p:txBody>
+          <a:bodyPr vert="horz" lIns="91440" tIns="45720" rIns="91440" bIns="45720" rtlCol="0" anchor="b">
+            <a:normAutofit/>
+          </a:bodyPr>
+          <a:lstStyle/>
+          <a:p>
+            <a:r>
+              <a:rPr lang="en-US" sz="4600">
+                <a:solidFill>
+                  <a:schemeClr val="tx1">
+                    <a:lumMod val="85000"/>
+                    <a:lumOff val="15000"/>
+                  </a:schemeClr>
+                </a:solidFill>
+              </a:rPr>
+              <a:t>Progettazione</a:t>
+            </a:r>
+          </a:p>
+        </p:txBody>
+      </p:sp>
+      <p:pic>
+        <p:nvPicPr>
+          <p:cNvPr id="35" name="Immagine 28">
+            <a:extLst>
+              <a:ext uri="{FF2B5EF4-FFF2-40B4-BE49-F238E27FC236}">
+                <a16:creationId xmlns:a16="http://schemas.microsoft.com/office/drawing/2014/main" xmlns="" id="{07EC3653-FEEE-4746-B195-89EB351693A2}"/>
+              </a:ext>
+            </a:extLst>
+          </p:cNvPr>
+          <p:cNvPicPr>
+            <a:picLocks noGrp="1"/>
+          </p:cNvPicPr>
+          <p:nvPr>
+            <p:ph idx="1"/>
+          </p:nvPr>
+        </p:nvPicPr>
+        <p:blipFill>
+          <a:blip r:embed="rId2" cstate="print">
+            <a:extLst>
+              <a:ext uri="{28A0092B-C50C-407E-A947-70E740481C1C}">
+                <a14:useLocalDpi xmlns:a14="http://schemas.microsoft.com/office/drawing/2010/main" val="0"/>
+              </a:ext>
+            </a:extLst>
+          </a:blip>
+          <a:stretch>
+            <a:fillRect/>
+          </a:stretch>
+        </p:blipFill>
+        <p:spPr>
+          <a:xfrm>
+            <a:off x="1721876" y="640093"/>
+            <a:ext cx="4697358" cy="5237023"/>
+          </a:xfrm>
+          <a:prstGeom prst="rect">
+            <a:avLst/>
+          </a:prstGeom>
+        </p:spPr>
+      </p:pic>
+      <p:cxnSp>
+        <p:nvCxnSpPr>
+          <p:cNvPr id="46" name="Straight Connector 45">
+            <a:extLst>
+              <a:ext uri="{FF2B5EF4-FFF2-40B4-BE49-F238E27FC236}">
+                <a16:creationId xmlns:a16="http://schemas.microsoft.com/office/drawing/2014/main" xmlns="" id="{5C6A2BAE-B461-4B55-8E1F-0722ABDD1393}"/>
+              </a:ext>
+              <a:ext uri="{C183D7F6-B498-43B3-948B-1728B52AA6E4}">
+                <adec:decorative xmlns:adec="http://schemas.microsoft.com/office/drawing/2017/decorative" xmlns="" val="1"/>
+              </a:ext>
+            </a:extLst>
+          </p:cNvPr>
+          <p:cNvCxnSpPr>
+            <a:cxnSpLocks noGrp="1" noRot="1" noChangeAspect="1" noMove="1" noResize="1" noEditPoints="1" noAdjustHandles="1" noChangeArrowheads="1" noChangeShapeType="1"/>
+          </p:cNvCxnSpPr>
+          <p:nvPr>
+            <p:extLst>
+              <p:ext uri="{386F3935-93C4-4BCD-93E2-E3B085C9AB24}">
+                <p16:designElem xmlns:p16="http://schemas.microsoft.com/office/powerpoint/2015/main" xmlns="" val="1"/>
+              </p:ext>
+            </p:extLst>
+          </p:nvPr>
+        </p:nvCxnSpPr>
+        <p:spPr>
+          <a:xfrm>
+            <a:off x="8209305" y="4343400"/>
+            <a:ext cx="3200400" cy="0"/>
+          </a:xfrm>
+          <a:prstGeom prst="line">
+            <a:avLst/>
+          </a:prstGeom>
+          <a:ln w="6350">
+            <a:solidFill>
+              <a:schemeClr val="tx2">
+                <a:alpha val="90000"/>
+              </a:schemeClr>
+            </a:solidFill>
+          </a:ln>
+        </p:spPr>
+        <p:style>
+          <a:lnRef idx="1">
+            <a:schemeClr val="accent1"/>
+          </a:lnRef>
+          <a:fillRef idx="0">
+            <a:schemeClr val="accent1"/>
+          </a:fillRef>
+          <a:effectRef idx="0">
+            <a:schemeClr val="accent1"/>
+          </a:effectRef>
+          <a:fontRef idx="minor">
+            <a:schemeClr val="tx1"/>
+          </a:fontRef>
+        </p:style>
+      </p:cxnSp>
+      <p:sp>
+        <p:nvSpPr>
+          <p:cNvPr id="48" name="Rectangle 47">
+            <a:extLst>
+              <a:ext uri="{FF2B5EF4-FFF2-40B4-BE49-F238E27FC236}">
+                <a16:creationId xmlns:a16="http://schemas.microsoft.com/office/drawing/2014/main" xmlns="" id="{B4C27B90-DF2B-4D00-BA07-18ED774CD2F1}"/>
+              </a:ext>
+              <a:ext uri="{C183D7F6-B498-43B3-948B-1728B52AA6E4}">
+                <adec:decorative xmlns:adec="http://schemas.microsoft.com/office/drawing/2017/decorative" xmlns="" val="1"/>
+              </a:ext>
+            </a:extLst>
+          </p:cNvPr>
+          <p:cNvSpPr>
+            <a:spLocks noGrp="1" noRot="1" noChangeAspect="1" noMove="1" noResize="1" noEditPoints="1" noAdjustHandles="1" noChangeArrowheads="1" noChangeShapeType="1" noTextEdit="1"/>
+          </p:cNvSpPr>
+          <p:nvPr>
+            <p:extLst>
+              <p:ext uri="{386F3935-93C4-4BCD-93E2-E3B085C9AB24}">
+                <p16:designElem xmlns:p16="http://schemas.microsoft.com/office/powerpoint/2015/main" xmlns="" val="1"/>
+              </p:ext>
+            </p:extLst>
+          </p:nvPr>
+        </p:nvSpPr>
+        <p:spPr>
+          <a:xfrm>
+            <a:off x="15" y="6334316"/>
+            <a:ext cx="12191985" cy="66484"/>
+          </a:xfrm>
+          <a:prstGeom prst="rect">
+            <a:avLst/>
+          </a:prstGeom>
+          <a:solidFill>
+            <a:schemeClr val="accent1"/>
+          </a:solidFill>
+          <a:ln>
+            <a:noFill/>
+          </a:ln>
+        </p:spPr>
+        <p:style>
+          <a:lnRef idx="2">
+            <a:schemeClr val="accent1">
+              <a:shade val="50000"/>
+            </a:schemeClr>
+          </a:lnRef>
+          <a:fillRef idx="1">
+            <a:schemeClr val="accent1"/>
+          </a:fillRef>
+          <a:effectRef idx="0">
+            <a:schemeClr val="accent1"/>
+          </a:effectRef>
+          <a:fontRef idx="minor">
+            <a:schemeClr val="lt1"/>
+          </a:fontRef>
+        </p:style>
+      </p:sp>
+      <p:sp>
+        <p:nvSpPr>
+          <p:cNvPr id="50" name="Rectangle 49">
+            <a:extLst>
+              <a:ext uri="{FF2B5EF4-FFF2-40B4-BE49-F238E27FC236}">
+                <a16:creationId xmlns:a16="http://schemas.microsoft.com/office/drawing/2014/main" xmlns="" id="{593ACC25-C262-417A-8AA9-0641C772BDB6}"/>
+              </a:ext>
+              <a:ext uri="{C183D7F6-B498-43B3-948B-1728B52AA6E4}">
+                <adec:decorative xmlns:adec="http://schemas.microsoft.com/office/drawing/2017/decorative" xmlns="" val="1"/>
+              </a:ext>
+            </a:extLst>
+          </p:cNvPr>
+          <p:cNvSpPr>
+            <a:spLocks noGrp="1" noRot="1" noChangeAspect="1" noMove="1" noResize="1" noEditPoints="1" noAdjustHandles="1" noChangeArrowheads="1" noChangeShapeType="1" noTextEdit="1"/>
+          </p:cNvSpPr>
+          <p:nvPr>
+            <p:extLst>
+              <p:ext uri="{386F3935-93C4-4BCD-93E2-E3B085C9AB24}">
+                <p16:designElem xmlns:p16="http://schemas.microsoft.com/office/powerpoint/2015/main" xmlns="" val="1"/>
+              </p:ext>
+            </p:extLst>
+          </p:nvPr>
+        </p:nvSpPr>
+        <p:spPr>
+          <a:xfrm>
+            <a:off x="1" y="6400800"/>
+            <a:ext cx="12192000" cy="457200"/>
+          </a:xfrm>
+          <a:prstGeom prst="rect">
+            <a:avLst/>
+          </a:prstGeom>
+          <a:solidFill>
+            <a:schemeClr val="accent2"/>
+          </a:solidFill>
+          <a:ln>
+            <a:noFill/>
+          </a:ln>
+        </p:spPr>
+        <p:style>
+          <a:lnRef idx="2">
+            <a:schemeClr val="accent1">
+              <a:shade val="50000"/>
+            </a:schemeClr>
+          </a:lnRef>
+          <a:fillRef idx="1">
+            <a:schemeClr val="accent1"/>
+          </a:fillRef>
+          <a:effectRef idx="0">
+            <a:schemeClr val="accent1"/>
+          </a:effectRef>
+          <a:fontRef idx="minor">
+            <a:schemeClr val="lt1"/>
+          </a:fontRef>
+        </p:style>
+      </p:sp>
+    </p:spTree>
+    <p:extLst>
+      <p:ext uri="{BB962C8B-B14F-4D97-AF65-F5344CB8AC3E}">
+        <p14:creationId xmlns:p14="http://schemas.microsoft.com/office/powerpoint/2010/main" val="1567626989"/>
+      </p:ext>
+    </p:extLst>
+  </p:cSld>
+  <p:clrMapOvr>
+    <a:masterClrMapping/>
+  </p:clrMapOvr>
+  <p:timing>
+    <p:tnLst>
+      <p:par>
+        <p:cTn id="1" dur="indefinite" restart="never" nodeType="tmRoot"/>
+      </p:par>
+    </p:tnLst>
+  </p:timing>
+</p:sld>
+</file>
+
+<file path=ppt/slides/slide8.xml><?xml version="1.0" encoding="utf-8"?>
+<p:sld xmlns:a="http://schemas.openxmlformats.org/drawingml/2006/main" xmlns:r="http://schemas.openxmlformats.org/officeDocument/2006/relationships" xmlns:p="http://schemas.openxmlformats.org/presentationml/2006/main">
+  <p:cSld>
+    <p:bg>
+      <p:bgPr>
+        <a:solidFill>
+          <a:schemeClr val="bg1"/>
+        </a:solidFill>
+        <a:effectLst/>
+      </p:bgPr>
+    </p:bg>
+    <p:spTree>
+      <p:nvGrpSpPr>
+        <p:cNvPr id="1" name=""/>
+        <p:cNvGrpSpPr/>
+        <p:nvPr/>
+      </p:nvGrpSpPr>
+      <p:grpSpPr>
+        <a:xfrm>
+          <a:off x="0" y="0"/>
+          <a:ext cx="0" cy="0"/>
+          <a:chOff x="0" y="0"/>
+          <a:chExt cx="0" cy="0"/>
+        </a:xfrm>
+      </p:grpSpPr>
+      <p:sp>
+        <p:nvSpPr>
+          <p:cNvPr id="20" name="Rectangle 19">
+            <a:extLst>
+              <a:ext uri="{FF2B5EF4-FFF2-40B4-BE49-F238E27FC236}">
+                <a16:creationId xmlns:a16="http://schemas.microsoft.com/office/drawing/2014/main" xmlns="" id="{4E4490D0-3672-446A-AC12-B4830333BDDD}"/>
+              </a:ext>
+              <a:ext uri="{C183D7F6-B498-43B3-948B-1728B52AA6E4}">
+                <adec:decorative xmlns:adec="http://schemas.microsoft.com/office/drawing/2017/decorative" xmlns="" val="1"/>
+              </a:ext>
+            </a:extLst>
+          </p:cNvPr>
+          <p:cNvSpPr>
+            <a:spLocks noGrp="1" noRot="1" noChangeAspect="1" noMove="1" noResize="1" noEditPoints="1" noAdjustHandles="1" noChangeArrowheads="1" noChangeShapeType="1" noTextEdit="1"/>
+          </p:cNvSpPr>
+          <p:nvPr>
+            <p:extLst>
+              <p:ext uri="{386F3935-93C4-4BCD-93E2-E3B085C9AB24}">
+                <p16:designElem xmlns:p16="http://schemas.microsoft.com/office/powerpoint/2015/main" xmlns="" val="1"/>
+              </p:ext>
+            </p:extLst>
+          </p:nvPr>
+        </p:nvSpPr>
+        <p:spPr>
+          <a:xfrm>
+            <a:off x="3175" y="6400800"/>
+            <a:ext cx="12188825" cy="457200"/>
+          </a:xfrm>
+          <a:prstGeom prst="rect">
+            <a:avLst/>
+          </a:prstGeom>
+          <a:solidFill>
+            <a:schemeClr val="accent2"/>
+          </a:solidFill>
+          <a:ln>
+            <a:noFill/>
+          </a:ln>
+        </p:spPr>
+        <p:style>
+          <a:lnRef idx="2">
+            <a:schemeClr val="accent1">
+              <a:shade val="50000"/>
+            </a:schemeClr>
+          </a:lnRef>
+          <a:fillRef idx="1">
+            <a:schemeClr val="accent1"/>
+          </a:fillRef>
+          <a:effectRef idx="0">
+            <a:schemeClr val="accent1"/>
+          </a:effectRef>
+          <a:fontRef idx="minor">
+            <a:schemeClr val="lt1"/>
+          </a:fontRef>
+        </p:style>
+      </p:sp>
+      <p:sp>
+        <p:nvSpPr>
+          <p:cNvPr id="22" name="Rectangle 21">
+            <a:extLst>
+              <a:ext uri="{FF2B5EF4-FFF2-40B4-BE49-F238E27FC236}">
+                <a16:creationId xmlns:a16="http://schemas.microsoft.com/office/drawing/2014/main" xmlns="" id="{39CB82C2-DF65-4EC1-8280-F201D50F570B}"/>
+              </a:ext>
+              <a:ext uri="{C183D7F6-B498-43B3-948B-1728B52AA6E4}">
+                <adec:decorative xmlns:adec="http://schemas.microsoft.com/office/drawing/2017/decorative" xmlns="" val="1"/>
+              </a:ext>
+            </a:extLst>
+          </p:cNvPr>
+          <p:cNvSpPr>
+            <a:spLocks noGrp="1" noRot="1" noChangeAspect="1" noMove="1" noResize="1" noEditPoints="1" noAdjustHandles="1" noChangeArrowheads="1" noChangeShapeType="1" noTextEdit="1"/>
+          </p:cNvSpPr>
+          <p:nvPr>
+            <p:extLst>
+              <p:ext uri="{386F3935-93C4-4BCD-93E2-E3B085C9AB24}">
+                <p16:designElem xmlns:p16="http://schemas.microsoft.com/office/powerpoint/2015/main" xmlns="" val="1"/>
+              </p:ext>
+            </p:extLst>
+          </p:nvPr>
+        </p:nvSpPr>
+        <p:spPr>
+          <a:xfrm>
+            <a:off x="15" y="6334316"/>
+            <a:ext cx="12188825" cy="64008"/>
+          </a:xfrm>
+          <a:prstGeom prst="rect">
+            <a:avLst/>
+          </a:prstGeom>
+          <a:solidFill>
+            <a:schemeClr val="accent1"/>
+          </a:solidFill>
+          <a:ln>
+            <a:noFill/>
+          </a:ln>
+        </p:spPr>
+        <p:style>
+          <a:lnRef idx="2">
+            <a:schemeClr val="accent1">
+              <a:shade val="50000"/>
+            </a:schemeClr>
+          </a:lnRef>
+          <a:fillRef idx="1">
+            <a:schemeClr val="accent1"/>
+          </a:fillRef>
+          <a:effectRef idx="0">
+            <a:schemeClr val="accent1"/>
+          </a:effectRef>
+          <a:fontRef idx="minor">
+            <a:schemeClr val="lt1"/>
+          </a:fontRef>
+        </p:style>
+      </p:sp>
+      <p:cxnSp>
+        <p:nvCxnSpPr>
+          <p:cNvPr id="24" name="Straight Connector 23">
+            <a:extLst>
+              <a:ext uri="{FF2B5EF4-FFF2-40B4-BE49-F238E27FC236}">
+                <a16:creationId xmlns:a16="http://schemas.microsoft.com/office/drawing/2014/main" xmlns="" id="{7E1D4427-852B-4B37-8E76-0E9F1810BA2A}"/>
+              </a:ext>
+              <a:ext uri="{C183D7F6-B498-43B3-948B-1728B52AA6E4}">
+                <adec:decorative xmlns:adec="http://schemas.microsoft.com/office/drawing/2017/decorative" xmlns="" val="1"/>
+              </a:ext>
+            </a:extLst>
+          </p:cNvPr>
+          <p:cNvCxnSpPr>
+            <a:cxnSpLocks noGrp="1" noRot="1" noChangeAspect="1" noMove="1" noResize="1" noEditPoints="1" noAdjustHandles="1" noChangeArrowheads="1" noChangeShapeType="1"/>
+          </p:cNvCxnSpPr>
+          <p:nvPr>
+            <p:extLst>
+              <p:ext uri="{386F3935-93C4-4BCD-93E2-E3B085C9AB24}">
+                <p16:designElem xmlns:p16="http://schemas.microsoft.com/office/powerpoint/2015/main" xmlns="" val="1"/>
+              </p:ext>
+            </p:extLst>
+          </p:nvPr>
+        </p:nvCxnSpPr>
+        <p:spPr>
+          <a:xfrm>
+            <a:off x="1207658" y="4343400"/>
+            <a:ext cx="9875520" cy="0"/>
+          </a:xfrm>
+          <a:prstGeom prst="line">
+            <a:avLst/>
+          </a:prstGeom>
+          <a:ln w="6350">
+            <a:solidFill>
+              <a:schemeClr val="tx1">
+                <a:lumMod val="50000"/>
+                <a:lumOff val="50000"/>
+              </a:schemeClr>
+            </a:solidFill>
+          </a:ln>
+        </p:spPr>
+        <p:style>
+          <a:lnRef idx="1">
+            <a:schemeClr val="accent1"/>
+          </a:lnRef>
+          <a:fillRef idx="0">
+            <a:schemeClr val="accent1"/>
+          </a:fillRef>
+          <a:effectRef idx="0">
+            <a:schemeClr val="accent1"/>
+          </a:effectRef>
+          <a:fontRef idx="minor">
+            <a:schemeClr val="tx1"/>
+          </a:fontRef>
+        </p:style>
+      </p:cxnSp>
+      <p:sp useBgFill="1">
+        <p:nvSpPr>
+          <p:cNvPr id="26" name="Rectangle 25">
+            <a:extLst>
+              <a:ext uri="{FF2B5EF4-FFF2-40B4-BE49-F238E27FC236}">
+                <a16:creationId xmlns:a16="http://schemas.microsoft.com/office/drawing/2014/main" xmlns="" id="{FA4CD5CB-D209-4D70-8CA4-629731C59219}"/>
+              </a:ext>
+              <a:ext uri="{C183D7F6-B498-43B3-948B-1728B52AA6E4}">
+                <adec:decorative xmlns:adec="http://schemas.microsoft.com/office/drawing/2017/decorative" xmlns="" val="1"/>
+              </a:ext>
+            </a:extLst>
+          </p:cNvPr>
+          <p:cNvSpPr>
+            <a:spLocks noGrp="1" noRot="1" noChangeAspect="1" noMove="1" noResize="1" noEditPoints="1" noAdjustHandles="1" noChangeArrowheads="1" noChangeShapeType="1" noTextEdit="1"/>
+          </p:cNvSpPr>
+          <p:nvPr>
+            <p:extLst>
+              <p:ext uri="{386F3935-93C4-4BCD-93E2-E3B085C9AB24}">
+                <p16:designElem xmlns:p16="http://schemas.microsoft.com/office/powerpoint/2015/main" xmlns="" val="1"/>
+              </p:ext>
+            </p:extLst>
+          </p:nvPr>
+        </p:nvSpPr>
+        <p:spPr>
+          <a:xfrm>
+            <a:off x="0" y="0"/>
+            <a:ext cx="12192001" cy="6334316"/>
+          </a:xfrm>
+          <a:prstGeom prst="rect">
+            <a:avLst/>
+          </a:prstGeom>
+          <a:ln>
+            <a:noFill/>
+          </a:ln>
+        </p:spPr>
+        <p:style>
+          <a:lnRef idx="2">
+            <a:schemeClr val="accent1">
+              <a:shade val="50000"/>
+            </a:schemeClr>
+          </a:lnRef>
+          <a:fillRef idx="1">
+            <a:schemeClr val="accent1"/>
+          </a:fillRef>
+          <a:effectRef idx="0">
+            <a:schemeClr val="accent1"/>
+          </a:effectRef>
+          <a:fontRef idx="minor">
+            <a:schemeClr val="lt1"/>
+          </a:fontRef>
+        </p:style>
+        <p:txBody>
+          <a:bodyPr rtlCol="0" anchor="ctr"/>
+          <a:lstStyle/>
+          <a:p>
+            <a:pPr algn="ctr"/>
+            <a:endParaRPr lang="en-US"/>
+          </a:p>
+        </p:txBody>
+      </p:sp>
+      <p:sp>
+        <p:nvSpPr>
+          <p:cNvPr id="5" name="Titolo 4">
+            <a:extLst>
+              <a:ext uri="{FF2B5EF4-FFF2-40B4-BE49-F238E27FC236}">
+                <a16:creationId xmlns:a16="http://schemas.microsoft.com/office/drawing/2014/main" xmlns="" id="{68867EF6-D033-4487-8A94-A11710DE8041}"/>
+              </a:ext>
+            </a:extLst>
+          </p:cNvPr>
+          <p:cNvSpPr>
+            <a:spLocks noGrp="1"/>
+          </p:cNvSpPr>
+          <p:nvPr>
+            <p:ph type="title"/>
+          </p:nvPr>
+        </p:nvSpPr>
+        <p:spPr>
+          <a:xfrm>
+            <a:off x="8141110" y="639097"/>
+            <a:ext cx="3401961" cy="3686015"/>
+          </a:xfrm>
+        </p:spPr>
+        <p:txBody>
+          <a:bodyPr vert="horz" lIns="91440" tIns="45720" rIns="91440" bIns="45720" rtlCol="0" anchor="b">
+            <a:normAutofit/>
+          </a:bodyPr>
+          <a:lstStyle/>
+          <a:p>
+            <a:r>
+              <a:rPr lang="en-US" sz="4600">
+                <a:solidFill>
+                  <a:schemeClr val="tx1">
+                    <a:lumMod val="85000"/>
+                    <a:lumOff val="15000"/>
+                  </a:schemeClr>
+                </a:solidFill>
+              </a:rPr>
+              <a:t>Progettazione</a:t>
+            </a:r>
+          </a:p>
+        </p:txBody>
+      </p:sp>
+      <p:pic>
+        <p:nvPicPr>
+          <p:cNvPr id="15" name="Segnaposto contenuto 14" descr="C:\Users\HEW15AS003NLù\Downloads\20190405_161505.jpg">
+            <a:extLst>
+              <a:ext uri="{FF2B5EF4-FFF2-40B4-BE49-F238E27FC236}">
+                <a16:creationId xmlns:a16="http://schemas.microsoft.com/office/drawing/2014/main" xmlns="" id="{A21182F7-7BE5-41CC-A204-98C1F70FAE38}"/>
+              </a:ext>
+            </a:extLst>
+          </p:cNvPr>
+          <p:cNvPicPr>
+            <a:picLocks noGrp="1"/>
+          </p:cNvPicPr>
+          <p:nvPr>
+            <p:ph idx="1"/>
+          </p:nvPr>
+        </p:nvPicPr>
+        <p:blipFill>
+          <a:blip r:embed="rId2" cstate="print">
+            <a:extLst>
+              <a:ext uri="{28A0092B-C50C-407E-A947-70E740481C1C}">
+                <a14:useLocalDpi xmlns:a14="http://schemas.microsoft.com/office/drawing/2010/main" val="0"/>
+              </a:ext>
+            </a:extLst>
+          </a:blip>
+          <a:stretch>
+            <a:fillRect/>
+          </a:stretch>
+        </p:blipFill>
+        <p:spPr bwMode="auto">
+          <a:xfrm>
+            <a:off x="1594617" y="640081"/>
+            <a:ext cx="4990981" cy="5054156"/>
+          </a:xfrm>
+          <a:prstGeom prst="rect">
+            <a:avLst/>
+          </a:prstGeom>
+          <a:noFill/>
+        </p:spPr>
+      </p:pic>
+      <p:cxnSp>
+        <p:nvCxnSpPr>
+          <p:cNvPr id="28" name="Straight Connector 27">
+            <a:extLst>
+              <a:ext uri="{FF2B5EF4-FFF2-40B4-BE49-F238E27FC236}">
+                <a16:creationId xmlns:a16="http://schemas.microsoft.com/office/drawing/2014/main" xmlns="" id="{5C6A2BAE-B461-4B55-8E1F-0722ABDD1393}"/>
+              </a:ext>
+              <a:ext uri="{C183D7F6-B498-43B3-948B-1728B52AA6E4}">
+                <adec:decorative xmlns:adec="http://schemas.microsoft.com/office/drawing/2017/decorative" xmlns="" val="1"/>
+              </a:ext>
+            </a:extLst>
+          </p:cNvPr>
+          <p:cNvCxnSpPr>
+            <a:cxnSpLocks noGrp="1" noRot="1" noChangeAspect="1" noMove="1" noResize="1" noEditPoints="1" noAdjustHandles="1" noChangeArrowheads="1" noChangeShapeType="1"/>
+          </p:cNvCxnSpPr>
+          <p:nvPr>
+            <p:extLst>
+              <p:ext uri="{386F3935-93C4-4BCD-93E2-E3B085C9AB24}">
+                <p16:designElem xmlns:p16="http://schemas.microsoft.com/office/powerpoint/2015/main" xmlns="" val="1"/>
+              </p:ext>
+            </p:extLst>
+          </p:nvPr>
+        </p:nvCxnSpPr>
+        <p:spPr>
+          <a:xfrm>
+            <a:off x="8209305" y="4343400"/>
+            <a:ext cx="3200400" cy="0"/>
+          </a:xfrm>
+          <a:prstGeom prst="line">
+            <a:avLst/>
+          </a:prstGeom>
+          <a:ln w="6350">
+            <a:solidFill>
+              <a:schemeClr val="tx2">
+                <a:alpha val="90000"/>
+              </a:schemeClr>
+            </a:solidFill>
+          </a:ln>
+        </p:spPr>
+        <p:style>
+          <a:lnRef idx="1">
+            <a:schemeClr val="accent1"/>
+          </a:lnRef>
+          <a:fillRef idx="0">
+            <a:schemeClr val="accent1"/>
+          </a:fillRef>
+          <a:effectRef idx="0">
+            <a:schemeClr val="accent1"/>
+          </a:effectRef>
+          <a:fontRef idx="minor">
+            <a:schemeClr val="tx1"/>
+          </a:fontRef>
+        </p:style>
+      </p:cxnSp>
+      <p:sp>
+        <p:nvSpPr>
+          <p:cNvPr id="30" name="Rectangle 29">
+            <a:extLst>
+              <a:ext uri="{FF2B5EF4-FFF2-40B4-BE49-F238E27FC236}">
+                <a16:creationId xmlns:a16="http://schemas.microsoft.com/office/drawing/2014/main" xmlns="" id="{B4C27B90-DF2B-4D00-BA07-18ED774CD2F1}"/>
+              </a:ext>
+              <a:ext uri="{C183D7F6-B498-43B3-948B-1728B52AA6E4}">
+                <adec:decorative xmlns:adec="http://schemas.microsoft.com/office/drawing/2017/decorative" xmlns="" val="1"/>
+              </a:ext>
+            </a:extLst>
+          </p:cNvPr>
+          <p:cNvSpPr>
+            <a:spLocks noGrp="1" noRot="1" noChangeAspect="1" noMove="1" noResize="1" noEditPoints="1" noAdjustHandles="1" noChangeArrowheads="1" noChangeShapeType="1" noTextEdit="1"/>
+          </p:cNvSpPr>
+          <p:nvPr>
+            <p:extLst>
+              <p:ext uri="{386F3935-93C4-4BCD-93E2-E3B085C9AB24}">
+                <p16:designElem xmlns:p16="http://schemas.microsoft.com/office/powerpoint/2015/main" xmlns="" val="1"/>
+              </p:ext>
+            </p:extLst>
+          </p:nvPr>
+        </p:nvSpPr>
+        <p:spPr>
+          <a:xfrm>
+            <a:off x="15" y="6334316"/>
+            <a:ext cx="12191985" cy="66484"/>
+          </a:xfrm>
+          <a:prstGeom prst="rect">
+            <a:avLst/>
+          </a:prstGeom>
+          <a:solidFill>
+            <a:schemeClr val="accent1"/>
+          </a:solidFill>
+          <a:ln>
+            <a:noFill/>
+          </a:ln>
+        </p:spPr>
+        <p:style>
+          <a:lnRef idx="2">
+            <a:schemeClr val="accent1">
+              <a:shade val="50000"/>
+            </a:schemeClr>
+          </a:lnRef>
+          <a:fillRef idx="1">
+            <a:schemeClr val="accent1"/>
+          </a:fillRef>
+          <a:effectRef idx="0">
+            <a:schemeClr val="accent1"/>
+          </a:effectRef>
+          <a:fontRef idx="minor">
+            <a:schemeClr val="lt1"/>
+          </a:fontRef>
+        </p:style>
+      </p:sp>
+      <p:sp>
+        <p:nvSpPr>
+          <p:cNvPr id="32" name="Rectangle 31">
+            <a:extLst>
+              <a:ext uri="{FF2B5EF4-FFF2-40B4-BE49-F238E27FC236}">
+                <a16:creationId xmlns:a16="http://schemas.microsoft.com/office/drawing/2014/main" xmlns="" id="{593ACC25-C262-417A-8AA9-0641C772BDB6}"/>
+              </a:ext>
+              <a:ext uri="{C183D7F6-B498-43B3-948B-1728B52AA6E4}">
+                <adec:decorative xmlns:adec="http://schemas.microsoft.com/office/drawing/2017/decorative" xmlns="" val="1"/>
+              </a:ext>
+            </a:extLst>
+          </p:cNvPr>
+          <p:cNvSpPr>
+            <a:spLocks noGrp="1" noRot="1" noChangeAspect="1" noMove="1" noResize="1" noEditPoints="1" noAdjustHandles="1" noChangeArrowheads="1" noChangeShapeType="1" noTextEdit="1"/>
+          </p:cNvSpPr>
+          <p:nvPr>
+            <p:extLst>
+              <p:ext uri="{386F3935-93C4-4BCD-93E2-E3B085C9AB24}">
+                <p16:designElem xmlns:p16="http://schemas.microsoft.com/office/powerpoint/2015/main" xmlns="" val="1"/>
+              </p:ext>
+            </p:extLst>
+          </p:nvPr>
+        </p:nvSpPr>
+        <p:spPr>
+          <a:xfrm>
+            <a:off x="1" y="6400800"/>
+            <a:ext cx="12192000" cy="457200"/>
+          </a:xfrm>
+          <a:prstGeom prst="rect">
+            <a:avLst/>
+          </a:prstGeom>
+          <a:solidFill>
+            <a:schemeClr val="accent2"/>
+          </a:solidFill>
+          <a:ln>
+            <a:noFill/>
+          </a:ln>
+        </p:spPr>
+        <p:style>
+          <a:lnRef idx="2">
+            <a:schemeClr val="accent1">
+              <a:shade val="50000"/>
+            </a:schemeClr>
+          </a:lnRef>
+          <a:fillRef idx="1">
+            <a:schemeClr val="accent1"/>
+          </a:fillRef>
+          <a:effectRef idx="0">
+            <a:schemeClr val="accent1"/>
+          </a:effectRef>
+          <a:fontRef idx="minor">
+            <a:schemeClr val="lt1"/>
+          </a:fontRef>
+        </p:style>
+      </p:sp>
+    </p:spTree>
+    <p:extLst>
+      <p:ext uri="{BB962C8B-B14F-4D97-AF65-F5344CB8AC3E}">
+        <p14:creationId xmlns:p14="http://schemas.microsoft.com/office/powerpoint/2010/main" val="1849350494"/>
+      </p:ext>
+    </p:extLst>
+  </p:cSld>
+  <p:clrMapOvr>
+    <a:masterClrMapping/>
+  </p:clrMapOvr>
+  <p:timing>
+    <p:tnLst>
+      <p:par>
+        <p:cTn id="1" dur="indefinite" restart="never" nodeType="tmRoot"/>
+      </p:par>
+    </p:tnLst>
+  </p:timing>
+</p:sld>
+</file>
+
+<file path=ppt/slides/slide9.xml><?xml version="1.0" encoding="utf-8"?>
+<p:sld xmlns:a="http://schemas.openxmlformats.org/drawingml/2006/main" xmlns:r="http://schemas.openxmlformats.org/officeDocument/2006/relationships" xmlns:p="http://schemas.openxmlformats.org/presentationml/2006/main">
+  <p:cSld>
+    <p:spTree>
+      <p:nvGrpSpPr>
+        <p:cNvPr id="1" name=""/>
+        <p:cNvGrpSpPr/>
+        <p:nvPr/>
+      </p:nvGrpSpPr>
+      <p:grpSpPr>
+        <a:xfrm>
+          <a:off x="0" y="0"/>
+          <a:ext cx="0" cy="0"/>
+          <a:chOff x="0" y="0"/>
+          <a:chExt cx="0" cy="0"/>
+        </a:xfrm>
+      </p:grpSpPr>
+      <p:sp>
+        <p:nvSpPr>
+          <p:cNvPr id="2" name="Titolo 1">
+            <a:extLst>
+              <a:ext uri="{FF2B5EF4-FFF2-40B4-BE49-F238E27FC236}">
+                <a16:creationId xmlns:a16="http://schemas.microsoft.com/office/drawing/2014/main" xmlns="" id="{1B67CCBC-3FC1-4DCE-8078-4F7C03F81E50}"/>
+              </a:ext>
+            </a:extLst>
+          </p:cNvPr>
+          <p:cNvSpPr>
+            <a:spLocks noGrp="1"/>
+          </p:cNvSpPr>
+          <p:nvPr>
+            <p:ph type="title"/>
+          </p:nvPr>
+        </p:nvSpPr>
+        <p:spPr/>
+        <p:txBody>
+          <a:bodyPr/>
+          <a:lstStyle/>
+          <a:p>
+            <a:r>
+              <a:rPr lang="it-CH" dirty="0"/>
+              <a:t>Implementazione</a:t>
+            </a:r>
+          </a:p>
+        </p:txBody>
+      </p:sp>
+      <p:sp>
+        <p:nvSpPr>
+          <p:cNvPr id="3" name="Segnaposto contenuto 2">
+            <a:extLst>
+              <a:ext uri="{FF2B5EF4-FFF2-40B4-BE49-F238E27FC236}">
+                <a16:creationId xmlns:a16="http://schemas.microsoft.com/office/drawing/2014/main" xmlns="" id="{8707E53E-2B89-4C32-9F19-819B3966186C}"/>
+              </a:ext>
+            </a:extLst>
+          </p:cNvPr>
+          <p:cNvSpPr>
+            <a:spLocks noGrp="1"/>
+          </p:cNvSpPr>
+          <p:nvPr>
+            <p:ph idx="1"/>
+          </p:nvPr>
+        </p:nvSpPr>
+        <p:spPr/>
+        <p:txBody>
+          <a:bodyPr>
+            <a:normAutofit/>
+          </a:bodyPr>
+          <a:lstStyle/>
+          <a:p>
+            <a:endParaRPr lang="it-CH" sz="2800" dirty="0"/>
+          </a:p>
+          <a:p>
+            <a:r>
+              <a:rPr lang="it-CH" sz="2800" dirty="0"/>
+              <a:t>Arduino IDE</a:t>
+            </a:r>
+          </a:p>
+          <a:p>
+            <a:r>
+              <a:rPr lang="it-CH" sz="2800" dirty="0"/>
+              <a:t>Tutto viene gestito in un </a:t>
+            </a:r>
+            <a:r>
+              <a:rPr lang="it-CH" sz="2800" dirty="0" smtClean="0"/>
+              <a:t>file</a:t>
+            </a:r>
+            <a:endParaRPr lang="it-CH" sz="2800" dirty="0"/>
+          </a:p>
+          <a:p>
+            <a:pPr marL="806958" lvl="1" indent="-514350">
+              <a:buFont typeface="+mj-lt"/>
+              <a:buAutoNum type="arabicPeriod"/>
+            </a:pPr>
+            <a:r>
+              <a:rPr lang="it-CH" sz="2600" dirty="0"/>
+              <a:t>Configurazione iniziale</a:t>
+            </a:r>
+          </a:p>
+          <a:p>
+            <a:pPr marL="806958" lvl="1" indent="-514350">
+              <a:buFont typeface="+mj-lt"/>
+              <a:buAutoNum type="arabicPeriod"/>
+            </a:pPr>
+            <a:r>
+              <a:rPr lang="it-CH" sz="2600" dirty="0"/>
+              <a:t>Stampa degli orari</a:t>
+            </a:r>
+            <a:endParaRPr lang="it-CH" sz="2200" dirty="0"/>
+          </a:p>
+        </p:txBody>
+      </p:sp>
+    </p:spTree>
+    <p:extLst>
+      <p:ext uri="{BB962C8B-B14F-4D97-AF65-F5344CB8AC3E}">
+        <p14:creationId xmlns:p14="http://schemas.microsoft.com/office/powerpoint/2010/main" val="490761682"/>
+      </p:ext>
+    </p:extLst>
+  </p:cSld>
+  <p:clrMapOvr>
+    <a:masterClrMapping/>
+  </p:clrMapOvr>
+  <p:timing>
+    <p:tnLst>
+      <p:par>
+        <p:cTn id="1" dur="indefinite" restart="never" nodeType="tmRoot">
+          <p:childTnLst>
+            <p:seq concurrent="1" nextAc="seek">
+              <p:cTn id="2" dur="indefinite" nodeType="mainSeq">
+                <p:childTnLst>
+                  <p:par>
+                    <p:cTn id="3" fill="hold">
+                      <p:stCondLst>
+                        <p:cond delay="indefinite"/>
+                      </p:stCondLst>
+                      <p:childTnLst>
+                        <p:par>
+                          <p:cTn id="4" fill="hold">
+                            <p:stCondLst>
+                              <p:cond delay="0"/>
+                            </p:stCondLst>
+                            <p:childTnLst>
+                              <p:par>
+                                <p:cTn id="5" presetID="10" presetClass="entr" presetSubtype="0" fill="hold" grpId="0" nodeType="clickEffect">
+                                  <p:stCondLst>
+                                    <p:cond delay="0"/>
+                                  </p:stCondLst>
+                                  <p:childTnLst>
+                                    <p:set>
+                                      <p:cBhvr>
+                                        <p:cTn id="6" dur="1" fill="hold">
+                                          <p:stCondLst>
+                                            <p:cond delay="0"/>
+                                          </p:stCondLst>
+                                        </p:cTn>
+                                        <p:tgtEl>
+                                          <p:spTgt spid="3">
+                                            <p:txEl>
+                                              <p:pRg st="1" end="1"/>
+                                            </p:txEl>
+                                          </p:spTgt>
+                                        </p:tgtEl>
+                                        <p:attrNameLst>
+                                          <p:attrName>style.visibility</p:attrName>
+                                        </p:attrNameLst>
+                                      </p:cBhvr>
+                                      <p:to>
+                                        <p:strVal val="visible"/>
+                                      </p:to>
+                                    </p:set>
+                                    <p:animEffect transition="in" filter="fade">
+                                      <p:cBhvr>
+                                        <p:cTn id="7" dur="500"/>
+                                        <p:tgtEl>
+                                          <p:spTgt spid="3">
+                                            <p:txEl>
+                                              <p:pRg st="1" end="1"/>
+                                            </p:txEl>
+                                          </p:spTgt>
+                                        </p:tgtEl>
+                                      </p:cBhvr>
+                                    </p:animEffect>
+                                  </p:childTnLst>
+                                </p:cTn>
+                              </p:par>
+                            </p:childTnLst>
+                          </p:cTn>
+                        </p:par>
+                      </p:childTnLst>
+                    </p:cTn>
+                  </p:par>
+                  <p:par>
+                    <p:cTn id="8" fill="hold">
+                      <p:stCondLst>
+                        <p:cond delay="indefinite"/>
+                      </p:stCondLst>
+                      <p:childTnLst>
+                        <p:par>
+                          <p:cTn id="9" fill="hold">
+                            <p:stCondLst>
+                              <p:cond delay="0"/>
+                            </p:stCondLst>
+                            <p:childTnLst>
+                              <p:par>
+                                <p:cTn id="10" presetID="10" presetClass="entr" presetSubtype="0" fill="hold" grpId="0" nodeType="clickEffect">
+                                  <p:stCondLst>
+                                    <p:cond delay="0"/>
+                                  </p:stCondLst>
+                                  <p:childTnLst>
+                                    <p:set>
+                                      <p:cBhvr>
+                                        <p:cTn id="11" dur="1" fill="hold">
+                                          <p:stCondLst>
+                                            <p:cond delay="0"/>
+                                          </p:stCondLst>
+                                        </p:cTn>
+                                        <p:tgtEl>
+                                          <p:spTgt spid="3">
+                                            <p:txEl>
+                                              <p:pRg st="2" end="2"/>
+                                            </p:txEl>
+                                          </p:spTgt>
+                                        </p:tgtEl>
+                                        <p:attrNameLst>
+                                          <p:attrName>style.visibility</p:attrName>
+                                        </p:attrNameLst>
+                                      </p:cBhvr>
+                                      <p:to>
+                                        <p:strVal val="visible"/>
+                                      </p:to>
+                                    </p:set>
+                                    <p:animEffect transition="in" filter="fade">
+                                      <p:cBhvr>
+                                        <p:cTn id="12" dur="500"/>
+                                        <p:tgtEl>
+                                          <p:spTgt spid="3">
+                                            <p:txEl>
+                                              <p:pRg st="2" end="2"/>
+                                            </p:txEl>
+                                          </p:spTgt>
+                                        </p:tgtEl>
+                                      </p:cBhvr>
+                                    </p:animEffect>
+                                  </p:childTnLst>
+                                </p:cTn>
+                              </p:par>
+                              <p:par>
+                                <p:cTn id="13" presetID="10" presetClass="entr" presetSubtype="0" fill="hold" grpId="0" nodeType="withEffect">
+                                  <p:stCondLst>
+                                    <p:cond delay="0"/>
+                                  </p:stCondLst>
+                                  <p:childTnLst>
+                                    <p:set>
+                                      <p:cBhvr>
+                                        <p:cTn id="14" dur="1" fill="hold">
+                                          <p:stCondLst>
+                                            <p:cond delay="0"/>
+                                          </p:stCondLst>
+                                        </p:cTn>
+                                        <p:tgtEl>
+                                          <p:spTgt spid="3">
+                                            <p:txEl>
+                                              <p:pRg st="3" end="3"/>
+                                            </p:txEl>
+                                          </p:spTgt>
+                                        </p:tgtEl>
+                                        <p:attrNameLst>
+                                          <p:attrName>style.visibility</p:attrName>
+                                        </p:attrNameLst>
+                                      </p:cBhvr>
+                                      <p:to>
+                                        <p:strVal val="visible"/>
+                                      </p:to>
+                                    </p:set>
+                                    <p:animEffect transition="in" filter="fade">
+                                      <p:cBhvr>
+                                        <p:cTn id="15" dur="500"/>
+                                        <p:tgtEl>
+                                          <p:spTgt spid="3">
+                                            <p:txEl>
+                                              <p:pRg st="3" end="3"/>
+                                            </p:txEl>
+                                          </p:spTgt>
+                                        </p:tgtEl>
+                                      </p:cBhvr>
+                                    </p:animEffect>
+                                  </p:childTnLst>
+                                </p:cTn>
+                              </p:par>
+                              <p:par>
+                                <p:cTn id="16" presetID="10" presetClass="entr" presetSubtype="0" fill="hold" grpId="0" nodeType="withEffect">
+                                  <p:stCondLst>
+                                    <p:cond delay="0"/>
+                                  </p:stCondLst>
+                                  <p:childTnLst>
+                                    <p:set>
+                                      <p:cBhvr>
+                                        <p:cTn id="17" dur="1" fill="hold">
+                                          <p:stCondLst>
+                                            <p:cond delay="0"/>
+                                          </p:stCondLst>
+                                        </p:cTn>
+                                        <p:tgtEl>
+                                          <p:spTgt spid="3">
+                                            <p:txEl>
+                                              <p:pRg st="4" end="4"/>
+                                            </p:txEl>
+                                          </p:spTgt>
+                                        </p:tgtEl>
+                                        <p:attrNameLst>
+                                          <p:attrName>style.visibility</p:attrName>
+                                        </p:attrNameLst>
+                                      </p:cBhvr>
+                                      <p:to>
+                                        <p:strVal val="visible"/>
+                                      </p:to>
+                                    </p:set>
+                                    <p:animEffect transition="in" filter="fade">
+                                      <p:cBhvr>
+                                        <p:cTn id="18" dur="500"/>
+                                        <p:tgtEl>
+                                          <p:spTgt spid="3">
+                                            <p:txEl>
+                                              <p:pRg st="4" end="4"/>
+                                            </p:txEl>
+                                          </p:spTgt>
+                                        </p:tgtEl>
+                                      </p:cBhvr>
+                                    </p:animEffect>
+                                  </p:childTnLst>
+                                </p:cTn>
+                              </p:par>
+                            </p:childTnLst>
+                          </p:cTn>
+                        </p:par>
+                      </p:childTnLst>
+                    </p:cTn>
+                  </p:par>
+                </p:childTnLst>
+              </p:cTn>
+              <p:prevCondLst>
+                <p:cond evt="onPrev" delay="0">
+                  <p:tgtEl>
+                    <p:sldTgt/>
+                  </p:tgtEl>
+                </p:cond>
+              </p:prevCondLst>
+              <p:nextCondLst>
+                <p:cond evt="onNext" delay="0">
+                  <p:tgtEl>
+                    <p:sldTgt/>
+                  </p:tgtEl>
+                </p:cond>
+              </p:nextCondLst>
+            </p:seq>
+          </p:childTnLst>
+        </p:cTn>
+      </p:par>
+    </p:tnLst>
+    <p:bldLst>
+      <p:bldP spid="3" grpId="0" build="p"/>
+    </p:bldLst>
   </p:timing>
 </p:sld>
 </file>

--- a/Presentazione/Presentazione_Word_Clock.pptx
+++ b/Presentazione/Presentazione_Word_Clock.pptx
@@ -151,7 +151,7 @@
           <p:cNvPr id="2" name="Titolo 1">
             <a:extLst>
               <a:ext uri="{FF2B5EF4-FFF2-40B4-BE49-F238E27FC236}">
-                <a16:creationId xmlns:a16="http://schemas.microsoft.com/office/drawing/2014/main" xmlns="" id="{51D4B596-A03A-4A42-9F21-188C42271C92}"/>
+                <a16:creationId xmlns="" xmlns:a16="http://schemas.microsoft.com/office/drawing/2014/main" id="{51D4B596-A03A-4A42-9F21-188C42271C92}"/>
               </a:ext>
             </a:extLst>
           </p:cNvPr>
@@ -189,7 +189,7 @@
           <p:cNvPr id="3" name="Sottotitolo 2">
             <a:extLst>
               <a:ext uri="{FF2B5EF4-FFF2-40B4-BE49-F238E27FC236}">
-                <a16:creationId xmlns:a16="http://schemas.microsoft.com/office/drawing/2014/main" xmlns="" id="{316062EE-353C-491E-A2AD-FCFD38184874}"/>
+                <a16:creationId xmlns="" xmlns:a16="http://schemas.microsoft.com/office/drawing/2014/main" id="{316062EE-353C-491E-A2AD-FCFD38184874}"/>
               </a:ext>
             </a:extLst>
           </p:cNvPr>
@@ -260,7 +260,7 @@
           <p:cNvPr id="4" name="Segnaposto data 3">
             <a:extLst>
               <a:ext uri="{FF2B5EF4-FFF2-40B4-BE49-F238E27FC236}">
-                <a16:creationId xmlns:a16="http://schemas.microsoft.com/office/drawing/2014/main" xmlns="" id="{0F6035D5-0EA7-4D72-B30C-AFE9D28A7F1E}"/>
+                <a16:creationId xmlns="" xmlns:a16="http://schemas.microsoft.com/office/drawing/2014/main" id="{0F6035D5-0EA7-4D72-B30C-AFE9D28A7F1E}"/>
               </a:ext>
             </a:extLst>
           </p:cNvPr>
@@ -289,7 +289,7 @@
           <p:cNvPr id="5" name="Segnaposto piè di pagina 4">
             <a:extLst>
               <a:ext uri="{FF2B5EF4-FFF2-40B4-BE49-F238E27FC236}">
-                <a16:creationId xmlns:a16="http://schemas.microsoft.com/office/drawing/2014/main" xmlns="" id="{94815D07-13AA-44FE-AA07-BD44D6ABFC5F}"/>
+                <a16:creationId xmlns="" xmlns:a16="http://schemas.microsoft.com/office/drawing/2014/main" id="{94815D07-13AA-44FE-AA07-BD44D6ABFC5F}"/>
               </a:ext>
             </a:extLst>
           </p:cNvPr>
@@ -314,7 +314,7 @@
           <p:cNvPr id="6" name="Segnaposto numero diapositiva 5">
             <a:extLst>
               <a:ext uri="{FF2B5EF4-FFF2-40B4-BE49-F238E27FC236}">
-                <a16:creationId xmlns:a16="http://schemas.microsoft.com/office/drawing/2014/main" xmlns="" id="{47909B47-E6FA-426A-BFE6-F949114F044E}"/>
+                <a16:creationId xmlns="" xmlns:a16="http://schemas.microsoft.com/office/drawing/2014/main" id="{47909B47-E6FA-426A-BFE6-F949114F044E}"/>
               </a:ext>
             </a:extLst>
           </p:cNvPr>
@@ -373,7 +373,7 @@
           <p:cNvPr id="2" name="Titolo 1">
             <a:extLst>
               <a:ext uri="{FF2B5EF4-FFF2-40B4-BE49-F238E27FC236}">
-                <a16:creationId xmlns:a16="http://schemas.microsoft.com/office/drawing/2014/main" xmlns="" id="{2B3D686D-6CA3-4C54-8AA1-003DA454A6D3}"/>
+                <a16:creationId xmlns="" xmlns:a16="http://schemas.microsoft.com/office/drawing/2014/main" id="{2B3D686D-6CA3-4C54-8AA1-003DA454A6D3}"/>
               </a:ext>
             </a:extLst>
           </p:cNvPr>
@@ -402,7 +402,7 @@
           <p:cNvPr id="3" name="Segnaposto testo verticale 2">
             <a:extLst>
               <a:ext uri="{FF2B5EF4-FFF2-40B4-BE49-F238E27FC236}">
-                <a16:creationId xmlns:a16="http://schemas.microsoft.com/office/drawing/2014/main" xmlns="" id="{D74582B3-C3E5-467E-8754-09208865C9D8}"/>
+                <a16:creationId xmlns="" xmlns:a16="http://schemas.microsoft.com/office/drawing/2014/main" id="{D74582B3-C3E5-467E-8754-09208865C9D8}"/>
               </a:ext>
             </a:extLst>
           </p:cNvPr>
@@ -460,7 +460,7 @@
           <p:cNvPr id="4" name="Segnaposto data 3">
             <a:extLst>
               <a:ext uri="{FF2B5EF4-FFF2-40B4-BE49-F238E27FC236}">
-                <a16:creationId xmlns:a16="http://schemas.microsoft.com/office/drawing/2014/main" xmlns="" id="{96C888D7-936A-4D88-BF7A-0D83C7F0B06A}"/>
+                <a16:creationId xmlns="" xmlns:a16="http://schemas.microsoft.com/office/drawing/2014/main" id="{96C888D7-936A-4D88-BF7A-0D83C7F0B06A}"/>
               </a:ext>
             </a:extLst>
           </p:cNvPr>
@@ -489,7 +489,7 @@
           <p:cNvPr id="5" name="Segnaposto piè di pagina 4">
             <a:extLst>
               <a:ext uri="{FF2B5EF4-FFF2-40B4-BE49-F238E27FC236}">
-                <a16:creationId xmlns:a16="http://schemas.microsoft.com/office/drawing/2014/main" xmlns="" id="{DCCF7342-EFB6-4166-93F9-69FF4EEC01F2}"/>
+                <a16:creationId xmlns="" xmlns:a16="http://schemas.microsoft.com/office/drawing/2014/main" id="{DCCF7342-EFB6-4166-93F9-69FF4EEC01F2}"/>
               </a:ext>
             </a:extLst>
           </p:cNvPr>
@@ -514,7 +514,7 @@
           <p:cNvPr id="6" name="Segnaposto numero diapositiva 5">
             <a:extLst>
               <a:ext uri="{FF2B5EF4-FFF2-40B4-BE49-F238E27FC236}">
-                <a16:creationId xmlns:a16="http://schemas.microsoft.com/office/drawing/2014/main" xmlns="" id="{5B7899BA-A832-4696-8143-73278BE1BF38}"/>
+                <a16:creationId xmlns="" xmlns:a16="http://schemas.microsoft.com/office/drawing/2014/main" id="{5B7899BA-A832-4696-8143-73278BE1BF38}"/>
               </a:ext>
             </a:extLst>
           </p:cNvPr>
@@ -573,7 +573,7 @@
           <p:cNvPr id="2" name="Titolo verticale 1">
             <a:extLst>
               <a:ext uri="{FF2B5EF4-FFF2-40B4-BE49-F238E27FC236}">
-                <a16:creationId xmlns:a16="http://schemas.microsoft.com/office/drawing/2014/main" xmlns="" id="{162E866A-B850-4A9E-9994-F94FC8B08F31}"/>
+                <a16:creationId xmlns="" xmlns:a16="http://schemas.microsoft.com/office/drawing/2014/main" id="{162E866A-B850-4A9E-9994-F94FC8B08F31}"/>
               </a:ext>
             </a:extLst>
           </p:cNvPr>
@@ -607,7 +607,7 @@
           <p:cNvPr id="3" name="Segnaposto testo verticale 2">
             <a:extLst>
               <a:ext uri="{FF2B5EF4-FFF2-40B4-BE49-F238E27FC236}">
-                <a16:creationId xmlns:a16="http://schemas.microsoft.com/office/drawing/2014/main" xmlns="" id="{12A8C755-E6A9-4435-9E2D-9021448B88FE}"/>
+                <a16:creationId xmlns="" xmlns:a16="http://schemas.microsoft.com/office/drawing/2014/main" id="{12A8C755-E6A9-4435-9E2D-9021448B88FE}"/>
               </a:ext>
             </a:extLst>
           </p:cNvPr>
@@ -670,7 +670,7 @@
           <p:cNvPr id="4" name="Segnaposto data 3">
             <a:extLst>
               <a:ext uri="{FF2B5EF4-FFF2-40B4-BE49-F238E27FC236}">
-                <a16:creationId xmlns:a16="http://schemas.microsoft.com/office/drawing/2014/main" xmlns="" id="{4C5F8A6E-2FA7-426F-9198-2A59CD7E2432}"/>
+                <a16:creationId xmlns="" xmlns:a16="http://schemas.microsoft.com/office/drawing/2014/main" id="{4C5F8A6E-2FA7-426F-9198-2A59CD7E2432}"/>
               </a:ext>
             </a:extLst>
           </p:cNvPr>
@@ -699,7 +699,7 @@
           <p:cNvPr id="5" name="Segnaposto piè di pagina 4">
             <a:extLst>
               <a:ext uri="{FF2B5EF4-FFF2-40B4-BE49-F238E27FC236}">
-                <a16:creationId xmlns:a16="http://schemas.microsoft.com/office/drawing/2014/main" xmlns="" id="{91662140-B081-49F4-BC9C-66151AEE558F}"/>
+                <a16:creationId xmlns="" xmlns:a16="http://schemas.microsoft.com/office/drawing/2014/main" id="{91662140-B081-49F4-BC9C-66151AEE558F}"/>
               </a:ext>
             </a:extLst>
           </p:cNvPr>
@@ -724,7 +724,7 @@
           <p:cNvPr id="6" name="Segnaposto numero diapositiva 5">
             <a:extLst>
               <a:ext uri="{FF2B5EF4-FFF2-40B4-BE49-F238E27FC236}">
-                <a16:creationId xmlns:a16="http://schemas.microsoft.com/office/drawing/2014/main" xmlns="" id="{C6890577-5F68-422B-BE17-444EB9B337AF}"/>
+                <a16:creationId xmlns="" xmlns:a16="http://schemas.microsoft.com/office/drawing/2014/main" id="{C6890577-5F68-422B-BE17-444EB9B337AF}"/>
               </a:ext>
             </a:extLst>
           </p:cNvPr>
@@ -2943,7 +2943,7 @@
           <p:cNvPr id="2" name="Titolo 1">
             <a:extLst>
               <a:ext uri="{FF2B5EF4-FFF2-40B4-BE49-F238E27FC236}">
-                <a16:creationId xmlns:a16="http://schemas.microsoft.com/office/drawing/2014/main" xmlns="" id="{EABB39BA-A71F-4727-BDAB-8B65B8723649}"/>
+                <a16:creationId xmlns="" xmlns:a16="http://schemas.microsoft.com/office/drawing/2014/main" id="{EABB39BA-A71F-4727-BDAB-8B65B8723649}"/>
               </a:ext>
             </a:extLst>
           </p:cNvPr>
@@ -2972,7 +2972,7 @@
           <p:cNvPr id="3" name="Segnaposto contenuto 2">
             <a:extLst>
               <a:ext uri="{FF2B5EF4-FFF2-40B4-BE49-F238E27FC236}">
-                <a16:creationId xmlns:a16="http://schemas.microsoft.com/office/drawing/2014/main" xmlns="" id="{76400FA9-8AB3-4DB9-B50F-77B9F24258CC}"/>
+                <a16:creationId xmlns="" xmlns:a16="http://schemas.microsoft.com/office/drawing/2014/main" id="{76400FA9-8AB3-4DB9-B50F-77B9F24258CC}"/>
               </a:ext>
             </a:extLst>
           </p:cNvPr>
@@ -3030,7 +3030,7 @@
           <p:cNvPr id="4" name="Segnaposto data 3">
             <a:extLst>
               <a:ext uri="{FF2B5EF4-FFF2-40B4-BE49-F238E27FC236}">
-                <a16:creationId xmlns:a16="http://schemas.microsoft.com/office/drawing/2014/main" xmlns="" id="{6FDF725D-2707-44E6-AF73-B050E03F0B3C}"/>
+                <a16:creationId xmlns="" xmlns:a16="http://schemas.microsoft.com/office/drawing/2014/main" id="{6FDF725D-2707-44E6-AF73-B050E03F0B3C}"/>
               </a:ext>
             </a:extLst>
           </p:cNvPr>
@@ -3059,7 +3059,7 @@
           <p:cNvPr id="5" name="Segnaposto piè di pagina 4">
             <a:extLst>
               <a:ext uri="{FF2B5EF4-FFF2-40B4-BE49-F238E27FC236}">
-                <a16:creationId xmlns:a16="http://schemas.microsoft.com/office/drawing/2014/main" xmlns="" id="{C4C3EDC9-ACD4-4068-821B-AAD3261B7C36}"/>
+                <a16:creationId xmlns="" xmlns:a16="http://schemas.microsoft.com/office/drawing/2014/main" id="{C4C3EDC9-ACD4-4068-821B-AAD3261B7C36}"/>
               </a:ext>
             </a:extLst>
           </p:cNvPr>
@@ -3084,7 +3084,7 @@
           <p:cNvPr id="6" name="Segnaposto numero diapositiva 5">
             <a:extLst>
               <a:ext uri="{FF2B5EF4-FFF2-40B4-BE49-F238E27FC236}">
-                <a16:creationId xmlns:a16="http://schemas.microsoft.com/office/drawing/2014/main" xmlns="" id="{D7768057-78BC-4094-BECD-923EDCAF8733}"/>
+                <a16:creationId xmlns="" xmlns:a16="http://schemas.microsoft.com/office/drawing/2014/main" id="{D7768057-78BC-4094-BECD-923EDCAF8733}"/>
               </a:ext>
             </a:extLst>
           </p:cNvPr>
@@ -3930,7 +3930,7 @@
           <p:cNvPr id="2" name="Titolo 1">
             <a:extLst>
               <a:ext uri="{FF2B5EF4-FFF2-40B4-BE49-F238E27FC236}">
-                <a16:creationId xmlns:a16="http://schemas.microsoft.com/office/drawing/2014/main" xmlns="" id="{A876B806-DE4B-424B-9A01-8E5869238435}"/>
+                <a16:creationId xmlns="" xmlns:a16="http://schemas.microsoft.com/office/drawing/2014/main" id="{A876B806-DE4B-424B-9A01-8E5869238435}"/>
               </a:ext>
             </a:extLst>
           </p:cNvPr>
@@ -3968,7 +3968,7 @@
           <p:cNvPr id="3" name="Segnaposto testo 2">
             <a:extLst>
               <a:ext uri="{FF2B5EF4-FFF2-40B4-BE49-F238E27FC236}">
-                <a16:creationId xmlns:a16="http://schemas.microsoft.com/office/drawing/2014/main" xmlns="" id="{8A24A99A-8857-4D1C-98CC-64BB757E136E}"/>
+                <a16:creationId xmlns="" xmlns:a16="http://schemas.microsoft.com/office/drawing/2014/main" id="{8A24A99A-8857-4D1C-98CC-64BB757E136E}"/>
               </a:ext>
             </a:extLst>
           </p:cNvPr>
@@ -4093,7 +4093,7 @@
           <p:cNvPr id="4" name="Segnaposto data 3">
             <a:extLst>
               <a:ext uri="{FF2B5EF4-FFF2-40B4-BE49-F238E27FC236}">
-                <a16:creationId xmlns:a16="http://schemas.microsoft.com/office/drawing/2014/main" xmlns="" id="{C0FF3046-10E3-45E0-A963-3BEB9B49F6DC}"/>
+                <a16:creationId xmlns="" xmlns:a16="http://schemas.microsoft.com/office/drawing/2014/main" id="{C0FF3046-10E3-45E0-A963-3BEB9B49F6DC}"/>
               </a:ext>
             </a:extLst>
           </p:cNvPr>
@@ -4122,7 +4122,7 @@
           <p:cNvPr id="5" name="Segnaposto piè di pagina 4">
             <a:extLst>
               <a:ext uri="{FF2B5EF4-FFF2-40B4-BE49-F238E27FC236}">
-                <a16:creationId xmlns:a16="http://schemas.microsoft.com/office/drawing/2014/main" xmlns="" id="{3FA8AAD5-3C74-44FC-8212-0DAA601027EE}"/>
+                <a16:creationId xmlns="" xmlns:a16="http://schemas.microsoft.com/office/drawing/2014/main" id="{3FA8AAD5-3C74-44FC-8212-0DAA601027EE}"/>
               </a:ext>
             </a:extLst>
           </p:cNvPr>
@@ -4147,7 +4147,7 @@
           <p:cNvPr id="6" name="Segnaposto numero diapositiva 5">
             <a:extLst>
               <a:ext uri="{FF2B5EF4-FFF2-40B4-BE49-F238E27FC236}">
-                <a16:creationId xmlns:a16="http://schemas.microsoft.com/office/drawing/2014/main" xmlns="" id="{B1C39926-FD15-4AD8-B0A9-7990FF17A70F}"/>
+                <a16:creationId xmlns="" xmlns:a16="http://schemas.microsoft.com/office/drawing/2014/main" id="{B1C39926-FD15-4AD8-B0A9-7990FF17A70F}"/>
               </a:ext>
             </a:extLst>
           </p:cNvPr>
@@ -4206,7 +4206,7 @@
           <p:cNvPr id="2" name="Titolo 1">
             <a:extLst>
               <a:ext uri="{FF2B5EF4-FFF2-40B4-BE49-F238E27FC236}">
-                <a16:creationId xmlns:a16="http://schemas.microsoft.com/office/drawing/2014/main" xmlns="" id="{DBA7AEDC-2548-4089-AC9C-52922403CEDE}"/>
+                <a16:creationId xmlns="" xmlns:a16="http://schemas.microsoft.com/office/drawing/2014/main" id="{DBA7AEDC-2548-4089-AC9C-52922403CEDE}"/>
               </a:ext>
             </a:extLst>
           </p:cNvPr>
@@ -4235,7 +4235,7 @@
           <p:cNvPr id="3" name="Segnaposto contenuto 2">
             <a:extLst>
               <a:ext uri="{FF2B5EF4-FFF2-40B4-BE49-F238E27FC236}">
-                <a16:creationId xmlns:a16="http://schemas.microsoft.com/office/drawing/2014/main" xmlns="" id="{311B130F-AC3E-4A2A-BEB4-E181E4D4F9AB}"/>
+                <a16:creationId xmlns="" xmlns:a16="http://schemas.microsoft.com/office/drawing/2014/main" id="{311B130F-AC3E-4A2A-BEB4-E181E4D4F9AB}"/>
               </a:ext>
             </a:extLst>
           </p:cNvPr>
@@ -4298,7 +4298,7 @@
           <p:cNvPr id="4" name="Segnaposto contenuto 3">
             <a:extLst>
               <a:ext uri="{FF2B5EF4-FFF2-40B4-BE49-F238E27FC236}">
-                <a16:creationId xmlns:a16="http://schemas.microsoft.com/office/drawing/2014/main" xmlns="" id="{1A5775F1-92E3-4770-8F70-0908EACDCFC7}"/>
+                <a16:creationId xmlns="" xmlns:a16="http://schemas.microsoft.com/office/drawing/2014/main" id="{1A5775F1-92E3-4770-8F70-0908EACDCFC7}"/>
               </a:ext>
             </a:extLst>
           </p:cNvPr>
@@ -4361,7 +4361,7 @@
           <p:cNvPr id="5" name="Segnaposto data 4">
             <a:extLst>
               <a:ext uri="{FF2B5EF4-FFF2-40B4-BE49-F238E27FC236}">
-                <a16:creationId xmlns:a16="http://schemas.microsoft.com/office/drawing/2014/main" xmlns="" id="{EA185EA2-B33A-4F60-B6FA-B31B8B115A6B}"/>
+                <a16:creationId xmlns="" xmlns:a16="http://schemas.microsoft.com/office/drawing/2014/main" id="{EA185EA2-B33A-4F60-B6FA-B31B8B115A6B}"/>
               </a:ext>
             </a:extLst>
           </p:cNvPr>
@@ -4390,7 +4390,7 @@
           <p:cNvPr id="6" name="Segnaposto piè di pagina 5">
             <a:extLst>
               <a:ext uri="{FF2B5EF4-FFF2-40B4-BE49-F238E27FC236}">
-                <a16:creationId xmlns:a16="http://schemas.microsoft.com/office/drawing/2014/main" xmlns="" id="{49DC91C0-D39F-4E00-B881-B447E7E518C6}"/>
+                <a16:creationId xmlns="" xmlns:a16="http://schemas.microsoft.com/office/drawing/2014/main" id="{49DC91C0-D39F-4E00-B881-B447E7E518C6}"/>
               </a:ext>
             </a:extLst>
           </p:cNvPr>
@@ -4415,7 +4415,7 @@
           <p:cNvPr id="7" name="Segnaposto numero diapositiva 6">
             <a:extLst>
               <a:ext uri="{FF2B5EF4-FFF2-40B4-BE49-F238E27FC236}">
-                <a16:creationId xmlns:a16="http://schemas.microsoft.com/office/drawing/2014/main" xmlns="" id="{0E87C539-F22E-4751-AE4D-A2F80C828C9B}"/>
+                <a16:creationId xmlns="" xmlns:a16="http://schemas.microsoft.com/office/drawing/2014/main" id="{0E87C539-F22E-4751-AE4D-A2F80C828C9B}"/>
               </a:ext>
             </a:extLst>
           </p:cNvPr>
@@ -4474,7 +4474,7 @@
           <p:cNvPr id="2" name="Titolo 1">
             <a:extLst>
               <a:ext uri="{FF2B5EF4-FFF2-40B4-BE49-F238E27FC236}">
-                <a16:creationId xmlns:a16="http://schemas.microsoft.com/office/drawing/2014/main" xmlns="" id="{2C0B44F5-64C9-4B93-B5D6-3DE8721947D7}"/>
+                <a16:creationId xmlns="" xmlns:a16="http://schemas.microsoft.com/office/drawing/2014/main" id="{2C0B44F5-64C9-4B93-B5D6-3DE8721947D7}"/>
               </a:ext>
             </a:extLst>
           </p:cNvPr>
@@ -4508,7 +4508,7 @@
           <p:cNvPr id="3" name="Segnaposto testo 2">
             <a:extLst>
               <a:ext uri="{FF2B5EF4-FFF2-40B4-BE49-F238E27FC236}">
-                <a16:creationId xmlns:a16="http://schemas.microsoft.com/office/drawing/2014/main" xmlns="" id="{3A93213F-11A4-4A97-B6E5-A318913B7224}"/>
+                <a16:creationId xmlns="" xmlns:a16="http://schemas.microsoft.com/office/drawing/2014/main" id="{3A93213F-11A4-4A97-B6E5-A318913B7224}"/>
               </a:ext>
             </a:extLst>
           </p:cNvPr>
@@ -4579,7 +4579,7 @@
           <p:cNvPr id="4" name="Segnaposto contenuto 3">
             <a:extLst>
               <a:ext uri="{FF2B5EF4-FFF2-40B4-BE49-F238E27FC236}">
-                <a16:creationId xmlns:a16="http://schemas.microsoft.com/office/drawing/2014/main" xmlns="" id="{BD79F62F-967E-497E-867D-7137DD9B96F8}"/>
+                <a16:creationId xmlns="" xmlns:a16="http://schemas.microsoft.com/office/drawing/2014/main" id="{BD79F62F-967E-497E-867D-7137DD9B96F8}"/>
               </a:ext>
             </a:extLst>
           </p:cNvPr>
@@ -4642,7 +4642,7 @@
           <p:cNvPr id="5" name="Segnaposto testo 4">
             <a:extLst>
               <a:ext uri="{FF2B5EF4-FFF2-40B4-BE49-F238E27FC236}">
-                <a16:creationId xmlns:a16="http://schemas.microsoft.com/office/drawing/2014/main" xmlns="" id="{05E00D3F-985E-4C9A-B8FF-22571FDEFDE2}"/>
+                <a16:creationId xmlns="" xmlns:a16="http://schemas.microsoft.com/office/drawing/2014/main" id="{05E00D3F-985E-4C9A-B8FF-22571FDEFDE2}"/>
               </a:ext>
             </a:extLst>
           </p:cNvPr>
@@ -4713,7 +4713,7 @@
           <p:cNvPr id="6" name="Segnaposto contenuto 5">
             <a:extLst>
               <a:ext uri="{FF2B5EF4-FFF2-40B4-BE49-F238E27FC236}">
-                <a16:creationId xmlns:a16="http://schemas.microsoft.com/office/drawing/2014/main" xmlns="" id="{9C6DA49C-2A75-4EC3-8EF0-30A9005C8FFB}"/>
+                <a16:creationId xmlns="" xmlns:a16="http://schemas.microsoft.com/office/drawing/2014/main" id="{9C6DA49C-2A75-4EC3-8EF0-30A9005C8FFB}"/>
               </a:ext>
             </a:extLst>
           </p:cNvPr>
@@ -4776,7 +4776,7 @@
           <p:cNvPr id="7" name="Segnaposto data 6">
             <a:extLst>
               <a:ext uri="{FF2B5EF4-FFF2-40B4-BE49-F238E27FC236}">
-                <a16:creationId xmlns:a16="http://schemas.microsoft.com/office/drawing/2014/main" xmlns="" id="{BCEC3287-C888-4B44-AB68-188C031CF123}"/>
+                <a16:creationId xmlns="" xmlns:a16="http://schemas.microsoft.com/office/drawing/2014/main" id="{BCEC3287-C888-4B44-AB68-188C031CF123}"/>
               </a:ext>
             </a:extLst>
           </p:cNvPr>
@@ -4805,7 +4805,7 @@
           <p:cNvPr id="8" name="Segnaposto piè di pagina 7">
             <a:extLst>
               <a:ext uri="{FF2B5EF4-FFF2-40B4-BE49-F238E27FC236}">
-                <a16:creationId xmlns:a16="http://schemas.microsoft.com/office/drawing/2014/main" xmlns="" id="{FE3503FA-60D4-4AF3-9C16-6EBCB51023C8}"/>
+                <a16:creationId xmlns="" xmlns:a16="http://schemas.microsoft.com/office/drawing/2014/main" id="{FE3503FA-60D4-4AF3-9C16-6EBCB51023C8}"/>
               </a:ext>
             </a:extLst>
           </p:cNvPr>
@@ -4830,7 +4830,7 @@
           <p:cNvPr id="9" name="Segnaposto numero diapositiva 8">
             <a:extLst>
               <a:ext uri="{FF2B5EF4-FFF2-40B4-BE49-F238E27FC236}">
-                <a16:creationId xmlns:a16="http://schemas.microsoft.com/office/drawing/2014/main" xmlns="" id="{11B41FD5-76A2-4153-AE02-557AE2F39641}"/>
+                <a16:creationId xmlns="" xmlns:a16="http://schemas.microsoft.com/office/drawing/2014/main" id="{11B41FD5-76A2-4153-AE02-557AE2F39641}"/>
               </a:ext>
             </a:extLst>
           </p:cNvPr>
@@ -4889,7 +4889,7 @@
           <p:cNvPr id="2" name="Titolo 1">
             <a:extLst>
               <a:ext uri="{FF2B5EF4-FFF2-40B4-BE49-F238E27FC236}">
-                <a16:creationId xmlns:a16="http://schemas.microsoft.com/office/drawing/2014/main" xmlns="" id="{4E2A08E2-63D7-4419-A713-E5C456B1C52F}"/>
+                <a16:creationId xmlns="" xmlns:a16="http://schemas.microsoft.com/office/drawing/2014/main" id="{4E2A08E2-63D7-4419-A713-E5C456B1C52F}"/>
               </a:ext>
             </a:extLst>
           </p:cNvPr>
@@ -4918,7 +4918,7 @@
           <p:cNvPr id="3" name="Segnaposto data 2">
             <a:extLst>
               <a:ext uri="{FF2B5EF4-FFF2-40B4-BE49-F238E27FC236}">
-                <a16:creationId xmlns:a16="http://schemas.microsoft.com/office/drawing/2014/main" xmlns="" id="{C61BA545-A3FD-49C9-B331-D5340BDA587D}"/>
+                <a16:creationId xmlns="" xmlns:a16="http://schemas.microsoft.com/office/drawing/2014/main" id="{C61BA545-A3FD-49C9-B331-D5340BDA587D}"/>
               </a:ext>
             </a:extLst>
           </p:cNvPr>
@@ -4947,7 +4947,7 @@
           <p:cNvPr id="4" name="Segnaposto piè di pagina 3">
             <a:extLst>
               <a:ext uri="{FF2B5EF4-FFF2-40B4-BE49-F238E27FC236}">
-                <a16:creationId xmlns:a16="http://schemas.microsoft.com/office/drawing/2014/main" xmlns="" id="{24964E19-A601-4B96-A386-C74F14EBB0BF}"/>
+                <a16:creationId xmlns="" xmlns:a16="http://schemas.microsoft.com/office/drawing/2014/main" id="{24964E19-A601-4B96-A386-C74F14EBB0BF}"/>
               </a:ext>
             </a:extLst>
           </p:cNvPr>
@@ -4972,7 +4972,7 @@
           <p:cNvPr id="5" name="Segnaposto numero diapositiva 4">
             <a:extLst>
               <a:ext uri="{FF2B5EF4-FFF2-40B4-BE49-F238E27FC236}">
-                <a16:creationId xmlns:a16="http://schemas.microsoft.com/office/drawing/2014/main" xmlns="" id="{6FE3FB7A-040F-4FA6-9D7D-126EFCF2F023}"/>
+                <a16:creationId xmlns="" xmlns:a16="http://schemas.microsoft.com/office/drawing/2014/main" id="{6FE3FB7A-040F-4FA6-9D7D-126EFCF2F023}"/>
               </a:ext>
             </a:extLst>
           </p:cNvPr>
@@ -5031,7 +5031,7 @@
           <p:cNvPr id="2" name="Segnaposto data 1">
             <a:extLst>
               <a:ext uri="{FF2B5EF4-FFF2-40B4-BE49-F238E27FC236}">
-                <a16:creationId xmlns:a16="http://schemas.microsoft.com/office/drawing/2014/main" xmlns="" id="{27BE61DA-29A7-47FA-BF23-689103B54131}"/>
+                <a16:creationId xmlns="" xmlns:a16="http://schemas.microsoft.com/office/drawing/2014/main" id="{27BE61DA-29A7-47FA-BF23-689103B54131}"/>
               </a:ext>
             </a:extLst>
           </p:cNvPr>
@@ -5060,7 +5060,7 @@
           <p:cNvPr id="3" name="Segnaposto piè di pagina 2">
             <a:extLst>
               <a:ext uri="{FF2B5EF4-FFF2-40B4-BE49-F238E27FC236}">
-                <a16:creationId xmlns:a16="http://schemas.microsoft.com/office/drawing/2014/main" xmlns="" id="{4A1715B5-E989-4C3D-A8B3-C3D8C7063531}"/>
+                <a16:creationId xmlns="" xmlns:a16="http://schemas.microsoft.com/office/drawing/2014/main" id="{4A1715B5-E989-4C3D-A8B3-C3D8C7063531}"/>
               </a:ext>
             </a:extLst>
           </p:cNvPr>
@@ -5085,7 +5085,7 @@
           <p:cNvPr id="4" name="Segnaposto numero diapositiva 3">
             <a:extLst>
               <a:ext uri="{FF2B5EF4-FFF2-40B4-BE49-F238E27FC236}">
-                <a16:creationId xmlns:a16="http://schemas.microsoft.com/office/drawing/2014/main" xmlns="" id="{3E356350-E98F-411B-97DE-9AD07355BEBE}"/>
+                <a16:creationId xmlns="" xmlns:a16="http://schemas.microsoft.com/office/drawing/2014/main" id="{3E356350-E98F-411B-97DE-9AD07355BEBE}"/>
               </a:ext>
             </a:extLst>
           </p:cNvPr>
@@ -5144,7 +5144,7 @@
           <p:cNvPr id="2" name="Titolo 1">
             <a:extLst>
               <a:ext uri="{FF2B5EF4-FFF2-40B4-BE49-F238E27FC236}">
-                <a16:creationId xmlns:a16="http://schemas.microsoft.com/office/drawing/2014/main" xmlns="" id="{6E689D46-BCFC-40E8-991A-32C5E5AC0015}"/>
+                <a16:creationId xmlns="" xmlns:a16="http://schemas.microsoft.com/office/drawing/2014/main" id="{6E689D46-BCFC-40E8-991A-32C5E5AC0015}"/>
               </a:ext>
             </a:extLst>
           </p:cNvPr>
@@ -5182,7 +5182,7 @@
           <p:cNvPr id="3" name="Segnaposto contenuto 2">
             <a:extLst>
               <a:ext uri="{FF2B5EF4-FFF2-40B4-BE49-F238E27FC236}">
-                <a16:creationId xmlns:a16="http://schemas.microsoft.com/office/drawing/2014/main" xmlns="" id="{D6E25C3D-E4F0-480A-B959-DFBCDB0760FB}"/>
+                <a16:creationId xmlns="" xmlns:a16="http://schemas.microsoft.com/office/drawing/2014/main" id="{D6E25C3D-E4F0-480A-B959-DFBCDB0760FB}"/>
               </a:ext>
             </a:extLst>
           </p:cNvPr>
@@ -5273,7 +5273,7 @@
           <p:cNvPr id="4" name="Segnaposto testo 3">
             <a:extLst>
               <a:ext uri="{FF2B5EF4-FFF2-40B4-BE49-F238E27FC236}">
-                <a16:creationId xmlns:a16="http://schemas.microsoft.com/office/drawing/2014/main" xmlns="" id="{A1C221CD-8471-49F9-B207-7EAB0CDDF74E}"/>
+                <a16:creationId xmlns="" xmlns:a16="http://schemas.microsoft.com/office/drawing/2014/main" id="{A1C221CD-8471-49F9-B207-7EAB0CDDF74E}"/>
               </a:ext>
             </a:extLst>
           </p:cNvPr>
@@ -5344,7 +5344,7 @@
           <p:cNvPr id="5" name="Segnaposto data 4">
             <a:extLst>
               <a:ext uri="{FF2B5EF4-FFF2-40B4-BE49-F238E27FC236}">
-                <a16:creationId xmlns:a16="http://schemas.microsoft.com/office/drawing/2014/main" xmlns="" id="{72E99C0D-552E-42C3-AF87-04EB808DF9F0}"/>
+                <a16:creationId xmlns="" xmlns:a16="http://schemas.microsoft.com/office/drawing/2014/main" id="{72E99C0D-552E-42C3-AF87-04EB808DF9F0}"/>
               </a:ext>
             </a:extLst>
           </p:cNvPr>
@@ -5373,7 +5373,7 @@
           <p:cNvPr id="6" name="Segnaposto piè di pagina 5">
             <a:extLst>
               <a:ext uri="{FF2B5EF4-FFF2-40B4-BE49-F238E27FC236}">
-                <a16:creationId xmlns:a16="http://schemas.microsoft.com/office/drawing/2014/main" xmlns="" id="{8F524880-81BD-4ECB-83F8-38AC908447BA}"/>
+                <a16:creationId xmlns="" xmlns:a16="http://schemas.microsoft.com/office/drawing/2014/main" id="{8F524880-81BD-4ECB-83F8-38AC908447BA}"/>
               </a:ext>
             </a:extLst>
           </p:cNvPr>
@@ -5398,7 +5398,7 @@
           <p:cNvPr id="7" name="Segnaposto numero diapositiva 6">
             <a:extLst>
               <a:ext uri="{FF2B5EF4-FFF2-40B4-BE49-F238E27FC236}">
-                <a16:creationId xmlns:a16="http://schemas.microsoft.com/office/drawing/2014/main" xmlns="" id="{020F095D-7614-4C07-AE39-8331561AC463}"/>
+                <a16:creationId xmlns="" xmlns:a16="http://schemas.microsoft.com/office/drawing/2014/main" id="{020F095D-7614-4C07-AE39-8331561AC463}"/>
               </a:ext>
             </a:extLst>
           </p:cNvPr>
@@ -5457,7 +5457,7 @@
           <p:cNvPr id="2" name="Titolo 1">
             <a:extLst>
               <a:ext uri="{FF2B5EF4-FFF2-40B4-BE49-F238E27FC236}">
-                <a16:creationId xmlns:a16="http://schemas.microsoft.com/office/drawing/2014/main" xmlns="" id="{8B5EB03F-B629-40F7-8812-019B534BBB1C}"/>
+                <a16:creationId xmlns="" xmlns:a16="http://schemas.microsoft.com/office/drawing/2014/main" id="{8B5EB03F-B629-40F7-8812-019B534BBB1C}"/>
               </a:ext>
             </a:extLst>
           </p:cNvPr>
@@ -5495,7 +5495,7 @@
           <p:cNvPr id="3" name="Segnaposto immagine 2">
             <a:extLst>
               <a:ext uri="{FF2B5EF4-FFF2-40B4-BE49-F238E27FC236}">
-                <a16:creationId xmlns:a16="http://schemas.microsoft.com/office/drawing/2014/main" xmlns="" id="{A29A231C-8E8F-49B9-9DFE-A65D862161EC}"/>
+                <a16:creationId xmlns="" xmlns:a16="http://schemas.microsoft.com/office/drawing/2014/main" id="{A29A231C-8E8F-49B9-9DFE-A65D862161EC}"/>
               </a:ext>
             </a:extLst>
           </p:cNvPr>
@@ -5562,7 +5562,7 @@
           <p:cNvPr id="4" name="Segnaposto testo 3">
             <a:extLst>
               <a:ext uri="{FF2B5EF4-FFF2-40B4-BE49-F238E27FC236}">
-                <a16:creationId xmlns:a16="http://schemas.microsoft.com/office/drawing/2014/main" xmlns="" id="{2FEB528C-EE93-4F4A-B514-2C1164C9C20B}"/>
+                <a16:creationId xmlns="" xmlns:a16="http://schemas.microsoft.com/office/drawing/2014/main" id="{2FEB528C-EE93-4F4A-B514-2C1164C9C20B}"/>
               </a:ext>
             </a:extLst>
           </p:cNvPr>
@@ -5633,7 +5633,7 @@
           <p:cNvPr id="5" name="Segnaposto data 4">
             <a:extLst>
               <a:ext uri="{FF2B5EF4-FFF2-40B4-BE49-F238E27FC236}">
-                <a16:creationId xmlns:a16="http://schemas.microsoft.com/office/drawing/2014/main" xmlns="" id="{445E7531-C0B0-462E-AE7F-00EE2BBB1A86}"/>
+                <a16:creationId xmlns="" xmlns:a16="http://schemas.microsoft.com/office/drawing/2014/main" id="{445E7531-C0B0-462E-AE7F-00EE2BBB1A86}"/>
               </a:ext>
             </a:extLst>
           </p:cNvPr>
@@ -5662,7 +5662,7 @@
           <p:cNvPr id="6" name="Segnaposto piè di pagina 5">
             <a:extLst>
               <a:ext uri="{FF2B5EF4-FFF2-40B4-BE49-F238E27FC236}">
-                <a16:creationId xmlns:a16="http://schemas.microsoft.com/office/drawing/2014/main" xmlns="" id="{EBC84074-2BEB-4AA6-966F-33445B16D821}"/>
+                <a16:creationId xmlns="" xmlns:a16="http://schemas.microsoft.com/office/drawing/2014/main" id="{EBC84074-2BEB-4AA6-966F-33445B16D821}"/>
               </a:ext>
             </a:extLst>
           </p:cNvPr>
@@ -5687,7 +5687,7 @@
           <p:cNvPr id="7" name="Segnaposto numero diapositiva 6">
             <a:extLst>
               <a:ext uri="{FF2B5EF4-FFF2-40B4-BE49-F238E27FC236}">
-                <a16:creationId xmlns:a16="http://schemas.microsoft.com/office/drawing/2014/main" xmlns="" id="{1117CD23-9D52-4AE9-A121-6D6F48CC2E86}"/>
+                <a16:creationId xmlns="" xmlns:a16="http://schemas.microsoft.com/office/drawing/2014/main" id="{1117CD23-9D52-4AE9-A121-6D6F48CC2E86}"/>
               </a:ext>
             </a:extLst>
           </p:cNvPr>
@@ -5751,7 +5751,7 @@
           <p:cNvPr id="2" name="Segnaposto titolo 1">
             <a:extLst>
               <a:ext uri="{FF2B5EF4-FFF2-40B4-BE49-F238E27FC236}">
-                <a16:creationId xmlns:a16="http://schemas.microsoft.com/office/drawing/2014/main" xmlns="" id="{2E043DBE-E511-4C09-AB86-90E49FFBEE36}"/>
+                <a16:creationId xmlns="" xmlns:a16="http://schemas.microsoft.com/office/drawing/2014/main" id="{2E043DBE-E511-4C09-AB86-90E49FFBEE36}"/>
               </a:ext>
             </a:extLst>
           </p:cNvPr>
@@ -5790,7 +5790,7 @@
           <p:cNvPr id="3" name="Segnaposto testo 2">
             <a:extLst>
               <a:ext uri="{FF2B5EF4-FFF2-40B4-BE49-F238E27FC236}">
-                <a16:creationId xmlns:a16="http://schemas.microsoft.com/office/drawing/2014/main" xmlns="" id="{2FC62454-4906-4CD4-824A-3DEE85864ABA}"/>
+                <a16:creationId xmlns="" xmlns:a16="http://schemas.microsoft.com/office/drawing/2014/main" id="{2FC62454-4906-4CD4-824A-3DEE85864ABA}"/>
               </a:ext>
             </a:extLst>
           </p:cNvPr>
@@ -5858,7 +5858,7 @@
           <p:cNvPr id="4" name="Segnaposto data 3">
             <a:extLst>
               <a:ext uri="{FF2B5EF4-FFF2-40B4-BE49-F238E27FC236}">
-                <a16:creationId xmlns:a16="http://schemas.microsoft.com/office/drawing/2014/main" xmlns="" id="{32583E0D-9E61-44C9-B35B-EBC1E9B9184B}"/>
+                <a16:creationId xmlns="" xmlns:a16="http://schemas.microsoft.com/office/drawing/2014/main" id="{32583E0D-9E61-44C9-B35B-EBC1E9B9184B}"/>
               </a:ext>
             </a:extLst>
           </p:cNvPr>
@@ -5905,7 +5905,7 @@
           <p:cNvPr id="5" name="Segnaposto piè di pagina 4">
             <a:extLst>
               <a:ext uri="{FF2B5EF4-FFF2-40B4-BE49-F238E27FC236}">
-                <a16:creationId xmlns:a16="http://schemas.microsoft.com/office/drawing/2014/main" xmlns="" id="{9EA95E93-3474-4847-BA35-B3A87B08AA88}"/>
+                <a16:creationId xmlns="" xmlns:a16="http://schemas.microsoft.com/office/drawing/2014/main" id="{9EA95E93-3474-4847-BA35-B3A87B08AA88}"/>
               </a:ext>
             </a:extLst>
           </p:cNvPr>
@@ -5948,7 +5948,7 @@
           <p:cNvPr id="6" name="Segnaposto numero diapositiva 5">
             <a:extLst>
               <a:ext uri="{FF2B5EF4-FFF2-40B4-BE49-F238E27FC236}">
-                <a16:creationId xmlns:a16="http://schemas.microsoft.com/office/drawing/2014/main" xmlns="" id="{F5C439B7-18CB-4D1F-AF29-8C66BAE316D5}"/>
+                <a16:creationId xmlns="" xmlns:a16="http://schemas.microsoft.com/office/drawing/2014/main" id="{F5C439B7-18CB-4D1F-AF29-8C66BAE316D5}"/>
               </a:ext>
             </a:extLst>
           </p:cNvPr>
@@ -7049,7 +7049,7 @@
           <p:cNvPr id="2" name="Titolo 1">
             <a:extLst>
               <a:ext uri="{FF2B5EF4-FFF2-40B4-BE49-F238E27FC236}">
-                <a16:creationId xmlns:a16="http://schemas.microsoft.com/office/drawing/2014/main" xmlns="" id="{795BEB76-E2CE-4277-AC25-73295D79E27D}"/>
+                <a16:creationId xmlns="" xmlns:a16="http://schemas.microsoft.com/office/drawing/2014/main" id="{795BEB76-E2CE-4277-AC25-73295D79E27D}"/>
               </a:ext>
             </a:extLst>
           </p:cNvPr>
@@ -7082,7 +7082,7 @@
           <p:cNvPr id="3" name="Sottotitolo 2">
             <a:extLst>
               <a:ext uri="{FF2B5EF4-FFF2-40B4-BE49-F238E27FC236}">
-                <a16:creationId xmlns:a16="http://schemas.microsoft.com/office/drawing/2014/main" xmlns="" id="{83ECA578-736A-4FD6-AEE6-EC70674034DA}"/>
+                <a16:creationId xmlns="" xmlns:a16="http://schemas.microsoft.com/office/drawing/2014/main" id="{83ECA578-736A-4FD6-AEE6-EC70674034DA}"/>
               </a:ext>
             </a:extLst>
           </p:cNvPr>
@@ -7174,7 +7174,7 @@
           <p:cNvPr id="2" name="Titolo 1">
             <a:extLst>
               <a:ext uri="{FF2B5EF4-FFF2-40B4-BE49-F238E27FC236}">
-                <a16:creationId xmlns:a16="http://schemas.microsoft.com/office/drawing/2014/main" xmlns="" id="{1B67CCBC-3FC1-4DCE-8078-4F7C03F81E50}"/>
+                <a16:creationId xmlns="" xmlns:a16="http://schemas.microsoft.com/office/drawing/2014/main" id="{1B67CCBC-3FC1-4DCE-8078-4F7C03F81E50}"/>
               </a:ext>
             </a:extLst>
           </p:cNvPr>
@@ -7202,7 +7202,7 @@
           <p:cNvPr id="7" name="Segnaposto contenuto 6">
             <a:extLst>
               <a:ext uri="{FF2B5EF4-FFF2-40B4-BE49-F238E27FC236}">
-                <a16:creationId xmlns:a16="http://schemas.microsoft.com/office/drawing/2014/main" xmlns="" id="{6F1493EC-546F-4C48-85B0-C01A21830905}"/>
+                <a16:creationId xmlns="" xmlns:a16="http://schemas.microsoft.com/office/drawing/2014/main" id="{6F1493EC-546F-4C48-85B0-C01A21830905}"/>
               </a:ext>
             </a:extLst>
           </p:cNvPr>
@@ -7274,7 +7274,7 @@
           <p:cNvPr id="2" name="Titolo 1">
             <a:extLst>
               <a:ext uri="{FF2B5EF4-FFF2-40B4-BE49-F238E27FC236}">
-                <a16:creationId xmlns:a16="http://schemas.microsoft.com/office/drawing/2014/main" xmlns="" id="{1B67CCBC-3FC1-4DCE-8078-4F7C03F81E50}"/>
+                <a16:creationId xmlns="" xmlns:a16="http://schemas.microsoft.com/office/drawing/2014/main" id="{1B67CCBC-3FC1-4DCE-8078-4F7C03F81E50}"/>
               </a:ext>
             </a:extLst>
           </p:cNvPr>
@@ -7302,7 +7302,7 @@
           <p:cNvPr id="7" name="Segnaposto contenuto 6">
             <a:extLst>
               <a:ext uri="{FF2B5EF4-FFF2-40B4-BE49-F238E27FC236}">
-                <a16:creationId xmlns:a16="http://schemas.microsoft.com/office/drawing/2014/main" xmlns="" id="{ED7F854A-06F5-4465-9DDD-D0EDE84CA079}"/>
+                <a16:creationId xmlns="" xmlns:a16="http://schemas.microsoft.com/office/drawing/2014/main" id="{ED7F854A-06F5-4465-9DDD-D0EDE84CA079}"/>
               </a:ext>
             </a:extLst>
           </p:cNvPr>
@@ -7374,7 +7374,7 @@
           <p:cNvPr id="2" name="Titolo 1">
             <a:extLst>
               <a:ext uri="{FF2B5EF4-FFF2-40B4-BE49-F238E27FC236}">
-                <a16:creationId xmlns:a16="http://schemas.microsoft.com/office/drawing/2014/main" xmlns="" id="{1B67CCBC-3FC1-4DCE-8078-4F7C03F81E50}"/>
+                <a16:creationId xmlns="" xmlns:a16="http://schemas.microsoft.com/office/drawing/2014/main" id="{1B67CCBC-3FC1-4DCE-8078-4F7C03F81E50}"/>
               </a:ext>
             </a:extLst>
           </p:cNvPr>
@@ -7402,7 +7402,7 @@
           <p:cNvPr id="9" name="Immagine 8">
             <a:extLst>
               <a:ext uri="{FF2B5EF4-FFF2-40B4-BE49-F238E27FC236}">
-                <a16:creationId xmlns:a16="http://schemas.microsoft.com/office/drawing/2014/main" xmlns="" id="{0EDDB9F0-36F2-4CFC-AFA3-14D99B392364}"/>
+                <a16:creationId xmlns="" xmlns:a16="http://schemas.microsoft.com/office/drawing/2014/main" id="{0EDDB9F0-36F2-4CFC-AFA3-14D99B392364}"/>
               </a:ext>
             </a:extLst>
           </p:cNvPr>
@@ -7438,7 +7438,7 @@
           <p:cNvPr id="6" name="Immagine 5">
             <a:extLst>
               <a:ext uri="{FF2B5EF4-FFF2-40B4-BE49-F238E27FC236}">
-                <a16:creationId xmlns:a16="http://schemas.microsoft.com/office/drawing/2014/main" xmlns="" id="{56C8EACA-5703-44E4-ACD0-12FA98CC69D5}"/>
+                <a16:creationId xmlns="" xmlns:a16="http://schemas.microsoft.com/office/drawing/2014/main" id="{56C8EACA-5703-44E4-ACD0-12FA98CC69D5}"/>
               </a:ext>
             </a:extLst>
           </p:cNvPr>
@@ -7461,8 +7461,8 @@
         </p:blipFill>
         <p:spPr>
           <a:xfrm>
-            <a:off x="8154955" y="2848738"/>
-            <a:ext cx="2864964" cy="3122853"/>
+            <a:off x="8221603" y="2848738"/>
+            <a:ext cx="2731667" cy="3122853"/>
           </a:xfrm>
           <a:prstGeom prst="rect">
             <a:avLst/>
@@ -7474,7 +7474,7 @@
           <p:cNvPr id="10" name="Immagine 9">
             <a:extLst>
               <a:ext uri="{FF2B5EF4-FFF2-40B4-BE49-F238E27FC236}">
-                <a16:creationId xmlns:a16="http://schemas.microsoft.com/office/drawing/2014/main" xmlns="" id="{566A20A2-AAE6-4FB3-911B-DBE53C23DA44}"/>
+                <a16:creationId xmlns="" xmlns:a16="http://schemas.microsoft.com/office/drawing/2014/main" id="{566A20A2-AAE6-4FB3-911B-DBE53C23DA44}"/>
               </a:ext>
             </a:extLst>
           </p:cNvPr>
@@ -7510,7 +7510,7 @@
           <p:cNvPr id="12" name="Ovale 11">
             <a:extLst>
               <a:ext uri="{FF2B5EF4-FFF2-40B4-BE49-F238E27FC236}">
-                <a16:creationId xmlns:a16="http://schemas.microsoft.com/office/drawing/2014/main" xmlns="" id="{F718017B-475E-430B-9ACB-D4662A925EE2}"/>
+                <a16:creationId xmlns="" xmlns:a16="http://schemas.microsoft.com/office/drawing/2014/main" id="{F718017B-475E-430B-9ACB-D4662A925EE2}"/>
               </a:ext>
             </a:extLst>
           </p:cNvPr>
@@ -7519,7 +7519,7 @@
         </p:nvSpPr>
         <p:spPr>
           <a:xfrm>
-            <a:off x="8484965" y="2993363"/>
+            <a:off x="8502217" y="3053745"/>
             <a:ext cx="798995" cy="337666"/>
           </a:xfrm>
           <a:prstGeom prst="ellipse">
@@ -7562,7 +7562,7 @@
           <p:cNvPr id="13" name="Ovale 12">
             <a:extLst>
               <a:ext uri="{FF2B5EF4-FFF2-40B4-BE49-F238E27FC236}">
-                <a16:creationId xmlns:a16="http://schemas.microsoft.com/office/drawing/2014/main" xmlns="" id="{4C473B06-9CF7-4873-8307-80047A65060F}"/>
+                <a16:creationId xmlns="" xmlns:a16="http://schemas.microsoft.com/office/drawing/2014/main" id="{4C473B06-9CF7-4873-8307-80047A65060F}"/>
               </a:ext>
             </a:extLst>
           </p:cNvPr>
@@ -7571,7 +7571,7 @@
         </p:nvSpPr>
         <p:spPr>
           <a:xfrm>
-            <a:off x="9461116" y="2993363"/>
+            <a:off x="9461116" y="3036493"/>
             <a:ext cx="381384" cy="337666"/>
           </a:xfrm>
           <a:prstGeom prst="ellipse">
@@ -7614,7 +7614,7 @@
           <p:cNvPr id="14" name="CasellaDiTesto 13">
             <a:extLst>
               <a:ext uri="{FF2B5EF4-FFF2-40B4-BE49-F238E27FC236}">
-                <a16:creationId xmlns:a16="http://schemas.microsoft.com/office/drawing/2014/main" xmlns="" id="{5BCB87BC-E5EA-4511-AB86-AAF28D4E5F6D}"/>
+                <a16:creationId xmlns="" xmlns:a16="http://schemas.microsoft.com/office/drawing/2014/main" id="{5BCB87BC-E5EA-4511-AB86-AAF28D4E5F6D}"/>
               </a:ext>
             </a:extLst>
           </p:cNvPr>
@@ -7623,7 +7623,7 @@
         </p:nvSpPr>
         <p:spPr>
           <a:xfrm>
-            <a:off x="7901142" y="2825115"/>
+            <a:off x="7901142" y="2876871"/>
             <a:ext cx="382555" cy="1585049"/>
           </a:xfrm>
           <a:prstGeom prst="rect">
@@ -7713,7 +7713,7 @@
           <p:cNvPr id="15" name="CasellaDiTesto 14">
             <a:extLst>
               <a:ext uri="{FF2B5EF4-FFF2-40B4-BE49-F238E27FC236}">
-                <a16:creationId xmlns:a16="http://schemas.microsoft.com/office/drawing/2014/main" xmlns="" id="{57DC23E5-898F-4F6B-BBC6-22EE8FD03BF6}"/>
+                <a16:creationId xmlns="" xmlns:a16="http://schemas.microsoft.com/office/drawing/2014/main" id="{57DC23E5-898F-4F6B-BBC6-22EE8FD03BF6}"/>
               </a:ext>
             </a:extLst>
           </p:cNvPr>
@@ -7722,7 +7722,7 @@
         </p:nvSpPr>
         <p:spPr>
           <a:xfrm>
-            <a:off x="8092419" y="2570480"/>
+            <a:off x="8170054" y="2570480"/>
             <a:ext cx="2035525" cy="307777"/>
           </a:xfrm>
           <a:prstGeom prst="rect">
@@ -7742,7 +7742,71 @@
                   <a:srgbClr val="FF0000"/>
                 </a:solidFill>
               </a:rPr>
-              <a:t>0   1  2   3  4   5  6   7  8  …</a:t>
+              <a:t>0  </a:t>
+            </a:r>
+            <a:r>
+              <a:rPr lang="it-CH" sz="1400" dirty="0" smtClean="0">
+                <a:solidFill>
+                  <a:srgbClr val="FF0000"/>
+                </a:solidFill>
+              </a:rPr>
+              <a:t>1  </a:t>
+            </a:r>
+            <a:r>
+              <a:rPr lang="it-CH" sz="1400" dirty="0">
+                <a:solidFill>
+                  <a:srgbClr val="FF0000"/>
+                </a:solidFill>
+              </a:rPr>
+              <a:t>2  </a:t>
+            </a:r>
+            <a:r>
+              <a:rPr lang="it-CH" sz="1400" dirty="0" smtClean="0">
+                <a:solidFill>
+                  <a:srgbClr val="FF0000"/>
+                </a:solidFill>
+              </a:rPr>
+              <a:t>3  </a:t>
+            </a:r>
+            <a:r>
+              <a:rPr lang="it-CH" sz="1400" dirty="0">
+                <a:solidFill>
+                  <a:srgbClr val="FF0000"/>
+                </a:solidFill>
+              </a:rPr>
+              <a:t>4  </a:t>
+            </a:r>
+            <a:r>
+              <a:rPr lang="it-CH" sz="1400" dirty="0" smtClean="0">
+                <a:solidFill>
+                  <a:srgbClr val="FF0000"/>
+                </a:solidFill>
+              </a:rPr>
+              <a:t>5  </a:t>
+            </a:r>
+            <a:r>
+              <a:rPr lang="it-CH" sz="1400" dirty="0">
+                <a:solidFill>
+                  <a:srgbClr val="FF0000"/>
+                </a:solidFill>
+              </a:rPr>
+              <a:t>6   7 </a:t>
+            </a:r>
+            <a:r>
+              <a:rPr lang="it-CH" sz="1400" dirty="0" smtClean="0">
+                <a:solidFill>
+                  <a:srgbClr val="FF0000"/>
+                </a:solidFill>
+              </a:rPr>
+              <a:t> 8  </a:t>
+            </a:r>
+            <a:r>
+              <a:rPr lang="it-CH" sz="1400" dirty="0">
+                <a:solidFill>
+                  <a:srgbClr val="FF0000"/>
+                </a:solidFill>
+              </a:rPr>
+              <a:t>…</a:t>
             </a:r>
           </a:p>
         </p:txBody>
@@ -8046,7 +8110,7 @@
           <p:cNvPr id="2" name="Titolo 1">
             <a:extLst>
               <a:ext uri="{FF2B5EF4-FFF2-40B4-BE49-F238E27FC236}">
-                <a16:creationId xmlns:a16="http://schemas.microsoft.com/office/drawing/2014/main" xmlns="" id="{1B67CCBC-3FC1-4DCE-8078-4F7C03F81E50}"/>
+                <a16:creationId xmlns="" xmlns:a16="http://schemas.microsoft.com/office/drawing/2014/main" id="{1B67CCBC-3FC1-4DCE-8078-4F7C03F81E50}"/>
               </a:ext>
             </a:extLst>
           </p:cNvPr>
@@ -8074,7 +8138,7 @@
           <p:cNvPr id="6" name="Segnaposto contenuto 5">
             <a:extLst>
               <a:ext uri="{FF2B5EF4-FFF2-40B4-BE49-F238E27FC236}">
-                <a16:creationId xmlns:a16="http://schemas.microsoft.com/office/drawing/2014/main" xmlns="" id="{58739778-2FC3-4466-A52D-436A7F88C87F}"/>
+                <a16:creationId xmlns="" xmlns:a16="http://schemas.microsoft.com/office/drawing/2014/main" id="{58739778-2FC3-4466-A52D-436A7F88C87F}"/>
               </a:ext>
             </a:extLst>
           </p:cNvPr>
@@ -8099,7 +8163,7 @@
         </p:blipFill>
         <p:spPr>
           <a:xfrm>
-            <a:off x="2533878" y="2014214"/>
+            <a:off x="1097280" y="2043751"/>
             <a:ext cx="3651696" cy="4022725"/>
           </a:xfrm>
         </p:spPr>
@@ -8109,7 +8173,7 @@
           <p:cNvPr id="4" name="Immagine 3">
             <a:extLst>
               <a:ext uri="{FF2B5EF4-FFF2-40B4-BE49-F238E27FC236}">
-                <a16:creationId xmlns:a16="http://schemas.microsoft.com/office/drawing/2014/main" xmlns="" id="{110E41ED-83D4-4E4C-B11A-F9918DA703DF}"/>
+                <a16:creationId xmlns="" xmlns:a16="http://schemas.microsoft.com/office/drawing/2014/main" id="{110E41ED-83D4-4E4C-B11A-F9918DA703DF}"/>
               </a:ext>
             </a:extLst>
           </p:cNvPr>
@@ -8132,7 +8196,7 @@
         </p:blipFill>
         <p:spPr>
           <a:xfrm>
-            <a:off x="7115112" y="3652163"/>
+            <a:off x="5285933" y="2043751"/>
             <a:ext cx="2347163" cy="746825"/>
           </a:xfrm>
           <a:prstGeom prst="rect">
@@ -8140,6 +8204,261 @@
           </a:prstGeom>
         </p:spPr>
       </p:pic>
+      <p:pic>
+        <p:nvPicPr>
+          <p:cNvPr id="5" name="Immagine 4">
+            <a:extLst>
+              <a:ext uri="{FF2B5EF4-FFF2-40B4-BE49-F238E27FC236}">
+                <a16:creationId xmlns="" xmlns:a16="http://schemas.microsoft.com/office/drawing/2014/main" id="{56C8EACA-5703-44E4-ACD0-12FA98CC69D5}"/>
+              </a:ext>
+            </a:extLst>
+          </p:cNvPr>
+          <p:cNvPicPr>
+            <a:picLocks noChangeAspect="1"/>
+          </p:cNvPicPr>
+          <p:nvPr/>
+        </p:nvPicPr>
+        <p:blipFill>
+          <a:blip r:embed="rId4" cstate="print">
+            <a:extLst>
+              <a:ext uri="{28A0092B-C50C-407E-A947-70E740481C1C}">
+                <a14:useLocalDpi xmlns:a14="http://schemas.microsoft.com/office/drawing/2010/main" val="0"/>
+              </a:ext>
+            </a:extLst>
+          </a:blip>
+          <a:stretch>
+            <a:fillRect/>
+          </a:stretch>
+        </p:blipFill>
+        <p:spPr>
+          <a:xfrm>
+            <a:off x="8221603" y="2848738"/>
+            <a:ext cx="2731667" cy="3122853"/>
+          </a:xfrm>
+          <a:prstGeom prst="rect">
+            <a:avLst/>
+          </a:prstGeom>
+        </p:spPr>
+      </p:pic>
+      <p:sp>
+        <p:nvSpPr>
+          <p:cNvPr id="7" name="CasellaDiTesto 6">
+            <a:extLst>
+              <a:ext uri="{FF2B5EF4-FFF2-40B4-BE49-F238E27FC236}">
+                <a16:creationId xmlns="" xmlns:a16="http://schemas.microsoft.com/office/drawing/2014/main" id="{5BCB87BC-E5EA-4511-AB86-AAF28D4E5F6D}"/>
+              </a:ext>
+            </a:extLst>
+          </p:cNvPr>
+          <p:cNvSpPr txBox="1"/>
+          <p:nvPr/>
+        </p:nvSpPr>
+        <p:spPr>
+          <a:xfrm>
+            <a:off x="7901142" y="2876871"/>
+            <a:ext cx="382555" cy="1585049"/>
+          </a:xfrm>
+          <a:prstGeom prst="rect">
+            <a:avLst/>
+          </a:prstGeom>
+          <a:noFill/>
+        </p:spPr>
+        <p:txBody>
+          <a:bodyPr wrap="square" rtlCol="0">
+            <a:spAutoFit/>
+          </a:bodyPr>
+          <a:lstStyle/>
+          <a:p>
+            <a:r>
+              <a:rPr lang="it-CH" sz="1400" dirty="0">
+                <a:solidFill>
+                  <a:srgbClr val="FF0000"/>
+                </a:solidFill>
+              </a:rPr>
+              <a:t>0</a:t>
+            </a:r>
+          </a:p>
+          <a:p>
+            <a:r>
+              <a:rPr lang="it-CH" sz="1400" dirty="0">
+                <a:solidFill>
+                  <a:srgbClr val="FF0000"/>
+                </a:solidFill>
+              </a:rPr>
+              <a:t>1</a:t>
+            </a:r>
+          </a:p>
+          <a:p>
+            <a:r>
+              <a:rPr lang="it-CH" sz="1400" dirty="0">
+                <a:solidFill>
+                  <a:srgbClr val="FF0000"/>
+                </a:solidFill>
+              </a:rPr>
+              <a:t>2</a:t>
+            </a:r>
+          </a:p>
+          <a:p>
+            <a:r>
+              <a:rPr lang="it-CH" sz="1400" dirty="0">
+                <a:solidFill>
+                  <a:srgbClr val="FF0000"/>
+                </a:solidFill>
+              </a:rPr>
+              <a:t>3</a:t>
+            </a:r>
+          </a:p>
+          <a:p>
+            <a:r>
+              <a:rPr lang="it-CH" sz="1400" dirty="0">
+                <a:solidFill>
+                  <a:srgbClr val="FF0000"/>
+                </a:solidFill>
+              </a:rPr>
+              <a:t>4</a:t>
+            </a:r>
+          </a:p>
+          <a:p>
+            <a:r>
+              <a:rPr lang="it-CH" sz="1400" dirty="0">
+                <a:solidFill>
+                  <a:srgbClr val="FF0000"/>
+                </a:solidFill>
+              </a:rPr>
+              <a:t>5</a:t>
+            </a:r>
+          </a:p>
+          <a:p>
+            <a:r>
+              <a:rPr lang="it-CH" sz="1300" dirty="0">
+                <a:solidFill>
+                  <a:srgbClr val="FF0000"/>
+                </a:solidFill>
+              </a:rPr>
+              <a:t>…</a:t>
+            </a:r>
+          </a:p>
+        </p:txBody>
+      </p:sp>
+      <p:sp>
+        <p:nvSpPr>
+          <p:cNvPr id="8" name="CasellaDiTesto 7">
+            <a:extLst>
+              <a:ext uri="{FF2B5EF4-FFF2-40B4-BE49-F238E27FC236}">
+                <a16:creationId xmlns="" xmlns:a16="http://schemas.microsoft.com/office/drawing/2014/main" id="{57DC23E5-898F-4F6B-BBC6-22EE8FD03BF6}"/>
+              </a:ext>
+            </a:extLst>
+          </p:cNvPr>
+          <p:cNvSpPr txBox="1"/>
+          <p:nvPr/>
+        </p:nvSpPr>
+        <p:spPr>
+          <a:xfrm>
+            <a:off x="8170054" y="2570480"/>
+            <a:ext cx="2783216" cy="307777"/>
+          </a:xfrm>
+          <a:prstGeom prst="rect">
+            <a:avLst/>
+          </a:prstGeom>
+          <a:noFill/>
+        </p:spPr>
+        <p:txBody>
+          <a:bodyPr wrap="square" rtlCol="0">
+            <a:spAutoFit/>
+          </a:bodyPr>
+          <a:lstStyle/>
+          <a:p>
+            <a:r>
+              <a:rPr lang="it-CH" sz="1400" dirty="0" smtClean="0">
+                <a:solidFill>
+                  <a:srgbClr val="FF0000"/>
+                </a:solidFill>
+              </a:rPr>
+              <a:t>                         …   </a:t>
+            </a:r>
+            <a:r>
+              <a:rPr lang="it-CH" sz="1200" dirty="0" smtClean="0">
+                <a:solidFill>
+                  <a:srgbClr val="FF0000"/>
+                </a:solidFill>
+              </a:rPr>
+              <a:t>7   8   9</a:t>
+            </a:r>
+            <a:r>
+              <a:rPr lang="it-CH" sz="1400" dirty="0" smtClean="0">
+                <a:solidFill>
+                  <a:srgbClr val="FF0000"/>
+                </a:solidFill>
+              </a:rPr>
+              <a:t> </a:t>
+            </a:r>
+            <a:r>
+              <a:rPr lang="it-CH" sz="1200" dirty="0" smtClean="0">
+                <a:solidFill>
+                  <a:srgbClr val="FF0000"/>
+                </a:solidFill>
+              </a:rPr>
+              <a:t>10 11 12</a:t>
+            </a:r>
+            <a:endParaRPr lang="it-CH" sz="1400" dirty="0">
+              <a:solidFill>
+                <a:srgbClr val="FF0000"/>
+              </a:solidFill>
+            </a:endParaRPr>
+          </a:p>
+        </p:txBody>
+      </p:sp>
+      <p:sp>
+        <p:nvSpPr>
+          <p:cNvPr id="9" name="Ovale 8">
+            <a:extLst>
+              <a:ext uri="{FF2B5EF4-FFF2-40B4-BE49-F238E27FC236}">
+                <a16:creationId xmlns="" xmlns:a16="http://schemas.microsoft.com/office/drawing/2014/main" id="{F718017B-475E-430B-9ACB-D4662A925EE2}"/>
+              </a:ext>
+            </a:extLst>
+          </p:cNvPr>
+          <p:cNvSpPr/>
+          <p:nvPr/>
+        </p:nvSpPr>
+        <p:spPr>
+          <a:xfrm>
+            <a:off x="9561662" y="2859619"/>
+            <a:ext cx="1048829" cy="279644"/>
+          </a:xfrm>
+          <a:prstGeom prst="ellipse">
+            <a:avLst/>
+          </a:prstGeom>
+          <a:noFill/>
+          <a:ln>
+            <a:solidFill>
+              <a:srgbClr val="FF0000"/>
+            </a:solidFill>
+          </a:ln>
+        </p:spPr>
+        <p:style>
+          <a:lnRef idx="2">
+            <a:schemeClr val="accent1">
+              <a:shade val="50000"/>
+            </a:schemeClr>
+          </a:lnRef>
+          <a:fillRef idx="1">
+            <a:schemeClr val="accent1"/>
+          </a:fillRef>
+          <a:effectRef idx="0">
+            <a:schemeClr val="accent1"/>
+          </a:effectRef>
+          <a:fontRef idx="minor">
+            <a:schemeClr val="lt1"/>
+          </a:fontRef>
+        </p:style>
+        <p:txBody>
+          <a:bodyPr rtlCol="0" anchor="ctr"/>
+          <a:lstStyle/>
+          <a:p>
+            <a:pPr algn="ctr"/>
+            <a:endParaRPr lang="it-CH"/>
+          </a:p>
+        </p:txBody>
+      </p:sp>
     </p:spTree>
     <p:extLst>
       <p:ext uri="{BB962C8B-B14F-4D97-AF65-F5344CB8AC3E}">
@@ -8171,7 +8490,7 @@
                             </p:stCondLst>
                             <p:childTnLst>
                               <p:par>
-                                <p:cTn id="5" presetID="1" presetClass="entr" presetSubtype="0" fill="hold" nodeType="clickEffect">
+                                <p:cTn id="5" presetID="10" presetClass="entr" presetSubtype="0" fill="hold" nodeType="clickEffect">
                                   <p:stCondLst>
                                     <p:cond delay="0"/>
                                   </p:stCondLst>
@@ -8194,6 +8513,154 @@
                                         <p:strVal val="visible"/>
                                       </p:to>
                                     </p:set>
+                                    <p:animEffect transition="in" filter="fade">
+                                      <p:cBhvr>
+                                        <p:cTn id="7" dur="500"/>
+                                        <p:tgtEl>
+                                          <p:spTgt spid="4"/>
+                                        </p:tgtEl>
+                                      </p:cBhvr>
+                                    </p:animEffect>
+                                  </p:childTnLst>
+                                </p:cTn>
+                              </p:par>
+                              <p:par>
+                                <p:cTn id="8" presetID="10" presetClass="entr" presetSubtype="0" fill="hold" nodeType="withEffect">
+                                  <p:stCondLst>
+                                    <p:cond delay="0"/>
+                                  </p:stCondLst>
+                                  <p:childTnLst>
+                                    <p:set>
+                                      <p:cBhvr>
+                                        <p:cTn id="9" dur="1" fill="hold">
+                                          <p:stCondLst>
+                                            <p:cond delay="0"/>
+                                          </p:stCondLst>
+                                        </p:cTn>
+                                        <p:tgtEl>
+                                          <p:spTgt spid="5"/>
+                                        </p:tgtEl>
+                                        <p:attrNameLst>
+                                          <p:attrName>style.visibility</p:attrName>
+                                        </p:attrNameLst>
+                                      </p:cBhvr>
+                                      <p:to>
+                                        <p:strVal val="visible"/>
+                                      </p:to>
+                                    </p:set>
+                                    <p:animEffect transition="in" filter="fade">
+                                      <p:cBhvr>
+                                        <p:cTn id="10" dur="500"/>
+                                        <p:tgtEl>
+                                          <p:spTgt spid="5"/>
+                                        </p:tgtEl>
+                                      </p:cBhvr>
+                                    </p:animEffect>
+                                  </p:childTnLst>
+                                </p:cTn>
+                              </p:par>
+                              <p:par>
+                                <p:cTn id="11" presetID="10" presetClass="entr" presetSubtype="0" fill="hold" grpId="0" nodeType="withEffect">
+                                  <p:stCondLst>
+                                    <p:cond delay="0"/>
+                                  </p:stCondLst>
+                                  <p:childTnLst>
+                                    <p:set>
+                                      <p:cBhvr>
+                                        <p:cTn id="12" dur="1" fill="hold">
+                                          <p:stCondLst>
+                                            <p:cond delay="0"/>
+                                          </p:stCondLst>
+                                        </p:cTn>
+                                        <p:tgtEl>
+                                          <p:spTgt spid="7"/>
+                                        </p:tgtEl>
+                                        <p:attrNameLst>
+                                          <p:attrName>style.visibility</p:attrName>
+                                        </p:attrNameLst>
+                                      </p:cBhvr>
+                                      <p:to>
+                                        <p:strVal val="visible"/>
+                                      </p:to>
+                                    </p:set>
+                                    <p:animEffect transition="in" filter="fade">
+                                      <p:cBhvr>
+                                        <p:cTn id="13" dur="500"/>
+                                        <p:tgtEl>
+                                          <p:spTgt spid="7"/>
+                                        </p:tgtEl>
+                                      </p:cBhvr>
+                                    </p:animEffect>
+                                  </p:childTnLst>
+                                </p:cTn>
+                              </p:par>
+                              <p:par>
+                                <p:cTn id="14" presetID="10" presetClass="entr" presetSubtype="0" fill="hold" grpId="0" nodeType="withEffect">
+                                  <p:stCondLst>
+                                    <p:cond delay="0"/>
+                                  </p:stCondLst>
+                                  <p:childTnLst>
+                                    <p:set>
+                                      <p:cBhvr>
+                                        <p:cTn id="15" dur="1" fill="hold">
+                                          <p:stCondLst>
+                                            <p:cond delay="0"/>
+                                          </p:stCondLst>
+                                        </p:cTn>
+                                        <p:tgtEl>
+                                          <p:spTgt spid="8"/>
+                                        </p:tgtEl>
+                                        <p:attrNameLst>
+                                          <p:attrName>style.visibility</p:attrName>
+                                        </p:attrNameLst>
+                                      </p:cBhvr>
+                                      <p:to>
+                                        <p:strVal val="visible"/>
+                                      </p:to>
+                                    </p:set>
+                                    <p:animEffect transition="in" filter="fade">
+                                      <p:cBhvr>
+                                        <p:cTn id="16" dur="500"/>
+                                        <p:tgtEl>
+                                          <p:spTgt spid="8"/>
+                                        </p:tgtEl>
+                                      </p:cBhvr>
+                                    </p:animEffect>
+                                  </p:childTnLst>
+                                </p:cTn>
+                              </p:par>
+                              <p:par>
+                                <p:cTn id="17" presetID="10" presetClass="entr" presetSubtype="0" fill="hold" grpId="0" nodeType="withEffect">
+                                  <p:stCondLst>
+                                    <p:cond delay="0"/>
+                                  </p:stCondLst>
+                                  <p:childTnLst>
+                                    <p:set>
+                                      <p:cBhvr>
+                                        <p:cTn id="18" dur="1" fill="hold">
+                                          <p:stCondLst>
+                                            <p:cond delay="0"/>
+                                          </p:stCondLst>
+                                        </p:cTn>
+                                        <p:tgtEl>
+                                          <p:spTgt spid="9"/>
+                                        </p:tgtEl>
+                                        <p:attrNameLst>
+                                          <p:attrName>style.visibility</p:attrName>
+                                        </p:attrNameLst>
+                                      </p:cBhvr>
+                                      <p:to>
+                                        <p:strVal val="visible"/>
+                                      </p:to>
+                                    </p:set>
+                                    <p:animEffect transition="in" filter="fade">
+                                      <p:cBhvr>
+                                        <p:cTn id="19" dur="500"/>
+                                        <p:tgtEl>
+                                          <p:spTgt spid="9"/>
+                                        </p:tgtEl>
+                                      </p:cBhvr>
+                                    </p:animEffect>
                                   </p:childTnLst>
                                 </p:cTn>
                               </p:par>
@@ -8224,6 +8691,11 @@
         </p:cTn>
       </p:par>
     </p:tnLst>
+    <p:bldLst>
+      <p:bldP spid="7" grpId="0"/>
+      <p:bldP spid="8" grpId="0"/>
+      <p:bldP spid="9" grpId="0" animBg="1"/>
+    </p:bldLst>
   </p:timing>
 </p:sld>
 </file>
@@ -8250,7 +8722,7 @@
           <p:cNvPr id="2" name="Titolo 1">
             <a:extLst>
               <a:ext uri="{FF2B5EF4-FFF2-40B4-BE49-F238E27FC236}">
-                <a16:creationId xmlns:a16="http://schemas.microsoft.com/office/drawing/2014/main" xmlns="" id="{1B67CCBC-3FC1-4DCE-8078-4F7C03F81E50}"/>
+                <a16:creationId xmlns="" xmlns:a16="http://schemas.microsoft.com/office/drawing/2014/main" id="{1B67CCBC-3FC1-4DCE-8078-4F7C03F81E50}"/>
               </a:ext>
             </a:extLst>
           </p:cNvPr>
@@ -8278,7 +8750,7 @@
           <p:cNvPr id="7" name="Segnaposto contenuto 6">
             <a:extLst>
               <a:ext uri="{FF2B5EF4-FFF2-40B4-BE49-F238E27FC236}">
-                <a16:creationId xmlns:a16="http://schemas.microsoft.com/office/drawing/2014/main" xmlns="" id="{B0140C04-47BF-4D6A-805D-AFB08CFD4A54}"/>
+                <a16:creationId xmlns="" xmlns:a16="http://schemas.microsoft.com/office/drawing/2014/main" id="{B0140C04-47BF-4D6A-805D-AFB08CFD4A54}"/>
               </a:ext>
             </a:extLst>
           </p:cNvPr>
@@ -8313,7 +8785,7 @@
           <p:cNvPr id="9" name="Immagine 8">
             <a:extLst>
               <a:ext uri="{FF2B5EF4-FFF2-40B4-BE49-F238E27FC236}">
-                <a16:creationId xmlns:a16="http://schemas.microsoft.com/office/drawing/2014/main" xmlns="" id="{F06BCA66-9014-483A-871F-DFFF3B755354}"/>
+                <a16:creationId xmlns="" xmlns:a16="http://schemas.microsoft.com/office/drawing/2014/main" id="{F06BCA66-9014-483A-871F-DFFF3B755354}"/>
               </a:ext>
             </a:extLst>
           </p:cNvPr>
@@ -8375,7 +8847,7 @@
                             </p:stCondLst>
                             <p:childTnLst>
                               <p:par>
-                                <p:cTn id="5" presetID="1" presetClass="entr" presetSubtype="0" fill="hold" nodeType="clickEffect">
+                                <p:cTn id="5" presetID="10" presetClass="entr" presetSubtype="0" fill="hold" nodeType="clickEffect">
                                   <p:stCondLst>
                                     <p:cond delay="0"/>
                                   </p:stCondLst>
@@ -8398,6 +8870,14 @@
                                         <p:strVal val="visible"/>
                                       </p:to>
                                     </p:set>
+                                    <p:animEffect transition="in" filter="fade">
+                                      <p:cBhvr>
+                                        <p:cTn id="7" dur="500"/>
+                                        <p:tgtEl>
+                                          <p:spTgt spid="9"/>
+                                        </p:tgtEl>
+                                      </p:cBhvr>
+                                    </p:animEffect>
                                   </p:childTnLst>
                                 </p:cTn>
                               </p:par>
@@ -8462,7 +8942,7 @@
           <p:cNvPr id="2" name="Titolo 1">
             <a:extLst>
               <a:ext uri="{FF2B5EF4-FFF2-40B4-BE49-F238E27FC236}">
-                <a16:creationId xmlns:a16="http://schemas.microsoft.com/office/drawing/2014/main" xmlns="" id="{A0E1236B-2064-4237-89A2-087FB750BD0A}"/>
+                <a16:creationId xmlns="" xmlns:a16="http://schemas.microsoft.com/office/drawing/2014/main" id="{A0E1236B-2064-4237-89A2-087FB750BD0A}"/>
               </a:ext>
             </a:extLst>
           </p:cNvPr>
@@ -8497,7 +8977,7 @@
           <p:cNvPr id="3" name="Segnaposto contenuto 2">
             <a:extLst>
               <a:ext uri="{FF2B5EF4-FFF2-40B4-BE49-F238E27FC236}">
-                <a16:creationId xmlns:a16="http://schemas.microsoft.com/office/drawing/2014/main" xmlns="" id="{6B4AE4BC-1A2B-4811-9E56-438C5D2EAFC3}"/>
+                <a16:creationId xmlns="" xmlns:a16="http://schemas.microsoft.com/office/drawing/2014/main" id="{6B4AE4BC-1A2B-4811-9E56-438C5D2EAFC3}"/>
               </a:ext>
             </a:extLst>
           </p:cNvPr>
@@ -8553,7 +9033,7 @@
           <p:cNvPr id="4" name="Picture 6" descr="Related image">
             <a:extLst>
               <a:ext uri="{FF2B5EF4-FFF2-40B4-BE49-F238E27FC236}">
-                <a16:creationId xmlns:a16="http://schemas.microsoft.com/office/drawing/2014/main" xmlns="" id="{9BC8B7EE-D791-45C7-82A4-489C80C224F0}"/>
+                <a16:creationId xmlns="" xmlns:a16="http://schemas.microsoft.com/office/drawing/2014/main" id="{9BC8B7EE-D791-45C7-82A4-489C80C224F0}"/>
               </a:ext>
             </a:extLst>
           </p:cNvPr>
@@ -8604,6 +9084,13 @@
   <p:clrMapOvr>
     <a:masterClrMapping/>
   </p:clrMapOvr>
+  <p:timing>
+    <p:tnLst>
+      <p:par>
+        <p:cTn id="1" dur="indefinite" restart="never" nodeType="tmRoot"/>
+      </p:par>
+    </p:tnLst>
+  </p:timing>
 </p:sld>
 </file>
 
@@ -8629,7 +9116,7 @@
           <p:cNvPr id="2" name="Titolo 1">
             <a:extLst>
               <a:ext uri="{FF2B5EF4-FFF2-40B4-BE49-F238E27FC236}">
-                <a16:creationId xmlns:a16="http://schemas.microsoft.com/office/drawing/2014/main" xmlns="" id="{A903AAEA-4EDE-4522-BC69-16A321578215}"/>
+                <a16:creationId xmlns="" xmlns:a16="http://schemas.microsoft.com/office/drawing/2014/main" id="{A903AAEA-4EDE-4522-BC69-16A321578215}"/>
               </a:ext>
             </a:extLst>
           </p:cNvPr>
@@ -8657,7 +9144,7 @@
           <p:cNvPr id="3" name="Segnaposto contenuto 2">
             <a:extLst>
               <a:ext uri="{FF2B5EF4-FFF2-40B4-BE49-F238E27FC236}">
-                <a16:creationId xmlns:a16="http://schemas.microsoft.com/office/drawing/2014/main" xmlns="" id="{16AC750B-AF08-46AF-8654-4175F2CFDE2A}"/>
+                <a16:creationId xmlns="" xmlns:a16="http://schemas.microsoft.com/office/drawing/2014/main" id="{16AC750B-AF08-46AF-8654-4175F2CFDE2A}"/>
               </a:ext>
             </a:extLst>
           </p:cNvPr>
@@ -8696,7 +9183,7 @@
           <p:cNvPr id="5" name="Immagine 4">
             <a:extLst>
               <a:ext uri="{FF2B5EF4-FFF2-40B4-BE49-F238E27FC236}">
-                <a16:creationId xmlns:a16="http://schemas.microsoft.com/office/drawing/2014/main" xmlns="" id="{9044D5C4-CFF5-4430-9D77-036F7B0B3C78}"/>
+                <a16:creationId xmlns="" xmlns:a16="http://schemas.microsoft.com/office/drawing/2014/main" id="{9044D5C4-CFF5-4430-9D77-036F7B0B3C78}"/>
               </a:ext>
             </a:extLst>
           </p:cNvPr>
@@ -8736,6 +9223,13 @@
   <p:clrMapOvr>
     <a:masterClrMapping/>
   </p:clrMapOvr>
+  <p:timing>
+    <p:tnLst>
+      <p:par>
+        <p:cTn id="1" dur="indefinite" restart="never" nodeType="tmRoot"/>
+      </p:par>
+    </p:tnLst>
+  </p:timing>
 </p:sld>
 </file>
 
@@ -8761,7 +9255,7 @@
           <p:cNvPr id="2" name="Titolo 1">
             <a:extLst>
               <a:ext uri="{FF2B5EF4-FFF2-40B4-BE49-F238E27FC236}">
-                <a16:creationId xmlns:a16="http://schemas.microsoft.com/office/drawing/2014/main" xmlns="" id="{07650F49-F0AB-4A2B-9737-282A0952F241}"/>
+                <a16:creationId xmlns="" xmlns:a16="http://schemas.microsoft.com/office/drawing/2014/main" id="{07650F49-F0AB-4A2B-9737-282A0952F241}"/>
               </a:ext>
             </a:extLst>
           </p:cNvPr>
@@ -8790,7 +9284,7 @@
           <p:cNvPr id="3" name="Sottotitolo 2">
             <a:extLst>
               <a:ext uri="{FF2B5EF4-FFF2-40B4-BE49-F238E27FC236}">
-                <a16:creationId xmlns:a16="http://schemas.microsoft.com/office/drawing/2014/main" xmlns="" id="{FD735B2E-9D76-4E4A-87E9-ED7A93FA8EC4}"/>
+                <a16:creationId xmlns="" xmlns:a16="http://schemas.microsoft.com/office/drawing/2014/main" id="{FD735B2E-9D76-4E4A-87E9-ED7A93FA8EC4}"/>
               </a:ext>
             </a:extLst>
           </p:cNvPr>
@@ -8824,6 +9318,13 @@
   <p:clrMapOvr>
     <a:masterClrMapping/>
   </p:clrMapOvr>
+  <p:timing>
+    <p:tnLst>
+      <p:par>
+        <p:cTn id="1" dur="indefinite" restart="never" nodeType="tmRoot"/>
+      </p:par>
+    </p:tnLst>
+  </p:timing>
 </p:sld>
 </file>
 
@@ -8849,7 +9350,7 @@
           <p:cNvPr id="2" name="Titolo 1">
             <a:extLst>
               <a:ext uri="{FF2B5EF4-FFF2-40B4-BE49-F238E27FC236}">
-                <a16:creationId xmlns:a16="http://schemas.microsoft.com/office/drawing/2014/main" xmlns="" id="{5210A900-A952-44AB-800D-938B78D802D6}"/>
+                <a16:creationId xmlns="" xmlns:a16="http://schemas.microsoft.com/office/drawing/2014/main" id="{5210A900-A952-44AB-800D-938B78D802D6}"/>
               </a:ext>
             </a:extLst>
           </p:cNvPr>
@@ -8877,7 +9378,7 @@
           <p:cNvPr id="3" name="Segnaposto contenuto 2">
             <a:extLst>
               <a:ext uri="{FF2B5EF4-FFF2-40B4-BE49-F238E27FC236}">
-                <a16:creationId xmlns:a16="http://schemas.microsoft.com/office/drawing/2014/main" xmlns="" id="{B0DB420D-D66C-4844-B03B-AE84B1F51371}"/>
+                <a16:creationId xmlns="" xmlns:a16="http://schemas.microsoft.com/office/drawing/2014/main" id="{B0DB420D-D66C-4844-B03B-AE84B1F51371}"/>
               </a:ext>
             </a:extLst>
           </p:cNvPr>
@@ -8891,7 +9392,7 @@
         <p:spPr/>
         <p:txBody>
           <a:bodyPr>
-            <a:normAutofit fontScale="85000" lnSpcReduction="20000"/>
+            <a:normAutofit fontScale="92500" lnSpcReduction="10000"/>
           </a:bodyPr>
           <a:lstStyle/>
           <a:p>
@@ -8923,20 +9424,18 @@
           </a:p>
           <a:p>
             <a:r>
+              <a:rPr lang="it-CH" sz="2800" dirty="0" smtClean="0"/>
+              <a:t>Implementazione</a:t>
+            </a:r>
+          </a:p>
+          <a:p>
+            <a:r>
+              <a:rPr lang="it-CH" sz="2800" dirty="0" smtClean="0"/>
+              <a:t>Ore </a:t>
+            </a:r>
+            <a:r>
               <a:rPr lang="it-CH" sz="2800" dirty="0"/>
-              <a:t>Implementazione</a:t>
-            </a:r>
-          </a:p>
-          <a:p>
-            <a:r>
-              <a:rPr lang="it-CH" sz="2800" dirty="0"/>
-              <a:t>Test</a:t>
-            </a:r>
-          </a:p>
-          <a:p>
-            <a:r>
-              <a:rPr lang="it-CH" sz="2800" dirty="0"/>
-              <a:t>Ore investite</a:t>
+              <a:t>investite</a:t>
             </a:r>
           </a:p>
           <a:p>
@@ -9338,58 +9837,6 @@
                             </p:childTnLst>
                           </p:cTn>
                         </p:par>
-                        <p:par>
-                          <p:cTn id="32" fill="hold">
-                            <p:stCondLst>
-                              <p:cond delay="3500"/>
-                            </p:stCondLst>
-                            <p:childTnLst>
-                              <p:par>
-                                <p:cTn id="33" presetID="10" presetClass="entr" presetSubtype="0" fill="hold" grpId="0" nodeType="afterEffect">
-                                  <p:stCondLst>
-                                    <p:cond delay="0"/>
-                                  </p:stCondLst>
-                                  <p:childTnLst>
-                                    <p:set>
-                                      <p:cBhvr>
-                                        <p:cTn id="34" dur="1" fill="hold">
-                                          <p:stCondLst>
-                                            <p:cond delay="0"/>
-                                          </p:stCondLst>
-                                        </p:cTn>
-                                        <p:tgtEl>
-                                          <p:spTgt spid="3">
-                                            <p:txEl>
-                                              <p:pRg st="8" end="8"/>
-                                            </p:txEl>
-                                          </p:spTgt>
-                                        </p:tgtEl>
-                                        <p:attrNameLst>
-                                          <p:attrName>style.visibility</p:attrName>
-                                        </p:attrNameLst>
-                                      </p:cBhvr>
-                                      <p:to>
-                                        <p:strVal val="visible"/>
-                                      </p:to>
-                                    </p:set>
-                                    <p:animEffect transition="in" filter="fade">
-                                      <p:cBhvr>
-                                        <p:cTn id="35" dur="500"/>
-                                        <p:tgtEl>
-                                          <p:spTgt spid="3">
-                                            <p:txEl>
-                                              <p:pRg st="8" end="8"/>
-                                            </p:txEl>
-                                          </p:spTgt>
-                                        </p:tgtEl>
-                                      </p:cBhvr>
-                                    </p:animEffect>
-                                  </p:childTnLst>
-                                </p:cTn>
-                              </p:par>
-                            </p:childTnLst>
-                          </p:cTn>
-                        </p:par>
                       </p:childTnLst>
                     </p:cTn>
                   </p:par>
@@ -9443,7 +9890,7 @@
           <p:cNvPr id="2" name="Titolo 1">
             <a:extLst>
               <a:ext uri="{FF2B5EF4-FFF2-40B4-BE49-F238E27FC236}">
-                <a16:creationId xmlns:a16="http://schemas.microsoft.com/office/drawing/2014/main" xmlns="" id="{CE2C0F09-3221-421C-B777-3D38DF0939C8}"/>
+                <a16:creationId xmlns="" xmlns:a16="http://schemas.microsoft.com/office/drawing/2014/main" id="{CE2C0F09-3221-421C-B777-3D38DF0939C8}"/>
               </a:ext>
             </a:extLst>
           </p:cNvPr>
@@ -9471,7 +9918,7 @@
           <p:cNvPr id="3" name="Segnaposto contenuto 2">
             <a:extLst>
               <a:ext uri="{FF2B5EF4-FFF2-40B4-BE49-F238E27FC236}">
-                <a16:creationId xmlns:a16="http://schemas.microsoft.com/office/drawing/2014/main" xmlns="" id="{6BF152D1-30B5-498C-9604-A0EE3A8CC7A4}"/>
+                <a16:creationId xmlns="" xmlns:a16="http://schemas.microsoft.com/office/drawing/2014/main" id="{6BF152D1-30B5-498C-9604-A0EE3A8CC7A4}"/>
               </a:ext>
             </a:extLst>
           </p:cNvPr>
@@ -9522,7 +9969,7 @@
           <p:cNvPr id="4" name="Picture 7">
             <a:extLst>
               <a:ext uri="{FF2B5EF4-FFF2-40B4-BE49-F238E27FC236}">
-                <a16:creationId xmlns:a16="http://schemas.microsoft.com/office/drawing/2014/main" xmlns="" id="{EB505230-90D0-49CE-BEA6-A140FB17D7A1}"/>
+                <a16:creationId xmlns="" xmlns:a16="http://schemas.microsoft.com/office/drawing/2014/main" id="{EB505230-90D0-49CE-BEA6-A140FB17D7A1}"/>
               </a:ext>
             </a:extLst>
           </p:cNvPr>
@@ -9789,7 +10236,7 @@
           <p:cNvPr id="2" name="Titolo 1">
             <a:extLst>
               <a:ext uri="{FF2B5EF4-FFF2-40B4-BE49-F238E27FC236}">
-                <a16:creationId xmlns:a16="http://schemas.microsoft.com/office/drawing/2014/main" xmlns="" id="{05B8D7CC-1300-40C6-9A71-31B38A146B55}"/>
+                <a16:creationId xmlns="" xmlns:a16="http://schemas.microsoft.com/office/drawing/2014/main" id="{05B8D7CC-1300-40C6-9A71-31B38A146B55}"/>
               </a:ext>
             </a:extLst>
           </p:cNvPr>
@@ -9817,7 +10264,7 @@
           <p:cNvPr id="3" name="Segnaposto contenuto 2">
             <a:extLst>
               <a:ext uri="{FF2B5EF4-FFF2-40B4-BE49-F238E27FC236}">
-                <a16:creationId xmlns:a16="http://schemas.microsoft.com/office/drawing/2014/main" xmlns="" id="{EF76A50E-973E-4AD4-9D46-CA4D6BE9E9C4}"/>
+                <a16:creationId xmlns="" xmlns:a16="http://schemas.microsoft.com/office/drawing/2014/main" id="{EF76A50E-973E-4AD4-9D46-CA4D6BE9E9C4}"/>
               </a:ext>
             </a:extLst>
           </p:cNvPr>
@@ -9870,11 +10317,11 @@
             </a:pPr>
             <a:r>
               <a:rPr lang="it-CH" sz="1600" dirty="0" smtClean="0"/>
-              <a:t>Differenze </a:t>
+              <a:t>Aggiornamento ogni 5 </a:t>
             </a:r>
             <a:r>
               <a:rPr lang="it-CH" sz="1600" dirty="0"/>
-              <a:t>di 5 minuti</a:t>
+              <a:t>minuti</a:t>
             </a:r>
           </a:p>
           <a:p>
@@ -9941,6 +10388,9 @@
                     <p:cTn id="3" fill="hold">
                       <p:stCondLst>
                         <p:cond delay="indefinite"/>
+                        <p:cond evt="onBegin" delay="0">
+                          <p:tn val="2"/>
+                        </p:cond>
                       </p:stCondLst>
                       <p:childTnLst>
                         <p:par>
@@ -9950,7 +10400,7 @@
                             </p:stCondLst>
                             <p:childTnLst>
                               <p:par>
-                                <p:cTn id="5" presetID="10" presetClass="entr" presetSubtype="0" fill="hold" grpId="0" nodeType="clickEffect">
+                                <p:cTn id="5" presetID="10" presetClass="entr" presetSubtype="0" fill="hold" grpId="0" nodeType="afterEffect">
                                   <p:stCondLst>
                                     <p:cond delay="0"/>
                                   </p:stCondLst>
@@ -10289,7 +10739,7 @@
           <p:cNvPr id="11" name="Immagine 7">
             <a:extLst>
               <a:ext uri="{FF2B5EF4-FFF2-40B4-BE49-F238E27FC236}">
-                <a16:creationId xmlns:a16="http://schemas.microsoft.com/office/drawing/2014/main" xmlns="" id="{C4602F1F-F493-4A5C-AB27-98040B959411}"/>
+                <a16:creationId xmlns="" xmlns:a16="http://schemas.microsoft.com/office/drawing/2014/main" id="{C4602F1F-F493-4A5C-AB27-98040B959411}"/>
               </a:ext>
             </a:extLst>
           </p:cNvPr>
@@ -10326,7 +10776,7 @@
           <p:cNvPr id="12" name="CasellaDiTesto 11">
             <a:extLst>
               <a:ext uri="{FF2B5EF4-FFF2-40B4-BE49-F238E27FC236}">
-                <a16:creationId xmlns:a16="http://schemas.microsoft.com/office/drawing/2014/main" xmlns="" id="{AA730C93-7217-4CD6-BA7F-89285C8C7E85}"/>
+                <a16:creationId xmlns="" xmlns:a16="http://schemas.microsoft.com/office/drawing/2014/main" id="{AA730C93-7217-4CD6-BA7F-89285C8C7E85}"/>
               </a:ext>
             </a:extLst>
           </p:cNvPr>
@@ -10408,7 +10858,7 @@
           <p:cNvPr id="6" name="Segnaposto contenuto 5">
             <a:extLst>
               <a:ext uri="{FF2B5EF4-FFF2-40B4-BE49-F238E27FC236}">
-                <a16:creationId xmlns:a16="http://schemas.microsoft.com/office/drawing/2014/main" xmlns="" id="{AA1E9434-5471-43DC-B802-141A224DED3C}"/>
+                <a16:creationId xmlns="" xmlns:a16="http://schemas.microsoft.com/office/drawing/2014/main" id="{AA1E9434-5471-43DC-B802-141A224DED3C}"/>
               </a:ext>
             </a:extLst>
           </p:cNvPr>
@@ -10432,8 +10882,8 @@
         </p:blipFill>
         <p:spPr>
           <a:xfrm>
-            <a:off x="0" y="1483744"/>
-            <a:ext cx="12192000" cy="3989353"/>
+            <a:off x="0" y="1785668"/>
+            <a:ext cx="12192000" cy="3687429"/>
           </a:xfrm>
           <a:prstGeom prst="rect">
             <a:avLst/>
@@ -10445,7 +10895,7 @@
           <p:cNvPr id="4" name="Ovale 3">
             <a:extLst>
               <a:ext uri="{FF2B5EF4-FFF2-40B4-BE49-F238E27FC236}">
-                <a16:creationId xmlns:a16="http://schemas.microsoft.com/office/drawing/2014/main" xmlns="" id="{E14C62D4-ECC8-483A-9897-D99E1886D6BD}"/>
+                <a16:creationId xmlns="" xmlns:a16="http://schemas.microsoft.com/office/drawing/2014/main" id="{E14C62D4-ECC8-483A-9897-D99E1886D6BD}"/>
               </a:ext>
             </a:extLst>
           </p:cNvPr>
@@ -10454,7 +10904,7 @@
         </p:nvSpPr>
         <p:spPr>
           <a:xfrm>
-            <a:off x="3352952" y="3386260"/>
+            <a:off x="3318447" y="3507030"/>
             <a:ext cx="3272589" cy="2181727"/>
           </a:xfrm>
           <a:prstGeom prst="ellipse">
@@ -10497,7 +10947,7 @@
           <p:cNvPr id="5" name="CasellaDiTesto 4">
             <a:extLst>
               <a:ext uri="{FF2B5EF4-FFF2-40B4-BE49-F238E27FC236}">
-                <a16:creationId xmlns:a16="http://schemas.microsoft.com/office/drawing/2014/main" xmlns="" id="{AA730C93-7217-4CD6-BA7F-89285C8C7E85}"/>
+                <a16:creationId xmlns="" xmlns:a16="http://schemas.microsoft.com/office/drawing/2014/main" id="{AA730C93-7217-4CD6-BA7F-89285C8C7E85}"/>
               </a:ext>
             </a:extLst>
           </p:cNvPr>
@@ -10582,10 +11032,10 @@
           <p:cNvPr id="38" name="Rectangle 37">
             <a:extLst>
               <a:ext uri="{FF2B5EF4-FFF2-40B4-BE49-F238E27FC236}">
-                <a16:creationId xmlns:a16="http://schemas.microsoft.com/office/drawing/2014/main" xmlns="" id="{4E4490D0-3672-446A-AC12-B4830333BDDD}"/>
+                <a16:creationId xmlns="" xmlns:a16="http://schemas.microsoft.com/office/drawing/2014/main" id="{4E4490D0-3672-446A-AC12-B4830333BDDD}"/>
               </a:ext>
               <a:ext uri="{C183D7F6-B498-43B3-948B-1728B52AA6E4}">
-                <adec:decorative xmlns:adec="http://schemas.microsoft.com/office/drawing/2017/decorative" xmlns="" val="1"/>
+                <adec:decorative xmlns="" xmlns:adec="http://schemas.microsoft.com/office/drawing/2017/decorative" val="1"/>
               </a:ext>
             </a:extLst>
           </p:cNvPr>
@@ -10595,7 +11045,7 @@
           <p:nvPr>
             <p:extLst>
               <p:ext uri="{386F3935-93C4-4BCD-93E2-E3B085C9AB24}">
-                <p16:designElem xmlns:p16="http://schemas.microsoft.com/office/powerpoint/2015/main" xmlns="" val="1"/>
+                <p16:designElem xmlns="" xmlns:p16="http://schemas.microsoft.com/office/powerpoint/2015/main" val="1"/>
               </p:ext>
             </p:extLst>
           </p:nvPr>
@@ -10637,10 +11087,10 @@
           <p:cNvPr id="40" name="Rectangle 39">
             <a:extLst>
               <a:ext uri="{FF2B5EF4-FFF2-40B4-BE49-F238E27FC236}">
-                <a16:creationId xmlns:a16="http://schemas.microsoft.com/office/drawing/2014/main" xmlns="" id="{39CB82C2-DF65-4EC1-8280-F201D50F570B}"/>
+                <a16:creationId xmlns="" xmlns:a16="http://schemas.microsoft.com/office/drawing/2014/main" id="{39CB82C2-DF65-4EC1-8280-F201D50F570B}"/>
               </a:ext>
               <a:ext uri="{C183D7F6-B498-43B3-948B-1728B52AA6E4}">
-                <adec:decorative xmlns:adec="http://schemas.microsoft.com/office/drawing/2017/decorative" xmlns="" val="1"/>
+                <adec:decorative xmlns="" xmlns:adec="http://schemas.microsoft.com/office/drawing/2017/decorative" val="1"/>
               </a:ext>
             </a:extLst>
           </p:cNvPr>
@@ -10650,7 +11100,7 @@
           <p:nvPr>
             <p:extLst>
               <p:ext uri="{386F3935-93C4-4BCD-93E2-E3B085C9AB24}">
-                <p16:designElem xmlns:p16="http://schemas.microsoft.com/office/powerpoint/2015/main" xmlns="" val="1"/>
+                <p16:designElem xmlns="" xmlns:p16="http://schemas.microsoft.com/office/powerpoint/2015/main" val="1"/>
               </p:ext>
             </p:extLst>
           </p:nvPr>
@@ -10692,10 +11142,10 @@
           <p:cNvPr id="42" name="Straight Connector 41">
             <a:extLst>
               <a:ext uri="{FF2B5EF4-FFF2-40B4-BE49-F238E27FC236}">
-                <a16:creationId xmlns:a16="http://schemas.microsoft.com/office/drawing/2014/main" xmlns="" id="{7E1D4427-852B-4B37-8E76-0E9F1810BA2A}"/>
+                <a16:creationId xmlns="" xmlns:a16="http://schemas.microsoft.com/office/drawing/2014/main" id="{7E1D4427-852B-4B37-8E76-0E9F1810BA2A}"/>
               </a:ext>
               <a:ext uri="{C183D7F6-B498-43B3-948B-1728B52AA6E4}">
-                <adec:decorative xmlns:adec="http://schemas.microsoft.com/office/drawing/2017/decorative" xmlns="" val="1"/>
+                <adec:decorative xmlns="" xmlns:adec="http://schemas.microsoft.com/office/drawing/2017/decorative" val="1"/>
               </a:ext>
             </a:extLst>
           </p:cNvPr>
@@ -10705,7 +11155,7 @@
           <p:nvPr>
             <p:extLst>
               <p:ext uri="{386F3935-93C4-4BCD-93E2-E3B085C9AB24}">
-                <p16:designElem xmlns:p16="http://schemas.microsoft.com/office/powerpoint/2015/main" xmlns="" val="1"/>
+                <p16:designElem xmlns="" xmlns:p16="http://schemas.microsoft.com/office/powerpoint/2015/main" val="1"/>
               </p:ext>
             </p:extLst>
           </p:nvPr>
@@ -10747,10 +11197,10 @@
           <p:cNvPr id="44" name="Rectangle 43">
             <a:extLst>
               <a:ext uri="{FF2B5EF4-FFF2-40B4-BE49-F238E27FC236}">
-                <a16:creationId xmlns:a16="http://schemas.microsoft.com/office/drawing/2014/main" xmlns="" id="{FA4CD5CB-D209-4D70-8CA4-629731C59219}"/>
+                <a16:creationId xmlns="" xmlns:a16="http://schemas.microsoft.com/office/drawing/2014/main" id="{FA4CD5CB-D209-4D70-8CA4-629731C59219}"/>
               </a:ext>
               <a:ext uri="{C183D7F6-B498-43B3-948B-1728B52AA6E4}">
-                <adec:decorative xmlns:adec="http://schemas.microsoft.com/office/drawing/2017/decorative" xmlns="" val="1"/>
+                <adec:decorative xmlns="" xmlns:adec="http://schemas.microsoft.com/office/drawing/2017/decorative" val="1"/>
               </a:ext>
             </a:extLst>
           </p:cNvPr>
@@ -10760,7 +11210,7 @@
           <p:nvPr>
             <p:extLst>
               <p:ext uri="{386F3935-93C4-4BCD-93E2-E3B085C9AB24}">
-                <p16:designElem xmlns:p16="http://schemas.microsoft.com/office/powerpoint/2015/main" xmlns="" val="1"/>
+                <p16:designElem xmlns="" xmlns:p16="http://schemas.microsoft.com/office/powerpoint/2015/main" val="1"/>
               </p:ext>
             </p:extLst>
           </p:nvPr>
@@ -10807,7 +11257,7 @@
           <p:cNvPr id="5" name="Titolo 4">
             <a:extLst>
               <a:ext uri="{FF2B5EF4-FFF2-40B4-BE49-F238E27FC236}">
-                <a16:creationId xmlns:a16="http://schemas.microsoft.com/office/drawing/2014/main" xmlns="" id="{68867EF6-D033-4487-8A94-A11710DE8041}"/>
+                <a16:creationId xmlns="" xmlns:a16="http://schemas.microsoft.com/office/drawing/2014/main" id="{68867EF6-D033-4487-8A94-A11710DE8041}"/>
               </a:ext>
             </a:extLst>
           </p:cNvPr>
@@ -10849,7 +11299,7 @@
           <p:cNvPr id="35" name="Immagine 28">
             <a:extLst>
               <a:ext uri="{FF2B5EF4-FFF2-40B4-BE49-F238E27FC236}">
-                <a16:creationId xmlns:a16="http://schemas.microsoft.com/office/drawing/2014/main" xmlns="" id="{07EC3653-FEEE-4746-B195-89EB351693A2}"/>
+                <a16:creationId xmlns="" xmlns:a16="http://schemas.microsoft.com/office/drawing/2014/main" id="{07EC3653-FEEE-4746-B195-89EB351693A2}"/>
               </a:ext>
             </a:extLst>
           </p:cNvPr>
@@ -10887,10 +11337,10 @@
           <p:cNvPr id="46" name="Straight Connector 45">
             <a:extLst>
               <a:ext uri="{FF2B5EF4-FFF2-40B4-BE49-F238E27FC236}">
-                <a16:creationId xmlns:a16="http://schemas.microsoft.com/office/drawing/2014/main" xmlns="" id="{5C6A2BAE-B461-4B55-8E1F-0722ABDD1393}"/>
+                <a16:creationId xmlns="" xmlns:a16="http://schemas.microsoft.com/office/drawing/2014/main" id="{5C6A2BAE-B461-4B55-8E1F-0722ABDD1393}"/>
               </a:ext>
               <a:ext uri="{C183D7F6-B498-43B3-948B-1728B52AA6E4}">
-                <adec:decorative xmlns:adec="http://schemas.microsoft.com/office/drawing/2017/decorative" xmlns="" val="1"/>
+                <adec:decorative xmlns="" xmlns:adec="http://schemas.microsoft.com/office/drawing/2017/decorative" val="1"/>
               </a:ext>
             </a:extLst>
           </p:cNvPr>
@@ -10900,7 +11350,7 @@
           <p:nvPr>
             <p:extLst>
               <p:ext uri="{386F3935-93C4-4BCD-93E2-E3B085C9AB24}">
-                <p16:designElem xmlns:p16="http://schemas.microsoft.com/office/powerpoint/2015/main" xmlns="" val="1"/>
+                <p16:designElem xmlns="" xmlns:p16="http://schemas.microsoft.com/office/powerpoint/2015/main" val="1"/>
               </p:ext>
             </p:extLst>
           </p:nvPr>
@@ -10941,10 +11391,10 @@
           <p:cNvPr id="48" name="Rectangle 47">
             <a:extLst>
               <a:ext uri="{FF2B5EF4-FFF2-40B4-BE49-F238E27FC236}">
-                <a16:creationId xmlns:a16="http://schemas.microsoft.com/office/drawing/2014/main" xmlns="" id="{B4C27B90-DF2B-4D00-BA07-18ED774CD2F1}"/>
+                <a16:creationId xmlns="" xmlns:a16="http://schemas.microsoft.com/office/drawing/2014/main" id="{B4C27B90-DF2B-4D00-BA07-18ED774CD2F1}"/>
               </a:ext>
               <a:ext uri="{C183D7F6-B498-43B3-948B-1728B52AA6E4}">
-                <adec:decorative xmlns:adec="http://schemas.microsoft.com/office/drawing/2017/decorative" xmlns="" val="1"/>
+                <adec:decorative xmlns="" xmlns:adec="http://schemas.microsoft.com/office/drawing/2017/decorative" val="1"/>
               </a:ext>
             </a:extLst>
           </p:cNvPr>
@@ -10954,7 +11404,7 @@
           <p:nvPr>
             <p:extLst>
               <p:ext uri="{386F3935-93C4-4BCD-93E2-E3B085C9AB24}">
-                <p16:designElem xmlns:p16="http://schemas.microsoft.com/office/powerpoint/2015/main" xmlns="" val="1"/>
+                <p16:designElem xmlns="" xmlns:p16="http://schemas.microsoft.com/office/powerpoint/2015/main" val="1"/>
               </p:ext>
             </p:extLst>
           </p:nvPr>
@@ -10996,10 +11446,10 @@
           <p:cNvPr id="50" name="Rectangle 49">
             <a:extLst>
               <a:ext uri="{FF2B5EF4-FFF2-40B4-BE49-F238E27FC236}">
-                <a16:creationId xmlns:a16="http://schemas.microsoft.com/office/drawing/2014/main" xmlns="" id="{593ACC25-C262-417A-8AA9-0641C772BDB6}"/>
+                <a16:creationId xmlns="" xmlns:a16="http://schemas.microsoft.com/office/drawing/2014/main" id="{593ACC25-C262-417A-8AA9-0641C772BDB6}"/>
               </a:ext>
               <a:ext uri="{C183D7F6-B498-43B3-948B-1728B52AA6E4}">
-                <adec:decorative xmlns:adec="http://schemas.microsoft.com/office/drawing/2017/decorative" xmlns="" val="1"/>
+                <adec:decorative xmlns="" xmlns:adec="http://schemas.microsoft.com/office/drawing/2017/decorative" val="1"/>
               </a:ext>
             </a:extLst>
           </p:cNvPr>
@@ -11009,7 +11459,7 @@
           <p:nvPr>
             <p:extLst>
               <p:ext uri="{386F3935-93C4-4BCD-93E2-E3B085C9AB24}">
-                <p16:designElem xmlns:p16="http://schemas.microsoft.com/office/powerpoint/2015/main" xmlns="" val="1"/>
+                <p16:designElem xmlns="" xmlns:p16="http://schemas.microsoft.com/office/powerpoint/2015/main" val="1"/>
               </p:ext>
             </p:extLst>
           </p:nvPr>
@@ -11096,10 +11546,10 @@
           <p:cNvPr id="20" name="Rectangle 19">
             <a:extLst>
               <a:ext uri="{FF2B5EF4-FFF2-40B4-BE49-F238E27FC236}">
-                <a16:creationId xmlns:a16="http://schemas.microsoft.com/office/drawing/2014/main" xmlns="" id="{4E4490D0-3672-446A-AC12-B4830333BDDD}"/>
+                <a16:creationId xmlns="" xmlns:a16="http://schemas.microsoft.com/office/drawing/2014/main" id="{4E4490D0-3672-446A-AC12-B4830333BDDD}"/>
               </a:ext>
               <a:ext uri="{C183D7F6-B498-43B3-948B-1728B52AA6E4}">
-                <adec:decorative xmlns:adec="http://schemas.microsoft.com/office/drawing/2017/decorative" xmlns="" val="1"/>
+                <adec:decorative xmlns="" xmlns:adec="http://schemas.microsoft.com/office/drawing/2017/decorative" val="1"/>
               </a:ext>
             </a:extLst>
           </p:cNvPr>
@@ -11109,7 +11559,7 @@
           <p:nvPr>
             <p:extLst>
               <p:ext uri="{386F3935-93C4-4BCD-93E2-E3B085C9AB24}">
-                <p16:designElem xmlns:p16="http://schemas.microsoft.com/office/powerpoint/2015/main" xmlns="" val="1"/>
+                <p16:designElem xmlns="" xmlns:p16="http://schemas.microsoft.com/office/powerpoint/2015/main" val="1"/>
               </p:ext>
             </p:extLst>
           </p:nvPr>
@@ -11151,10 +11601,10 @@
           <p:cNvPr id="22" name="Rectangle 21">
             <a:extLst>
               <a:ext uri="{FF2B5EF4-FFF2-40B4-BE49-F238E27FC236}">
-                <a16:creationId xmlns:a16="http://schemas.microsoft.com/office/drawing/2014/main" xmlns="" id="{39CB82C2-DF65-4EC1-8280-F201D50F570B}"/>
+                <a16:creationId xmlns="" xmlns:a16="http://schemas.microsoft.com/office/drawing/2014/main" id="{39CB82C2-DF65-4EC1-8280-F201D50F570B}"/>
               </a:ext>
               <a:ext uri="{C183D7F6-B498-43B3-948B-1728B52AA6E4}">
-                <adec:decorative xmlns:adec="http://schemas.microsoft.com/office/drawing/2017/decorative" xmlns="" val="1"/>
+                <adec:decorative xmlns="" xmlns:adec="http://schemas.microsoft.com/office/drawing/2017/decorative" val="1"/>
               </a:ext>
             </a:extLst>
           </p:cNvPr>
@@ -11164,7 +11614,7 @@
           <p:nvPr>
             <p:extLst>
               <p:ext uri="{386F3935-93C4-4BCD-93E2-E3B085C9AB24}">
-                <p16:designElem xmlns:p16="http://schemas.microsoft.com/office/powerpoint/2015/main" xmlns="" val="1"/>
+                <p16:designElem xmlns="" xmlns:p16="http://schemas.microsoft.com/office/powerpoint/2015/main" val="1"/>
               </p:ext>
             </p:extLst>
           </p:nvPr>
@@ -11206,10 +11656,10 @@
           <p:cNvPr id="24" name="Straight Connector 23">
             <a:extLst>
               <a:ext uri="{FF2B5EF4-FFF2-40B4-BE49-F238E27FC236}">
-                <a16:creationId xmlns:a16="http://schemas.microsoft.com/office/drawing/2014/main" xmlns="" id="{7E1D4427-852B-4B37-8E76-0E9F1810BA2A}"/>
+                <a16:creationId xmlns="" xmlns:a16="http://schemas.microsoft.com/office/drawing/2014/main" id="{7E1D4427-852B-4B37-8E76-0E9F1810BA2A}"/>
               </a:ext>
               <a:ext uri="{C183D7F6-B498-43B3-948B-1728B52AA6E4}">
-                <adec:decorative xmlns:adec="http://schemas.microsoft.com/office/drawing/2017/decorative" xmlns="" val="1"/>
+                <adec:decorative xmlns="" xmlns:adec="http://schemas.microsoft.com/office/drawing/2017/decorative" val="1"/>
               </a:ext>
             </a:extLst>
           </p:cNvPr>
@@ -11219,7 +11669,7 @@
           <p:nvPr>
             <p:extLst>
               <p:ext uri="{386F3935-93C4-4BCD-93E2-E3B085C9AB24}">
-                <p16:designElem xmlns:p16="http://schemas.microsoft.com/office/powerpoint/2015/main" xmlns="" val="1"/>
+                <p16:designElem xmlns="" xmlns:p16="http://schemas.microsoft.com/office/powerpoint/2015/main" val="1"/>
               </p:ext>
             </p:extLst>
           </p:nvPr>
@@ -11261,10 +11711,10 @@
           <p:cNvPr id="26" name="Rectangle 25">
             <a:extLst>
               <a:ext uri="{FF2B5EF4-FFF2-40B4-BE49-F238E27FC236}">
-                <a16:creationId xmlns:a16="http://schemas.microsoft.com/office/drawing/2014/main" xmlns="" id="{FA4CD5CB-D209-4D70-8CA4-629731C59219}"/>
+                <a16:creationId xmlns="" xmlns:a16="http://schemas.microsoft.com/office/drawing/2014/main" id="{FA4CD5CB-D209-4D70-8CA4-629731C59219}"/>
               </a:ext>
               <a:ext uri="{C183D7F6-B498-43B3-948B-1728B52AA6E4}">
-                <adec:decorative xmlns:adec="http://schemas.microsoft.com/office/drawing/2017/decorative" xmlns="" val="1"/>
+                <adec:decorative xmlns="" xmlns:adec="http://schemas.microsoft.com/office/drawing/2017/decorative" val="1"/>
               </a:ext>
             </a:extLst>
           </p:cNvPr>
@@ -11274,7 +11724,7 @@
           <p:nvPr>
             <p:extLst>
               <p:ext uri="{386F3935-93C4-4BCD-93E2-E3B085C9AB24}">
-                <p16:designElem xmlns:p16="http://schemas.microsoft.com/office/powerpoint/2015/main" xmlns="" val="1"/>
+                <p16:designElem xmlns="" xmlns:p16="http://schemas.microsoft.com/office/powerpoint/2015/main" val="1"/>
               </p:ext>
             </p:extLst>
           </p:nvPr>
@@ -11321,7 +11771,7 @@
           <p:cNvPr id="5" name="Titolo 4">
             <a:extLst>
               <a:ext uri="{FF2B5EF4-FFF2-40B4-BE49-F238E27FC236}">
-                <a16:creationId xmlns:a16="http://schemas.microsoft.com/office/drawing/2014/main" xmlns="" id="{68867EF6-D033-4487-8A94-A11710DE8041}"/>
+                <a16:creationId xmlns="" xmlns:a16="http://schemas.microsoft.com/office/drawing/2014/main" id="{68867EF6-D033-4487-8A94-A11710DE8041}"/>
               </a:ext>
             </a:extLst>
           </p:cNvPr>
@@ -11360,10 +11810,10 @@
       </p:sp>
       <p:pic>
         <p:nvPicPr>
-          <p:cNvPr id="15" name="Segnaposto contenuto 14" descr="C:\Users\HEW15AS003NLù\Downloads\20190405_161505.jpg">
+          <p:cNvPr id="15" name="Segnaposto contenuto 14">
             <a:extLst>
               <a:ext uri="{FF2B5EF4-FFF2-40B4-BE49-F238E27FC236}">
-                <a16:creationId xmlns:a16="http://schemas.microsoft.com/office/drawing/2014/main" xmlns="" id="{A21182F7-7BE5-41CC-A204-98C1F70FAE38}"/>
+                <a16:creationId xmlns="" xmlns:a16="http://schemas.microsoft.com/office/drawing/2014/main" id="{A21182F7-7BE5-41CC-A204-98C1F70FAE38}"/>
               </a:ext>
             </a:extLst>
           </p:cNvPr>
@@ -11388,8 +11838,8 @@
         </p:blipFill>
         <p:spPr bwMode="auto">
           <a:xfrm>
-            <a:off x="1594617" y="640081"/>
-            <a:ext cx="4990981" cy="5054156"/>
+            <a:off x="1860033" y="640080"/>
+            <a:ext cx="4421045" cy="5054156"/>
           </a:xfrm>
           <a:prstGeom prst="rect">
             <a:avLst/>
@@ -11402,10 +11852,10 @@
           <p:cNvPr id="28" name="Straight Connector 27">
             <a:extLst>
               <a:ext uri="{FF2B5EF4-FFF2-40B4-BE49-F238E27FC236}">
-                <a16:creationId xmlns:a16="http://schemas.microsoft.com/office/drawing/2014/main" xmlns="" id="{5C6A2BAE-B461-4B55-8E1F-0722ABDD1393}"/>
+                <a16:creationId xmlns="" xmlns:a16="http://schemas.microsoft.com/office/drawing/2014/main" id="{5C6A2BAE-B461-4B55-8E1F-0722ABDD1393}"/>
               </a:ext>
               <a:ext uri="{C183D7F6-B498-43B3-948B-1728B52AA6E4}">
-                <adec:decorative xmlns:adec="http://schemas.microsoft.com/office/drawing/2017/decorative" xmlns="" val="1"/>
+                <adec:decorative xmlns="" xmlns:adec="http://schemas.microsoft.com/office/drawing/2017/decorative" val="1"/>
               </a:ext>
             </a:extLst>
           </p:cNvPr>
@@ -11415,7 +11865,7 @@
           <p:nvPr>
             <p:extLst>
               <p:ext uri="{386F3935-93C4-4BCD-93E2-E3B085C9AB24}">
-                <p16:designElem xmlns:p16="http://schemas.microsoft.com/office/powerpoint/2015/main" xmlns="" val="1"/>
+                <p16:designElem xmlns="" xmlns:p16="http://schemas.microsoft.com/office/powerpoint/2015/main" val="1"/>
               </p:ext>
             </p:extLst>
           </p:nvPr>
@@ -11456,10 +11906,10 @@
           <p:cNvPr id="30" name="Rectangle 29">
             <a:extLst>
               <a:ext uri="{FF2B5EF4-FFF2-40B4-BE49-F238E27FC236}">
-                <a16:creationId xmlns:a16="http://schemas.microsoft.com/office/drawing/2014/main" xmlns="" id="{B4C27B90-DF2B-4D00-BA07-18ED774CD2F1}"/>
+                <a16:creationId xmlns="" xmlns:a16="http://schemas.microsoft.com/office/drawing/2014/main" id="{B4C27B90-DF2B-4D00-BA07-18ED774CD2F1}"/>
               </a:ext>
               <a:ext uri="{C183D7F6-B498-43B3-948B-1728B52AA6E4}">
-                <adec:decorative xmlns:adec="http://schemas.microsoft.com/office/drawing/2017/decorative" xmlns="" val="1"/>
+                <adec:decorative xmlns="" xmlns:adec="http://schemas.microsoft.com/office/drawing/2017/decorative" val="1"/>
               </a:ext>
             </a:extLst>
           </p:cNvPr>
@@ -11469,7 +11919,7 @@
           <p:nvPr>
             <p:extLst>
               <p:ext uri="{386F3935-93C4-4BCD-93E2-E3B085C9AB24}">
-                <p16:designElem xmlns:p16="http://schemas.microsoft.com/office/powerpoint/2015/main" xmlns="" val="1"/>
+                <p16:designElem xmlns="" xmlns:p16="http://schemas.microsoft.com/office/powerpoint/2015/main" val="1"/>
               </p:ext>
             </p:extLst>
           </p:nvPr>
@@ -11511,10 +11961,10 @@
           <p:cNvPr id="32" name="Rectangle 31">
             <a:extLst>
               <a:ext uri="{FF2B5EF4-FFF2-40B4-BE49-F238E27FC236}">
-                <a16:creationId xmlns:a16="http://schemas.microsoft.com/office/drawing/2014/main" xmlns="" id="{593ACC25-C262-417A-8AA9-0641C772BDB6}"/>
+                <a16:creationId xmlns="" xmlns:a16="http://schemas.microsoft.com/office/drawing/2014/main" id="{593ACC25-C262-417A-8AA9-0641C772BDB6}"/>
               </a:ext>
               <a:ext uri="{C183D7F6-B498-43B3-948B-1728B52AA6E4}">
-                <adec:decorative xmlns:adec="http://schemas.microsoft.com/office/drawing/2017/decorative" xmlns="" val="1"/>
+                <adec:decorative xmlns="" xmlns:adec="http://schemas.microsoft.com/office/drawing/2017/decorative" val="1"/>
               </a:ext>
             </a:extLst>
           </p:cNvPr>
@@ -11524,7 +11974,7 @@
           <p:nvPr>
             <p:extLst>
               <p:ext uri="{386F3935-93C4-4BCD-93E2-E3B085C9AB24}">
-                <p16:designElem xmlns:p16="http://schemas.microsoft.com/office/powerpoint/2015/main" xmlns="" val="1"/>
+                <p16:designElem xmlns="" xmlns:p16="http://schemas.microsoft.com/office/powerpoint/2015/main" val="1"/>
               </p:ext>
             </p:extLst>
           </p:nvPr>
@@ -11603,7 +12053,7 @@
           <p:cNvPr id="2" name="Titolo 1">
             <a:extLst>
               <a:ext uri="{FF2B5EF4-FFF2-40B4-BE49-F238E27FC236}">
-                <a16:creationId xmlns:a16="http://schemas.microsoft.com/office/drawing/2014/main" xmlns="" id="{1B67CCBC-3FC1-4DCE-8078-4F7C03F81E50}"/>
+                <a16:creationId xmlns="" xmlns:a16="http://schemas.microsoft.com/office/drawing/2014/main" id="{1B67CCBC-3FC1-4DCE-8078-4F7C03F81E50}"/>
               </a:ext>
             </a:extLst>
           </p:cNvPr>
@@ -11631,7 +12081,7 @@
           <p:cNvPr id="3" name="Segnaposto contenuto 2">
             <a:extLst>
               <a:ext uri="{FF2B5EF4-FFF2-40B4-BE49-F238E27FC236}">
-                <a16:creationId xmlns:a16="http://schemas.microsoft.com/office/drawing/2014/main" xmlns="" id="{8707E53E-2B89-4C32-9F19-819B3966186C}"/>
+                <a16:creationId xmlns="" xmlns:a16="http://schemas.microsoft.com/office/drawing/2014/main" id="{8707E53E-2B89-4C32-9F19-819B3966186C}"/>
               </a:ext>
             </a:extLst>
           </p:cNvPr>
